--- a/JS/JavaScript.pptx
+++ b/JS/JavaScript.pptx
@@ -263,7 +263,7 @@
           <a:p>
             <a:fld id="{2EB1900A-CF1B-B843-834D-920A07F18114}" type="datetimeFigureOut">
               <a:rPr lang="en-US" smtClean="0"/>
-              <a:t>9/4/25</a:t>
+              <a:t>9/7/25</a:t>
             </a:fld>
             <a:endParaRPr lang="en-US"/>
           </a:p>
@@ -463,7 +463,7 @@
           <a:p>
             <a:fld id="{2EB1900A-CF1B-B843-834D-920A07F18114}" type="datetimeFigureOut">
               <a:rPr lang="en-US" smtClean="0"/>
-              <a:t>9/4/25</a:t>
+              <a:t>9/7/25</a:t>
             </a:fld>
             <a:endParaRPr lang="en-US"/>
           </a:p>
@@ -673,7 +673,7 @@
           <a:p>
             <a:fld id="{2EB1900A-CF1B-B843-834D-920A07F18114}" type="datetimeFigureOut">
               <a:rPr lang="en-US" smtClean="0"/>
-              <a:t>9/4/25</a:t>
+              <a:t>9/7/25</a:t>
             </a:fld>
             <a:endParaRPr lang="en-US"/>
           </a:p>
@@ -873,7 +873,7 @@
           <a:p>
             <a:fld id="{2EB1900A-CF1B-B843-834D-920A07F18114}" type="datetimeFigureOut">
               <a:rPr lang="en-US" smtClean="0"/>
-              <a:t>9/4/25</a:t>
+              <a:t>9/7/25</a:t>
             </a:fld>
             <a:endParaRPr lang="en-US"/>
           </a:p>
@@ -1149,7 +1149,7 @@
           <a:p>
             <a:fld id="{2EB1900A-CF1B-B843-834D-920A07F18114}" type="datetimeFigureOut">
               <a:rPr lang="en-US" smtClean="0"/>
-              <a:t>9/4/25</a:t>
+              <a:t>9/7/25</a:t>
             </a:fld>
             <a:endParaRPr lang="en-US"/>
           </a:p>
@@ -1417,7 +1417,7 @@
           <a:p>
             <a:fld id="{2EB1900A-CF1B-B843-834D-920A07F18114}" type="datetimeFigureOut">
               <a:rPr lang="en-US" smtClean="0"/>
-              <a:t>9/4/25</a:t>
+              <a:t>9/7/25</a:t>
             </a:fld>
             <a:endParaRPr lang="en-US"/>
           </a:p>
@@ -1832,7 +1832,7 @@
           <a:p>
             <a:fld id="{2EB1900A-CF1B-B843-834D-920A07F18114}" type="datetimeFigureOut">
               <a:rPr lang="en-US" smtClean="0"/>
-              <a:t>9/4/25</a:t>
+              <a:t>9/7/25</a:t>
             </a:fld>
             <a:endParaRPr lang="en-US"/>
           </a:p>
@@ -1974,7 +1974,7 @@
           <a:p>
             <a:fld id="{2EB1900A-CF1B-B843-834D-920A07F18114}" type="datetimeFigureOut">
               <a:rPr lang="en-US" smtClean="0"/>
-              <a:t>9/4/25</a:t>
+              <a:t>9/7/25</a:t>
             </a:fld>
             <a:endParaRPr lang="en-US"/>
           </a:p>
@@ -2087,7 +2087,7 @@
           <a:p>
             <a:fld id="{2EB1900A-CF1B-B843-834D-920A07F18114}" type="datetimeFigureOut">
               <a:rPr lang="en-US" smtClean="0"/>
-              <a:t>9/4/25</a:t>
+              <a:t>9/7/25</a:t>
             </a:fld>
             <a:endParaRPr lang="en-US"/>
           </a:p>
@@ -2400,7 +2400,7 @@
           <a:p>
             <a:fld id="{2EB1900A-CF1B-B843-834D-920A07F18114}" type="datetimeFigureOut">
               <a:rPr lang="en-US" smtClean="0"/>
-              <a:t>9/4/25</a:t>
+              <a:t>9/7/25</a:t>
             </a:fld>
             <a:endParaRPr lang="en-US"/>
           </a:p>
@@ -2689,7 +2689,7 @@
           <a:p>
             <a:fld id="{2EB1900A-CF1B-B843-834D-920A07F18114}" type="datetimeFigureOut">
               <a:rPr lang="en-US" smtClean="0"/>
-              <a:t>9/4/25</a:t>
+              <a:t>9/7/25</a:t>
             </a:fld>
             <a:endParaRPr lang="en-US"/>
           </a:p>
@@ -2932,7 +2932,7 @@
           <a:p>
             <a:fld id="{2EB1900A-CF1B-B843-834D-920A07F18114}" type="datetimeFigureOut">
               <a:rPr lang="en-US" smtClean="0"/>
-              <a:t>9/4/25</a:t>
+              <a:t>9/7/25</a:t>
             </a:fld>
             <a:endParaRPr lang="en-US"/>
           </a:p>
@@ -3750,14 +3750,80 @@
           </a:p>
           <a:p>
             <a:r>
+              <a:rPr lang="en-US" dirty="0" err="1"/>
+              <a:t>Truthy_falsy</a:t>
+            </a:r>
+            <a:endParaRPr lang="en-US" dirty="0"/>
+          </a:p>
+          <a:p>
+            <a:r>
+              <a:rPr lang="en-US" dirty="0" err="1"/>
+              <a:t>If_else</a:t>
+            </a:r>
+            <a:r>
+              <a:rPr lang="en-US" dirty="0"/>
+              <a:t> conditional statement</a:t>
+            </a:r>
+          </a:p>
+          <a:p>
+            <a:r>
+              <a:rPr lang="en-US" dirty="0"/>
+              <a:t>Ternary operator</a:t>
+            </a:r>
+          </a:p>
+          <a:p>
+            <a:r>
+              <a:rPr lang="en-US" dirty="0" err="1"/>
+              <a:t>Nested_if</a:t>
+            </a:r>
+            <a:endParaRPr lang="en-US" dirty="0"/>
+          </a:p>
+          <a:p>
+            <a:r>
+              <a:rPr lang="en-US" dirty="0"/>
+              <a:t>And (&amp;&amp;) or (||) operator</a:t>
+            </a:r>
+          </a:p>
+          <a:p>
+            <a:r>
+              <a:rPr lang="en-US" dirty="0" err="1"/>
+              <a:t>Else_if</a:t>
+            </a:r>
+            <a:endParaRPr lang="en-US" dirty="0"/>
+          </a:p>
+          <a:p>
+            <a:r>
+              <a:rPr lang="en-US" dirty="0"/>
+              <a:t>Switch keyword</a:t>
+            </a:r>
+          </a:p>
+          <a:p>
+            <a:r>
+              <a:rPr lang="en-US" dirty="0" err="1"/>
+              <a:t>For_loop</a:t>
+            </a:r>
+            <a:endParaRPr lang="en-US" dirty="0"/>
+          </a:p>
+          <a:p>
+            <a:r>
+              <a:rPr lang="en-US" dirty="0" err="1"/>
+              <a:t>while_loop</a:t>
+            </a:r>
+            <a:endParaRPr lang="en-US" dirty="0"/>
+          </a:p>
+          <a:p>
+            <a:r>
+              <a:rPr lang="en-US" dirty="0" err="1"/>
+              <a:t>Do_while_loop</a:t>
+            </a:r>
+            <a:endParaRPr lang="en-US" dirty="0"/>
+          </a:p>
+          <a:p>
+            <a:r>
               <a:rPr lang="en-US"/>
-              <a:t>Truthy_fals</a:t>
-            </a:r>
-            <a:r>
-              <a:rPr lang="en-US" dirty="0"/>
-              <a:t>y</a:t>
-            </a:r>
-            <a:endParaRPr lang="en-US"/>
+              <a:t>Break_continue</a:t>
+            </a:r>
+            <a:endParaRPr lang="en-US" dirty="0"/>
           </a:p>
         </p:txBody>
       </p:sp>

--- a/JS/JavaScript.pptx
+++ b/JS/JavaScript.pptx
@@ -8,6 +8,7 @@
     <p:sldId id="256" r:id="rId2"/>
     <p:sldId id="257" r:id="rId3"/>
     <p:sldId id="258" r:id="rId4"/>
+    <p:sldId id="259" r:id="rId5"/>
   </p:sldIdLst>
   <p:sldSz cx="12192000" cy="6858000"/>
   <p:notesSz cx="6858000" cy="9144000"/>
@@ -263,7 +264,7 @@
           <a:p>
             <a:fld id="{2EB1900A-CF1B-B843-834D-920A07F18114}" type="datetimeFigureOut">
               <a:rPr lang="en-US" smtClean="0"/>
-              <a:t>9/7/25</a:t>
+              <a:t>9/8/25</a:t>
             </a:fld>
             <a:endParaRPr lang="en-US"/>
           </a:p>
@@ -463,7 +464,7 @@
           <a:p>
             <a:fld id="{2EB1900A-CF1B-B843-834D-920A07F18114}" type="datetimeFigureOut">
               <a:rPr lang="en-US" smtClean="0"/>
-              <a:t>9/7/25</a:t>
+              <a:t>9/8/25</a:t>
             </a:fld>
             <a:endParaRPr lang="en-US"/>
           </a:p>
@@ -673,7 +674,7 @@
           <a:p>
             <a:fld id="{2EB1900A-CF1B-B843-834D-920A07F18114}" type="datetimeFigureOut">
               <a:rPr lang="en-US" smtClean="0"/>
-              <a:t>9/7/25</a:t>
+              <a:t>9/8/25</a:t>
             </a:fld>
             <a:endParaRPr lang="en-US"/>
           </a:p>
@@ -873,7 +874,7 @@
           <a:p>
             <a:fld id="{2EB1900A-CF1B-B843-834D-920A07F18114}" type="datetimeFigureOut">
               <a:rPr lang="en-US" smtClean="0"/>
-              <a:t>9/7/25</a:t>
+              <a:t>9/8/25</a:t>
             </a:fld>
             <a:endParaRPr lang="en-US"/>
           </a:p>
@@ -1149,7 +1150,7 @@
           <a:p>
             <a:fld id="{2EB1900A-CF1B-B843-834D-920A07F18114}" type="datetimeFigureOut">
               <a:rPr lang="en-US" smtClean="0"/>
-              <a:t>9/7/25</a:t>
+              <a:t>9/8/25</a:t>
             </a:fld>
             <a:endParaRPr lang="en-US"/>
           </a:p>
@@ -1417,7 +1418,7 @@
           <a:p>
             <a:fld id="{2EB1900A-CF1B-B843-834D-920A07F18114}" type="datetimeFigureOut">
               <a:rPr lang="en-US" smtClean="0"/>
-              <a:t>9/7/25</a:t>
+              <a:t>9/8/25</a:t>
             </a:fld>
             <a:endParaRPr lang="en-US"/>
           </a:p>
@@ -1832,7 +1833,7 @@
           <a:p>
             <a:fld id="{2EB1900A-CF1B-B843-834D-920A07F18114}" type="datetimeFigureOut">
               <a:rPr lang="en-US" smtClean="0"/>
-              <a:t>9/7/25</a:t>
+              <a:t>9/8/25</a:t>
             </a:fld>
             <a:endParaRPr lang="en-US"/>
           </a:p>
@@ -1974,7 +1975,7 @@
           <a:p>
             <a:fld id="{2EB1900A-CF1B-B843-834D-920A07F18114}" type="datetimeFigureOut">
               <a:rPr lang="en-US" smtClean="0"/>
-              <a:t>9/7/25</a:t>
+              <a:t>9/8/25</a:t>
             </a:fld>
             <a:endParaRPr lang="en-US"/>
           </a:p>
@@ -2087,7 +2088,7 @@
           <a:p>
             <a:fld id="{2EB1900A-CF1B-B843-834D-920A07F18114}" type="datetimeFigureOut">
               <a:rPr lang="en-US" smtClean="0"/>
-              <a:t>9/7/25</a:t>
+              <a:t>9/8/25</a:t>
             </a:fld>
             <a:endParaRPr lang="en-US"/>
           </a:p>
@@ -2400,7 +2401,7 @@
           <a:p>
             <a:fld id="{2EB1900A-CF1B-B843-834D-920A07F18114}" type="datetimeFigureOut">
               <a:rPr lang="en-US" smtClean="0"/>
-              <a:t>9/7/25</a:t>
+              <a:t>9/8/25</a:t>
             </a:fld>
             <a:endParaRPr lang="en-US"/>
           </a:p>
@@ -2689,7 +2690,7 @@
           <a:p>
             <a:fld id="{2EB1900A-CF1B-B843-834D-920A07F18114}" type="datetimeFigureOut">
               <a:rPr lang="en-US" smtClean="0"/>
-              <a:t>9/7/25</a:t>
+              <a:t>9/8/25</a:t>
             </a:fld>
             <a:endParaRPr lang="en-US"/>
           </a:p>
@@ -2932,7 +2933,7 @@
           <a:p>
             <a:fld id="{2EB1900A-CF1B-B843-834D-920A07F18114}" type="datetimeFigureOut">
               <a:rPr lang="en-US" smtClean="0"/>
-              <a:t>9/7/25</a:t>
+              <a:t>9/8/25</a:t>
             </a:fld>
             <a:endParaRPr lang="en-US"/>
           </a:p>
@@ -3820,7 +3821,7 @@
           </a:p>
           <a:p>
             <a:r>
-              <a:rPr lang="en-US"/>
+              <a:rPr lang="en-US" dirty="0" err="1"/>
               <a:t>Break_continue</a:t>
             </a:r>
             <a:endParaRPr lang="en-US" dirty="0"/>
@@ -3831,6 +3832,98 @@
     <p:extLst>
       <p:ext uri="{BB962C8B-B14F-4D97-AF65-F5344CB8AC3E}">
         <p14:creationId xmlns:p14="http://schemas.microsoft.com/office/powerpoint/2010/main" val="2278331797"/>
+      </p:ext>
+    </p:extLst>
+  </p:cSld>
+  <p:clrMapOvr>
+    <a:masterClrMapping/>
+  </p:clrMapOvr>
+</p:sld>
+</file>
+
+<file path=ppt/slides/slide4.xml><?xml version="1.0" encoding="utf-8"?>
+<p:sld xmlns:a="http://schemas.openxmlformats.org/drawingml/2006/main" xmlns:r="http://schemas.openxmlformats.org/officeDocument/2006/relationships" xmlns:p="http://schemas.openxmlformats.org/presentationml/2006/main">
+  <p:cSld>
+    <p:spTree>
+      <p:nvGrpSpPr>
+        <p:cNvPr id="1" name=""/>
+        <p:cNvGrpSpPr/>
+        <p:nvPr/>
+      </p:nvGrpSpPr>
+      <p:grpSpPr>
+        <a:xfrm>
+          <a:off x="0" y="0"/>
+          <a:ext cx="0" cy="0"/>
+          <a:chOff x="0" y="0"/>
+          <a:chExt cx="0" cy="0"/>
+        </a:xfrm>
+      </p:grpSpPr>
+      <p:sp>
+        <p:nvSpPr>
+          <p:cNvPr id="3" name="Content Placeholder 2">
+            <a:extLst>
+              <a:ext uri="{FF2B5EF4-FFF2-40B4-BE49-F238E27FC236}">
+                <a16:creationId xmlns:a16="http://schemas.microsoft.com/office/drawing/2014/main" id="{CC7E2AA8-3169-D789-5E2A-19E8FE18B033}"/>
+              </a:ext>
+            </a:extLst>
+          </p:cNvPr>
+          <p:cNvSpPr>
+            <a:spLocks noGrp="1"/>
+          </p:cNvSpPr>
+          <p:nvPr>
+            <p:ph idx="1"/>
+          </p:nvPr>
+        </p:nvSpPr>
+        <p:spPr>
+          <a:xfrm>
+            <a:off x="838200" y="387275"/>
+            <a:ext cx="10515600" cy="5789688"/>
+          </a:xfrm>
+        </p:spPr>
+        <p:txBody>
+          <a:bodyPr/>
+          <a:lstStyle/>
+          <a:p>
+            <a:r>
+              <a:rPr lang="en-US" dirty="0"/>
+              <a:t>Introduction of Array</a:t>
+            </a:r>
+          </a:p>
+          <a:p>
+            <a:r>
+              <a:rPr lang="en-US" dirty="0"/>
+              <a:t>Array methods </a:t>
+            </a:r>
+            <a:r>
+              <a:rPr lang="en-US" dirty="0" err="1"/>
+              <a:t>push,pop,shift,unshift</a:t>
+            </a:r>
+            <a:endParaRPr lang="en-US" dirty="0"/>
+          </a:p>
+          <a:p>
+            <a:r>
+              <a:rPr lang="en-US" dirty="0"/>
+              <a:t>Array methods </a:t>
+            </a:r>
+            <a:r>
+              <a:rPr lang="en-US" dirty="0" err="1"/>
+              <a:t>includes,indexOf,slice,join,concat</a:t>
+            </a:r>
+            <a:endParaRPr lang="en-US" dirty="0"/>
+          </a:p>
+          <a:p>
+            <a:r>
+              <a:rPr lang="en-US"/>
+              <a:t>Array clone</a:t>
+            </a:r>
+            <a:endParaRPr lang="en-US" dirty="0"/>
+          </a:p>
+        </p:txBody>
+      </p:sp>
+    </p:spTree>
+    <p:extLst>
+      <p:ext uri="{BB962C8B-B14F-4D97-AF65-F5344CB8AC3E}">
+        <p14:creationId xmlns:p14="http://schemas.microsoft.com/office/powerpoint/2010/main" val="3628438727"/>
       </p:ext>
     </p:extLst>
   </p:cSld>

--- a/JS/JavaScript.pptx
+++ b/JS/JavaScript.pptx
@@ -9,6 +9,7 @@
     <p:sldId id="257" r:id="rId3"/>
     <p:sldId id="258" r:id="rId4"/>
     <p:sldId id="259" r:id="rId5"/>
+    <p:sldId id="260" r:id="rId6"/>
   </p:sldIdLst>
   <p:sldSz cx="12192000" cy="6858000"/>
   <p:notesSz cx="6858000" cy="9144000"/>
@@ -264,7 +265,7 @@
           <a:p>
             <a:fld id="{2EB1900A-CF1B-B843-834D-920A07F18114}" type="datetimeFigureOut">
               <a:rPr lang="en-US" smtClean="0"/>
-              <a:t>9/8/25</a:t>
+              <a:t>9/12/25</a:t>
             </a:fld>
             <a:endParaRPr lang="en-US"/>
           </a:p>
@@ -464,7 +465,7 @@
           <a:p>
             <a:fld id="{2EB1900A-CF1B-B843-834D-920A07F18114}" type="datetimeFigureOut">
               <a:rPr lang="en-US" smtClean="0"/>
-              <a:t>9/8/25</a:t>
+              <a:t>9/12/25</a:t>
             </a:fld>
             <a:endParaRPr lang="en-US"/>
           </a:p>
@@ -674,7 +675,7 @@
           <a:p>
             <a:fld id="{2EB1900A-CF1B-B843-834D-920A07F18114}" type="datetimeFigureOut">
               <a:rPr lang="en-US" smtClean="0"/>
-              <a:t>9/8/25</a:t>
+              <a:t>9/12/25</a:t>
             </a:fld>
             <a:endParaRPr lang="en-US"/>
           </a:p>
@@ -874,7 +875,7 @@
           <a:p>
             <a:fld id="{2EB1900A-CF1B-B843-834D-920A07F18114}" type="datetimeFigureOut">
               <a:rPr lang="en-US" smtClean="0"/>
-              <a:t>9/8/25</a:t>
+              <a:t>9/12/25</a:t>
             </a:fld>
             <a:endParaRPr lang="en-US"/>
           </a:p>
@@ -1150,7 +1151,7 @@
           <a:p>
             <a:fld id="{2EB1900A-CF1B-B843-834D-920A07F18114}" type="datetimeFigureOut">
               <a:rPr lang="en-US" smtClean="0"/>
-              <a:t>9/8/25</a:t>
+              <a:t>9/12/25</a:t>
             </a:fld>
             <a:endParaRPr lang="en-US"/>
           </a:p>
@@ -1418,7 +1419,7 @@
           <a:p>
             <a:fld id="{2EB1900A-CF1B-B843-834D-920A07F18114}" type="datetimeFigureOut">
               <a:rPr lang="en-US" smtClean="0"/>
-              <a:t>9/8/25</a:t>
+              <a:t>9/12/25</a:t>
             </a:fld>
             <a:endParaRPr lang="en-US"/>
           </a:p>
@@ -1833,7 +1834,7 @@
           <a:p>
             <a:fld id="{2EB1900A-CF1B-B843-834D-920A07F18114}" type="datetimeFigureOut">
               <a:rPr lang="en-US" smtClean="0"/>
-              <a:t>9/8/25</a:t>
+              <a:t>9/12/25</a:t>
             </a:fld>
             <a:endParaRPr lang="en-US"/>
           </a:p>
@@ -1975,7 +1976,7 @@
           <a:p>
             <a:fld id="{2EB1900A-CF1B-B843-834D-920A07F18114}" type="datetimeFigureOut">
               <a:rPr lang="en-US" smtClean="0"/>
-              <a:t>9/8/25</a:t>
+              <a:t>9/12/25</a:t>
             </a:fld>
             <a:endParaRPr lang="en-US"/>
           </a:p>
@@ -2088,7 +2089,7 @@
           <a:p>
             <a:fld id="{2EB1900A-CF1B-B843-834D-920A07F18114}" type="datetimeFigureOut">
               <a:rPr lang="en-US" smtClean="0"/>
-              <a:t>9/8/25</a:t>
+              <a:t>9/12/25</a:t>
             </a:fld>
             <a:endParaRPr lang="en-US"/>
           </a:p>
@@ -2401,7 +2402,7 @@
           <a:p>
             <a:fld id="{2EB1900A-CF1B-B843-834D-920A07F18114}" type="datetimeFigureOut">
               <a:rPr lang="en-US" smtClean="0"/>
-              <a:t>9/8/25</a:t>
+              <a:t>9/12/25</a:t>
             </a:fld>
             <a:endParaRPr lang="en-US"/>
           </a:p>
@@ -2690,7 +2691,7 @@
           <a:p>
             <a:fld id="{2EB1900A-CF1B-B843-834D-920A07F18114}" type="datetimeFigureOut">
               <a:rPr lang="en-US" smtClean="0"/>
-              <a:t>9/8/25</a:t>
+              <a:t>9/12/25</a:t>
             </a:fld>
             <a:endParaRPr lang="en-US"/>
           </a:p>
@@ -2933,7 +2934,7 @@
           <a:p>
             <a:fld id="{2EB1900A-CF1B-B843-834D-920A07F18114}" type="datetimeFigureOut">
               <a:rPr lang="en-US" smtClean="0"/>
-              <a:t>9/8/25</a:t>
+              <a:t>9/12/25</a:t>
             </a:fld>
             <a:endParaRPr lang="en-US"/>
           </a:p>
@@ -3881,7 +3882,9 @@
           </a:xfrm>
         </p:spPr>
         <p:txBody>
-          <a:bodyPr/>
+          <a:bodyPr numCol="2">
+            <a:normAutofit/>
+          </a:bodyPr>
           <a:lstStyle/>
           <a:p>
             <a:r>
@@ -3913,10 +3916,90 @@
           </a:p>
           <a:p>
             <a:r>
-              <a:rPr lang="en-US"/>
+              <a:rPr lang="en-US" dirty="0"/>
               <a:t>Array clone</a:t>
             </a:r>
+          </a:p>
+          <a:p>
+            <a:r>
+              <a:rPr lang="en-US" dirty="0"/>
+              <a:t>Array iterate for and for of loop</a:t>
+            </a:r>
+          </a:p>
+          <a:p>
+            <a:r>
+              <a:rPr lang="en-US" dirty="0"/>
+              <a:t>Array iterate for in and While loop</a:t>
+            </a:r>
+          </a:p>
+          <a:p>
+            <a:r>
+              <a:rPr lang="en-US" dirty="0"/>
+              <a:t>Array </a:t>
+            </a:r>
+            <a:r>
+              <a:rPr lang="en-US" dirty="0" err="1"/>
+              <a:t>destructure</a:t>
+            </a:r>
             <a:endParaRPr lang="en-US" dirty="0"/>
+          </a:p>
+          <a:p>
+            <a:r>
+              <a:rPr lang="en-US" dirty="0"/>
+              <a:t>Object in JS</a:t>
+            </a:r>
+          </a:p>
+          <a:p>
+            <a:r>
+              <a:rPr lang="en-US" dirty="0" err="1"/>
+              <a:t>Object_add_remove</a:t>
+            </a:r>
+            <a:endParaRPr lang="en-US" dirty="0"/>
+          </a:p>
+          <a:p>
+            <a:r>
+              <a:rPr lang="en-US" dirty="0" err="1"/>
+              <a:t>Object_iterate</a:t>
+            </a:r>
+            <a:endParaRPr lang="en-US" dirty="0"/>
+          </a:p>
+          <a:p>
+            <a:r>
+              <a:rPr lang="en-US" dirty="0" err="1"/>
+              <a:t>spread_operator</a:t>
+            </a:r>
+            <a:r>
+              <a:rPr lang="en-US" dirty="0"/>
+              <a:t> in arrays and objects</a:t>
+            </a:r>
+          </a:p>
+          <a:p>
+            <a:r>
+              <a:rPr lang="en-US" dirty="0"/>
+              <a:t>Object </a:t>
+            </a:r>
+            <a:r>
+              <a:rPr lang="en-US" dirty="0" err="1"/>
+              <a:t>destructuring</a:t>
+            </a:r>
+            <a:r>
+              <a:rPr lang="en-US" dirty="0"/>
+              <a:t> and discuss different method of </a:t>
+            </a:r>
+            <a:r>
+              <a:rPr lang="en-US" dirty="0" err="1"/>
+              <a:t>destructure</a:t>
+            </a:r>
+            <a:r>
+              <a:rPr lang="en-US" dirty="0"/>
+              <a:t> Object</a:t>
+            </a:r>
+          </a:p>
+          <a:p>
+            <a:r>
+              <a:rPr lang="en-US" dirty="0"/>
+              <a:t>FAQ interview</a:t>
+            </a:r>
           </a:p>
         </p:txBody>
       </p:sp>
@@ -3924,6 +4007,131 @@
     <p:extLst>
       <p:ext uri="{BB962C8B-B14F-4D97-AF65-F5344CB8AC3E}">
         <p14:creationId xmlns:p14="http://schemas.microsoft.com/office/powerpoint/2010/main" val="3628438727"/>
+      </p:ext>
+    </p:extLst>
+  </p:cSld>
+  <p:clrMapOvr>
+    <a:masterClrMapping/>
+  </p:clrMapOvr>
+</p:sld>
+</file>
+
+<file path=ppt/slides/slide5.xml><?xml version="1.0" encoding="utf-8"?>
+<p:sld xmlns:a="http://schemas.openxmlformats.org/drawingml/2006/main" xmlns:r="http://schemas.openxmlformats.org/officeDocument/2006/relationships" xmlns:p="http://schemas.openxmlformats.org/presentationml/2006/main">
+  <p:cSld>
+    <p:spTree>
+      <p:nvGrpSpPr>
+        <p:cNvPr id="1" name=""/>
+        <p:cNvGrpSpPr/>
+        <p:nvPr/>
+      </p:nvGrpSpPr>
+      <p:grpSpPr>
+        <a:xfrm>
+          <a:off x="0" y="0"/>
+          <a:ext cx="0" cy="0"/>
+          <a:chOff x="0" y="0"/>
+          <a:chExt cx="0" cy="0"/>
+        </a:xfrm>
+      </p:grpSpPr>
+      <p:sp>
+        <p:nvSpPr>
+          <p:cNvPr id="2" name="Title 1">
+            <a:extLst>
+              <a:ext uri="{FF2B5EF4-FFF2-40B4-BE49-F238E27FC236}">
+                <a16:creationId xmlns:a16="http://schemas.microsoft.com/office/drawing/2014/main" id="{4031AA08-0679-EF1F-6CA7-501310A5EF16}"/>
+              </a:ext>
+            </a:extLst>
+          </p:cNvPr>
+          <p:cNvSpPr>
+            <a:spLocks noGrp="1"/>
+          </p:cNvSpPr>
+          <p:nvPr>
+            <p:ph type="title"/>
+          </p:nvPr>
+        </p:nvSpPr>
+        <p:spPr>
+          <a:xfrm>
+            <a:off x="838200" y="83771"/>
+            <a:ext cx="10515600" cy="725121"/>
+          </a:xfrm>
+        </p:spPr>
+        <p:txBody>
+          <a:bodyPr/>
+          <a:lstStyle/>
+          <a:p>
+            <a:r>
+              <a:rPr lang="en-US" dirty="0"/>
+              <a:t>Advance JS</a:t>
+            </a:r>
+          </a:p>
+        </p:txBody>
+      </p:sp>
+      <p:sp>
+        <p:nvSpPr>
+          <p:cNvPr id="3" name="Content Placeholder 2">
+            <a:extLst>
+              <a:ext uri="{FF2B5EF4-FFF2-40B4-BE49-F238E27FC236}">
+                <a16:creationId xmlns:a16="http://schemas.microsoft.com/office/drawing/2014/main" id="{AFE61F5E-8915-996D-C746-D91987F7EEEE}"/>
+              </a:ext>
+            </a:extLst>
+          </p:cNvPr>
+          <p:cNvSpPr>
+            <a:spLocks noGrp="1"/>
+          </p:cNvSpPr>
+          <p:nvPr>
+            <p:ph idx="1"/>
+          </p:nvPr>
+        </p:nvSpPr>
+        <p:spPr>
+          <a:xfrm>
+            <a:off x="838200" y="808892"/>
+            <a:ext cx="10515600" cy="5368071"/>
+          </a:xfrm>
+        </p:spPr>
+        <p:txBody>
+          <a:bodyPr/>
+          <a:lstStyle/>
+          <a:p>
+            <a:r>
+              <a:rPr lang="en-US" dirty="0"/>
+              <a:t>What is functions in JS</a:t>
+            </a:r>
+          </a:p>
+          <a:p>
+            <a:r>
+              <a:rPr lang="en-US" dirty="0"/>
+              <a:t>Functions return keywords, arguments, parameters, default parameters</a:t>
+            </a:r>
+          </a:p>
+          <a:p>
+            <a:r>
+              <a:rPr lang="en-US" dirty="0" err="1"/>
+              <a:t>Define_function</a:t>
+            </a:r>
+            <a:endParaRPr lang="en-US" dirty="0"/>
+          </a:p>
+          <a:p>
+            <a:r>
+              <a:rPr lang="en-US" dirty="0"/>
+              <a:t>Arrow Function Practice</a:t>
+            </a:r>
+          </a:p>
+          <a:p>
+            <a:r>
+              <a:rPr lang="en-US" dirty="0"/>
+              <a:t>What is Rest Parameters </a:t>
+            </a:r>
+            <a:r>
+              <a:rPr lang="en-US"/>
+              <a:t>in Functions</a:t>
+            </a:r>
+          </a:p>
+        </p:txBody>
+      </p:sp>
+    </p:spTree>
+    <p:extLst>
+      <p:ext uri="{BB962C8B-B14F-4D97-AF65-F5344CB8AC3E}">
+        <p14:creationId xmlns:p14="http://schemas.microsoft.com/office/powerpoint/2010/main" val="394746752"/>
       </p:ext>
     </p:extLst>
   </p:cSld>

--- a/JS/JavaScript.pptx
+++ b/JS/JavaScript.pptx
@@ -265,7 +265,7 @@
           <a:p>
             <a:fld id="{2EB1900A-CF1B-B843-834D-920A07F18114}" type="datetimeFigureOut">
               <a:rPr lang="en-US" smtClean="0"/>
-              <a:t>9/12/25</a:t>
+              <a:t>9/15/25</a:t>
             </a:fld>
             <a:endParaRPr lang="en-US"/>
           </a:p>
@@ -465,7 +465,7 @@
           <a:p>
             <a:fld id="{2EB1900A-CF1B-B843-834D-920A07F18114}" type="datetimeFigureOut">
               <a:rPr lang="en-US" smtClean="0"/>
-              <a:t>9/12/25</a:t>
+              <a:t>9/15/25</a:t>
             </a:fld>
             <a:endParaRPr lang="en-US"/>
           </a:p>
@@ -675,7 +675,7 @@
           <a:p>
             <a:fld id="{2EB1900A-CF1B-B843-834D-920A07F18114}" type="datetimeFigureOut">
               <a:rPr lang="en-US" smtClean="0"/>
-              <a:t>9/12/25</a:t>
+              <a:t>9/15/25</a:t>
             </a:fld>
             <a:endParaRPr lang="en-US"/>
           </a:p>
@@ -875,7 +875,7 @@
           <a:p>
             <a:fld id="{2EB1900A-CF1B-B843-834D-920A07F18114}" type="datetimeFigureOut">
               <a:rPr lang="en-US" smtClean="0"/>
-              <a:t>9/12/25</a:t>
+              <a:t>9/15/25</a:t>
             </a:fld>
             <a:endParaRPr lang="en-US"/>
           </a:p>
@@ -1151,7 +1151,7 @@
           <a:p>
             <a:fld id="{2EB1900A-CF1B-B843-834D-920A07F18114}" type="datetimeFigureOut">
               <a:rPr lang="en-US" smtClean="0"/>
-              <a:t>9/12/25</a:t>
+              <a:t>9/15/25</a:t>
             </a:fld>
             <a:endParaRPr lang="en-US"/>
           </a:p>
@@ -1419,7 +1419,7 @@
           <a:p>
             <a:fld id="{2EB1900A-CF1B-B843-834D-920A07F18114}" type="datetimeFigureOut">
               <a:rPr lang="en-US" smtClean="0"/>
-              <a:t>9/12/25</a:t>
+              <a:t>9/15/25</a:t>
             </a:fld>
             <a:endParaRPr lang="en-US"/>
           </a:p>
@@ -1834,7 +1834,7 @@
           <a:p>
             <a:fld id="{2EB1900A-CF1B-B843-834D-920A07F18114}" type="datetimeFigureOut">
               <a:rPr lang="en-US" smtClean="0"/>
-              <a:t>9/12/25</a:t>
+              <a:t>9/15/25</a:t>
             </a:fld>
             <a:endParaRPr lang="en-US"/>
           </a:p>
@@ -1976,7 +1976,7 @@
           <a:p>
             <a:fld id="{2EB1900A-CF1B-B843-834D-920A07F18114}" type="datetimeFigureOut">
               <a:rPr lang="en-US" smtClean="0"/>
-              <a:t>9/12/25</a:t>
+              <a:t>9/15/25</a:t>
             </a:fld>
             <a:endParaRPr lang="en-US"/>
           </a:p>
@@ -2089,7 +2089,7 @@
           <a:p>
             <a:fld id="{2EB1900A-CF1B-B843-834D-920A07F18114}" type="datetimeFigureOut">
               <a:rPr lang="en-US" smtClean="0"/>
-              <a:t>9/12/25</a:t>
+              <a:t>9/15/25</a:t>
             </a:fld>
             <a:endParaRPr lang="en-US"/>
           </a:p>
@@ -2402,7 +2402,7 @@
           <a:p>
             <a:fld id="{2EB1900A-CF1B-B843-834D-920A07F18114}" type="datetimeFigureOut">
               <a:rPr lang="en-US" smtClean="0"/>
-              <a:t>9/12/25</a:t>
+              <a:t>9/15/25</a:t>
             </a:fld>
             <a:endParaRPr lang="en-US"/>
           </a:p>
@@ -2691,7 +2691,7 @@
           <a:p>
             <a:fld id="{2EB1900A-CF1B-B843-834D-920A07F18114}" type="datetimeFigureOut">
               <a:rPr lang="en-US" smtClean="0"/>
-              <a:t>9/12/25</a:t>
+              <a:t>9/15/25</a:t>
             </a:fld>
             <a:endParaRPr lang="en-US"/>
           </a:p>
@@ -2934,7 +2934,7 @@
           <a:p>
             <a:fld id="{2EB1900A-CF1B-B843-834D-920A07F18114}" type="datetimeFigureOut">
               <a:rPr lang="en-US" smtClean="0"/>
-              <a:t>9/12/25</a:t>
+              <a:t>9/15/25</a:t>
             </a:fld>
             <a:endParaRPr lang="en-US"/>
           </a:p>
@@ -4089,7 +4089,9 @@
           </a:xfrm>
         </p:spPr>
         <p:txBody>
-          <a:bodyPr/>
+          <a:bodyPr>
+            <a:normAutofit lnSpcReduction="10000"/>
+          </a:bodyPr>
           <a:lstStyle/>
           <a:p>
             <a:r>
@@ -4119,12 +4121,43 @@
           <a:p>
             <a:r>
               <a:rPr lang="en-US" dirty="0"/>
-              <a:t>What is Rest Parameters </a:t>
+              <a:t>What is Rest Parameters in Functions</a:t>
+            </a:r>
+          </a:p>
+          <a:p>
+            <a:r>
+              <a:rPr lang="en-US" dirty="0"/>
+              <a:t>Hosting and Temporal Dead Zone</a:t>
+            </a:r>
+          </a:p>
+          <a:p>
+            <a:r>
+              <a:rPr lang="en-US" dirty="0"/>
+              <a:t>Define functions inside functions</a:t>
+            </a:r>
+          </a:p>
+          <a:p>
+            <a:r>
+              <a:rPr lang="en-US" dirty="0"/>
+              <a:t>Lexical Scope</a:t>
+            </a:r>
+          </a:p>
+          <a:p>
+            <a:r>
+              <a:rPr lang="en-US" dirty="0"/>
+              <a:t>block scope vs function scope</a:t>
+            </a:r>
+          </a:p>
+          <a:p>
+            <a:r>
+              <a:rPr lang="en-US" dirty="0"/>
+              <a:t>Params </a:t>
             </a:r>
             <a:r>
               <a:rPr lang="en-US"/>
-              <a:t>in Functions</a:t>
-            </a:r>
+              <a:t>Destruturing</a:t>
+            </a:r>
+            <a:endParaRPr lang="en-US" dirty="0"/>
           </a:p>
         </p:txBody>
       </p:sp>

--- a/JS/JavaScript.pptx
+++ b/JS/JavaScript.pptx
@@ -265,7 +265,7 @@
           <a:p>
             <a:fld id="{2EB1900A-CF1B-B843-834D-920A07F18114}" type="datetimeFigureOut">
               <a:rPr lang="en-US" smtClean="0"/>
-              <a:t>9/15/25</a:t>
+              <a:t>9/17/25</a:t>
             </a:fld>
             <a:endParaRPr lang="en-US"/>
           </a:p>
@@ -465,7 +465,7 @@
           <a:p>
             <a:fld id="{2EB1900A-CF1B-B843-834D-920A07F18114}" type="datetimeFigureOut">
               <a:rPr lang="en-US" smtClean="0"/>
-              <a:t>9/15/25</a:t>
+              <a:t>9/17/25</a:t>
             </a:fld>
             <a:endParaRPr lang="en-US"/>
           </a:p>
@@ -675,7 +675,7 @@
           <a:p>
             <a:fld id="{2EB1900A-CF1B-B843-834D-920A07F18114}" type="datetimeFigureOut">
               <a:rPr lang="en-US" smtClean="0"/>
-              <a:t>9/15/25</a:t>
+              <a:t>9/17/25</a:t>
             </a:fld>
             <a:endParaRPr lang="en-US"/>
           </a:p>
@@ -875,7 +875,7 @@
           <a:p>
             <a:fld id="{2EB1900A-CF1B-B843-834D-920A07F18114}" type="datetimeFigureOut">
               <a:rPr lang="en-US" smtClean="0"/>
-              <a:t>9/15/25</a:t>
+              <a:t>9/17/25</a:t>
             </a:fld>
             <a:endParaRPr lang="en-US"/>
           </a:p>
@@ -1151,7 +1151,7 @@
           <a:p>
             <a:fld id="{2EB1900A-CF1B-B843-834D-920A07F18114}" type="datetimeFigureOut">
               <a:rPr lang="en-US" smtClean="0"/>
-              <a:t>9/15/25</a:t>
+              <a:t>9/17/25</a:t>
             </a:fld>
             <a:endParaRPr lang="en-US"/>
           </a:p>
@@ -1419,7 +1419,7 @@
           <a:p>
             <a:fld id="{2EB1900A-CF1B-B843-834D-920A07F18114}" type="datetimeFigureOut">
               <a:rPr lang="en-US" smtClean="0"/>
-              <a:t>9/15/25</a:t>
+              <a:t>9/17/25</a:t>
             </a:fld>
             <a:endParaRPr lang="en-US"/>
           </a:p>
@@ -1834,7 +1834,7 @@
           <a:p>
             <a:fld id="{2EB1900A-CF1B-B843-834D-920A07F18114}" type="datetimeFigureOut">
               <a:rPr lang="en-US" smtClean="0"/>
-              <a:t>9/15/25</a:t>
+              <a:t>9/17/25</a:t>
             </a:fld>
             <a:endParaRPr lang="en-US"/>
           </a:p>
@@ -1976,7 +1976,7 @@
           <a:p>
             <a:fld id="{2EB1900A-CF1B-B843-834D-920A07F18114}" type="datetimeFigureOut">
               <a:rPr lang="en-US" smtClean="0"/>
-              <a:t>9/15/25</a:t>
+              <a:t>9/17/25</a:t>
             </a:fld>
             <a:endParaRPr lang="en-US"/>
           </a:p>
@@ -2089,7 +2089,7 @@
           <a:p>
             <a:fld id="{2EB1900A-CF1B-B843-834D-920A07F18114}" type="datetimeFigureOut">
               <a:rPr lang="en-US" smtClean="0"/>
-              <a:t>9/15/25</a:t>
+              <a:t>9/17/25</a:t>
             </a:fld>
             <a:endParaRPr lang="en-US"/>
           </a:p>
@@ -2402,7 +2402,7 @@
           <a:p>
             <a:fld id="{2EB1900A-CF1B-B843-834D-920A07F18114}" type="datetimeFigureOut">
               <a:rPr lang="en-US" smtClean="0"/>
-              <a:t>9/15/25</a:t>
+              <a:t>9/17/25</a:t>
             </a:fld>
             <a:endParaRPr lang="en-US"/>
           </a:p>
@@ -2691,7 +2691,7 @@
           <a:p>
             <a:fld id="{2EB1900A-CF1B-B843-834D-920A07F18114}" type="datetimeFigureOut">
               <a:rPr lang="en-US" smtClean="0"/>
-              <a:t>9/15/25</a:t>
+              <a:t>9/17/25</a:t>
             </a:fld>
             <a:endParaRPr lang="en-US"/>
           </a:p>
@@ -2934,7 +2934,7 @@
           <a:p>
             <a:fld id="{2EB1900A-CF1B-B843-834D-920A07F18114}" type="datetimeFigureOut">
               <a:rPr lang="en-US" smtClean="0"/>
-              <a:t>9/15/25</a:t>
+              <a:t>9/17/25</a:t>
             </a:fld>
             <a:endParaRPr lang="en-US"/>
           </a:p>
@@ -4089,8 +4089,8 @@
           </a:xfrm>
         </p:spPr>
         <p:txBody>
-          <a:bodyPr>
-            <a:normAutofit lnSpcReduction="10000"/>
+          <a:bodyPr numCol="2">
+            <a:normAutofit/>
           </a:bodyPr>
           <a:lstStyle/>
           <a:p>
@@ -4154,8 +4154,27 @@
               <a:t>Params </a:t>
             </a:r>
             <a:r>
+              <a:rPr lang="en-US" dirty="0" err="1"/>
+              <a:t>Destruturing</a:t>
+            </a:r>
+            <a:endParaRPr lang="en-US" dirty="0"/>
+          </a:p>
+          <a:p>
+            <a:r>
+              <a:rPr lang="en-US" dirty="0"/>
+              <a:t>Callback function</a:t>
+            </a:r>
+          </a:p>
+          <a:p>
+            <a:r>
+              <a:rPr lang="en-US" dirty="0"/>
+              <a:t>Function return function</a:t>
+            </a:r>
+          </a:p>
+          <a:p>
+            <a:r>
               <a:rPr lang="en-US"/>
-              <a:t>Destruturing</a:t>
+              <a:t>.Map() method</a:t>
             </a:r>
             <a:endParaRPr lang="en-US" dirty="0"/>
           </a:p>

--- a/JS/JavaScript.pptx
+++ b/JS/JavaScript.pptx
@@ -265,7 +265,7 @@
           <a:p>
             <a:fld id="{2EB1900A-CF1B-B843-834D-920A07F18114}" type="datetimeFigureOut">
               <a:rPr lang="en-US" smtClean="0"/>
-              <a:t>9/17/25</a:t>
+              <a:t>9/19/25</a:t>
             </a:fld>
             <a:endParaRPr lang="en-US"/>
           </a:p>
@@ -465,7 +465,7 @@
           <a:p>
             <a:fld id="{2EB1900A-CF1B-B843-834D-920A07F18114}" type="datetimeFigureOut">
               <a:rPr lang="en-US" smtClean="0"/>
-              <a:t>9/17/25</a:t>
+              <a:t>9/19/25</a:t>
             </a:fld>
             <a:endParaRPr lang="en-US"/>
           </a:p>
@@ -675,7 +675,7 @@
           <a:p>
             <a:fld id="{2EB1900A-CF1B-B843-834D-920A07F18114}" type="datetimeFigureOut">
               <a:rPr lang="en-US" smtClean="0"/>
-              <a:t>9/17/25</a:t>
+              <a:t>9/19/25</a:t>
             </a:fld>
             <a:endParaRPr lang="en-US"/>
           </a:p>
@@ -875,7 +875,7 @@
           <a:p>
             <a:fld id="{2EB1900A-CF1B-B843-834D-920A07F18114}" type="datetimeFigureOut">
               <a:rPr lang="en-US" smtClean="0"/>
-              <a:t>9/17/25</a:t>
+              <a:t>9/19/25</a:t>
             </a:fld>
             <a:endParaRPr lang="en-US"/>
           </a:p>
@@ -1151,7 +1151,7 @@
           <a:p>
             <a:fld id="{2EB1900A-CF1B-B843-834D-920A07F18114}" type="datetimeFigureOut">
               <a:rPr lang="en-US" smtClean="0"/>
-              <a:t>9/17/25</a:t>
+              <a:t>9/19/25</a:t>
             </a:fld>
             <a:endParaRPr lang="en-US"/>
           </a:p>
@@ -1419,7 +1419,7 @@
           <a:p>
             <a:fld id="{2EB1900A-CF1B-B843-834D-920A07F18114}" type="datetimeFigureOut">
               <a:rPr lang="en-US" smtClean="0"/>
-              <a:t>9/17/25</a:t>
+              <a:t>9/19/25</a:t>
             </a:fld>
             <a:endParaRPr lang="en-US"/>
           </a:p>
@@ -1834,7 +1834,7 @@
           <a:p>
             <a:fld id="{2EB1900A-CF1B-B843-834D-920A07F18114}" type="datetimeFigureOut">
               <a:rPr lang="en-US" smtClean="0"/>
-              <a:t>9/17/25</a:t>
+              <a:t>9/19/25</a:t>
             </a:fld>
             <a:endParaRPr lang="en-US"/>
           </a:p>
@@ -1976,7 +1976,7 @@
           <a:p>
             <a:fld id="{2EB1900A-CF1B-B843-834D-920A07F18114}" type="datetimeFigureOut">
               <a:rPr lang="en-US" smtClean="0"/>
-              <a:t>9/17/25</a:t>
+              <a:t>9/19/25</a:t>
             </a:fld>
             <a:endParaRPr lang="en-US"/>
           </a:p>
@@ -2089,7 +2089,7 @@
           <a:p>
             <a:fld id="{2EB1900A-CF1B-B843-834D-920A07F18114}" type="datetimeFigureOut">
               <a:rPr lang="en-US" smtClean="0"/>
-              <a:t>9/17/25</a:t>
+              <a:t>9/19/25</a:t>
             </a:fld>
             <a:endParaRPr lang="en-US"/>
           </a:p>
@@ -2402,7 +2402,7 @@
           <a:p>
             <a:fld id="{2EB1900A-CF1B-B843-834D-920A07F18114}" type="datetimeFigureOut">
               <a:rPr lang="en-US" smtClean="0"/>
-              <a:t>9/17/25</a:t>
+              <a:t>9/19/25</a:t>
             </a:fld>
             <a:endParaRPr lang="en-US"/>
           </a:p>
@@ -2691,7 +2691,7 @@
           <a:p>
             <a:fld id="{2EB1900A-CF1B-B843-834D-920A07F18114}" type="datetimeFigureOut">
               <a:rPr lang="en-US" smtClean="0"/>
-              <a:t>9/17/25</a:t>
+              <a:t>9/19/25</a:t>
             </a:fld>
             <a:endParaRPr lang="en-US"/>
           </a:p>
@@ -2934,7 +2934,7 @@
           <a:p>
             <a:fld id="{2EB1900A-CF1B-B843-834D-920A07F18114}" type="datetimeFigureOut">
               <a:rPr lang="en-US" smtClean="0"/>
-              <a:t>9/17/25</a:t>
+              <a:t>9/19/25</a:t>
             </a:fld>
             <a:endParaRPr lang="en-US"/>
           </a:p>
@@ -4090,7 +4090,7 @@
         </p:spPr>
         <p:txBody>
           <a:bodyPr numCol="2">
-            <a:normAutofit/>
+            <a:normAutofit fontScale="92500" lnSpcReduction="10000"/>
           </a:bodyPr>
           <a:lstStyle/>
           <a:p>
@@ -4173,8 +4173,58 @@
           </a:p>
           <a:p>
             <a:r>
+              <a:rPr lang="en-US" dirty="0"/>
+              <a:t>.Map() method</a:t>
+            </a:r>
+          </a:p>
+          <a:p>
+            <a:r>
+              <a:rPr lang="en-US" dirty="0"/>
+              <a:t>Filter</a:t>
+            </a:r>
+          </a:p>
+          <a:p>
+            <a:r>
+              <a:rPr lang="en-US" dirty="0"/>
+              <a:t>Reduce</a:t>
+            </a:r>
+          </a:p>
+          <a:p>
+            <a:r>
+              <a:rPr lang="en-US" dirty="0"/>
+              <a:t>Map, reduce and filter</a:t>
+            </a:r>
+          </a:p>
+          <a:p>
+            <a:r>
+              <a:rPr lang="en-US" dirty="0"/>
+              <a:t>Foreach Method</a:t>
+            </a:r>
+          </a:p>
+          <a:p>
+            <a:r>
+              <a:rPr lang="en-US" dirty="0"/>
+              <a:t>Every Method</a:t>
+            </a:r>
+          </a:p>
+          <a:p>
+            <a:r>
+              <a:rPr lang="en-US" dirty="0"/>
+              <a:t>Some Method</a:t>
+            </a:r>
+          </a:p>
+          <a:p>
+            <a:r>
+              <a:rPr lang="en-US" dirty="0" err="1"/>
+              <a:t>Find,reverse,</a:t>
+            </a:r>
+            <a:r>
+              <a:rPr lang="en-US" err="1"/>
+              <a:t>fill</a:t>
+            </a:r>
+            <a:r>
               <a:rPr lang="en-US"/>
-              <a:t>.Map() method</a:t>
+              <a:t>,splice</a:t>
             </a:r>
             <a:endParaRPr lang="en-US" dirty="0"/>
           </a:p>

--- a/JS/JavaScript.pptx
+++ b/JS/JavaScript.pptx
@@ -10,6 +10,8 @@
     <p:sldId id="258" r:id="rId4"/>
     <p:sldId id="259" r:id="rId5"/>
     <p:sldId id="260" r:id="rId6"/>
+    <p:sldId id="261" r:id="rId7"/>
+    <p:sldId id="262" r:id="rId8"/>
   </p:sldIdLst>
   <p:sldSz cx="12192000" cy="6858000"/>
   <p:notesSz cx="6858000" cy="9144000"/>
@@ -265,7 +267,7 @@
           <a:p>
             <a:fld id="{2EB1900A-CF1B-B843-834D-920A07F18114}" type="datetimeFigureOut">
               <a:rPr lang="en-US" smtClean="0"/>
-              <a:t>9/19/25</a:t>
+              <a:t>9/26/25</a:t>
             </a:fld>
             <a:endParaRPr lang="en-US"/>
           </a:p>
@@ -465,7 +467,7 @@
           <a:p>
             <a:fld id="{2EB1900A-CF1B-B843-834D-920A07F18114}" type="datetimeFigureOut">
               <a:rPr lang="en-US" smtClean="0"/>
-              <a:t>9/19/25</a:t>
+              <a:t>9/26/25</a:t>
             </a:fld>
             <a:endParaRPr lang="en-US"/>
           </a:p>
@@ -675,7 +677,7 @@
           <a:p>
             <a:fld id="{2EB1900A-CF1B-B843-834D-920A07F18114}" type="datetimeFigureOut">
               <a:rPr lang="en-US" smtClean="0"/>
-              <a:t>9/19/25</a:t>
+              <a:t>9/26/25</a:t>
             </a:fld>
             <a:endParaRPr lang="en-US"/>
           </a:p>
@@ -875,7 +877,7 @@
           <a:p>
             <a:fld id="{2EB1900A-CF1B-B843-834D-920A07F18114}" type="datetimeFigureOut">
               <a:rPr lang="en-US" smtClean="0"/>
-              <a:t>9/19/25</a:t>
+              <a:t>9/26/25</a:t>
             </a:fld>
             <a:endParaRPr lang="en-US"/>
           </a:p>
@@ -1151,7 +1153,7 @@
           <a:p>
             <a:fld id="{2EB1900A-CF1B-B843-834D-920A07F18114}" type="datetimeFigureOut">
               <a:rPr lang="en-US" smtClean="0"/>
-              <a:t>9/19/25</a:t>
+              <a:t>9/26/25</a:t>
             </a:fld>
             <a:endParaRPr lang="en-US"/>
           </a:p>
@@ -1419,7 +1421,7 @@
           <a:p>
             <a:fld id="{2EB1900A-CF1B-B843-834D-920A07F18114}" type="datetimeFigureOut">
               <a:rPr lang="en-US" smtClean="0"/>
-              <a:t>9/19/25</a:t>
+              <a:t>9/26/25</a:t>
             </a:fld>
             <a:endParaRPr lang="en-US"/>
           </a:p>
@@ -1834,7 +1836,7 @@
           <a:p>
             <a:fld id="{2EB1900A-CF1B-B843-834D-920A07F18114}" type="datetimeFigureOut">
               <a:rPr lang="en-US" smtClean="0"/>
-              <a:t>9/19/25</a:t>
+              <a:t>9/26/25</a:t>
             </a:fld>
             <a:endParaRPr lang="en-US"/>
           </a:p>
@@ -1976,7 +1978,7 @@
           <a:p>
             <a:fld id="{2EB1900A-CF1B-B843-834D-920A07F18114}" type="datetimeFigureOut">
               <a:rPr lang="en-US" smtClean="0"/>
-              <a:t>9/19/25</a:t>
+              <a:t>9/26/25</a:t>
             </a:fld>
             <a:endParaRPr lang="en-US"/>
           </a:p>
@@ -2089,7 +2091,7 @@
           <a:p>
             <a:fld id="{2EB1900A-CF1B-B843-834D-920A07F18114}" type="datetimeFigureOut">
               <a:rPr lang="en-US" smtClean="0"/>
-              <a:t>9/19/25</a:t>
+              <a:t>9/26/25</a:t>
             </a:fld>
             <a:endParaRPr lang="en-US"/>
           </a:p>
@@ -2402,7 +2404,7 @@
           <a:p>
             <a:fld id="{2EB1900A-CF1B-B843-834D-920A07F18114}" type="datetimeFigureOut">
               <a:rPr lang="en-US" smtClean="0"/>
-              <a:t>9/19/25</a:t>
+              <a:t>9/26/25</a:t>
             </a:fld>
             <a:endParaRPr lang="en-US"/>
           </a:p>
@@ -2691,7 +2693,7 @@
           <a:p>
             <a:fld id="{2EB1900A-CF1B-B843-834D-920A07F18114}" type="datetimeFigureOut">
               <a:rPr lang="en-US" smtClean="0"/>
-              <a:t>9/19/25</a:t>
+              <a:t>9/26/25</a:t>
             </a:fld>
             <a:endParaRPr lang="en-US"/>
           </a:p>
@@ -2934,7 +2936,7 @@
           <a:p>
             <a:fld id="{2EB1900A-CF1B-B843-834D-920A07F18114}" type="datetimeFigureOut">
               <a:rPr lang="en-US" smtClean="0"/>
-              <a:t>9/19/25</a:t>
+              <a:t>9/26/25</a:t>
             </a:fld>
             <a:endParaRPr lang="en-US"/>
           </a:p>
@@ -4090,7 +4092,7 @@
         </p:spPr>
         <p:txBody>
           <a:bodyPr numCol="2">
-            <a:normAutofit fontScale="92500" lnSpcReduction="10000"/>
+            <a:normAutofit fontScale="92500" lnSpcReduction="20000"/>
           </a:bodyPr>
           <a:lstStyle/>
           <a:p>
@@ -4215,18 +4217,27 @@
           </a:p>
           <a:p>
             <a:r>
-              <a:rPr lang="en-US" dirty="0" err="1"/>
-              <a:t>Find,reverse,</a:t>
-            </a:r>
-            <a:r>
-              <a:rPr lang="en-US" err="1"/>
-              <a:t>fill</a:t>
-            </a:r>
-            <a:r>
-              <a:rPr lang="en-US"/>
-              <a:t>,splice</a:t>
-            </a:r>
-            <a:endParaRPr lang="en-US" dirty="0"/>
+              <a:rPr lang="en-US" dirty="0"/>
+              <a:t>Find, reverse, fill, splice</a:t>
+            </a:r>
+          </a:p>
+          <a:p>
+            <a:r>
+              <a:rPr lang="en-US" dirty="0"/>
+              <a:t>Flat()</a:t>
+            </a:r>
+          </a:p>
+          <a:p>
+            <a:r>
+              <a:rPr lang="en-US" dirty="0"/>
+              <a:t>Sort()</a:t>
+            </a:r>
+          </a:p>
+          <a:p>
+            <a:r>
+              <a:rPr lang="en-US" dirty="0"/>
+              <a:t>.</a:t>
+            </a:r>
           </a:p>
         </p:txBody>
       </p:sp>
@@ -4234,6 +4245,262 @@
     <p:extLst>
       <p:ext uri="{BB962C8B-B14F-4D97-AF65-F5344CB8AC3E}">
         <p14:creationId xmlns:p14="http://schemas.microsoft.com/office/powerpoint/2010/main" val="394746752"/>
+      </p:ext>
+    </p:extLst>
+  </p:cSld>
+  <p:clrMapOvr>
+    <a:masterClrMapping/>
+  </p:clrMapOvr>
+</p:sld>
+</file>
+
+<file path=ppt/slides/slide6.xml><?xml version="1.0" encoding="utf-8"?>
+<p:sld xmlns:a="http://schemas.openxmlformats.org/drawingml/2006/main" xmlns:r="http://schemas.openxmlformats.org/officeDocument/2006/relationships" xmlns:p="http://schemas.openxmlformats.org/presentationml/2006/main">
+  <p:cSld>
+    <p:spTree>
+      <p:nvGrpSpPr>
+        <p:cNvPr id="1" name=""/>
+        <p:cNvGrpSpPr/>
+        <p:nvPr/>
+      </p:nvGrpSpPr>
+      <p:grpSpPr>
+        <a:xfrm>
+          <a:off x="0" y="0"/>
+          <a:ext cx="0" cy="0"/>
+          <a:chOff x="0" y="0"/>
+          <a:chExt cx="0" cy="0"/>
+        </a:xfrm>
+      </p:grpSpPr>
+      <p:sp>
+        <p:nvSpPr>
+          <p:cNvPr id="2" name="Title 1">
+            <a:extLst>
+              <a:ext uri="{FF2B5EF4-FFF2-40B4-BE49-F238E27FC236}">
+                <a16:creationId xmlns:a16="http://schemas.microsoft.com/office/drawing/2014/main" id="{048EA0B3-B50C-AAF7-90BA-E517EC3EEF98}"/>
+              </a:ext>
+            </a:extLst>
+          </p:cNvPr>
+          <p:cNvSpPr>
+            <a:spLocks noGrp="1"/>
+          </p:cNvSpPr>
+          <p:nvPr>
+            <p:ph type="title"/>
+          </p:nvPr>
+        </p:nvSpPr>
+        <p:spPr/>
+        <p:txBody>
+          <a:bodyPr/>
+          <a:lstStyle/>
+          <a:p>
+            <a:r>
+              <a:rPr lang="en-US" dirty="0"/>
+              <a:t>Intermediate JS</a:t>
+            </a:r>
+          </a:p>
+        </p:txBody>
+      </p:sp>
+      <p:sp>
+        <p:nvSpPr>
+          <p:cNvPr id="3" name="Content Placeholder 2">
+            <a:extLst>
+              <a:ext uri="{FF2B5EF4-FFF2-40B4-BE49-F238E27FC236}">
+                <a16:creationId xmlns:a16="http://schemas.microsoft.com/office/drawing/2014/main" id="{D9C3B171-11C0-EB6B-609C-563F9D708AF3}"/>
+              </a:ext>
+            </a:extLst>
+          </p:cNvPr>
+          <p:cNvSpPr>
+            <a:spLocks noGrp="1"/>
+          </p:cNvSpPr>
+          <p:nvPr>
+            <p:ph idx="1"/>
+          </p:nvPr>
+        </p:nvSpPr>
+        <p:spPr/>
+        <p:txBody>
+          <a:bodyPr/>
+          <a:lstStyle/>
+          <a:p>
+            <a:r>
+              <a:rPr lang="en-US" dirty="0" err="1"/>
+              <a:t>Iterables</a:t>
+            </a:r>
+            <a:endParaRPr lang="en-US" dirty="0"/>
+          </a:p>
+          <a:p>
+            <a:r>
+              <a:rPr lang="en-US" dirty="0"/>
+              <a:t>Sets</a:t>
+            </a:r>
+          </a:p>
+          <a:p>
+            <a:r>
+              <a:rPr lang="en-US" dirty="0"/>
+              <a:t>Maps</a:t>
+            </a:r>
+          </a:p>
+          <a:p>
+            <a:r>
+              <a:rPr lang="en-US" dirty="0"/>
+              <a:t>Option chain</a:t>
+            </a:r>
+          </a:p>
+        </p:txBody>
+      </p:sp>
+    </p:spTree>
+    <p:extLst>
+      <p:ext uri="{BB962C8B-B14F-4D97-AF65-F5344CB8AC3E}">
+        <p14:creationId xmlns:p14="http://schemas.microsoft.com/office/powerpoint/2010/main" val="1896024288"/>
+      </p:ext>
+    </p:extLst>
+  </p:cSld>
+  <p:clrMapOvr>
+    <a:masterClrMapping/>
+  </p:clrMapOvr>
+</p:sld>
+</file>
+
+<file path=ppt/slides/slide7.xml><?xml version="1.0" encoding="utf-8"?>
+<p:sld xmlns:a="http://schemas.openxmlformats.org/drawingml/2006/main" xmlns:r="http://schemas.openxmlformats.org/officeDocument/2006/relationships" xmlns:p="http://schemas.openxmlformats.org/presentationml/2006/main">
+  <p:cSld>
+    <p:spTree>
+      <p:nvGrpSpPr>
+        <p:cNvPr id="1" name=""/>
+        <p:cNvGrpSpPr/>
+        <p:nvPr/>
+      </p:nvGrpSpPr>
+      <p:grpSpPr>
+        <a:xfrm>
+          <a:off x="0" y="0"/>
+          <a:ext cx="0" cy="0"/>
+          <a:chOff x="0" y="0"/>
+          <a:chExt cx="0" cy="0"/>
+        </a:xfrm>
+      </p:grpSpPr>
+      <p:sp>
+        <p:nvSpPr>
+          <p:cNvPr id="2" name="Title 1">
+            <a:extLst>
+              <a:ext uri="{FF2B5EF4-FFF2-40B4-BE49-F238E27FC236}">
+                <a16:creationId xmlns:a16="http://schemas.microsoft.com/office/drawing/2014/main" id="{DBBE04EE-BDC1-8047-0775-8C45916E1079}"/>
+              </a:ext>
+            </a:extLst>
+          </p:cNvPr>
+          <p:cNvSpPr>
+            <a:spLocks noGrp="1"/>
+          </p:cNvSpPr>
+          <p:nvPr>
+            <p:ph type="title"/>
+          </p:nvPr>
+        </p:nvSpPr>
+        <p:spPr/>
+        <p:txBody>
+          <a:bodyPr/>
+          <a:lstStyle/>
+          <a:p>
+            <a:r>
+              <a:rPr lang="en-US" dirty="0"/>
+              <a:t>Object Oriented JavaScript (</a:t>
+            </a:r>
+            <a:r>
+              <a:rPr lang="en-US" dirty="0" err="1"/>
+              <a:t>Classes,methods,prototype,getset</a:t>
+            </a:r>
+            <a:r>
+              <a:rPr lang="en-US" dirty="0"/>
+              <a:t>())</a:t>
+            </a:r>
+          </a:p>
+        </p:txBody>
+      </p:sp>
+      <p:sp>
+        <p:nvSpPr>
+          <p:cNvPr id="3" name="Content Placeholder 2">
+            <a:extLst>
+              <a:ext uri="{FF2B5EF4-FFF2-40B4-BE49-F238E27FC236}">
+                <a16:creationId xmlns:a16="http://schemas.microsoft.com/office/drawing/2014/main" id="{C6048321-3545-4627-947C-BBD6967D3E7D}"/>
+              </a:ext>
+            </a:extLst>
+          </p:cNvPr>
+          <p:cNvSpPr>
+            <a:spLocks noGrp="1"/>
+          </p:cNvSpPr>
+          <p:nvPr>
+            <p:ph idx="1"/>
+          </p:nvPr>
+        </p:nvSpPr>
+        <p:spPr/>
+        <p:txBody>
+          <a:bodyPr numCol="2">
+            <a:normAutofit/>
+          </a:bodyPr>
+          <a:lstStyle/>
+          <a:p>
+            <a:r>
+              <a:rPr lang="en-US" dirty="0"/>
+              <a:t>This</a:t>
+            </a:r>
+          </a:p>
+          <a:p>
+            <a:r>
+              <a:rPr lang="en-US" dirty="0"/>
+              <a:t>Call()</a:t>
+            </a:r>
+          </a:p>
+          <a:p>
+            <a:r>
+              <a:rPr lang="en-US" dirty="0"/>
+              <a:t>Apply()</a:t>
+            </a:r>
+          </a:p>
+          <a:p>
+            <a:r>
+              <a:rPr lang="en-US" dirty="0"/>
+              <a:t>Bind()</a:t>
+            </a:r>
+          </a:p>
+          <a:p>
+            <a:r>
+              <a:rPr lang="en-US" dirty="0"/>
+              <a:t>Arrow function and Regular function</a:t>
+            </a:r>
+          </a:p>
+          <a:p>
+            <a:r>
+              <a:rPr lang="en-US" dirty="0"/>
+              <a:t>_proto_</a:t>
+            </a:r>
+          </a:p>
+          <a:p>
+            <a:r>
+              <a:rPr lang="en-US" dirty="0"/>
+              <a:t>Prototype in JS</a:t>
+            </a:r>
+          </a:p>
+          <a:p>
+            <a:r>
+              <a:rPr lang="en-US" dirty="0"/>
+              <a:t>Introduction of Class in JS</a:t>
+            </a:r>
+          </a:p>
+          <a:p>
+            <a:r>
+              <a:rPr lang="en-US" dirty="0"/>
+              <a:t>Static Method</a:t>
+            </a:r>
+          </a:p>
+          <a:p>
+            <a:r>
+              <a:rPr lang="en-US"/>
+              <a:t>inheirtance</a:t>
+            </a:r>
+            <a:endParaRPr lang="en-US" dirty="0"/>
+          </a:p>
+        </p:txBody>
+      </p:sp>
+    </p:spTree>
+    <p:extLst>
+      <p:ext uri="{BB962C8B-B14F-4D97-AF65-F5344CB8AC3E}">
+        <p14:creationId xmlns:p14="http://schemas.microsoft.com/office/powerpoint/2010/main" val="1401705162"/>
       </p:ext>
     </p:extLst>
   </p:cSld>

--- a/JS/JavaScript.pptx
+++ b/JS/JavaScript.pptx
@@ -12,6 +12,8 @@
     <p:sldId id="260" r:id="rId6"/>
     <p:sldId id="261" r:id="rId7"/>
     <p:sldId id="262" r:id="rId8"/>
+    <p:sldId id="263" r:id="rId9"/>
+    <p:sldId id="264" r:id="rId10"/>
   </p:sldIdLst>
   <p:sldSz cx="12192000" cy="6858000"/>
   <p:notesSz cx="6858000" cy="9144000"/>
@@ -267,7 +269,7 @@
           <a:p>
             <a:fld id="{2EB1900A-CF1B-B843-834D-920A07F18114}" type="datetimeFigureOut">
               <a:rPr lang="en-US" smtClean="0"/>
-              <a:t>9/26/25</a:t>
+              <a:t>9/30/25</a:t>
             </a:fld>
             <a:endParaRPr lang="en-US"/>
           </a:p>
@@ -467,7 +469,7 @@
           <a:p>
             <a:fld id="{2EB1900A-CF1B-B843-834D-920A07F18114}" type="datetimeFigureOut">
               <a:rPr lang="en-US" smtClean="0"/>
-              <a:t>9/26/25</a:t>
+              <a:t>9/30/25</a:t>
             </a:fld>
             <a:endParaRPr lang="en-US"/>
           </a:p>
@@ -677,7 +679,7 @@
           <a:p>
             <a:fld id="{2EB1900A-CF1B-B843-834D-920A07F18114}" type="datetimeFigureOut">
               <a:rPr lang="en-US" smtClean="0"/>
-              <a:t>9/26/25</a:t>
+              <a:t>9/30/25</a:t>
             </a:fld>
             <a:endParaRPr lang="en-US"/>
           </a:p>
@@ -877,7 +879,7 @@
           <a:p>
             <a:fld id="{2EB1900A-CF1B-B843-834D-920A07F18114}" type="datetimeFigureOut">
               <a:rPr lang="en-US" smtClean="0"/>
-              <a:t>9/26/25</a:t>
+              <a:t>9/30/25</a:t>
             </a:fld>
             <a:endParaRPr lang="en-US"/>
           </a:p>
@@ -1153,7 +1155,7 @@
           <a:p>
             <a:fld id="{2EB1900A-CF1B-B843-834D-920A07F18114}" type="datetimeFigureOut">
               <a:rPr lang="en-US" smtClean="0"/>
-              <a:t>9/26/25</a:t>
+              <a:t>9/30/25</a:t>
             </a:fld>
             <a:endParaRPr lang="en-US"/>
           </a:p>
@@ -1421,7 +1423,7 @@
           <a:p>
             <a:fld id="{2EB1900A-CF1B-B843-834D-920A07F18114}" type="datetimeFigureOut">
               <a:rPr lang="en-US" smtClean="0"/>
-              <a:t>9/26/25</a:t>
+              <a:t>9/30/25</a:t>
             </a:fld>
             <a:endParaRPr lang="en-US"/>
           </a:p>
@@ -1836,7 +1838,7 @@
           <a:p>
             <a:fld id="{2EB1900A-CF1B-B843-834D-920A07F18114}" type="datetimeFigureOut">
               <a:rPr lang="en-US" smtClean="0"/>
-              <a:t>9/26/25</a:t>
+              <a:t>9/30/25</a:t>
             </a:fld>
             <a:endParaRPr lang="en-US"/>
           </a:p>
@@ -1978,7 +1980,7 @@
           <a:p>
             <a:fld id="{2EB1900A-CF1B-B843-834D-920A07F18114}" type="datetimeFigureOut">
               <a:rPr lang="en-US" smtClean="0"/>
-              <a:t>9/26/25</a:t>
+              <a:t>9/30/25</a:t>
             </a:fld>
             <a:endParaRPr lang="en-US"/>
           </a:p>
@@ -2091,7 +2093,7 @@
           <a:p>
             <a:fld id="{2EB1900A-CF1B-B843-834D-920A07F18114}" type="datetimeFigureOut">
               <a:rPr lang="en-US" smtClean="0"/>
-              <a:t>9/26/25</a:t>
+              <a:t>9/30/25</a:t>
             </a:fld>
             <a:endParaRPr lang="en-US"/>
           </a:p>
@@ -2404,7 +2406,7 @@
           <a:p>
             <a:fld id="{2EB1900A-CF1B-B843-834D-920A07F18114}" type="datetimeFigureOut">
               <a:rPr lang="en-US" smtClean="0"/>
-              <a:t>9/26/25</a:t>
+              <a:t>9/30/25</a:t>
             </a:fld>
             <a:endParaRPr lang="en-US"/>
           </a:p>
@@ -2693,7 +2695,7 @@
           <a:p>
             <a:fld id="{2EB1900A-CF1B-B843-834D-920A07F18114}" type="datetimeFigureOut">
               <a:rPr lang="en-US" smtClean="0"/>
-              <a:t>9/26/25</a:t>
+              <a:t>9/30/25</a:t>
             </a:fld>
             <a:endParaRPr lang="en-US"/>
           </a:p>
@@ -2936,7 +2938,7 @@
           <a:p>
             <a:fld id="{2EB1900A-CF1B-B843-834D-920A07F18114}" type="datetimeFigureOut">
               <a:rPr lang="en-US" smtClean="0"/>
-              <a:t>9/26/25</a:t>
+              <a:t>9/30/25</a:t>
             </a:fld>
             <a:endParaRPr lang="en-US"/>
           </a:p>
@@ -4490,10 +4492,25 @@
           </a:p>
           <a:p>
             <a:r>
-              <a:rPr lang="en-US"/>
-              <a:t>inheirtance</a:t>
-            </a:r>
-            <a:endParaRPr lang="en-US" dirty="0"/>
+              <a:rPr lang="en-US" dirty="0"/>
+              <a:t>Inheritance</a:t>
+            </a:r>
+          </a:p>
+          <a:p>
+            <a:r>
+              <a:rPr lang="en-US" dirty="0" err="1"/>
+              <a:t>Getset</a:t>
+            </a:r>
+            <a:r>
+              <a:rPr lang="en-US" dirty="0"/>
+              <a:t>()</a:t>
+            </a:r>
+          </a:p>
+          <a:p>
+            <a:r>
+              <a:rPr lang="en-US" dirty="0"/>
+              <a:t>Static properties</a:t>
+            </a:r>
           </a:p>
         </p:txBody>
       </p:sp>
@@ -4501,6 +4518,248 @@
     <p:extLst>
       <p:ext uri="{BB962C8B-B14F-4D97-AF65-F5344CB8AC3E}">
         <p14:creationId xmlns:p14="http://schemas.microsoft.com/office/powerpoint/2010/main" val="1401705162"/>
+      </p:ext>
+    </p:extLst>
+  </p:cSld>
+  <p:clrMapOvr>
+    <a:masterClrMapping/>
+  </p:clrMapOvr>
+</p:sld>
+</file>
+
+<file path=ppt/slides/slide8.xml><?xml version="1.0" encoding="utf-8"?>
+<p:sld xmlns:a="http://schemas.openxmlformats.org/drawingml/2006/main" xmlns:r="http://schemas.openxmlformats.org/officeDocument/2006/relationships" xmlns:p="http://schemas.openxmlformats.org/presentationml/2006/main">
+  <p:cSld>
+    <p:spTree>
+      <p:nvGrpSpPr>
+        <p:cNvPr id="1" name=""/>
+        <p:cNvGrpSpPr/>
+        <p:nvPr/>
+      </p:nvGrpSpPr>
+      <p:grpSpPr>
+        <a:xfrm>
+          <a:off x="0" y="0"/>
+          <a:ext cx="0" cy="0"/>
+          <a:chOff x="0" y="0"/>
+          <a:chExt cx="0" cy="0"/>
+        </a:xfrm>
+      </p:grpSpPr>
+      <p:sp>
+        <p:nvSpPr>
+          <p:cNvPr id="2" name="Title 1">
+            <a:extLst>
+              <a:ext uri="{FF2B5EF4-FFF2-40B4-BE49-F238E27FC236}">
+                <a16:creationId xmlns:a16="http://schemas.microsoft.com/office/drawing/2014/main" id="{1994B68C-1158-0CFB-FADB-19B67B91CD52}"/>
+              </a:ext>
+            </a:extLst>
+          </p:cNvPr>
+          <p:cNvSpPr>
+            <a:spLocks noGrp="1"/>
+          </p:cNvSpPr>
+          <p:nvPr>
+            <p:ph type="title"/>
+          </p:nvPr>
+        </p:nvSpPr>
+        <p:spPr/>
+        <p:txBody>
+          <a:bodyPr/>
+          <a:lstStyle/>
+          <a:p>
+            <a:r>
+              <a:rPr lang="en-US" dirty="0"/>
+              <a:t>How JS Works?</a:t>
+            </a:r>
+          </a:p>
+        </p:txBody>
+      </p:sp>
+      <p:sp>
+        <p:nvSpPr>
+          <p:cNvPr id="3" name="Content Placeholder 2">
+            <a:extLst>
+              <a:ext uri="{FF2B5EF4-FFF2-40B4-BE49-F238E27FC236}">
+                <a16:creationId xmlns:a16="http://schemas.microsoft.com/office/drawing/2014/main" id="{2ED2897A-3CF0-8862-CA94-5E899DA31366}"/>
+              </a:ext>
+            </a:extLst>
+          </p:cNvPr>
+          <p:cNvSpPr>
+            <a:spLocks noGrp="1"/>
+          </p:cNvSpPr>
+          <p:nvPr>
+            <p:ph idx="1"/>
+          </p:nvPr>
+        </p:nvSpPr>
+        <p:spPr/>
+        <p:txBody>
+          <a:bodyPr numCol="2">
+            <a:normAutofit/>
+          </a:bodyPr>
+          <a:lstStyle/>
+          <a:p>
+            <a:r>
+              <a:rPr lang="en-US" dirty="0"/>
+              <a:t>Runtime</a:t>
+            </a:r>
+          </a:p>
+          <a:p>
+            <a:r>
+              <a:rPr lang="en-US" dirty="0"/>
+              <a:t>Compile time – Early Error checking phase</a:t>
+            </a:r>
+          </a:p>
+          <a:p>
+            <a:endParaRPr lang="en-US" dirty="0"/>
+          </a:p>
+          <a:p>
+            <a:r>
+              <a:rPr lang="en-US" dirty="0"/>
+              <a:t>Compilation phase</a:t>
+            </a:r>
+          </a:p>
+          <a:p>
+            <a:pPr lvl="1"/>
+            <a:r>
+              <a:rPr lang="en-US" dirty="0"/>
+              <a:t>Tokenizing – break the code into smaller chunks</a:t>
+            </a:r>
+          </a:p>
+          <a:p>
+            <a:pPr lvl="1"/>
+            <a:r>
+              <a:rPr lang="en-US" dirty="0"/>
+              <a:t>Passing – ASIIC coding into execution format</a:t>
+            </a:r>
+          </a:p>
+          <a:p>
+            <a:pPr lvl="1"/>
+            <a:r>
+              <a:rPr lang="en-US" dirty="0"/>
+              <a:t>Code generation – generate the code</a:t>
+            </a:r>
+          </a:p>
+          <a:p>
+            <a:r>
+              <a:rPr lang="en-US" dirty="0"/>
+              <a:t>Execution phase</a:t>
+            </a:r>
+          </a:p>
+          <a:p>
+            <a:pPr lvl="1"/>
+            <a:r>
+              <a:rPr lang="en-US" dirty="0"/>
+              <a:t>Inside JS execution context</a:t>
+            </a:r>
+          </a:p>
+          <a:p>
+            <a:pPr lvl="1"/>
+            <a:r>
+              <a:rPr lang="en-US" dirty="0"/>
+              <a:t>Present and it called Global Exec. Context</a:t>
+            </a:r>
+          </a:p>
+          <a:p>
+            <a:r>
+              <a:rPr lang="en-US" dirty="0"/>
+              <a:t>Hosting</a:t>
+            </a:r>
+          </a:p>
+          <a:p>
+            <a:r>
+              <a:rPr lang="en-US" dirty="0"/>
+              <a:t>Scope Chain</a:t>
+            </a:r>
+          </a:p>
+          <a:p>
+            <a:r>
+              <a:rPr lang="en-US" dirty="0"/>
+              <a:t>Closures</a:t>
+            </a:r>
+          </a:p>
+        </p:txBody>
+      </p:sp>
+    </p:spTree>
+    <p:extLst>
+      <p:ext uri="{BB962C8B-B14F-4D97-AF65-F5344CB8AC3E}">
+        <p14:creationId xmlns:p14="http://schemas.microsoft.com/office/powerpoint/2010/main" val="378956187"/>
+      </p:ext>
+    </p:extLst>
+  </p:cSld>
+  <p:clrMapOvr>
+    <a:masterClrMapping/>
+  </p:clrMapOvr>
+</p:sld>
+</file>
+
+<file path=ppt/slides/slide9.xml><?xml version="1.0" encoding="utf-8"?>
+<p:sld xmlns:a="http://schemas.openxmlformats.org/drawingml/2006/main" xmlns:r="http://schemas.openxmlformats.org/officeDocument/2006/relationships" xmlns:p="http://schemas.openxmlformats.org/presentationml/2006/main">
+  <p:cSld>
+    <p:spTree>
+      <p:nvGrpSpPr>
+        <p:cNvPr id="1" name=""/>
+        <p:cNvGrpSpPr/>
+        <p:nvPr/>
+      </p:nvGrpSpPr>
+      <p:grpSpPr>
+        <a:xfrm>
+          <a:off x="0" y="0"/>
+          <a:ext cx="0" cy="0"/>
+          <a:chOff x="0" y="0"/>
+          <a:chExt cx="0" cy="0"/>
+        </a:xfrm>
+      </p:grpSpPr>
+      <p:sp>
+        <p:nvSpPr>
+          <p:cNvPr id="2" name="Title 1">
+            <a:extLst>
+              <a:ext uri="{FF2B5EF4-FFF2-40B4-BE49-F238E27FC236}">
+                <a16:creationId xmlns:a16="http://schemas.microsoft.com/office/drawing/2014/main" id="{6BAB709E-A7DE-AD4D-B6E7-41A88BCF2E02}"/>
+              </a:ext>
+            </a:extLst>
+          </p:cNvPr>
+          <p:cNvSpPr>
+            <a:spLocks noGrp="1"/>
+          </p:cNvSpPr>
+          <p:nvPr>
+            <p:ph type="title"/>
+          </p:nvPr>
+        </p:nvSpPr>
+        <p:spPr/>
+        <p:txBody>
+          <a:bodyPr/>
+          <a:lstStyle/>
+          <a:p>
+            <a:endParaRPr lang="en-US"/>
+          </a:p>
+        </p:txBody>
+      </p:sp>
+      <p:sp>
+        <p:nvSpPr>
+          <p:cNvPr id="3" name="Content Placeholder 2">
+            <a:extLst>
+              <a:ext uri="{FF2B5EF4-FFF2-40B4-BE49-F238E27FC236}">
+                <a16:creationId xmlns:a16="http://schemas.microsoft.com/office/drawing/2014/main" id="{CBCF7363-167F-8C13-C1E6-73DA2F4630EF}"/>
+              </a:ext>
+            </a:extLst>
+          </p:cNvPr>
+          <p:cNvSpPr>
+            <a:spLocks noGrp="1"/>
+          </p:cNvSpPr>
+          <p:nvPr>
+            <p:ph idx="1"/>
+          </p:nvPr>
+        </p:nvSpPr>
+        <p:spPr/>
+        <p:txBody>
+          <a:bodyPr/>
+          <a:lstStyle/>
+          <a:p>
+            <a:endParaRPr lang="en-US"/>
+          </a:p>
+        </p:txBody>
+      </p:sp>
+    </p:spTree>
+    <p:extLst>
+      <p:ext uri="{BB962C8B-B14F-4D97-AF65-F5344CB8AC3E}">
+        <p14:creationId xmlns:p14="http://schemas.microsoft.com/office/powerpoint/2010/main" val="2508920206"/>
       </p:ext>
     </p:extLst>
   </p:cSld>

--- a/JS/JavaScript.pptx
+++ b/JS/JavaScript.pptx
@@ -14,6 +14,8 @@
     <p:sldId id="262" r:id="rId8"/>
     <p:sldId id="263" r:id="rId9"/>
     <p:sldId id="264" r:id="rId10"/>
+    <p:sldId id="265" r:id="rId11"/>
+    <p:sldId id="266" r:id="rId12"/>
   </p:sldIdLst>
   <p:sldSz cx="12192000" cy="6858000"/>
   <p:notesSz cx="6858000" cy="9144000"/>
@@ -269,7 +271,7 @@
           <a:p>
             <a:fld id="{2EB1900A-CF1B-B843-834D-920A07F18114}" type="datetimeFigureOut">
               <a:rPr lang="en-US" smtClean="0"/>
-              <a:t>9/30/25</a:t>
+              <a:t>10/7/25</a:t>
             </a:fld>
             <a:endParaRPr lang="en-US"/>
           </a:p>
@@ -469,7 +471,7 @@
           <a:p>
             <a:fld id="{2EB1900A-CF1B-B843-834D-920A07F18114}" type="datetimeFigureOut">
               <a:rPr lang="en-US" smtClean="0"/>
-              <a:t>9/30/25</a:t>
+              <a:t>10/7/25</a:t>
             </a:fld>
             <a:endParaRPr lang="en-US"/>
           </a:p>
@@ -679,7 +681,7 @@
           <a:p>
             <a:fld id="{2EB1900A-CF1B-B843-834D-920A07F18114}" type="datetimeFigureOut">
               <a:rPr lang="en-US" smtClean="0"/>
-              <a:t>9/30/25</a:t>
+              <a:t>10/7/25</a:t>
             </a:fld>
             <a:endParaRPr lang="en-US"/>
           </a:p>
@@ -879,7 +881,7 @@
           <a:p>
             <a:fld id="{2EB1900A-CF1B-B843-834D-920A07F18114}" type="datetimeFigureOut">
               <a:rPr lang="en-US" smtClean="0"/>
-              <a:t>9/30/25</a:t>
+              <a:t>10/7/25</a:t>
             </a:fld>
             <a:endParaRPr lang="en-US"/>
           </a:p>
@@ -1155,7 +1157,7 @@
           <a:p>
             <a:fld id="{2EB1900A-CF1B-B843-834D-920A07F18114}" type="datetimeFigureOut">
               <a:rPr lang="en-US" smtClean="0"/>
-              <a:t>9/30/25</a:t>
+              <a:t>10/7/25</a:t>
             </a:fld>
             <a:endParaRPr lang="en-US"/>
           </a:p>
@@ -1423,7 +1425,7 @@
           <a:p>
             <a:fld id="{2EB1900A-CF1B-B843-834D-920A07F18114}" type="datetimeFigureOut">
               <a:rPr lang="en-US" smtClean="0"/>
-              <a:t>9/30/25</a:t>
+              <a:t>10/7/25</a:t>
             </a:fld>
             <a:endParaRPr lang="en-US"/>
           </a:p>
@@ -1838,7 +1840,7 @@
           <a:p>
             <a:fld id="{2EB1900A-CF1B-B843-834D-920A07F18114}" type="datetimeFigureOut">
               <a:rPr lang="en-US" smtClean="0"/>
-              <a:t>9/30/25</a:t>
+              <a:t>10/7/25</a:t>
             </a:fld>
             <a:endParaRPr lang="en-US"/>
           </a:p>
@@ -1980,7 +1982,7 @@
           <a:p>
             <a:fld id="{2EB1900A-CF1B-B843-834D-920A07F18114}" type="datetimeFigureOut">
               <a:rPr lang="en-US" smtClean="0"/>
-              <a:t>9/30/25</a:t>
+              <a:t>10/7/25</a:t>
             </a:fld>
             <a:endParaRPr lang="en-US"/>
           </a:p>
@@ -2093,7 +2095,7 @@
           <a:p>
             <a:fld id="{2EB1900A-CF1B-B843-834D-920A07F18114}" type="datetimeFigureOut">
               <a:rPr lang="en-US" smtClean="0"/>
-              <a:t>9/30/25</a:t>
+              <a:t>10/7/25</a:t>
             </a:fld>
             <a:endParaRPr lang="en-US"/>
           </a:p>
@@ -2406,7 +2408,7 @@
           <a:p>
             <a:fld id="{2EB1900A-CF1B-B843-834D-920A07F18114}" type="datetimeFigureOut">
               <a:rPr lang="en-US" smtClean="0"/>
-              <a:t>9/30/25</a:t>
+              <a:t>10/7/25</a:t>
             </a:fld>
             <a:endParaRPr lang="en-US"/>
           </a:p>
@@ -2695,7 +2697,7 @@
           <a:p>
             <a:fld id="{2EB1900A-CF1B-B843-834D-920A07F18114}" type="datetimeFigureOut">
               <a:rPr lang="en-US" smtClean="0"/>
-              <a:t>9/30/25</a:t>
+              <a:t>10/7/25</a:t>
             </a:fld>
             <a:endParaRPr lang="en-US"/>
           </a:p>
@@ -2938,7 +2940,7 @@
           <a:p>
             <a:fld id="{2EB1900A-CF1B-B843-834D-920A07F18114}" type="datetimeFigureOut">
               <a:rPr lang="en-US" smtClean="0"/>
-              <a:t>9/30/25</a:t>
+              <a:t>10/7/25</a:t>
             </a:fld>
             <a:endParaRPr lang="en-US"/>
           </a:p>
@@ -3473,6 +3475,1284 @@
 </p:sld>
 </file>
 
+<file path=ppt/slides/slide10.xml><?xml version="1.0" encoding="utf-8"?>
+<p:sld xmlns:a="http://schemas.openxmlformats.org/drawingml/2006/main" xmlns:r="http://schemas.openxmlformats.org/officeDocument/2006/relationships" xmlns:p="http://schemas.openxmlformats.org/presentationml/2006/main">
+  <p:cSld>
+    <p:spTree>
+      <p:nvGrpSpPr>
+        <p:cNvPr id="1" name=""/>
+        <p:cNvGrpSpPr/>
+        <p:nvPr/>
+      </p:nvGrpSpPr>
+      <p:grpSpPr>
+        <a:xfrm>
+          <a:off x="0" y="0"/>
+          <a:ext cx="0" cy="0"/>
+          <a:chOff x="0" y="0"/>
+          <a:chExt cx="0" cy="0"/>
+        </a:xfrm>
+      </p:grpSpPr>
+      <p:sp>
+        <p:nvSpPr>
+          <p:cNvPr id="2" name="Title 1">
+            <a:extLst>
+              <a:ext uri="{FF2B5EF4-FFF2-40B4-BE49-F238E27FC236}">
+                <a16:creationId xmlns:a16="http://schemas.microsoft.com/office/drawing/2014/main" id="{3EF7AE63-4821-B67E-0360-7409DE315FD7}"/>
+              </a:ext>
+            </a:extLst>
+          </p:cNvPr>
+          <p:cNvSpPr>
+            <a:spLocks noGrp="1"/>
+          </p:cNvSpPr>
+          <p:nvPr>
+            <p:ph type="title"/>
+          </p:nvPr>
+        </p:nvSpPr>
+        <p:spPr/>
+        <p:txBody>
+          <a:bodyPr/>
+          <a:lstStyle/>
+          <a:p>
+            <a:r>
+              <a:rPr lang="en-US" dirty="0"/>
+              <a:t>Hierarchical and Nodes</a:t>
+            </a:r>
+          </a:p>
+        </p:txBody>
+      </p:sp>
+      <p:sp>
+        <p:nvSpPr>
+          <p:cNvPr id="3" name="Content Placeholder 2">
+            <a:extLst>
+              <a:ext uri="{FF2B5EF4-FFF2-40B4-BE49-F238E27FC236}">
+                <a16:creationId xmlns:a16="http://schemas.microsoft.com/office/drawing/2014/main" id="{5AD46C0B-669B-6CF8-9757-957DF116E75F}"/>
+              </a:ext>
+            </a:extLst>
+          </p:cNvPr>
+          <p:cNvSpPr>
+            <a:spLocks noGrp="1"/>
+          </p:cNvSpPr>
+          <p:nvPr>
+            <p:ph idx="1"/>
+          </p:nvPr>
+        </p:nvSpPr>
+        <p:spPr>
+          <a:xfrm>
+            <a:off x="838200" y="1825625"/>
+            <a:ext cx="5257800" cy="4667250"/>
+          </a:xfrm>
+        </p:spPr>
+        <p:txBody>
+          <a:bodyPr>
+            <a:normAutofit fontScale="85000" lnSpcReduction="10000"/>
+          </a:bodyPr>
+          <a:lstStyle/>
+          <a:p>
+            <a:r>
+              <a:rPr lang="en-US" dirty="0"/>
+              <a:t>Tree like Structure</a:t>
+            </a:r>
+          </a:p>
+          <a:p>
+            <a:r>
+              <a:rPr lang="en-US" dirty="0"/>
+              <a:t>Root nodes: represent entire document</a:t>
+            </a:r>
+          </a:p>
+          <a:p>
+            <a:r>
+              <a:rPr lang="en-US" dirty="0"/>
+              <a:t>Nodes: Element , attribute and text</a:t>
+            </a:r>
+          </a:p>
+          <a:p>
+            <a:r>
+              <a:rPr lang="en-US" dirty="0"/>
+              <a:t>Children of HTML – </a:t>
+            </a:r>
+            <a:r>
+              <a:rPr lang="en-US" dirty="0" err="1"/>
+              <a:t>Head,Body</a:t>
+            </a:r>
+            <a:endParaRPr lang="en-US" dirty="0"/>
+          </a:p>
+          <a:p>
+            <a:r>
+              <a:rPr lang="en-US" dirty="0"/>
+              <a:t>Parent of meta – Head</a:t>
+            </a:r>
+          </a:p>
+          <a:p>
+            <a:r>
+              <a:rPr lang="en-US" dirty="0"/>
+              <a:t>Sibling of Header – main</a:t>
+            </a:r>
+          </a:p>
+          <a:p>
+            <a:r>
+              <a:rPr lang="en-US" dirty="0"/>
+              <a:t>Meta and title is sibling</a:t>
+            </a:r>
+          </a:p>
+          <a:p>
+            <a:pPr marL="0" indent="0">
+              <a:buNone/>
+            </a:pPr>
+            <a:endParaRPr lang="en-US" dirty="0"/>
+          </a:p>
+          <a:p>
+            <a:pPr marL="0" indent="0">
+              <a:buNone/>
+            </a:pPr>
+            <a:r>
+              <a:rPr lang="en-US" dirty="0"/>
+              <a:t>Browser doesn’t wait for html parse when JS load complete it start execute immediately</a:t>
+            </a:r>
+          </a:p>
+        </p:txBody>
+      </p:sp>
+      <p:sp>
+        <p:nvSpPr>
+          <p:cNvPr id="4" name="Terminator 3">
+            <a:extLst>
+              <a:ext uri="{FF2B5EF4-FFF2-40B4-BE49-F238E27FC236}">
+                <a16:creationId xmlns:a16="http://schemas.microsoft.com/office/drawing/2014/main" id="{A61514B5-CB28-D3A5-8C5F-31BDEEC398C1}"/>
+              </a:ext>
+            </a:extLst>
+          </p:cNvPr>
+          <p:cNvSpPr/>
+          <p:nvPr/>
+        </p:nvSpPr>
+        <p:spPr>
+          <a:xfrm>
+            <a:off x="7734748" y="178118"/>
+            <a:ext cx="2958353" cy="892885"/>
+          </a:xfrm>
+          <a:prstGeom prst="flowChartTerminator">
+            <a:avLst/>
+          </a:prstGeom>
+        </p:spPr>
+        <p:style>
+          <a:lnRef idx="2">
+            <a:schemeClr val="accent1">
+              <a:shade val="15000"/>
+            </a:schemeClr>
+          </a:lnRef>
+          <a:fillRef idx="1">
+            <a:schemeClr val="accent1"/>
+          </a:fillRef>
+          <a:effectRef idx="0">
+            <a:schemeClr val="accent1"/>
+          </a:effectRef>
+          <a:fontRef idx="minor">
+            <a:schemeClr val="lt1"/>
+          </a:fontRef>
+        </p:style>
+        <p:txBody>
+          <a:bodyPr rtlCol="0" anchor="ctr"/>
+          <a:lstStyle/>
+          <a:p>
+            <a:pPr algn="ctr"/>
+            <a:r>
+              <a:rPr lang="en-US" dirty="0"/>
+              <a:t>Document (root)</a:t>
+            </a:r>
+          </a:p>
+        </p:txBody>
+      </p:sp>
+      <p:sp>
+        <p:nvSpPr>
+          <p:cNvPr id="5" name="Alternative Process 4">
+            <a:extLst>
+              <a:ext uri="{FF2B5EF4-FFF2-40B4-BE49-F238E27FC236}">
+                <a16:creationId xmlns:a16="http://schemas.microsoft.com/office/drawing/2014/main" id="{6AA9B1C3-B3E6-F455-A99B-BF68A37A00BD}"/>
+              </a:ext>
+            </a:extLst>
+          </p:cNvPr>
+          <p:cNvSpPr/>
+          <p:nvPr/>
+        </p:nvSpPr>
+        <p:spPr>
+          <a:xfrm>
+            <a:off x="7820810" y="1318428"/>
+            <a:ext cx="2872291" cy="806824"/>
+          </a:xfrm>
+          <a:prstGeom prst="flowChartAlternateProcess">
+            <a:avLst/>
+          </a:prstGeom>
+        </p:spPr>
+        <p:style>
+          <a:lnRef idx="2">
+            <a:schemeClr val="accent1">
+              <a:shade val="15000"/>
+            </a:schemeClr>
+          </a:lnRef>
+          <a:fillRef idx="1">
+            <a:schemeClr val="accent1"/>
+          </a:fillRef>
+          <a:effectRef idx="0">
+            <a:schemeClr val="accent1"/>
+          </a:effectRef>
+          <a:fontRef idx="minor">
+            <a:schemeClr val="lt1"/>
+          </a:fontRef>
+        </p:style>
+        <p:txBody>
+          <a:bodyPr rtlCol="0" anchor="ctr"/>
+          <a:lstStyle/>
+          <a:p>
+            <a:pPr algn="ctr"/>
+            <a:r>
+              <a:rPr lang="en-US" dirty="0"/>
+              <a:t>HTML</a:t>
+            </a:r>
+          </a:p>
+        </p:txBody>
+      </p:sp>
+      <p:cxnSp>
+        <p:nvCxnSpPr>
+          <p:cNvPr id="7" name="Straight Connector 6">
+            <a:extLst>
+              <a:ext uri="{FF2B5EF4-FFF2-40B4-BE49-F238E27FC236}">
+                <a16:creationId xmlns:a16="http://schemas.microsoft.com/office/drawing/2014/main" id="{18357D3A-6D7C-DBE7-B607-4EC678F0C3B6}"/>
+              </a:ext>
+            </a:extLst>
+          </p:cNvPr>
+          <p:cNvCxnSpPr>
+            <a:stCxn id="4" idx="2"/>
+            <a:endCxn id="5" idx="0"/>
+          </p:cNvCxnSpPr>
+          <p:nvPr/>
+        </p:nvCxnSpPr>
+        <p:spPr>
+          <a:xfrm>
+            <a:off x="9213925" y="1071003"/>
+            <a:ext cx="43031" cy="247425"/>
+          </a:xfrm>
+          <a:prstGeom prst="line">
+            <a:avLst/>
+          </a:prstGeom>
+        </p:spPr>
+        <p:style>
+          <a:lnRef idx="2">
+            <a:schemeClr val="accent1"/>
+          </a:lnRef>
+          <a:fillRef idx="0">
+            <a:schemeClr val="accent1"/>
+          </a:fillRef>
+          <a:effectRef idx="1">
+            <a:schemeClr val="accent1"/>
+          </a:effectRef>
+          <a:fontRef idx="minor">
+            <a:schemeClr val="tx1"/>
+          </a:fontRef>
+        </p:style>
+      </p:cxnSp>
+      <p:sp>
+        <p:nvSpPr>
+          <p:cNvPr id="8" name="Alternative Process 7">
+            <a:extLst>
+              <a:ext uri="{FF2B5EF4-FFF2-40B4-BE49-F238E27FC236}">
+                <a16:creationId xmlns:a16="http://schemas.microsoft.com/office/drawing/2014/main" id="{5140C4D8-39EF-6CBA-C35A-6196F77F401F}"/>
+              </a:ext>
+            </a:extLst>
+          </p:cNvPr>
+          <p:cNvSpPr/>
+          <p:nvPr/>
+        </p:nvSpPr>
+        <p:spPr>
+          <a:xfrm>
+            <a:off x="5735619" y="2756030"/>
+            <a:ext cx="2872291" cy="806824"/>
+          </a:xfrm>
+          <a:prstGeom prst="flowChartAlternateProcess">
+            <a:avLst/>
+          </a:prstGeom>
+        </p:spPr>
+        <p:style>
+          <a:lnRef idx="2">
+            <a:schemeClr val="accent1">
+              <a:shade val="15000"/>
+            </a:schemeClr>
+          </a:lnRef>
+          <a:fillRef idx="1">
+            <a:schemeClr val="accent1"/>
+          </a:fillRef>
+          <a:effectRef idx="0">
+            <a:schemeClr val="accent1"/>
+          </a:effectRef>
+          <a:fontRef idx="minor">
+            <a:schemeClr val="lt1"/>
+          </a:fontRef>
+        </p:style>
+        <p:txBody>
+          <a:bodyPr rtlCol="0" anchor="ctr"/>
+          <a:lstStyle/>
+          <a:p>
+            <a:pPr algn="ctr"/>
+            <a:r>
+              <a:rPr lang="en-US" dirty="0"/>
+              <a:t>Head</a:t>
+            </a:r>
+          </a:p>
+        </p:txBody>
+      </p:sp>
+      <p:sp>
+        <p:nvSpPr>
+          <p:cNvPr id="9" name="Alternative Process 8">
+            <a:extLst>
+              <a:ext uri="{FF2B5EF4-FFF2-40B4-BE49-F238E27FC236}">
+                <a16:creationId xmlns:a16="http://schemas.microsoft.com/office/drawing/2014/main" id="{2FC0157F-5715-451E-90CB-E5E584E49A16}"/>
+              </a:ext>
+            </a:extLst>
+          </p:cNvPr>
+          <p:cNvSpPr/>
+          <p:nvPr/>
+        </p:nvSpPr>
+        <p:spPr>
+          <a:xfrm>
+            <a:off x="9213924" y="2622176"/>
+            <a:ext cx="2872291" cy="806824"/>
+          </a:xfrm>
+          <a:prstGeom prst="flowChartAlternateProcess">
+            <a:avLst/>
+          </a:prstGeom>
+        </p:spPr>
+        <p:style>
+          <a:lnRef idx="2">
+            <a:schemeClr val="accent1">
+              <a:shade val="15000"/>
+            </a:schemeClr>
+          </a:lnRef>
+          <a:fillRef idx="1">
+            <a:schemeClr val="accent1"/>
+          </a:fillRef>
+          <a:effectRef idx="0">
+            <a:schemeClr val="accent1"/>
+          </a:effectRef>
+          <a:fontRef idx="minor">
+            <a:schemeClr val="lt1"/>
+          </a:fontRef>
+        </p:style>
+        <p:txBody>
+          <a:bodyPr rtlCol="0" anchor="ctr"/>
+          <a:lstStyle/>
+          <a:p>
+            <a:pPr algn="ctr"/>
+            <a:r>
+              <a:rPr lang="en-US" dirty="0"/>
+              <a:t>Body</a:t>
+            </a:r>
+          </a:p>
+        </p:txBody>
+      </p:sp>
+      <p:cxnSp>
+        <p:nvCxnSpPr>
+          <p:cNvPr id="11" name="Straight Connector 10">
+            <a:extLst>
+              <a:ext uri="{FF2B5EF4-FFF2-40B4-BE49-F238E27FC236}">
+                <a16:creationId xmlns:a16="http://schemas.microsoft.com/office/drawing/2014/main" id="{BE153D0B-0713-300F-3862-C7D5CC0363C1}"/>
+              </a:ext>
+            </a:extLst>
+          </p:cNvPr>
+          <p:cNvCxnSpPr>
+            <a:stCxn id="9" idx="0"/>
+            <a:endCxn id="5" idx="2"/>
+          </p:cNvCxnSpPr>
+          <p:nvPr/>
+        </p:nvCxnSpPr>
+        <p:spPr>
+          <a:xfrm flipH="1" flipV="1">
+            <a:off x="9256956" y="2125252"/>
+            <a:ext cx="1393114" cy="496924"/>
+          </a:xfrm>
+          <a:prstGeom prst="line">
+            <a:avLst/>
+          </a:prstGeom>
+        </p:spPr>
+        <p:style>
+          <a:lnRef idx="2">
+            <a:schemeClr val="accent1"/>
+          </a:lnRef>
+          <a:fillRef idx="0">
+            <a:schemeClr val="accent1"/>
+          </a:fillRef>
+          <a:effectRef idx="1">
+            <a:schemeClr val="accent1"/>
+          </a:effectRef>
+          <a:fontRef idx="minor">
+            <a:schemeClr val="tx1"/>
+          </a:fontRef>
+        </p:style>
+      </p:cxnSp>
+      <p:cxnSp>
+        <p:nvCxnSpPr>
+          <p:cNvPr id="13" name="Straight Connector 12">
+            <a:extLst>
+              <a:ext uri="{FF2B5EF4-FFF2-40B4-BE49-F238E27FC236}">
+                <a16:creationId xmlns:a16="http://schemas.microsoft.com/office/drawing/2014/main" id="{803DE9BF-8275-4C0C-4A09-5725EAE6E64E}"/>
+              </a:ext>
+            </a:extLst>
+          </p:cNvPr>
+          <p:cNvCxnSpPr>
+            <a:cxnSpLocks/>
+            <a:stCxn id="5" idx="2"/>
+            <a:endCxn id="8" idx="0"/>
+          </p:cNvCxnSpPr>
+          <p:nvPr/>
+        </p:nvCxnSpPr>
+        <p:spPr>
+          <a:xfrm flipH="1">
+            <a:off x="7171765" y="2125252"/>
+            <a:ext cx="2085191" cy="630778"/>
+          </a:xfrm>
+          <a:prstGeom prst="line">
+            <a:avLst/>
+          </a:prstGeom>
+        </p:spPr>
+        <p:style>
+          <a:lnRef idx="2">
+            <a:schemeClr val="accent1"/>
+          </a:lnRef>
+          <a:fillRef idx="0">
+            <a:schemeClr val="accent1"/>
+          </a:fillRef>
+          <a:effectRef idx="1">
+            <a:schemeClr val="accent1"/>
+          </a:effectRef>
+          <a:fontRef idx="minor">
+            <a:schemeClr val="tx1"/>
+          </a:fontRef>
+        </p:style>
+      </p:cxnSp>
+      <p:sp>
+        <p:nvSpPr>
+          <p:cNvPr id="15" name="Alternative Process 14">
+            <a:extLst>
+              <a:ext uri="{FF2B5EF4-FFF2-40B4-BE49-F238E27FC236}">
+                <a16:creationId xmlns:a16="http://schemas.microsoft.com/office/drawing/2014/main" id="{55C0E4EA-A635-1911-C288-12CBC6630D27}"/>
+              </a:ext>
+            </a:extLst>
+          </p:cNvPr>
+          <p:cNvSpPr/>
+          <p:nvPr/>
+        </p:nvSpPr>
+        <p:spPr>
+          <a:xfrm>
+            <a:off x="4551381" y="4001294"/>
+            <a:ext cx="1437939" cy="806824"/>
+          </a:xfrm>
+          <a:prstGeom prst="flowChartAlternateProcess">
+            <a:avLst/>
+          </a:prstGeom>
+        </p:spPr>
+        <p:style>
+          <a:lnRef idx="2">
+            <a:schemeClr val="accent1">
+              <a:shade val="15000"/>
+            </a:schemeClr>
+          </a:lnRef>
+          <a:fillRef idx="1">
+            <a:schemeClr val="accent1"/>
+          </a:fillRef>
+          <a:effectRef idx="0">
+            <a:schemeClr val="accent1"/>
+          </a:effectRef>
+          <a:fontRef idx="minor">
+            <a:schemeClr val="lt1"/>
+          </a:fontRef>
+        </p:style>
+        <p:txBody>
+          <a:bodyPr rtlCol="0" anchor="ctr"/>
+          <a:lstStyle/>
+          <a:p>
+            <a:pPr algn="ctr"/>
+            <a:r>
+              <a:rPr lang="en-US" dirty="0"/>
+              <a:t>Meta</a:t>
+            </a:r>
+          </a:p>
+        </p:txBody>
+      </p:sp>
+      <p:sp>
+        <p:nvSpPr>
+          <p:cNvPr id="16" name="Alternative Process 15">
+            <a:extLst>
+              <a:ext uri="{FF2B5EF4-FFF2-40B4-BE49-F238E27FC236}">
+                <a16:creationId xmlns:a16="http://schemas.microsoft.com/office/drawing/2014/main" id="{3624DA37-C0A1-8E95-4949-2DB8948F8642}"/>
+              </a:ext>
+            </a:extLst>
+          </p:cNvPr>
+          <p:cNvSpPr/>
+          <p:nvPr/>
+        </p:nvSpPr>
+        <p:spPr>
+          <a:xfrm>
+            <a:off x="6452794" y="4001294"/>
+            <a:ext cx="1437939" cy="806824"/>
+          </a:xfrm>
+          <a:prstGeom prst="flowChartAlternateProcess">
+            <a:avLst/>
+          </a:prstGeom>
+        </p:spPr>
+        <p:style>
+          <a:lnRef idx="2">
+            <a:schemeClr val="accent1">
+              <a:shade val="15000"/>
+            </a:schemeClr>
+          </a:lnRef>
+          <a:fillRef idx="1">
+            <a:schemeClr val="accent1"/>
+          </a:fillRef>
+          <a:effectRef idx="0">
+            <a:schemeClr val="accent1"/>
+          </a:effectRef>
+          <a:fontRef idx="minor">
+            <a:schemeClr val="lt1"/>
+          </a:fontRef>
+        </p:style>
+        <p:txBody>
+          <a:bodyPr rtlCol="0" anchor="ctr"/>
+          <a:lstStyle/>
+          <a:p>
+            <a:pPr algn="ctr"/>
+            <a:r>
+              <a:rPr lang="en-US" dirty="0"/>
+              <a:t>Title</a:t>
+            </a:r>
+          </a:p>
+        </p:txBody>
+      </p:sp>
+      <p:sp>
+        <p:nvSpPr>
+          <p:cNvPr id="17" name="Alternative Process 16">
+            <a:extLst>
+              <a:ext uri="{FF2B5EF4-FFF2-40B4-BE49-F238E27FC236}">
+                <a16:creationId xmlns:a16="http://schemas.microsoft.com/office/drawing/2014/main" id="{2FBF92BB-5B56-3A16-007E-7AF2ABBF8ED5}"/>
+              </a:ext>
+            </a:extLst>
+          </p:cNvPr>
+          <p:cNvSpPr/>
+          <p:nvPr/>
+        </p:nvSpPr>
+        <p:spPr>
+          <a:xfrm>
+            <a:off x="6776421" y="5246558"/>
+            <a:ext cx="1437939" cy="806824"/>
+          </a:xfrm>
+          <a:prstGeom prst="flowChartAlternateProcess">
+            <a:avLst/>
+          </a:prstGeom>
+        </p:spPr>
+        <p:style>
+          <a:lnRef idx="2">
+            <a:schemeClr val="accent1">
+              <a:shade val="15000"/>
+            </a:schemeClr>
+          </a:lnRef>
+          <a:fillRef idx="1">
+            <a:schemeClr val="accent1"/>
+          </a:fillRef>
+          <a:effectRef idx="0">
+            <a:schemeClr val="accent1"/>
+          </a:effectRef>
+          <a:fontRef idx="minor">
+            <a:schemeClr val="lt1"/>
+          </a:fontRef>
+        </p:style>
+        <p:txBody>
+          <a:bodyPr rtlCol="0" anchor="ctr"/>
+          <a:lstStyle/>
+          <a:p>
+            <a:pPr algn="ctr"/>
+            <a:r>
+              <a:rPr lang="en-US" dirty="0"/>
+              <a:t>Text</a:t>
+            </a:r>
+          </a:p>
+        </p:txBody>
+      </p:sp>
+      <p:sp>
+        <p:nvSpPr>
+          <p:cNvPr id="18" name="Alternative Process 17">
+            <a:extLst>
+              <a:ext uri="{FF2B5EF4-FFF2-40B4-BE49-F238E27FC236}">
+                <a16:creationId xmlns:a16="http://schemas.microsoft.com/office/drawing/2014/main" id="{1CFBF6F4-12A3-9274-BE0D-9ECCA194F867}"/>
+              </a:ext>
+            </a:extLst>
+          </p:cNvPr>
+          <p:cNvSpPr/>
+          <p:nvPr/>
+        </p:nvSpPr>
+        <p:spPr>
+          <a:xfrm>
+            <a:off x="8481509" y="4001294"/>
+            <a:ext cx="1340223" cy="806824"/>
+          </a:xfrm>
+          <a:prstGeom prst="flowChartAlternateProcess">
+            <a:avLst/>
+          </a:prstGeom>
+        </p:spPr>
+        <p:style>
+          <a:lnRef idx="2">
+            <a:schemeClr val="accent1">
+              <a:shade val="15000"/>
+            </a:schemeClr>
+          </a:lnRef>
+          <a:fillRef idx="1">
+            <a:schemeClr val="accent1"/>
+          </a:fillRef>
+          <a:effectRef idx="0">
+            <a:schemeClr val="accent1"/>
+          </a:effectRef>
+          <a:fontRef idx="minor">
+            <a:schemeClr val="lt1"/>
+          </a:fontRef>
+        </p:style>
+        <p:txBody>
+          <a:bodyPr rtlCol="0" anchor="ctr"/>
+          <a:lstStyle/>
+          <a:p>
+            <a:pPr algn="ctr"/>
+            <a:r>
+              <a:rPr lang="en-US" dirty="0"/>
+              <a:t>Header</a:t>
+            </a:r>
+          </a:p>
+        </p:txBody>
+      </p:sp>
+      <p:sp>
+        <p:nvSpPr>
+          <p:cNvPr id="19" name="Alternative Process 18">
+            <a:extLst>
+              <a:ext uri="{FF2B5EF4-FFF2-40B4-BE49-F238E27FC236}">
+                <a16:creationId xmlns:a16="http://schemas.microsoft.com/office/drawing/2014/main" id="{9E5D6A51-DF69-7957-D2FD-D1564C8277FD}"/>
+              </a:ext>
+            </a:extLst>
+          </p:cNvPr>
+          <p:cNvSpPr/>
+          <p:nvPr/>
+        </p:nvSpPr>
+        <p:spPr>
+          <a:xfrm>
+            <a:off x="10290587" y="3957076"/>
+            <a:ext cx="1340223" cy="806824"/>
+          </a:xfrm>
+          <a:prstGeom prst="flowChartAlternateProcess">
+            <a:avLst/>
+          </a:prstGeom>
+        </p:spPr>
+        <p:style>
+          <a:lnRef idx="2">
+            <a:schemeClr val="accent1">
+              <a:shade val="15000"/>
+            </a:schemeClr>
+          </a:lnRef>
+          <a:fillRef idx="1">
+            <a:schemeClr val="accent1"/>
+          </a:fillRef>
+          <a:effectRef idx="0">
+            <a:schemeClr val="accent1"/>
+          </a:effectRef>
+          <a:fontRef idx="minor">
+            <a:schemeClr val="lt1"/>
+          </a:fontRef>
+        </p:style>
+        <p:txBody>
+          <a:bodyPr rtlCol="0" anchor="ctr"/>
+          <a:lstStyle/>
+          <a:p>
+            <a:pPr algn="ctr"/>
+            <a:r>
+              <a:rPr lang="en-US" dirty="0"/>
+              <a:t>main</a:t>
+            </a:r>
+          </a:p>
+        </p:txBody>
+      </p:sp>
+      <p:sp>
+        <p:nvSpPr>
+          <p:cNvPr id="20" name="Alternative Process 19">
+            <a:extLst>
+              <a:ext uri="{FF2B5EF4-FFF2-40B4-BE49-F238E27FC236}">
+                <a16:creationId xmlns:a16="http://schemas.microsoft.com/office/drawing/2014/main" id="{2DC50BF0-69C5-4185-417F-51DF21796ABA}"/>
+              </a:ext>
+            </a:extLst>
+          </p:cNvPr>
+          <p:cNvSpPr/>
+          <p:nvPr/>
+        </p:nvSpPr>
+        <p:spPr>
+          <a:xfrm>
+            <a:off x="8586843" y="5136160"/>
+            <a:ext cx="1340223" cy="806824"/>
+          </a:xfrm>
+          <a:prstGeom prst="flowChartAlternateProcess">
+            <a:avLst/>
+          </a:prstGeom>
+        </p:spPr>
+        <p:style>
+          <a:lnRef idx="2">
+            <a:schemeClr val="accent1">
+              <a:shade val="15000"/>
+            </a:schemeClr>
+          </a:lnRef>
+          <a:fillRef idx="1">
+            <a:schemeClr val="accent1"/>
+          </a:fillRef>
+          <a:effectRef idx="0">
+            <a:schemeClr val="accent1"/>
+          </a:effectRef>
+          <a:fontRef idx="minor">
+            <a:schemeClr val="lt1"/>
+          </a:fontRef>
+        </p:style>
+        <p:txBody>
+          <a:bodyPr rtlCol="0" anchor="ctr"/>
+          <a:lstStyle/>
+          <a:p>
+            <a:pPr algn="ctr"/>
+            <a:r>
+              <a:rPr lang="en-US" dirty="0"/>
+              <a:t>H1</a:t>
+            </a:r>
+          </a:p>
+        </p:txBody>
+      </p:sp>
+      <p:sp>
+        <p:nvSpPr>
+          <p:cNvPr id="21" name="Alternative Process 20">
+            <a:extLst>
+              <a:ext uri="{FF2B5EF4-FFF2-40B4-BE49-F238E27FC236}">
+                <a16:creationId xmlns:a16="http://schemas.microsoft.com/office/drawing/2014/main" id="{DDF0AE31-1E89-D7AA-DEA9-2ED28DE29C0F}"/>
+              </a:ext>
+            </a:extLst>
+          </p:cNvPr>
+          <p:cNvSpPr/>
+          <p:nvPr/>
+        </p:nvSpPr>
+        <p:spPr>
+          <a:xfrm>
+            <a:off x="10442987" y="5136160"/>
+            <a:ext cx="1340223" cy="806824"/>
+          </a:xfrm>
+          <a:prstGeom prst="flowChartAlternateProcess">
+            <a:avLst/>
+          </a:prstGeom>
+        </p:spPr>
+        <p:style>
+          <a:lnRef idx="2">
+            <a:schemeClr val="accent1">
+              <a:shade val="15000"/>
+            </a:schemeClr>
+          </a:lnRef>
+          <a:fillRef idx="1">
+            <a:schemeClr val="accent1"/>
+          </a:fillRef>
+          <a:effectRef idx="0">
+            <a:schemeClr val="accent1"/>
+          </a:effectRef>
+          <a:fontRef idx="minor">
+            <a:schemeClr val="lt1"/>
+          </a:fontRef>
+        </p:style>
+        <p:txBody>
+          <a:bodyPr rtlCol="0" anchor="ctr"/>
+          <a:lstStyle/>
+          <a:p>
+            <a:pPr algn="ctr"/>
+            <a:r>
+              <a:rPr lang="en-US" dirty="0"/>
+              <a:t>p</a:t>
+            </a:r>
+          </a:p>
+        </p:txBody>
+      </p:sp>
+      <p:cxnSp>
+        <p:nvCxnSpPr>
+          <p:cNvPr id="23" name="Straight Connector 22">
+            <a:extLst>
+              <a:ext uri="{FF2B5EF4-FFF2-40B4-BE49-F238E27FC236}">
+                <a16:creationId xmlns:a16="http://schemas.microsoft.com/office/drawing/2014/main" id="{C7BDC1A1-07D0-B2E3-D01D-AEFCA604195F}"/>
+              </a:ext>
+            </a:extLst>
+          </p:cNvPr>
+          <p:cNvCxnSpPr>
+            <a:stCxn id="8" idx="2"/>
+            <a:endCxn id="15" idx="0"/>
+          </p:cNvCxnSpPr>
+          <p:nvPr/>
+        </p:nvCxnSpPr>
+        <p:spPr>
+          <a:xfrm flipH="1">
+            <a:off x="5270351" y="3562854"/>
+            <a:ext cx="1901414" cy="438440"/>
+          </a:xfrm>
+          <a:prstGeom prst="line">
+            <a:avLst/>
+          </a:prstGeom>
+        </p:spPr>
+        <p:style>
+          <a:lnRef idx="2">
+            <a:schemeClr val="accent1"/>
+          </a:lnRef>
+          <a:fillRef idx="0">
+            <a:schemeClr val="accent1"/>
+          </a:fillRef>
+          <a:effectRef idx="1">
+            <a:schemeClr val="accent1"/>
+          </a:effectRef>
+          <a:fontRef idx="minor">
+            <a:schemeClr val="tx1"/>
+          </a:fontRef>
+        </p:style>
+      </p:cxnSp>
+      <p:cxnSp>
+        <p:nvCxnSpPr>
+          <p:cNvPr id="25" name="Straight Connector 24">
+            <a:extLst>
+              <a:ext uri="{FF2B5EF4-FFF2-40B4-BE49-F238E27FC236}">
+                <a16:creationId xmlns:a16="http://schemas.microsoft.com/office/drawing/2014/main" id="{149EB0C7-0C77-0F45-01BC-2A496959164D}"/>
+              </a:ext>
+            </a:extLst>
+          </p:cNvPr>
+          <p:cNvCxnSpPr>
+            <a:stCxn id="8" idx="2"/>
+            <a:endCxn id="16" idx="0"/>
+          </p:cNvCxnSpPr>
+          <p:nvPr/>
+        </p:nvCxnSpPr>
+        <p:spPr>
+          <a:xfrm flipH="1">
+            <a:off x="7171764" y="3562854"/>
+            <a:ext cx="1" cy="438440"/>
+          </a:xfrm>
+          <a:prstGeom prst="line">
+            <a:avLst/>
+          </a:prstGeom>
+        </p:spPr>
+        <p:style>
+          <a:lnRef idx="2">
+            <a:schemeClr val="accent1"/>
+          </a:lnRef>
+          <a:fillRef idx="0">
+            <a:schemeClr val="accent1"/>
+          </a:fillRef>
+          <a:effectRef idx="1">
+            <a:schemeClr val="accent1"/>
+          </a:effectRef>
+          <a:fontRef idx="minor">
+            <a:schemeClr val="tx1"/>
+          </a:fontRef>
+        </p:style>
+      </p:cxnSp>
+      <p:cxnSp>
+        <p:nvCxnSpPr>
+          <p:cNvPr id="27" name="Straight Connector 26">
+            <a:extLst>
+              <a:ext uri="{FF2B5EF4-FFF2-40B4-BE49-F238E27FC236}">
+                <a16:creationId xmlns:a16="http://schemas.microsoft.com/office/drawing/2014/main" id="{570D643D-0A6A-EFFD-464F-23107151CC7D}"/>
+              </a:ext>
+            </a:extLst>
+          </p:cNvPr>
+          <p:cNvCxnSpPr>
+            <a:stCxn id="16" idx="2"/>
+            <a:endCxn id="17" idx="0"/>
+          </p:cNvCxnSpPr>
+          <p:nvPr/>
+        </p:nvCxnSpPr>
+        <p:spPr>
+          <a:xfrm>
+            <a:off x="7171764" y="4808118"/>
+            <a:ext cx="323627" cy="438440"/>
+          </a:xfrm>
+          <a:prstGeom prst="line">
+            <a:avLst/>
+          </a:prstGeom>
+        </p:spPr>
+        <p:style>
+          <a:lnRef idx="2">
+            <a:schemeClr val="accent1"/>
+          </a:lnRef>
+          <a:fillRef idx="0">
+            <a:schemeClr val="accent1"/>
+          </a:fillRef>
+          <a:effectRef idx="1">
+            <a:schemeClr val="accent1"/>
+          </a:effectRef>
+          <a:fontRef idx="minor">
+            <a:schemeClr val="tx1"/>
+          </a:fontRef>
+        </p:style>
+      </p:cxnSp>
+      <p:cxnSp>
+        <p:nvCxnSpPr>
+          <p:cNvPr id="29" name="Straight Connector 28">
+            <a:extLst>
+              <a:ext uri="{FF2B5EF4-FFF2-40B4-BE49-F238E27FC236}">
+                <a16:creationId xmlns:a16="http://schemas.microsoft.com/office/drawing/2014/main" id="{517DCD9E-2545-904C-BEA2-A15B92738CCA}"/>
+              </a:ext>
+            </a:extLst>
+          </p:cNvPr>
+          <p:cNvCxnSpPr>
+            <a:stCxn id="9" idx="2"/>
+            <a:endCxn id="18" idx="0"/>
+          </p:cNvCxnSpPr>
+          <p:nvPr/>
+        </p:nvCxnSpPr>
+        <p:spPr>
+          <a:xfrm flipH="1">
+            <a:off x="9151621" y="3429000"/>
+            <a:ext cx="1498449" cy="572294"/>
+          </a:xfrm>
+          <a:prstGeom prst="line">
+            <a:avLst/>
+          </a:prstGeom>
+        </p:spPr>
+        <p:style>
+          <a:lnRef idx="2">
+            <a:schemeClr val="accent1"/>
+          </a:lnRef>
+          <a:fillRef idx="0">
+            <a:schemeClr val="accent1"/>
+          </a:fillRef>
+          <a:effectRef idx="1">
+            <a:schemeClr val="accent1"/>
+          </a:effectRef>
+          <a:fontRef idx="minor">
+            <a:schemeClr val="tx1"/>
+          </a:fontRef>
+        </p:style>
+      </p:cxnSp>
+      <p:cxnSp>
+        <p:nvCxnSpPr>
+          <p:cNvPr id="31" name="Straight Connector 30">
+            <a:extLst>
+              <a:ext uri="{FF2B5EF4-FFF2-40B4-BE49-F238E27FC236}">
+                <a16:creationId xmlns:a16="http://schemas.microsoft.com/office/drawing/2014/main" id="{EEDCBE97-BA8C-515C-42D3-F6D081A13CCB}"/>
+              </a:ext>
+            </a:extLst>
+          </p:cNvPr>
+          <p:cNvCxnSpPr>
+            <a:stCxn id="9" idx="2"/>
+            <a:endCxn id="19" idx="0"/>
+          </p:cNvCxnSpPr>
+          <p:nvPr/>
+        </p:nvCxnSpPr>
+        <p:spPr>
+          <a:xfrm>
+            <a:off x="10650070" y="3429000"/>
+            <a:ext cx="310629" cy="528076"/>
+          </a:xfrm>
+          <a:prstGeom prst="line">
+            <a:avLst/>
+          </a:prstGeom>
+        </p:spPr>
+        <p:style>
+          <a:lnRef idx="2">
+            <a:schemeClr val="accent1"/>
+          </a:lnRef>
+          <a:fillRef idx="0">
+            <a:schemeClr val="accent1"/>
+          </a:fillRef>
+          <a:effectRef idx="1">
+            <a:schemeClr val="accent1"/>
+          </a:effectRef>
+          <a:fontRef idx="minor">
+            <a:schemeClr val="tx1"/>
+          </a:fontRef>
+        </p:style>
+      </p:cxnSp>
+      <p:cxnSp>
+        <p:nvCxnSpPr>
+          <p:cNvPr id="32" name="Straight Connector 31">
+            <a:extLst>
+              <a:ext uri="{FF2B5EF4-FFF2-40B4-BE49-F238E27FC236}">
+                <a16:creationId xmlns:a16="http://schemas.microsoft.com/office/drawing/2014/main" id="{5A7401C0-DA9F-C84A-2139-3940CCA46432}"/>
+              </a:ext>
+            </a:extLst>
+          </p:cNvPr>
+          <p:cNvCxnSpPr>
+            <a:cxnSpLocks/>
+            <a:stCxn id="19" idx="2"/>
+            <a:endCxn id="21" idx="0"/>
+          </p:cNvCxnSpPr>
+          <p:nvPr/>
+        </p:nvCxnSpPr>
+        <p:spPr>
+          <a:xfrm>
+            <a:off x="10960699" y="4763900"/>
+            <a:ext cx="152400" cy="372260"/>
+          </a:xfrm>
+          <a:prstGeom prst="line">
+            <a:avLst/>
+          </a:prstGeom>
+        </p:spPr>
+        <p:style>
+          <a:lnRef idx="2">
+            <a:schemeClr val="accent1"/>
+          </a:lnRef>
+          <a:fillRef idx="0">
+            <a:schemeClr val="accent1"/>
+          </a:fillRef>
+          <a:effectRef idx="1">
+            <a:schemeClr val="accent1"/>
+          </a:effectRef>
+          <a:fontRef idx="minor">
+            <a:schemeClr val="tx1"/>
+          </a:fontRef>
+        </p:style>
+      </p:cxnSp>
+      <p:cxnSp>
+        <p:nvCxnSpPr>
+          <p:cNvPr id="35" name="Straight Connector 34">
+            <a:extLst>
+              <a:ext uri="{FF2B5EF4-FFF2-40B4-BE49-F238E27FC236}">
+                <a16:creationId xmlns:a16="http://schemas.microsoft.com/office/drawing/2014/main" id="{F7049A30-DEBF-5B81-92EF-1A79BF658A2A}"/>
+              </a:ext>
+            </a:extLst>
+          </p:cNvPr>
+          <p:cNvCxnSpPr>
+            <a:cxnSpLocks/>
+            <a:stCxn id="18" idx="2"/>
+            <a:endCxn id="20" idx="0"/>
+          </p:cNvCxnSpPr>
+          <p:nvPr/>
+        </p:nvCxnSpPr>
+        <p:spPr>
+          <a:xfrm>
+            <a:off x="9151621" y="4808118"/>
+            <a:ext cx="105334" cy="328042"/>
+          </a:xfrm>
+          <a:prstGeom prst="line">
+            <a:avLst/>
+          </a:prstGeom>
+        </p:spPr>
+        <p:style>
+          <a:lnRef idx="2">
+            <a:schemeClr val="accent1"/>
+          </a:lnRef>
+          <a:fillRef idx="0">
+            <a:schemeClr val="accent1"/>
+          </a:fillRef>
+          <a:effectRef idx="1">
+            <a:schemeClr val="accent1"/>
+          </a:effectRef>
+          <a:fontRef idx="minor">
+            <a:schemeClr val="tx1"/>
+          </a:fontRef>
+        </p:style>
+      </p:cxnSp>
+    </p:spTree>
+    <p:extLst>
+      <p:ext uri="{BB962C8B-B14F-4D97-AF65-F5344CB8AC3E}">
+        <p14:creationId xmlns:p14="http://schemas.microsoft.com/office/powerpoint/2010/main" val="2841771107"/>
+      </p:ext>
+    </p:extLst>
+  </p:cSld>
+  <p:clrMapOvr>
+    <a:masterClrMapping/>
+  </p:clrMapOvr>
+</p:sld>
+</file>
+
+<file path=ppt/slides/slide11.xml><?xml version="1.0" encoding="utf-8"?>
+<p:sld xmlns:a="http://schemas.openxmlformats.org/drawingml/2006/main" xmlns:r="http://schemas.openxmlformats.org/officeDocument/2006/relationships" xmlns:p="http://schemas.openxmlformats.org/presentationml/2006/main">
+  <p:cSld>
+    <p:spTree>
+      <p:nvGrpSpPr>
+        <p:cNvPr id="1" name="">
+          <a:extLst>
+            <a:ext uri="{FF2B5EF4-FFF2-40B4-BE49-F238E27FC236}">
+              <a16:creationId xmlns:a16="http://schemas.microsoft.com/office/drawing/2014/main" id="{7DA095BF-BC36-F0F1-3DD8-CB0571F7A250}"/>
+            </a:ext>
+          </a:extLst>
+        </p:cNvPr>
+        <p:cNvGrpSpPr/>
+        <p:nvPr/>
+      </p:nvGrpSpPr>
+      <p:grpSpPr>
+        <a:xfrm>
+          <a:off x="0" y="0"/>
+          <a:ext cx="0" cy="0"/>
+          <a:chOff x="0" y="0"/>
+          <a:chExt cx="0" cy="0"/>
+        </a:xfrm>
+      </p:grpSpPr>
+      <p:sp>
+        <p:nvSpPr>
+          <p:cNvPr id="10" name="Title 9">
+            <a:extLst>
+              <a:ext uri="{FF2B5EF4-FFF2-40B4-BE49-F238E27FC236}">
+                <a16:creationId xmlns:a16="http://schemas.microsoft.com/office/drawing/2014/main" id="{6638E39C-9B5E-785E-BE0C-02F255C84B89}"/>
+              </a:ext>
+            </a:extLst>
+          </p:cNvPr>
+          <p:cNvSpPr>
+            <a:spLocks noGrp="1"/>
+          </p:cNvSpPr>
+          <p:nvPr>
+            <p:ph type="title"/>
+          </p:nvPr>
+        </p:nvSpPr>
+        <p:spPr>
+          <a:xfrm>
+            <a:off x="838200" y="365125"/>
+            <a:ext cx="10515600" cy="6186282"/>
+          </a:xfrm>
+        </p:spPr>
+        <p:txBody>
+          <a:bodyPr anchor="t">
+            <a:normAutofit/>
+          </a:bodyPr>
+          <a:lstStyle/>
+          <a:p>
+            <a:r>
+              <a:rPr lang="en-US" sz="2400" dirty="0">
+                <a:latin typeface="Arial" panose="020B0604020202020204" pitchFamily="34" charset="0"/>
+                <a:cs typeface="Arial" panose="020B0604020202020204" pitchFamily="34" charset="0"/>
+              </a:rPr>
+              <a:t>1. Attach stylesheet inside HTML </a:t>
+            </a:r>
+            <a:br>
+              <a:rPr lang="en-US" sz="2400" dirty="0">
+                <a:latin typeface="Arial" panose="020B0604020202020204" pitchFamily="34" charset="0"/>
+                <a:cs typeface="Arial" panose="020B0604020202020204" pitchFamily="34" charset="0"/>
+              </a:rPr>
+            </a:br>
+            <a:r>
+              <a:rPr lang="en-US" sz="2400" dirty="0">
+                <a:latin typeface="Arial" panose="020B0604020202020204" pitchFamily="34" charset="0"/>
+                <a:cs typeface="Arial" panose="020B0604020202020204" pitchFamily="34" charset="0"/>
+              </a:rPr>
+              <a:t>2. select element using .</a:t>
+            </a:r>
+            <a:r>
+              <a:rPr lang="en-US" sz="2400" dirty="0" err="1">
+                <a:latin typeface="Arial" panose="020B0604020202020204" pitchFamily="34" charset="0"/>
+                <a:cs typeface="Arial" panose="020B0604020202020204" pitchFamily="34" charset="0"/>
+              </a:rPr>
+              <a:t>getElementById</a:t>
+            </a:r>
+            <a:r>
+              <a:rPr lang="en-US" sz="2400" dirty="0">
+                <a:latin typeface="Arial" panose="020B0604020202020204" pitchFamily="34" charset="0"/>
+                <a:cs typeface="Arial" panose="020B0604020202020204" pitchFamily="34" charset="0"/>
+              </a:rPr>
+              <a:t>() and .</a:t>
+            </a:r>
+            <a:r>
+              <a:rPr lang="en-US" sz="2400" dirty="0" err="1">
+                <a:latin typeface="Arial" panose="020B0604020202020204" pitchFamily="34" charset="0"/>
+                <a:cs typeface="Arial" panose="020B0604020202020204" pitchFamily="34" charset="0"/>
+              </a:rPr>
+              <a:t>getElementByClassName</a:t>
+            </a:r>
+            <a:r>
+              <a:rPr lang="en-US" sz="2400" dirty="0">
+                <a:latin typeface="Arial" panose="020B0604020202020204" pitchFamily="34" charset="0"/>
+                <a:cs typeface="Arial" panose="020B0604020202020204" pitchFamily="34" charset="0"/>
+              </a:rPr>
+              <a:t>()</a:t>
+            </a:r>
+            <a:br>
+              <a:rPr lang="en-US" sz="2400" dirty="0">
+                <a:latin typeface="Arial" panose="020B0604020202020204" pitchFamily="34" charset="0"/>
+                <a:cs typeface="Arial" panose="020B0604020202020204" pitchFamily="34" charset="0"/>
+              </a:rPr>
+            </a:br>
+            <a:r>
+              <a:rPr lang="en-US" sz="2400" dirty="0">
+                <a:latin typeface="Arial" panose="020B0604020202020204" pitchFamily="34" charset="0"/>
+                <a:cs typeface="Arial" panose="020B0604020202020204" pitchFamily="34" charset="0"/>
+              </a:rPr>
+              <a:t>3. select element using .</a:t>
+            </a:r>
+            <a:r>
+              <a:rPr lang="en-US" sz="2400" dirty="0" err="1">
+                <a:latin typeface="Arial" panose="020B0604020202020204" pitchFamily="34" charset="0"/>
+                <a:cs typeface="Arial" panose="020B0604020202020204" pitchFamily="34" charset="0"/>
+              </a:rPr>
+              <a:t>querySelector</a:t>
+            </a:r>
+            <a:r>
+              <a:rPr lang="en-US" sz="2400" dirty="0">
+                <a:latin typeface="Arial" panose="020B0604020202020204" pitchFamily="34" charset="0"/>
+                <a:cs typeface="Arial" panose="020B0604020202020204" pitchFamily="34" charset="0"/>
+              </a:rPr>
+              <a:t>() and .</a:t>
+            </a:r>
+            <a:r>
+              <a:rPr lang="en-US" sz="2400" dirty="0" err="1">
+                <a:latin typeface="Arial" panose="020B0604020202020204" pitchFamily="34" charset="0"/>
+                <a:cs typeface="Arial" panose="020B0604020202020204" pitchFamily="34" charset="0"/>
+              </a:rPr>
+              <a:t>querySelectorAll</a:t>
+            </a:r>
+            <a:r>
+              <a:rPr lang="en-US" sz="2400" dirty="0">
+                <a:latin typeface="Arial" panose="020B0604020202020204" pitchFamily="34" charset="0"/>
+                <a:cs typeface="Arial" panose="020B0604020202020204" pitchFamily="34" charset="0"/>
+              </a:rPr>
+              <a:t>()</a:t>
+            </a:r>
+            <a:br>
+              <a:rPr lang="en-US" sz="2400" dirty="0">
+                <a:latin typeface="Arial" panose="020B0604020202020204" pitchFamily="34" charset="0"/>
+                <a:cs typeface="Arial" panose="020B0604020202020204" pitchFamily="34" charset="0"/>
+              </a:rPr>
+            </a:br>
+            <a:r>
+              <a:rPr lang="en-US" sz="2400" dirty="0">
+                <a:latin typeface="Arial" panose="020B0604020202020204" pitchFamily="34" charset="0"/>
+                <a:cs typeface="Arial" panose="020B0604020202020204" pitchFamily="34" charset="0"/>
+              </a:rPr>
+              <a:t>4. change </a:t>
+            </a:r>
+            <a:r>
+              <a:rPr lang="en-US" sz="2400" dirty="0" err="1">
+                <a:latin typeface="Arial" panose="020B0604020202020204" pitchFamily="34" charset="0"/>
+                <a:cs typeface="Arial" panose="020B0604020202020204" pitchFamily="34" charset="0"/>
+              </a:rPr>
+              <a:t>css</a:t>
+            </a:r>
+            <a:r>
+              <a:rPr lang="en-US" sz="2400" dirty="0">
+                <a:latin typeface="Arial" panose="020B0604020202020204" pitchFamily="34" charset="0"/>
+                <a:cs typeface="Arial" panose="020B0604020202020204" pitchFamily="34" charset="0"/>
+              </a:rPr>
+              <a:t> </a:t>
+            </a:r>
+            <a:r>
+              <a:rPr lang="en-US" sz="2400">
+                <a:latin typeface="Arial" panose="020B0604020202020204" pitchFamily="34" charset="0"/>
+                <a:cs typeface="Arial" panose="020B0604020202020204" pitchFamily="34" charset="0"/>
+              </a:rPr>
+              <a:t>style using DOM Method</a:t>
+            </a:r>
+            <a:r>
+              <a:rPr lang="en-US" sz="2400" dirty="0">
+                <a:latin typeface="Arial" panose="020B0604020202020204" pitchFamily="34" charset="0"/>
+                <a:cs typeface="Arial" panose="020B0604020202020204" pitchFamily="34" charset="0"/>
+              </a:rPr>
+              <a:t>s</a:t>
+            </a:r>
+          </a:p>
+        </p:txBody>
+      </p:sp>
+    </p:spTree>
+    <p:extLst>
+      <p:ext uri="{BB962C8B-B14F-4D97-AF65-F5344CB8AC3E}">
+        <p14:creationId xmlns:p14="http://schemas.microsoft.com/office/powerpoint/2010/main" val="576525293"/>
+      </p:ext>
+    </p:extLst>
+  </p:cSld>
+  <p:clrMapOvr>
+    <a:masterClrMapping/>
+  </p:clrMapOvr>
+</p:sld>
+</file>
+
 <file path=ppt/slides/slide2.xml><?xml version="1.0" encoding="utf-8"?>
 <p:sld xmlns:a="http://schemas.openxmlformats.org/drawingml/2006/main" xmlns:r="http://schemas.openxmlformats.org/officeDocument/2006/relationships" xmlns:p="http://schemas.openxmlformats.org/presentationml/2006/main">
   <p:cSld>
@@ -4727,7 +6007,10 @@
           <a:bodyPr/>
           <a:lstStyle/>
           <a:p>
-            <a:endParaRPr lang="en-US"/>
+            <a:r>
+              <a:rPr lang="en-US" dirty="0"/>
+              <a:t>What is DOM ?</a:t>
+            </a:r>
           </a:p>
         </p:txBody>
       </p:sp>
@@ -4752,7 +6035,16 @@
           <a:bodyPr/>
           <a:lstStyle/>
           <a:p>
-            <a:endParaRPr lang="en-US"/>
+            <a:r>
+              <a:rPr lang="en-US" dirty="0"/>
+              <a:t>Programming interact that represent structure or doc. As a tree obj</a:t>
+            </a:r>
+          </a:p>
+          <a:p>
+            <a:r>
+              <a:rPr lang="en-US" dirty="0"/>
+              <a:t>Chang or modify complete dynamically</a:t>
+            </a:r>
           </a:p>
         </p:txBody>
       </p:sp>

--- a/JS/JavaScript.pptx
+++ b/JS/JavaScript.pptx
@@ -16,6 +16,10 @@
     <p:sldId id="264" r:id="rId10"/>
     <p:sldId id="265" r:id="rId11"/>
     <p:sldId id="266" r:id="rId12"/>
+    <p:sldId id="267" r:id="rId13"/>
+    <p:sldId id="268" r:id="rId14"/>
+    <p:sldId id="270" r:id="rId15"/>
+    <p:sldId id="269" r:id="rId16"/>
   </p:sldIdLst>
   <p:sldSz cx="12192000" cy="6858000"/>
   <p:notesSz cx="6858000" cy="9144000"/>
@@ -122,6 +126,6491 @@
 </p:presentation>
 </file>
 
+<file path=ppt/diagrams/colors1.xml><?xml version="1.0" encoding="utf-8"?>
+<dgm:colorsDef xmlns:dgm="http://schemas.openxmlformats.org/drawingml/2006/diagram" xmlns:a="http://schemas.openxmlformats.org/drawingml/2006/main" uniqueId="urn:microsoft.com/office/officeart/2005/8/colors/accent1_2">
+  <dgm:title val=""/>
+  <dgm:desc val=""/>
+  <dgm:catLst>
+    <dgm:cat type="accent1" pri="11200"/>
+  </dgm:catLst>
+  <dgm:styleLbl name="node0">
+    <dgm:fillClrLst meth="repeat">
+      <a:schemeClr val="accent1"/>
+    </dgm:fillClrLst>
+    <dgm:linClrLst meth="repeat">
+      <a:schemeClr val="lt1"/>
+    </dgm:linClrLst>
+    <dgm:effectClrLst/>
+    <dgm:txLinClrLst/>
+    <dgm:txFillClrLst/>
+    <dgm:txEffectClrLst/>
+  </dgm:styleLbl>
+  <dgm:styleLbl name="alignNode1">
+    <dgm:fillClrLst meth="repeat">
+      <a:schemeClr val="accent1"/>
+    </dgm:fillClrLst>
+    <dgm:linClrLst meth="repeat">
+      <a:schemeClr val="accent1"/>
+    </dgm:linClrLst>
+    <dgm:effectClrLst/>
+    <dgm:txLinClrLst/>
+    <dgm:txFillClrLst/>
+    <dgm:txEffectClrLst/>
+  </dgm:styleLbl>
+  <dgm:styleLbl name="node1">
+    <dgm:fillClrLst meth="repeat">
+      <a:schemeClr val="accent1"/>
+    </dgm:fillClrLst>
+    <dgm:linClrLst meth="repeat">
+      <a:schemeClr val="lt1"/>
+    </dgm:linClrLst>
+    <dgm:effectClrLst/>
+    <dgm:txLinClrLst/>
+    <dgm:txFillClrLst/>
+    <dgm:txEffectClrLst/>
+  </dgm:styleLbl>
+  <dgm:styleLbl name="lnNode1">
+    <dgm:fillClrLst meth="repeat">
+      <a:schemeClr val="accent1"/>
+    </dgm:fillClrLst>
+    <dgm:linClrLst meth="repeat">
+      <a:schemeClr val="lt1"/>
+    </dgm:linClrLst>
+    <dgm:effectClrLst/>
+    <dgm:txLinClrLst/>
+    <dgm:txFillClrLst/>
+    <dgm:txEffectClrLst/>
+  </dgm:styleLbl>
+  <dgm:styleLbl name="vennNode1">
+    <dgm:fillClrLst meth="repeat">
+      <a:schemeClr val="accent1">
+        <a:alpha val="50000"/>
+      </a:schemeClr>
+    </dgm:fillClrLst>
+    <dgm:linClrLst meth="repeat">
+      <a:schemeClr val="lt1"/>
+    </dgm:linClrLst>
+    <dgm:effectClrLst/>
+    <dgm:txLinClrLst/>
+    <dgm:txFillClrLst/>
+    <dgm:txEffectClrLst/>
+  </dgm:styleLbl>
+  <dgm:styleLbl name="node2">
+    <dgm:fillClrLst meth="repeat">
+      <a:schemeClr val="accent1"/>
+    </dgm:fillClrLst>
+    <dgm:linClrLst meth="repeat">
+      <a:schemeClr val="lt1"/>
+    </dgm:linClrLst>
+    <dgm:effectClrLst/>
+    <dgm:txLinClrLst/>
+    <dgm:txFillClrLst/>
+    <dgm:txEffectClrLst/>
+  </dgm:styleLbl>
+  <dgm:styleLbl name="node3">
+    <dgm:fillClrLst meth="repeat">
+      <a:schemeClr val="accent1"/>
+    </dgm:fillClrLst>
+    <dgm:linClrLst meth="repeat">
+      <a:schemeClr val="lt1"/>
+    </dgm:linClrLst>
+    <dgm:effectClrLst/>
+    <dgm:txLinClrLst/>
+    <dgm:txFillClrLst/>
+    <dgm:txEffectClrLst/>
+  </dgm:styleLbl>
+  <dgm:styleLbl name="node4">
+    <dgm:fillClrLst meth="repeat">
+      <a:schemeClr val="accent1"/>
+    </dgm:fillClrLst>
+    <dgm:linClrLst meth="repeat">
+      <a:schemeClr val="lt1"/>
+    </dgm:linClrLst>
+    <dgm:effectClrLst/>
+    <dgm:txLinClrLst/>
+    <dgm:txFillClrLst/>
+    <dgm:txEffectClrLst/>
+  </dgm:styleLbl>
+  <dgm:styleLbl name="fgImgPlace1">
+    <dgm:fillClrLst meth="repeat">
+      <a:schemeClr val="accent1">
+        <a:tint val="50000"/>
+      </a:schemeClr>
+    </dgm:fillClrLst>
+    <dgm:linClrLst meth="repeat">
+      <a:schemeClr val="lt1"/>
+    </dgm:linClrLst>
+    <dgm:effectClrLst/>
+    <dgm:txLinClrLst/>
+    <dgm:txFillClrLst meth="repeat">
+      <a:schemeClr val="lt1"/>
+    </dgm:txFillClrLst>
+    <dgm:txEffectClrLst/>
+  </dgm:styleLbl>
+  <dgm:styleLbl name="alignImgPlace1">
+    <dgm:fillClrLst meth="repeat">
+      <a:schemeClr val="accent1">
+        <a:tint val="50000"/>
+      </a:schemeClr>
+    </dgm:fillClrLst>
+    <dgm:linClrLst meth="repeat">
+      <a:schemeClr val="lt1"/>
+    </dgm:linClrLst>
+    <dgm:effectClrLst/>
+    <dgm:txLinClrLst/>
+    <dgm:txFillClrLst meth="repeat">
+      <a:schemeClr val="lt1"/>
+    </dgm:txFillClrLst>
+    <dgm:txEffectClrLst/>
+  </dgm:styleLbl>
+  <dgm:styleLbl name="bgImgPlace1">
+    <dgm:fillClrLst meth="repeat">
+      <a:schemeClr val="accent1">
+        <a:tint val="50000"/>
+      </a:schemeClr>
+    </dgm:fillClrLst>
+    <dgm:linClrLst meth="repeat">
+      <a:schemeClr val="lt1"/>
+    </dgm:linClrLst>
+    <dgm:effectClrLst/>
+    <dgm:txLinClrLst/>
+    <dgm:txFillClrLst meth="repeat">
+      <a:schemeClr val="lt1"/>
+    </dgm:txFillClrLst>
+    <dgm:txEffectClrLst/>
+  </dgm:styleLbl>
+  <dgm:styleLbl name="sibTrans2D1">
+    <dgm:fillClrLst meth="repeat">
+      <a:schemeClr val="accent1">
+        <a:tint val="60000"/>
+      </a:schemeClr>
+    </dgm:fillClrLst>
+    <dgm:linClrLst meth="repeat">
+      <a:schemeClr val="accent1">
+        <a:tint val="60000"/>
+      </a:schemeClr>
+    </dgm:linClrLst>
+    <dgm:effectClrLst/>
+    <dgm:txLinClrLst/>
+    <dgm:txFillClrLst/>
+    <dgm:txEffectClrLst/>
+  </dgm:styleLbl>
+  <dgm:styleLbl name="fgSibTrans2D1">
+    <dgm:fillClrLst meth="repeat">
+      <a:schemeClr val="accent1">
+        <a:tint val="60000"/>
+      </a:schemeClr>
+    </dgm:fillClrLst>
+    <dgm:linClrLst meth="repeat">
+      <a:schemeClr val="accent1">
+        <a:tint val="60000"/>
+      </a:schemeClr>
+    </dgm:linClrLst>
+    <dgm:effectClrLst/>
+    <dgm:txLinClrLst/>
+    <dgm:txFillClrLst/>
+    <dgm:txEffectClrLst/>
+  </dgm:styleLbl>
+  <dgm:styleLbl name="bgSibTrans2D1">
+    <dgm:fillClrLst meth="repeat">
+      <a:schemeClr val="accent1">
+        <a:tint val="60000"/>
+      </a:schemeClr>
+    </dgm:fillClrLst>
+    <dgm:linClrLst meth="repeat">
+      <a:schemeClr val="accent1">
+        <a:tint val="60000"/>
+      </a:schemeClr>
+    </dgm:linClrLst>
+    <dgm:effectClrLst/>
+    <dgm:txLinClrLst/>
+    <dgm:txFillClrLst/>
+    <dgm:txEffectClrLst/>
+  </dgm:styleLbl>
+  <dgm:styleLbl name="sibTrans1D1">
+    <dgm:fillClrLst meth="repeat">
+      <a:schemeClr val="accent1"/>
+    </dgm:fillClrLst>
+    <dgm:linClrLst meth="repeat">
+      <a:schemeClr val="accent1"/>
+    </dgm:linClrLst>
+    <dgm:effectClrLst/>
+    <dgm:txLinClrLst/>
+    <dgm:txFillClrLst meth="repeat">
+      <a:schemeClr val="tx1"/>
+    </dgm:txFillClrLst>
+    <dgm:txEffectClrLst/>
+  </dgm:styleLbl>
+  <dgm:styleLbl name="callout">
+    <dgm:fillClrLst meth="repeat">
+      <a:schemeClr val="accent1"/>
+    </dgm:fillClrLst>
+    <dgm:linClrLst meth="repeat">
+      <a:schemeClr val="accent1">
+        <a:tint val="50000"/>
+      </a:schemeClr>
+    </dgm:linClrLst>
+    <dgm:effectClrLst/>
+    <dgm:txLinClrLst/>
+    <dgm:txFillClrLst meth="repeat">
+      <a:schemeClr val="tx1"/>
+    </dgm:txFillClrLst>
+    <dgm:txEffectClrLst/>
+  </dgm:styleLbl>
+  <dgm:styleLbl name="asst0">
+    <dgm:fillClrLst meth="repeat">
+      <a:schemeClr val="accent1"/>
+    </dgm:fillClrLst>
+    <dgm:linClrLst meth="repeat">
+      <a:schemeClr val="lt1"/>
+    </dgm:linClrLst>
+    <dgm:effectClrLst/>
+    <dgm:txLinClrLst/>
+    <dgm:txFillClrLst/>
+    <dgm:txEffectClrLst/>
+  </dgm:styleLbl>
+  <dgm:styleLbl name="asst1">
+    <dgm:fillClrLst meth="repeat">
+      <a:schemeClr val="accent1"/>
+    </dgm:fillClrLst>
+    <dgm:linClrLst meth="repeat">
+      <a:schemeClr val="lt1"/>
+    </dgm:linClrLst>
+    <dgm:effectClrLst/>
+    <dgm:txLinClrLst/>
+    <dgm:txFillClrLst/>
+    <dgm:txEffectClrLst/>
+  </dgm:styleLbl>
+  <dgm:styleLbl name="asst2">
+    <dgm:fillClrLst meth="repeat">
+      <a:schemeClr val="accent1"/>
+    </dgm:fillClrLst>
+    <dgm:linClrLst meth="repeat">
+      <a:schemeClr val="lt1"/>
+    </dgm:linClrLst>
+    <dgm:effectClrLst/>
+    <dgm:txLinClrLst/>
+    <dgm:txFillClrLst/>
+    <dgm:txEffectClrLst/>
+  </dgm:styleLbl>
+  <dgm:styleLbl name="asst3">
+    <dgm:fillClrLst meth="repeat">
+      <a:schemeClr val="accent1"/>
+    </dgm:fillClrLst>
+    <dgm:linClrLst meth="repeat">
+      <a:schemeClr val="lt1"/>
+    </dgm:linClrLst>
+    <dgm:effectClrLst/>
+    <dgm:txLinClrLst/>
+    <dgm:txFillClrLst/>
+    <dgm:txEffectClrLst/>
+  </dgm:styleLbl>
+  <dgm:styleLbl name="asst4">
+    <dgm:fillClrLst meth="repeat">
+      <a:schemeClr val="accent1"/>
+    </dgm:fillClrLst>
+    <dgm:linClrLst meth="repeat">
+      <a:schemeClr val="lt1"/>
+    </dgm:linClrLst>
+    <dgm:effectClrLst/>
+    <dgm:txLinClrLst/>
+    <dgm:txFillClrLst/>
+    <dgm:txEffectClrLst/>
+  </dgm:styleLbl>
+  <dgm:styleLbl name="parChTrans2D1">
+    <dgm:fillClrLst meth="repeat">
+      <a:schemeClr val="accent1">
+        <a:tint val="60000"/>
+      </a:schemeClr>
+    </dgm:fillClrLst>
+    <dgm:linClrLst meth="repeat">
+      <a:schemeClr val="accent1">
+        <a:tint val="60000"/>
+      </a:schemeClr>
+    </dgm:linClrLst>
+    <dgm:effectClrLst/>
+    <dgm:txLinClrLst/>
+    <dgm:txFillClrLst meth="repeat">
+      <a:schemeClr val="lt1"/>
+    </dgm:txFillClrLst>
+    <dgm:txEffectClrLst/>
+  </dgm:styleLbl>
+  <dgm:styleLbl name="parChTrans2D2">
+    <dgm:fillClrLst meth="repeat">
+      <a:schemeClr val="accent1"/>
+    </dgm:fillClrLst>
+    <dgm:linClrLst meth="repeat">
+      <a:schemeClr val="accent1"/>
+    </dgm:linClrLst>
+    <dgm:effectClrLst/>
+    <dgm:txLinClrLst/>
+    <dgm:txFillClrLst meth="repeat">
+      <a:schemeClr val="lt1"/>
+    </dgm:txFillClrLst>
+    <dgm:txEffectClrLst/>
+  </dgm:styleLbl>
+  <dgm:styleLbl name="parChTrans2D3">
+    <dgm:fillClrLst meth="repeat">
+      <a:schemeClr val="accent1"/>
+    </dgm:fillClrLst>
+    <dgm:linClrLst meth="repeat">
+      <a:schemeClr val="accent1"/>
+    </dgm:linClrLst>
+    <dgm:effectClrLst/>
+    <dgm:txLinClrLst/>
+    <dgm:txFillClrLst meth="repeat">
+      <a:schemeClr val="lt1"/>
+    </dgm:txFillClrLst>
+    <dgm:txEffectClrLst/>
+  </dgm:styleLbl>
+  <dgm:styleLbl name="parChTrans2D4">
+    <dgm:fillClrLst meth="repeat">
+      <a:schemeClr val="accent1"/>
+    </dgm:fillClrLst>
+    <dgm:linClrLst meth="repeat">
+      <a:schemeClr val="accent1"/>
+    </dgm:linClrLst>
+    <dgm:effectClrLst/>
+    <dgm:txLinClrLst/>
+    <dgm:txFillClrLst meth="repeat">
+      <a:schemeClr val="lt1"/>
+    </dgm:txFillClrLst>
+    <dgm:txEffectClrLst/>
+  </dgm:styleLbl>
+  <dgm:styleLbl name="parChTrans1D1">
+    <dgm:fillClrLst meth="repeat">
+      <a:schemeClr val="accent1"/>
+    </dgm:fillClrLst>
+    <dgm:linClrLst meth="repeat">
+      <a:schemeClr val="accent1">
+        <a:shade val="60000"/>
+      </a:schemeClr>
+    </dgm:linClrLst>
+    <dgm:effectClrLst/>
+    <dgm:txLinClrLst/>
+    <dgm:txFillClrLst meth="repeat">
+      <a:schemeClr val="tx1"/>
+    </dgm:txFillClrLst>
+    <dgm:txEffectClrLst/>
+  </dgm:styleLbl>
+  <dgm:styleLbl name="parChTrans1D2">
+    <dgm:fillClrLst meth="repeat">
+      <a:schemeClr val="accent1"/>
+    </dgm:fillClrLst>
+    <dgm:linClrLst meth="repeat">
+      <a:schemeClr val="accent1">
+        <a:shade val="60000"/>
+      </a:schemeClr>
+    </dgm:linClrLst>
+    <dgm:effectClrLst/>
+    <dgm:txLinClrLst/>
+    <dgm:txFillClrLst meth="repeat">
+      <a:schemeClr val="tx1"/>
+    </dgm:txFillClrLst>
+    <dgm:txEffectClrLst/>
+  </dgm:styleLbl>
+  <dgm:styleLbl name="parChTrans1D3">
+    <dgm:fillClrLst meth="repeat">
+      <a:schemeClr val="accent1"/>
+    </dgm:fillClrLst>
+    <dgm:linClrLst meth="repeat">
+      <a:schemeClr val="accent1">
+        <a:shade val="80000"/>
+      </a:schemeClr>
+    </dgm:linClrLst>
+    <dgm:effectClrLst/>
+    <dgm:txLinClrLst/>
+    <dgm:txFillClrLst meth="repeat">
+      <a:schemeClr val="tx1"/>
+    </dgm:txFillClrLst>
+    <dgm:txEffectClrLst/>
+  </dgm:styleLbl>
+  <dgm:styleLbl name="parChTrans1D4">
+    <dgm:fillClrLst meth="repeat">
+      <a:schemeClr val="accent1"/>
+    </dgm:fillClrLst>
+    <dgm:linClrLst meth="repeat">
+      <a:schemeClr val="accent1">
+        <a:shade val="80000"/>
+      </a:schemeClr>
+    </dgm:linClrLst>
+    <dgm:effectClrLst/>
+    <dgm:txLinClrLst/>
+    <dgm:txFillClrLst meth="repeat">
+      <a:schemeClr val="tx1"/>
+    </dgm:txFillClrLst>
+    <dgm:txEffectClrLst/>
+  </dgm:styleLbl>
+  <dgm:styleLbl name="fgAcc1">
+    <dgm:fillClrLst meth="repeat">
+      <a:schemeClr val="lt1">
+        <a:alpha val="90000"/>
+      </a:schemeClr>
+    </dgm:fillClrLst>
+    <dgm:linClrLst meth="repeat">
+      <a:schemeClr val="accent1"/>
+    </dgm:linClrLst>
+    <dgm:effectClrLst/>
+    <dgm:txLinClrLst/>
+    <dgm:txFillClrLst meth="repeat">
+      <a:schemeClr val="dk1"/>
+    </dgm:txFillClrLst>
+    <dgm:txEffectClrLst/>
+  </dgm:styleLbl>
+  <dgm:styleLbl name="conFgAcc1">
+    <dgm:fillClrLst meth="repeat">
+      <a:schemeClr val="lt1">
+        <a:alpha val="90000"/>
+      </a:schemeClr>
+    </dgm:fillClrLst>
+    <dgm:linClrLst meth="repeat">
+      <a:schemeClr val="accent1"/>
+    </dgm:linClrLst>
+    <dgm:effectClrLst/>
+    <dgm:txLinClrLst/>
+    <dgm:txFillClrLst meth="repeat">
+      <a:schemeClr val="dk1"/>
+    </dgm:txFillClrLst>
+    <dgm:txEffectClrLst/>
+  </dgm:styleLbl>
+  <dgm:styleLbl name="alignAcc1">
+    <dgm:fillClrLst meth="repeat">
+      <a:schemeClr val="lt1">
+        <a:alpha val="90000"/>
+      </a:schemeClr>
+    </dgm:fillClrLst>
+    <dgm:linClrLst meth="repeat">
+      <a:schemeClr val="accent1"/>
+    </dgm:linClrLst>
+    <dgm:effectClrLst/>
+    <dgm:txLinClrLst/>
+    <dgm:txFillClrLst meth="repeat">
+      <a:schemeClr val="dk1"/>
+    </dgm:txFillClrLst>
+    <dgm:txEffectClrLst/>
+  </dgm:styleLbl>
+  <dgm:styleLbl name="trAlignAcc1">
+    <dgm:fillClrLst meth="repeat">
+      <a:schemeClr val="lt1">
+        <a:alpha val="40000"/>
+      </a:schemeClr>
+    </dgm:fillClrLst>
+    <dgm:linClrLst meth="repeat">
+      <a:schemeClr val="accent1"/>
+    </dgm:linClrLst>
+    <dgm:effectClrLst/>
+    <dgm:txLinClrLst/>
+    <dgm:txFillClrLst meth="repeat">
+      <a:schemeClr val="dk1"/>
+    </dgm:txFillClrLst>
+    <dgm:txEffectClrLst/>
+  </dgm:styleLbl>
+  <dgm:styleLbl name="bgAcc1">
+    <dgm:fillClrLst meth="repeat">
+      <a:schemeClr val="lt1">
+        <a:alpha val="90000"/>
+      </a:schemeClr>
+    </dgm:fillClrLst>
+    <dgm:linClrLst meth="repeat">
+      <a:schemeClr val="accent1"/>
+    </dgm:linClrLst>
+    <dgm:effectClrLst/>
+    <dgm:txLinClrLst/>
+    <dgm:txFillClrLst meth="repeat">
+      <a:schemeClr val="dk1"/>
+    </dgm:txFillClrLst>
+    <dgm:txEffectClrLst/>
+  </dgm:styleLbl>
+  <dgm:styleLbl name="solidFgAcc1">
+    <dgm:fillClrLst meth="repeat">
+      <a:schemeClr val="lt1"/>
+    </dgm:fillClrLst>
+    <dgm:linClrLst meth="repeat">
+      <a:schemeClr val="accent1"/>
+    </dgm:linClrLst>
+    <dgm:effectClrLst/>
+    <dgm:txLinClrLst/>
+    <dgm:txFillClrLst meth="repeat">
+      <a:schemeClr val="dk1"/>
+    </dgm:txFillClrLst>
+    <dgm:txEffectClrLst/>
+  </dgm:styleLbl>
+  <dgm:styleLbl name="solidAlignAcc1">
+    <dgm:fillClrLst meth="repeat">
+      <a:schemeClr val="lt1"/>
+    </dgm:fillClrLst>
+    <dgm:linClrLst meth="repeat">
+      <a:schemeClr val="accent1"/>
+    </dgm:linClrLst>
+    <dgm:effectClrLst/>
+    <dgm:txLinClrLst/>
+    <dgm:txFillClrLst meth="repeat">
+      <a:schemeClr val="dk1"/>
+    </dgm:txFillClrLst>
+    <dgm:txEffectClrLst/>
+  </dgm:styleLbl>
+  <dgm:styleLbl name="solidBgAcc1">
+    <dgm:fillClrLst meth="repeat">
+      <a:schemeClr val="lt1"/>
+    </dgm:fillClrLst>
+    <dgm:linClrLst meth="repeat">
+      <a:schemeClr val="accent1"/>
+    </dgm:linClrLst>
+    <dgm:effectClrLst/>
+    <dgm:txLinClrLst/>
+    <dgm:txFillClrLst meth="repeat">
+      <a:schemeClr val="dk1"/>
+    </dgm:txFillClrLst>
+    <dgm:txEffectClrLst/>
+  </dgm:styleLbl>
+  <dgm:styleLbl name="fgAccFollowNode1">
+    <dgm:fillClrLst meth="repeat">
+      <a:schemeClr val="accent1">
+        <a:alpha val="90000"/>
+        <a:tint val="40000"/>
+      </a:schemeClr>
+    </dgm:fillClrLst>
+    <dgm:linClrLst meth="repeat">
+      <a:schemeClr val="accent1">
+        <a:alpha val="90000"/>
+        <a:tint val="40000"/>
+      </a:schemeClr>
+    </dgm:linClrLst>
+    <dgm:effectClrLst/>
+    <dgm:txLinClrLst/>
+    <dgm:txFillClrLst meth="repeat">
+      <a:schemeClr val="dk1"/>
+    </dgm:txFillClrLst>
+    <dgm:txEffectClrLst/>
+  </dgm:styleLbl>
+  <dgm:styleLbl name="alignAccFollowNode1">
+    <dgm:fillClrLst meth="repeat">
+      <a:schemeClr val="accent1">
+        <a:alpha val="90000"/>
+        <a:tint val="40000"/>
+      </a:schemeClr>
+    </dgm:fillClrLst>
+    <dgm:linClrLst meth="repeat">
+      <a:schemeClr val="accent1">
+        <a:alpha val="90000"/>
+        <a:tint val="40000"/>
+      </a:schemeClr>
+    </dgm:linClrLst>
+    <dgm:effectClrLst/>
+    <dgm:txLinClrLst/>
+    <dgm:txFillClrLst meth="repeat">
+      <a:schemeClr val="dk1"/>
+    </dgm:txFillClrLst>
+    <dgm:txEffectClrLst/>
+  </dgm:styleLbl>
+  <dgm:styleLbl name="bgAccFollowNode1">
+    <dgm:fillClrLst meth="repeat">
+      <a:schemeClr val="accent1">
+        <a:alpha val="90000"/>
+        <a:tint val="40000"/>
+      </a:schemeClr>
+    </dgm:fillClrLst>
+    <dgm:linClrLst meth="repeat">
+      <a:schemeClr val="accent1">
+        <a:alpha val="90000"/>
+        <a:tint val="40000"/>
+      </a:schemeClr>
+    </dgm:linClrLst>
+    <dgm:effectClrLst/>
+    <dgm:txLinClrLst/>
+    <dgm:txFillClrLst meth="repeat">
+      <a:schemeClr val="dk1"/>
+    </dgm:txFillClrLst>
+    <dgm:txEffectClrLst/>
+  </dgm:styleLbl>
+  <dgm:styleLbl name="fgAcc0">
+    <dgm:fillClrLst meth="repeat">
+      <a:schemeClr val="lt1">
+        <a:alpha val="90000"/>
+      </a:schemeClr>
+    </dgm:fillClrLst>
+    <dgm:linClrLst meth="repeat">
+      <a:schemeClr val="accent1"/>
+    </dgm:linClrLst>
+    <dgm:effectClrLst/>
+    <dgm:txLinClrLst/>
+    <dgm:txFillClrLst meth="repeat">
+      <a:schemeClr val="dk1"/>
+    </dgm:txFillClrLst>
+    <dgm:txEffectClrLst/>
+  </dgm:styleLbl>
+  <dgm:styleLbl name="fgAcc2">
+    <dgm:fillClrLst meth="repeat">
+      <a:schemeClr val="lt1">
+        <a:alpha val="90000"/>
+      </a:schemeClr>
+    </dgm:fillClrLst>
+    <dgm:linClrLst meth="repeat">
+      <a:schemeClr val="accent1"/>
+    </dgm:linClrLst>
+    <dgm:effectClrLst/>
+    <dgm:txLinClrLst/>
+    <dgm:txFillClrLst meth="repeat">
+      <a:schemeClr val="dk1"/>
+    </dgm:txFillClrLst>
+    <dgm:txEffectClrLst/>
+  </dgm:styleLbl>
+  <dgm:styleLbl name="fgAcc3">
+    <dgm:fillClrLst meth="repeat">
+      <a:schemeClr val="lt1">
+        <a:alpha val="90000"/>
+      </a:schemeClr>
+    </dgm:fillClrLst>
+    <dgm:linClrLst meth="repeat">
+      <a:schemeClr val="accent1"/>
+    </dgm:linClrLst>
+    <dgm:effectClrLst/>
+    <dgm:txLinClrLst/>
+    <dgm:txFillClrLst meth="repeat">
+      <a:schemeClr val="dk1"/>
+    </dgm:txFillClrLst>
+    <dgm:txEffectClrLst/>
+  </dgm:styleLbl>
+  <dgm:styleLbl name="fgAcc4">
+    <dgm:fillClrLst meth="repeat">
+      <a:schemeClr val="lt1">
+        <a:alpha val="90000"/>
+      </a:schemeClr>
+    </dgm:fillClrLst>
+    <dgm:linClrLst meth="repeat">
+      <a:schemeClr val="accent1"/>
+    </dgm:linClrLst>
+    <dgm:effectClrLst/>
+    <dgm:txLinClrLst/>
+    <dgm:txFillClrLst meth="repeat">
+      <a:schemeClr val="dk1"/>
+    </dgm:txFillClrLst>
+    <dgm:txEffectClrLst/>
+  </dgm:styleLbl>
+  <dgm:styleLbl name="bgShp">
+    <dgm:fillClrLst meth="repeat">
+      <a:schemeClr val="accent1">
+        <a:tint val="40000"/>
+      </a:schemeClr>
+    </dgm:fillClrLst>
+    <dgm:linClrLst meth="repeat">
+      <a:schemeClr val="accent1"/>
+    </dgm:linClrLst>
+    <dgm:effectClrLst/>
+    <dgm:txLinClrLst/>
+    <dgm:txFillClrLst meth="repeat">
+      <a:schemeClr val="dk1"/>
+    </dgm:txFillClrLst>
+    <dgm:txEffectClrLst/>
+  </dgm:styleLbl>
+  <dgm:styleLbl name="dkBgShp">
+    <dgm:fillClrLst meth="repeat">
+      <a:schemeClr val="accent1">
+        <a:shade val="80000"/>
+      </a:schemeClr>
+    </dgm:fillClrLst>
+    <dgm:linClrLst meth="repeat">
+      <a:schemeClr val="accent1"/>
+    </dgm:linClrLst>
+    <dgm:effectClrLst/>
+    <dgm:txLinClrLst/>
+    <dgm:txFillClrLst meth="repeat">
+      <a:schemeClr val="lt1"/>
+    </dgm:txFillClrLst>
+    <dgm:txEffectClrLst/>
+  </dgm:styleLbl>
+  <dgm:styleLbl name="trBgShp">
+    <dgm:fillClrLst meth="repeat">
+      <a:schemeClr val="accent1">
+        <a:tint val="50000"/>
+        <a:alpha val="40000"/>
+      </a:schemeClr>
+    </dgm:fillClrLst>
+    <dgm:linClrLst meth="repeat">
+      <a:schemeClr val="accent1"/>
+    </dgm:linClrLst>
+    <dgm:effectClrLst/>
+    <dgm:txLinClrLst/>
+    <dgm:txFillClrLst meth="repeat">
+      <a:schemeClr val="lt1"/>
+    </dgm:txFillClrLst>
+    <dgm:txEffectClrLst/>
+  </dgm:styleLbl>
+  <dgm:styleLbl name="fgShp">
+    <dgm:fillClrLst meth="repeat">
+      <a:schemeClr val="accent1">
+        <a:tint val="60000"/>
+      </a:schemeClr>
+    </dgm:fillClrLst>
+    <dgm:linClrLst meth="repeat">
+      <a:schemeClr val="lt1"/>
+    </dgm:linClrLst>
+    <dgm:effectClrLst/>
+    <dgm:txLinClrLst/>
+    <dgm:txFillClrLst meth="repeat">
+      <a:schemeClr val="dk1"/>
+    </dgm:txFillClrLst>
+    <dgm:txEffectClrLst/>
+  </dgm:styleLbl>
+  <dgm:styleLbl name="revTx">
+    <dgm:fillClrLst meth="repeat">
+      <a:schemeClr val="lt1">
+        <a:alpha val="0"/>
+      </a:schemeClr>
+    </dgm:fillClrLst>
+    <dgm:linClrLst meth="repeat">
+      <a:schemeClr val="dk1">
+        <a:alpha val="0"/>
+      </a:schemeClr>
+    </dgm:linClrLst>
+    <dgm:effectClrLst/>
+    <dgm:txLinClrLst/>
+    <dgm:txFillClrLst meth="repeat">
+      <a:schemeClr val="tx1"/>
+    </dgm:txFillClrLst>
+    <dgm:txEffectClrLst/>
+  </dgm:styleLbl>
+</dgm:colorsDef>
+</file>
+
+<file path=ppt/diagrams/data1.xml><?xml version="1.0" encoding="utf-8"?>
+<dgm:dataModel xmlns:dgm="http://schemas.openxmlformats.org/drawingml/2006/diagram" xmlns:a="http://schemas.openxmlformats.org/drawingml/2006/main">
+  <dgm:ptLst>
+    <dgm:pt modelId="{6FFFD4D2-2C5B-D94E-A12D-D096E2F8CCA1}" type="doc">
+      <dgm:prSet loTypeId="urn:microsoft.com/office/officeart/2009/layout/CirclePictureHierarchy" loCatId="" qsTypeId="urn:microsoft.com/office/officeart/2005/8/quickstyle/simple1" qsCatId="simple" csTypeId="urn:microsoft.com/office/officeart/2005/8/colors/accent1_2" csCatId="accent1" phldr="1"/>
+      <dgm:spPr/>
+      <dgm:t>
+        <a:bodyPr/>
+        <a:lstStyle/>
+        <a:p>
+          <a:endParaRPr lang="en-GB"/>
+        </a:p>
+      </dgm:t>
+    </dgm:pt>
+    <dgm:pt modelId="{330AD86D-F365-914B-B945-69482495A157}">
+      <dgm:prSet phldrT="[Text]"/>
+      <dgm:spPr/>
+      <dgm:t>
+        <a:bodyPr/>
+        <a:lstStyle/>
+        <a:p>
+          <a:r>
+            <a:rPr lang="en-GB" dirty="0"/>
+            <a:t>Document</a:t>
+          </a:r>
+        </a:p>
+      </dgm:t>
+    </dgm:pt>
+    <dgm:pt modelId="{1CA821DE-67F2-DF44-8ADC-C8244390B59D}" type="parTrans" cxnId="{94F4AC0B-740E-CD4A-8B99-4A54E7EFD9CE}">
+      <dgm:prSet/>
+      <dgm:spPr/>
+      <dgm:t>
+        <a:bodyPr/>
+        <a:lstStyle/>
+        <a:p>
+          <a:endParaRPr lang="en-GB"/>
+        </a:p>
+      </dgm:t>
+    </dgm:pt>
+    <dgm:pt modelId="{66A282CC-3B5E-6844-AD68-E3964EC9C3A1}" type="sibTrans" cxnId="{94F4AC0B-740E-CD4A-8B99-4A54E7EFD9CE}">
+      <dgm:prSet/>
+      <dgm:spPr/>
+      <dgm:t>
+        <a:bodyPr/>
+        <a:lstStyle/>
+        <a:p>
+          <a:endParaRPr lang="en-GB"/>
+        </a:p>
+      </dgm:t>
+    </dgm:pt>
+    <dgm:pt modelId="{F5D20272-BBE5-6548-9130-35EFE85B962B}">
+      <dgm:prSet phldrT="[Text]"/>
+      <dgm:spPr/>
+      <dgm:t>
+        <a:bodyPr/>
+        <a:lstStyle/>
+        <a:p>
+          <a:r>
+            <a:rPr lang="en-GB" dirty="0"/>
+            <a:t>HTML</a:t>
+          </a:r>
+        </a:p>
+      </dgm:t>
+    </dgm:pt>
+    <dgm:pt modelId="{93849B78-A167-F84F-B162-6510BD363C27}" type="parTrans" cxnId="{37EFB504-B113-0F47-9357-846CDF50971E}">
+      <dgm:prSet/>
+      <dgm:spPr/>
+      <dgm:t>
+        <a:bodyPr/>
+        <a:lstStyle/>
+        <a:p>
+          <a:endParaRPr lang="en-GB"/>
+        </a:p>
+      </dgm:t>
+    </dgm:pt>
+    <dgm:pt modelId="{C1034D97-5CF2-1E48-8189-EC9790462BE9}" type="sibTrans" cxnId="{37EFB504-B113-0F47-9357-846CDF50971E}">
+      <dgm:prSet/>
+      <dgm:spPr/>
+      <dgm:t>
+        <a:bodyPr/>
+        <a:lstStyle/>
+        <a:p>
+          <a:endParaRPr lang="en-GB"/>
+        </a:p>
+      </dgm:t>
+    </dgm:pt>
+    <dgm:pt modelId="{9D31E035-9F59-394E-8392-E611A689AFC9}">
+      <dgm:prSet phldrT="[Text]"/>
+      <dgm:spPr/>
+      <dgm:t>
+        <a:bodyPr/>
+        <a:lstStyle/>
+        <a:p>
+          <a:r>
+            <a:rPr lang="en-GB" dirty="0"/>
+            <a:t>head</a:t>
+          </a:r>
+        </a:p>
+      </dgm:t>
+    </dgm:pt>
+    <dgm:pt modelId="{DB432DF2-E8E7-3D4B-B22D-59ED04BE1FC3}" type="parTrans" cxnId="{36E2FE59-5821-164E-9A50-AB7D12DDD135}">
+      <dgm:prSet/>
+      <dgm:spPr/>
+      <dgm:t>
+        <a:bodyPr/>
+        <a:lstStyle/>
+        <a:p>
+          <a:endParaRPr lang="en-GB"/>
+        </a:p>
+      </dgm:t>
+    </dgm:pt>
+    <dgm:pt modelId="{DCC55981-DCB9-EC40-92B2-C4A5076C41CF}" type="sibTrans" cxnId="{36E2FE59-5821-164E-9A50-AB7D12DDD135}">
+      <dgm:prSet/>
+      <dgm:spPr/>
+      <dgm:t>
+        <a:bodyPr/>
+        <a:lstStyle/>
+        <a:p>
+          <a:endParaRPr lang="en-GB"/>
+        </a:p>
+      </dgm:t>
+    </dgm:pt>
+    <dgm:pt modelId="{8E11E3B7-5740-7B41-82ED-0027411BC69D}">
+      <dgm:prSet phldrT="[Text]"/>
+      <dgm:spPr/>
+      <dgm:t>
+        <a:bodyPr/>
+        <a:lstStyle/>
+        <a:p>
+          <a:r>
+            <a:rPr lang="en-GB" dirty="0"/>
+            <a:t>ns</a:t>
+          </a:r>
+        </a:p>
+      </dgm:t>
+    </dgm:pt>
+    <dgm:pt modelId="{64B21E88-EA6F-C146-9E5A-F4A32D7E87B8}" type="parTrans" cxnId="{63127E75-8374-5846-8D6E-939F14D44D08}">
+      <dgm:prSet/>
+      <dgm:spPr/>
+      <dgm:t>
+        <a:bodyPr/>
+        <a:lstStyle/>
+        <a:p>
+          <a:endParaRPr lang="en-GB"/>
+        </a:p>
+      </dgm:t>
+    </dgm:pt>
+    <dgm:pt modelId="{B87329A2-AB9D-CA46-A5FB-048AD670079D}" type="sibTrans" cxnId="{63127E75-8374-5846-8D6E-939F14D44D08}">
+      <dgm:prSet/>
+      <dgm:spPr/>
+      <dgm:t>
+        <a:bodyPr/>
+        <a:lstStyle/>
+        <a:p>
+          <a:endParaRPr lang="en-GB"/>
+        </a:p>
+      </dgm:t>
+    </dgm:pt>
+    <dgm:pt modelId="{893BB59A-F566-D142-AC81-B8457BEA423A}">
+      <dgm:prSet phldrT="[Text]"/>
+      <dgm:spPr/>
+      <dgm:t>
+        <a:bodyPr/>
+        <a:lstStyle/>
+        <a:p>
+          <a:r>
+            <a:rPr lang="en-GB" dirty="0"/>
+            <a:t>ns</a:t>
+          </a:r>
+        </a:p>
+      </dgm:t>
+    </dgm:pt>
+    <dgm:pt modelId="{4CE85883-3B75-F648-81D7-A9B08ADF3E30}" type="parTrans" cxnId="{5B340529-D1D2-4340-A29D-3EABD8EE9382}">
+      <dgm:prSet/>
+      <dgm:spPr/>
+      <dgm:t>
+        <a:bodyPr/>
+        <a:lstStyle/>
+        <a:p>
+          <a:endParaRPr lang="en-GB"/>
+        </a:p>
+      </dgm:t>
+    </dgm:pt>
+    <dgm:pt modelId="{03CB55A5-491F-9C47-834A-C0EBFC6BC6B9}" type="sibTrans" cxnId="{5B340529-D1D2-4340-A29D-3EABD8EE9382}">
+      <dgm:prSet/>
+      <dgm:spPr/>
+      <dgm:t>
+        <a:bodyPr/>
+        <a:lstStyle/>
+        <a:p>
+          <a:endParaRPr lang="en-GB"/>
+        </a:p>
+      </dgm:t>
+    </dgm:pt>
+    <dgm:pt modelId="{FC3160C4-878B-804B-99D4-3CE9B235342F}">
+      <dgm:prSet phldrT="[Text]"/>
+      <dgm:spPr/>
+      <dgm:t>
+        <a:bodyPr/>
+        <a:lstStyle/>
+        <a:p>
+          <a:r>
+            <a:rPr lang="en-GB" dirty="0"/>
+            <a:t>body</a:t>
+          </a:r>
+        </a:p>
+      </dgm:t>
+    </dgm:pt>
+    <dgm:pt modelId="{08A0DA26-7260-8F48-BA83-D68C949BA9CC}" type="parTrans" cxnId="{ED825DD8-BFC4-3447-90D2-ED3F121EF8FE}">
+      <dgm:prSet/>
+      <dgm:spPr/>
+      <dgm:t>
+        <a:bodyPr/>
+        <a:lstStyle/>
+        <a:p>
+          <a:endParaRPr lang="en-GB"/>
+        </a:p>
+      </dgm:t>
+    </dgm:pt>
+    <dgm:pt modelId="{A88221B0-7D35-794C-876A-047309E41890}" type="sibTrans" cxnId="{ED825DD8-BFC4-3447-90D2-ED3F121EF8FE}">
+      <dgm:prSet/>
+      <dgm:spPr/>
+      <dgm:t>
+        <a:bodyPr/>
+        <a:lstStyle/>
+        <a:p>
+          <a:endParaRPr lang="en-GB"/>
+        </a:p>
+      </dgm:t>
+    </dgm:pt>
+    <dgm:pt modelId="{B4C90377-24E2-644D-BE6E-891AAA19BA0E}">
+      <dgm:prSet/>
+      <dgm:spPr/>
+      <dgm:t>
+        <a:bodyPr/>
+        <a:lstStyle/>
+        <a:p>
+          <a:r>
+            <a:rPr lang="en-GB" dirty="0"/>
+            <a:t>ns</a:t>
+          </a:r>
+        </a:p>
+      </dgm:t>
+    </dgm:pt>
+    <dgm:pt modelId="{639AEADB-8709-4A44-A2C4-26F4B6B8CE33}" type="parTrans" cxnId="{B8D9B8A9-A839-234E-8E31-B50D913216BD}">
+      <dgm:prSet/>
+      <dgm:spPr/>
+      <dgm:t>
+        <a:bodyPr/>
+        <a:lstStyle/>
+        <a:p>
+          <a:endParaRPr lang="en-GB"/>
+        </a:p>
+      </dgm:t>
+    </dgm:pt>
+    <dgm:pt modelId="{D1A28F93-D035-4244-A45F-8919504D0F87}" type="sibTrans" cxnId="{B8D9B8A9-A839-234E-8E31-B50D913216BD}">
+      <dgm:prSet/>
+      <dgm:spPr/>
+      <dgm:t>
+        <a:bodyPr/>
+        <a:lstStyle/>
+        <a:p>
+          <a:endParaRPr lang="en-GB"/>
+        </a:p>
+      </dgm:t>
+    </dgm:pt>
+    <dgm:pt modelId="{A9D6A8B4-D4A1-9543-87F8-B95904794ED9}">
+      <dgm:prSet/>
+      <dgm:spPr/>
+      <dgm:t>
+        <a:bodyPr/>
+        <a:lstStyle/>
+        <a:p>
+          <a:r>
+            <a:rPr lang="en-GB" dirty="0"/>
+            <a:t>title</a:t>
+          </a:r>
+        </a:p>
+      </dgm:t>
+    </dgm:pt>
+    <dgm:pt modelId="{CA3D038C-DCDD-A244-A5A7-91CBF6466D09}" type="parTrans" cxnId="{0F1E67C2-1C24-1144-84ED-2E092C5BFF54}">
+      <dgm:prSet/>
+      <dgm:spPr/>
+      <dgm:t>
+        <a:bodyPr/>
+        <a:lstStyle/>
+        <a:p>
+          <a:endParaRPr lang="en-GB"/>
+        </a:p>
+      </dgm:t>
+    </dgm:pt>
+    <dgm:pt modelId="{9703195C-354A-2849-86DA-4F2C9715A0E2}" type="sibTrans" cxnId="{0F1E67C2-1C24-1144-84ED-2E092C5BFF54}">
+      <dgm:prSet/>
+      <dgm:spPr/>
+      <dgm:t>
+        <a:bodyPr/>
+        <a:lstStyle/>
+        <a:p>
+          <a:endParaRPr lang="en-GB"/>
+        </a:p>
+      </dgm:t>
+    </dgm:pt>
+    <dgm:pt modelId="{5695A892-2148-2C40-8179-67FF623A3480}">
+      <dgm:prSet/>
+      <dgm:spPr/>
+      <dgm:t>
+        <a:bodyPr/>
+        <a:lstStyle/>
+        <a:p>
+          <a:r>
+            <a:rPr lang="en-GB" dirty="0"/>
+            <a:t>Footer</a:t>
+          </a:r>
+        </a:p>
+      </dgm:t>
+    </dgm:pt>
+    <dgm:pt modelId="{8ADA4E67-D979-3D40-A4CB-1B6084A955FF}" type="parTrans" cxnId="{DC222C29-6801-BB47-927F-9D62F906A3CB}">
+      <dgm:prSet/>
+      <dgm:spPr/>
+      <dgm:t>
+        <a:bodyPr/>
+        <a:lstStyle/>
+        <a:p>
+          <a:endParaRPr lang="en-GB"/>
+        </a:p>
+      </dgm:t>
+    </dgm:pt>
+    <dgm:pt modelId="{BA527E28-453E-EF43-A720-756043167119}" type="sibTrans" cxnId="{DC222C29-6801-BB47-927F-9D62F906A3CB}">
+      <dgm:prSet/>
+      <dgm:spPr/>
+      <dgm:t>
+        <a:bodyPr/>
+        <a:lstStyle/>
+        <a:p>
+          <a:endParaRPr lang="en-GB"/>
+        </a:p>
+      </dgm:t>
+    </dgm:pt>
+    <dgm:pt modelId="{69E35AD3-D458-664C-B092-3E3AFF413D0F}">
+      <dgm:prSet/>
+      <dgm:spPr/>
+      <dgm:t>
+        <a:bodyPr/>
+        <a:lstStyle/>
+        <a:p>
+          <a:r>
+            <a:rPr lang="en-GB" dirty="0"/>
+            <a:t>ns</a:t>
+          </a:r>
+        </a:p>
+      </dgm:t>
+    </dgm:pt>
+    <dgm:pt modelId="{83B607DC-F8E7-DC46-B327-BC9A8D174B54}" type="parTrans" cxnId="{ED4A9E51-914A-7D43-982A-EFBB9200B9B4}">
+      <dgm:prSet/>
+      <dgm:spPr/>
+      <dgm:t>
+        <a:bodyPr/>
+        <a:lstStyle/>
+        <a:p>
+          <a:endParaRPr lang="en-GB"/>
+        </a:p>
+      </dgm:t>
+    </dgm:pt>
+    <dgm:pt modelId="{0E514907-FF13-984E-ABA5-CE102023FBAB}" type="sibTrans" cxnId="{ED4A9E51-914A-7D43-982A-EFBB9200B9B4}">
+      <dgm:prSet/>
+      <dgm:spPr/>
+      <dgm:t>
+        <a:bodyPr/>
+        <a:lstStyle/>
+        <a:p>
+          <a:endParaRPr lang="en-GB"/>
+        </a:p>
+      </dgm:t>
+    </dgm:pt>
+    <dgm:pt modelId="{BC01169D-D2FF-5C48-919D-11656AB20488}">
+      <dgm:prSet/>
+      <dgm:spPr/>
+      <dgm:t>
+        <a:bodyPr/>
+        <a:lstStyle/>
+        <a:p>
+          <a:r>
+            <a:rPr lang="en-GB" dirty="0"/>
+            <a:t>h1</a:t>
+          </a:r>
+        </a:p>
+      </dgm:t>
+    </dgm:pt>
+    <dgm:pt modelId="{A590FF08-7882-654E-835D-04E47BB59796}" type="parTrans" cxnId="{B00933EE-96B1-394F-BD09-C87B72D07BC7}">
+      <dgm:prSet/>
+      <dgm:spPr/>
+      <dgm:t>
+        <a:bodyPr/>
+        <a:lstStyle/>
+        <a:p>
+          <a:endParaRPr lang="en-GB"/>
+        </a:p>
+      </dgm:t>
+    </dgm:pt>
+    <dgm:pt modelId="{8A54D07A-A2D9-F44A-A517-22D0E40CDA47}" type="sibTrans" cxnId="{B00933EE-96B1-394F-BD09-C87B72D07BC7}">
+      <dgm:prSet/>
+      <dgm:spPr/>
+      <dgm:t>
+        <a:bodyPr/>
+        <a:lstStyle/>
+        <a:p>
+          <a:endParaRPr lang="en-GB"/>
+        </a:p>
+      </dgm:t>
+    </dgm:pt>
+    <dgm:pt modelId="{B9ACEC2B-BC93-FC4D-8BE2-E08716E453FA}">
+      <dgm:prSet/>
+      <dgm:spPr/>
+      <dgm:t>
+        <a:bodyPr/>
+        <a:lstStyle/>
+        <a:p>
+          <a:r>
+            <a:rPr lang="en-GB" dirty="0"/>
+            <a:t>ns</a:t>
+          </a:r>
+        </a:p>
+      </dgm:t>
+    </dgm:pt>
+    <dgm:pt modelId="{2CB0B465-8F8B-DE44-B2F6-E680BDCE0B4B}" type="parTrans" cxnId="{027955DE-32EC-A143-9FF8-715CB73A2F3E}">
+      <dgm:prSet/>
+      <dgm:spPr/>
+      <dgm:t>
+        <a:bodyPr/>
+        <a:lstStyle/>
+        <a:p>
+          <a:endParaRPr lang="en-GB"/>
+        </a:p>
+      </dgm:t>
+    </dgm:pt>
+    <dgm:pt modelId="{42526628-9DB1-0A40-896C-17E3344921A1}" type="sibTrans" cxnId="{027955DE-32EC-A143-9FF8-715CB73A2F3E}">
+      <dgm:prSet/>
+      <dgm:spPr/>
+      <dgm:t>
+        <a:bodyPr/>
+        <a:lstStyle/>
+        <a:p>
+          <a:endParaRPr lang="en-GB"/>
+        </a:p>
+      </dgm:t>
+    </dgm:pt>
+    <dgm:pt modelId="{70EA5809-8B03-1946-B234-C621CBAE9A16}">
+      <dgm:prSet/>
+      <dgm:spPr/>
+      <dgm:t>
+        <a:bodyPr/>
+        <a:lstStyle/>
+        <a:p>
+          <a:r>
+            <a:rPr lang="en-GB" dirty="0"/>
+            <a:t>div</a:t>
+          </a:r>
+        </a:p>
+      </dgm:t>
+    </dgm:pt>
+    <dgm:pt modelId="{8F817740-ECD0-D942-AEE7-A42E387CA0BB}" type="parTrans" cxnId="{F1EDBE4A-A6EF-1344-B05E-CC069B1ACA2C}">
+      <dgm:prSet/>
+      <dgm:spPr/>
+      <dgm:t>
+        <a:bodyPr/>
+        <a:lstStyle/>
+        <a:p>
+          <a:endParaRPr lang="en-GB"/>
+        </a:p>
+      </dgm:t>
+    </dgm:pt>
+    <dgm:pt modelId="{6FF11AAE-8270-2C4A-B99F-880254EBAAE0}" type="sibTrans" cxnId="{F1EDBE4A-A6EF-1344-B05E-CC069B1ACA2C}">
+      <dgm:prSet/>
+      <dgm:spPr/>
+      <dgm:t>
+        <a:bodyPr/>
+        <a:lstStyle/>
+        <a:p>
+          <a:endParaRPr lang="en-GB"/>
+        </a:p>
+      </dgm:t>
+    </dgm:pt>
+    <dgm:pt modelId="{0626067D-042E-9F4D-A8C7-5727F0E3115E}">
+      <dgm:prSet/>
+      <dgm:spPr/>
+      <dgm:t>
+        <a:bodyPr/>
+        <a:lstStyle/>
+        <a:p>
+          <a:r>
+            <a:rPr lang="en-GB" dirty="0"/>
+            <a:t>ns</a:t>
+          </a:r>
+        </a:p>
+      </dgm:t>
+    </dgm:pt>
+    <dgm:pt modelId="{135DDBA8-6FD2-0848-9398-637F0A4B134C}" type="parTrans" cxnId="{E9D4E59A-F575-4C47-B8FA-062BC50C562B}">
+      <dgm:prSet/>
+      <dgm:spPr/>
+      <dgm:t>
+        <a:bodyPr/>
+        <a:lstStyle/>
+        <a:p>
+          <a:endParaRPr lang="en-GB"/>
+        </a:p>
+      </dgm:t>
+    </dgm:pt>
+    <dgm:pt modelId="{0326A6D0-C1B9-9E4F-BB72-6C3897F99A4E}" type="sibTrans" cxnId="{E9D4E59A-F575-4C47-B8FA-062BC50C562B}">
+      <dgm:prSet/>
+      <dgm:spPr/>
+      <dgm:t>
+        <a:bodyPr/>
+        <a:lstStyle/>
+        <a:p>
+          <a:endParaRPr lang="en-GB"/>
+        </a:p>
+      </dgm:t>
+    </dgm:pt>
+    <dgm:pt modelId="{1C5940D9-EA1F-AC43-A4E1-D9C5D3F3FCD2}">
+      <dgm:prSet/>
+      <dgm:spPr/>
+      <dgm:t>
+        <a:bodyPr/>
+        <a:lstStyle/>
+        <a:p>
+          <a:r>
+            <a:rPr lang="en-GB" dirty="0"/>
+            <a:t>p</a:t>
+          </a:r>
+        </a:p>
+      </dgm:t>
+    </dgm:pt>
+    <dgm:pt modelId="{87DABFF1-D9C6-D146-A486-702CD7783570}" type="parTrans" cxnId="{EA323795-B19E-244B-ACB5-50811A34B60A}">
+      <dgm:prSet/>
+      <dgm:spPr/>
+      <dgm:t>
+        <a:bodyPr/>
+        <a:lstStyle/>
+        <a:p>
+          <a:endParaRPr lang="en-GB"/>
+        </a:p>
+      </dgm:t>
+    </dgm:pt>
+    <dgm:pt modelId="{C0F98C4E-3375-2545-A03D-A1FA52060868}" type="sibTrans" cxnId="{EA323795-B19E-244B-ACB5-50811A34B60A}">
+      <dgm:prSet/>
+      <dgm:spPr/>
+      <dgm:t>
+        <a:bodyPr/>
+        <a:lstStyle/>
+        <a:p>
+          <a:endParaRPr lang="en-GB"/>
+        </a:p>
+      </dgm:t>
+    </dgm:pt>
+    <dgm:pt modelId="{4C1115EA-5A24-C444-AF86-154E2DE780CC}">
+      <dgm:prSet/>
+      <dgm:spPr/>
+      <dgm:t>
+        <a:bodyPr/>
+        <a:lstStyle/>
+        <a:p>
+          <a:r>
+            <a:rPr lang="en-GB" dirty="0"/>
+            <a:t>ns</a:t>
+          </a:r>
+        </a:p>
+      </dgm:t>
+    </dgm:pt>
+    <dgm:pt modelId="{5DA4FA5D-CCD5-0344-92BC-8E633A512F48}" type="parTrans" cxnId="{81A664DD-763B-0046-A91E-D967DF5E57CB}">
+      <dgm:prSet/>
+      <dgm:spPr/>
+      <dgm:t>
+        <a:bodyPr/>
+        <a:lstStyle/>
+        <a:p>
+          <a:endParaRPr lang="en-GB"/>
+        </a:p>
+      </dgm:t>
+    </dgm:pt>
+    <dgm:pt modelId="{082C2F52-BE40-5A48-A373-1E8E8579B2C8}" type="sibTrans" cxnId="{81A664DD-763B-0046-A91E-D967DF5E57CB}">
+      <dgm:prSet/>
+      <dgm:spPr/>
+      <dgm:t>
+        <a:bodyPr/>
+        <a:lstStyle/>
+        <a:p>
+          <a:endParaRPr lang="en-GB"/>
+        </a:p>
+      </dgm:t>
+    </dgm:pt>
+    <dgm:pt modelId="{FEE845C9-A928-504D-8D88-EC6E41923AF2}">
+      <dgm:prSet/>
+      <dgm:spPr/>
+      <dgm:t>
+        <a:bodyPr/>
+        <a:lstStyle/>
+        <a:p>
+          <a:r>
+            <a:rPr lang="en-GB" dirty="0"/>
+            <a:t>p</a:t>
+          </a:r>
+        </a:p>
+      </dgm:t>
+    </dgm:pt>
+    <dgm:pt modelId="{D6CD0CBE-EFD5-0943-A5E8-6DEB1B587BB9}" type="parTrans" cxnId="{F18D8502-84AD-1F42-BBCF-65A85732AEF6}">
+      <dgm:prSet/>
+      <dgm:spPr/>
+      <dgm:t>
+        <a:bodyPr/>
+        <a:lstStyle/>
+        <a:p>
+          <a:endParaRPr lang="en-GB"/>
+        </a:p>
+      </dgm:t>
+    </dgm:pt>
+    <dgm:pt modelId="{1899E392-6831-994C-AC91-003FF8EF0A13}" type="sibTrans" cxnId="{F18D8502-84AD-1F42-BBCF-65A85732AEF6}">
+      <dgm:prSet/>
+      <dgm:spPr/>
+      <dgm:t>
+        <a:bodyPr/>
+        <a:lstStyle/>
+        <a:p>
+          <a:endParaRPr lang="en-GB"/>
+        </a:p>
+      </dgm:t>
+    </dgm:pt>
+    <dgm:pt modelId="{BE18966D-C28C-394B-866B-89E2F670A303}" type="pres">
+      <dgm:prSet presAssocID="{6FFFD4D2-2C5B-D94E-A12D-D096E2F8CCA1}" presName="hierChild1" presStyleCnt="0">
+        <dgm:presLayoutVars>
+          <dgm:chPref val="1"/>
+          <dgm:dir/>
+          <dgm:animOne val="branch"/>
+          <dgm:animLvl val="lvl"/>
+          <dgm:resizeHandles/>
+        </dgm:presLayoutVars>
+      </dgm:prSet>
+      <dgm:spPr/>
+    </dgm:pt>
+    <dgm:pt modelId="{03AB044F-56EF-C946-8CAB-1773FE1821FA}" type="pres">
+      <dgm:prSet presAssocID="{330AD86D-F365-914B-B945-69482495A157}" presName="hierRoot1" presStyleCnt="0"/>
+      <dgm:spPr/>
+    </dgm:pt>
+    <dgm:pt modelId="{A33F9E22-FFBD-C347-969B-935B6ACD2864}" type="pres">
+      <dgm:prSet presAssocID="{330AD86D-F365-914B-B945-69482495A157}" presName="composite" presStyleCnt="0"/>
+      <dgm:spPr/>
+    </dgm:pt>
+    <dgm:pt modelId="{3FDD47A6-4F6E-8D40-A2B5-E1F43A676AF8}" type="pres">
+      <dgm:prSet presAssocID="{330AD86D-F365-914B-B945-69482495A157}" presName="image" presStyleLbl="node0" presStyleIdx="0" presStyleCnt="1" custLinFactNeighborX="-5766" custLinFactNeighborY="4805"/>
+      <dgm:spPr/>
+    </dgm:pt>
+    <dgm:pt modelId="{CCEEE2D6-966A-8248-A58C-4B3105F06552}" type="pres">
+      <dgm:prSet presAssocID="{330AD86D-F365-914B-B945-69482495A157}" presName="text" presStyleLbl="revTx" presStyleIdx="0" presStyleCnt="17">
+        <dgm:presLayoutVars>
+          <dgm:chPref val="3"/>
+        </dgm:presLayoutVars>
+      </dgm:prSet>
+      <dgm:spPr/>
+    </dgm:pt>
+    <dgm:pt modelId="{2D4668FF-8180-6846-8624-3C869AA8E23D}" type="pres">
+      <dgm:prSet presAssocID="{330AD86D-F365-914B-B945-69482495A157}" presName="hierChild2" presStyleCnt="0"/>
+      <dgm:spPr/>
+    </dgm:pt>
+    <dgm:pt modelId="{5577D37C-3C17-D14C-A5D9-B2AF935C144D}" type="pres">
+      <dgm:prSet presAssocID="{93849B78-A167-F84F-B162-6510BD363C27}" presName="Name10" presStyleLbl="parChTrans1D2" presStyleIdx="0" presStyleCnt="2"/>
+      <dgm:spPr/>
+    </dgm:pt>
+    <dgm:pt modelId="{97A71D8C-ED13-6747-83AC-EF480F018CA4}" type="pres">
+      <dgm:prSet presAssocID="{F5D20272-BBE5-6548-9130-35EFE85B962B}" presName="hierRoot2" presStyleCnt="0"/>
+      <dgm:spPr/>
+    </dgm:pt>
+    <dgm:pt modelId="{4C0FB983-B82B-BB46-A44C-2E537A2582C7}" type="pres">
+      <dgm:prSet presAssocID="{F5D20272-BBE5-6548-9130-35EFE85B962B}" presName="composite2" presStyleCnt="0"/>
+      <dgm:spPr/>
+    </dgm:pt>
+    <dgm:pt modelId="{38569D98-6699-FB47-8E44-C108D9A03940}" type="pres">
+      <dgm:prSet presAssocID="{F5D20272-BBE5-6548-9130-35EFE85B962B}" presName="image2" presStyleLbl="node2" presStyleIdx="0" presStyleCnt="2"/>
+      <dgm:spPr/>
+    </dgm:pt>
+    <dgm:pt modelId="{B47D7DAC-3B3E-1B4A-AE21-0F2FA543604A}" type="pres">
+      <dgm:prSet presAssocID="{F5D20272-BBE5-6548-9130-35EFE85B962B}" presName="text2" presStyleLbl="revTx" presStyleIdx="1" presStyleCnt="17">
+        <dgm:presLayoutVars>
+          <dgm:chPref val="3"/>
+        </dgm:presLayoutVars>
+      </dgm:prSet>
+      <dgm:spPr/>
+    </dgm:pt>
+    <dgm:pt modelId="{52A31D05-9266-B94C-A278-185DEECEDF98}" type="pres">
+      <dgm:prSet presAssocID="{F5D20272-BBE5-6548-9130-35EFE85B962B}" presName="hierChild3" presStyleCnt="0"/>
+      <dgm:spPr/>
+    </dgm:pt>
+    <dgm:pt modelId="{2672E379-E707-824E-A8BC-07ED40E92177}" type="pres">
+      <dgm:prSet presAssocID="{DB432DF2-E8E7-3D4B-B22D-59ED04BE1FC3}" presName="Name17" presStyleLbl="parChTrans1D3" presStyleIdx="0" presStyleCnt="4"/>
+      <dgm:spPr/>
+    </dgm:pt>
+    <dgm:pt modelId="{71ABE5A0-846C-0347-B012-903DB444CADA}" type="pres">
+      <dgm:prSet presAssocID="{9D31E035-9F59-394E-8392-E611A689AFC9}" presName="hierRoot3" presStyleCnt="0"/>
+      <dgm:spPr/>
+    </dgm:pt>
+    <dgm:pt modelId="{DDE06CE1-B30F-E04B-9EA4-68976851AB20}" type="pres">
+      <dgm:prSet presAssocID="{9D31E035-9F59-394E-8392-E611A689AFC9}" presName="composite3" presStyleCnt="0"/>
+      <dgm:spPr/>
+    </dgm:pt>
+    <dgm:pt modelId="{B1EF7F6E-A0BE-5B4D-B37E-E7F122EFC646}" type="pres">
+      <dgm:prSet presAssocID="{9D31E035-9F59-394E-8392-E611A689AFC9}" presName="image3" presStyleLbl="node3" presStyleIdx="0" presStyleCnt="4"/>
+      <dgm:spPr/>
+    </dgm:pt>
+    <dgm:pt modelId="{09D50664-D94F-E142-B637-E3AABF1900CD}" type="pres">
+      <dgm:prSet presAssocID="{9D31E035-9F59-394E-8392-E611A689AFC9}" presName="text3" presStyleLbl="revTx" presStyleIdx="2" presStyleCnt="17">
+        <dgm:presLayoutVars>
+          <dgm:chPref val="3"/>
+        </dgm:presLayoutVars>
+      </dgm:prSet>
+      <dgm:spPr/>
+    </dgm:pt>
+    <dgm:pt modelId="{87F0A6E1-264B-0543-B7F8-0C991B19859A}" type="pres">
+      <dgm:prSet presAssocID="{9D31E035-9F59-394E-8392-E611A689AFC9}" presName="hierChild4" presStyleCnt="0"/>
+      <dgm:spPr/>
+    </dgm:pt>
+    <dgm:pt modelId="{3C472F20-9C48-4141-BDF3-0C5998C5CB39}" type="pres">
+      <dgm:prSet presAssocID="{639AEADB-8709-4A44-A2C4-26F4B6B8CE33}" presName="Name23" presStyleLbl="parChTrans1D4" presStyleIdx="0" presStyleCnt="10"/>
+      <dgm:spPr/>
+    </dgm:pt>
+    <dgm:pt modelId="{35A9014C-8372-AF4C-A16D-CA4DEB69F89D}" type="pres">
+      <dgm:prSet presAssocID="{B4C90377-24E2-644D-BE6E-891AAA19BA0E}" presName="hierRoot4" presStyleCnt="0"/>
+      <dgm:spPr/>
+    </dgm:pt>
+    <dgm:pt modelId="{F2DC8FB5-BA6E-564D-BDD7-B89E5A34C489}" type="pres">
+      <dgm:prSet presAssocID="{B4C90377-24E2-644D-BE6E-891AAA19BA0E}" presName="composite4" presStyleCnt="0"/>
+      <dgm:spPr/>
+    </dgm:pt>
+    <dgm:pt modelId="{F2642FB8-52C2-4240-8CD3-38ADD431A3EF}" type="pres">
+      <dgm:prSet presAssocID="{B4C90377-24E2-644D-BE6E-891AAA19BA0E}" presName="image4" presStyleLbl="node4" presStyleIdx="0" presStyleCnt="10"/>
+      <dgm:spPr/>
+    </dgm:pt>
+    <dgm:pt modelId="{06041617-B361-F14C-93D3-AE32C9B58C96}" type="pres">
+      <dgm:prSet presAssocID="{B4C90377-24E2-644D-BE6E-891AAA19BA0E}" presName="text4" presStyleLbl="revTx" presStyleIdx="3" presStyleCnt="17">
+        <dgm:presLayoutVars>
+          <dgm:chPref val="3"/>
+        </dgm:presLayoutVars>
+      </dgm:prSet>
+      <dgm:spPr/>
+    </dgm:pt>
+    <dgm:pt modelId="{A63459C1-5559-5D40-A1BE-A7A095A0CA40}" type="pres">
+      <dgm:prSet presAssocID="{B4C90377-24E2-644D-BE6E-891AAA19BA0E}" presName="hierChild5" presStyleCnt="0"/>
+      <dgm:spPr/>
+    </dgm:pt>
+    <dgm:pt modelId="{661F5ABC-E7AE-B04D-85E8-365731290AD6}" type="pres">
+      <dgm:prSet presAssocID="{CA3D038C-DCDD-A244-A5A7-91CBF6466D09}" presName="Name23" presStyleLbl="parChTrans1D4" presStyleIdx="1" presStyleCnt="10"/>
+      <dgm:spPr/>
+    </dgm:pt>
+    <dgm:pt modelId="{043985F7-C9DD-0F4A-8B82-7AB4B6742BF7}" type="pres">
+      <dgm:prSet presAssocID="{A9D6A8B4-D4A1-9543-87F8-B95904794ED9}" presName="hierRoot4" presStyleCnt="0"/>
+      <dgm:spPr/>
+    </dgm:pt>
+    <dgm:pt modelId="{3356D70B-8E12-EF4F-895B-0401557A2AE2}" type="pres">
+      <dgm:prSet presAssocID="{A9D6A8B4-D4A1-9543-87F8-B95904794ED9}" presName="composite4" presStyleCnt="0"/>
+      <dgm:spPr/>
+    </dgm:pt>
+    <dgm:pt modelId="{5B989FF1-A94A-C34C-A667-463A83D37572}" type="pres">
+      <dgm:prSet presAssocID="{A9D6A8B4-D4A1-9543-87F8-B95904794ED9}" presName="image4" presStyleLbl="node4" presStyleIdx="1" presStyleCnt="10"/>
+      <dgm:spPr/>
+    </dgm:pt>
+    <dgm:pt modelId="{D796FF64-D43A-BF46-8E52-DDE6395C823E}" type="pres">
+      <dgm:prSet presAssocID="{A9D6A8B4-D4A1-9543-87F8-B95904794ED9}" presName="text4" presStyleLbl="revTx" presStyleIdx="4" presStyleCnt="17">
+        <dgm:presLayoutVars>
+          <dgm:chPref val="3"/>
+        </dgm:presLayoutVars>
+      </dgm:prSet>
+      <dgm:spPr/>
+    </dgm:pt>
+    <dgm:pt modelId="{A2E03145-9A10-F040-AFD7-36E3BADBC0DF}" type="pres">
+      <dgm:prSet presAssocID="{A9D6A8B4-D4A1-9543-87F8-B95904794ED9}" presName="hierChild5" presStyleCnt="0"/>
+      <dgm:spPr/>
+    </dgm:pt>
+    <dgm:pt modelId="{53F2B5E7-82F5-8C45-A361-CF80389F1529}" type="pres">
+      <dgm:prSet presAssocID="{64B21E88-EA6F-C146-9E5A-F4A32D7E87B8}" presName="Name17" presStyleLbl="parChTrans1D3" presStyleIdx="1" presStyleCnt="4"/>
+      <dgm:spPr/>
+    </dgm:pt>
+    <dgm:pt modelId="{E53A49E6-88E0-1C40-89BE-2C1FCE32C922}" type="pres">
+      <dgm:prSet presAssocID="{8E11E3B7-5740-7B41-82ED-0027411BC69D}" presName="hierRoot3" presStyleCnt="0"/>
+      <dgm:spPr/>
+    </dgm:pt>
+    <dgm:pt modelId="{493A55BD-1799-6140-B1D4-3977BB407F66}" type="pres">
+      <dgm:prSet presAssocID="{8E11E3B7-5740-7B41-82ED-0027411BC69D}" presName="composite3" presStyleCnt="0"/>
+      <dgm:spPr/>
+    </dgm:pt>
+    <dgm:pt modelId="{D990D70D-07C6-2A49-BD65-6C17F3000574}" type="pres">
+      <dgm:prSet presAssocID="{8E11E3B7-5740-7B41-82ED-0027411BC69D}" presName="image3" presStyleLbl="node3" presStyleIdx="1" presStyleCnt="4"/>
+      <dgm:spPr/>
+    </dgm:pt>
+    <dgm:pt modelId="{18516E44-B3BA-8B48-AF42-1E731AC7093B}" type="pres">
+      <dgm:prSet presAssocID="{8E11E3B7-5740-7B41-82ED-0027411BC69D}" presName="text3" presStyleLbl="revTx" presStyleIdx="5" presStyleCnt="17">
+        <dgm:presLayoutVars>
+          <dgm:chPref val="3"/>
+        </dgm:presLayoutVars>
+      </dgm:prSet>
+      <dgm:spPr/>
+    </dgm:pt>
+    <dgm:pt modelId="{A82DAF50-AE7C-4146-83F7-C4E7B1F2D1B1}" type="pres">
+      <dgm:prSet presAssocID="{8E11E3B7-5740-7B41-82ED-0027411BC69D}" presName="hierChild4" presStyleCnt="0"/>
+      <dgm:spPr/>
+    </dgm:pt>
+    <dgm:pt modelId="{BB0A3D94-040C-C347-942D-C82ABD34BD04}" type="pres">
+      <dgm:prSet presAssocID="{08A0DA26-7260-8F48-BA83-D68C949BA9CC}" presName="Name17" presStyleLbl="parChTrans1D3" presStyleIdx="2" presStyleCnt="4"/>
+      <dgm:spPr/>
+    </dgm:pt>
+    <dgm:pt modelId="{205F3858-0DCB-6343-BE5A-7EAB9BBFD8E8}" type="pres">
+      <dgm:prSet presAssocID="{FC3160C4-878B-804B-99D4-3CE9B235342F}" presName="hierRoot3" presStyleCnt="0"/>
+      <dgm:spPr/>
+    </dgm:pt>
+    <dgm:pt modelId="{2E70E06B-D1BC-0948-BCC5-7943AA10C3BD}" type="pres">
+      <dgm:prSet presAssocID="{FC3160C4-878B-804B-99D4-3CE9B235342F}" presName="composite3" presStyleCnt="0"/>
+      <dgm:spPr/>
+    </dgm:pt>
+    <dgm:pt modelId="{EF71A65A-D56D-2B44-9B90-69CE3747089F}" type="pres">
+      <dgm:prSet presAssocID="{FC3160C4-878B-804B-99D4-3CE9B235342F}" presName="image3" presStyleLbl="node3" presStyleIdx="2" presStyleCnt="4"/>
+      <dgm:spPr/>
+    </dgm:pt>
+    <dgm:pt modelId="{E6348E2B-FA57-AB4F-9645-B723A64C15B5}" type="pres">
+      <dgm:prSet presAssocID="{FC3160C4-878B-804B-99D4-3CE9B235342F}" presName="text3" presStyleLbl="revTx" presStyleIdx="6" presStyleCnt="17">
+        <dgm:presLayoutVars>
+          <dgm:chPref val="3"/>
+        </dgm:presLayoutVars>
+      </dgm:prSet>
+      <dgm:spPr/>
+    </dgm:pt>
+    <dgm:pt modelId="{F1CD75E9-FD46-DE45-9372-A2242E389B2A}" type="pres">
+      <dgm:prSet presAssocID="{FC3160C4-878B-804B-99D4-3CE9B235342F}" presName="hierChild4" presStyleCnt="0"/>
+      <dgm:spPr/>
+    </dgm:pt>
+    <dgm:pt modelId="{C96C014B-94C5-2C4F-AC0E-F80C097CAA54}" type="pres">
+      <dgm:prSet presAssocID="{83B607DC-F8E7-DC46-B327-BC9A8D174B54}" presName="Name23" presStyleLbl="parChTrans1D4" presStyleIdx="2" presStyleCnt="10"/>
+      <dgm:spPr/>
+    </dgm:pt>
+    <dgm:pt modelId="{78AB78EF-2C7F-BF4B-BEDA-400CF7A28147}" type="pres">
+      <dgm:prSet presAssocID="{69E35AD3-D458-664C-B092-3E3AFF413D0F}" presName="hierRoot4" presStyleCnt="0"/>
+      <dgm:spPr/>
+    </dgm:pt>
+    <dgm:pt modelId="{A210314B-3C4A-164E-9487-EEDDD172FB2B}" type="pres">
+      <dgm:prSet presAssocID="{69E35AD3-D458-664C-B092-3E3AFF413D0F}" presName="composite4" presStyleCnt="0"/>
+      <dgm:spPr/>
+    </dgm:pt>
+    <dgm:pt modelId="{C2147B8F-703E-DC49-B5CA-9462BF191072}" type="pres">
+      <dgm:prSet presAssocID="{69E35AD3-D458-664C-B092-3E3AFF413D0F}" presName="image4" presStyleLbl="node4" presStyleIdx="2" presStyleCnt="10"/>
+      <dgm:spPr/>
+    </dgm:pt>
+    <dgm:pt modelId="{91BA2647-6BE6-A14E-9FE6-F39F719F3C7A}" type="pres">
+      <dgm:prSet presAssocID="{69E35AD3-D458-664C-B092-3E3AFF413D0F}" presName="text4" presStyleLbl="revTx" presStyleIdx="7" presStyleCnt="17">
+        <dgm:presLayoutVars>
+          <dgm:chPref val="3"/>
+        </dgm:presLayoutVars>
+      </dgm:prSet>
+      <dgm:spPr/>
+    </dgm:pt>
+    <dgm:pt modelId="{68F7F9DF-4427-A84D-A839-F15A729EE1D3}" type="pres">
+      <dgm:prSet presAssocID="{69E35AD3-D458-664C-B092-3E3AFF413D0F}" presName="hierChild5" presStyleCnt="0"/>
+      <dgm:spPr/>
+    </dgm:pt>
+    <dgm:pt modelId="{EEA0126F-4763-2440-879C-DECE855EA139}" type="pres">
+      <dgm:prSet presAssocID="{A590FF08-7882-654E-835D-04E47BB59796}" presName="Name23" presStyleLbl="parChTrans1D4" presStyleIdx="3" presStyleCnt="10"/>
+      <dgm:spPr/>
+    </dgm:pt>
+    <dgm:pt modelId="{3351D2BE-B7BB-864C-9DD4-B2635D97A7DD}" type="pres">
+      <dgm:prSet presAssocID="{BC01169D-D2FF-5C48-919D-11656AB20488}" presName="hierRoot4" presStyleCnt="0"/>
+      <dgm:spPr/>
+    </dgm:pt>
+    <dgm:pt modelId="{91564DD0-54BD-2341-9903-79C095D8077E}" type="pres">
+      <dgm:prSet presAssocID="{BC01169D-D2FF-5C48-919D-11656AB20488}" presName="composite4" presStyleCnt="0"/>
+      <dgm:spPr/>
+    </dgm:pt>
+    <dgm:pt modelId="{50C220B5-16CB-B244-AEA1-66AB4AB198EB}" type="pres">
+      <dgm:prSet presAssocID="{BC01169D-D2FF-5C48-919D-11656AB20488}" presName="image4" presStyleLbl="node4" presStyleIdx="3" presStyleCnt="10"/>
+      <dgm:spPr/>
+    </dgm:pt>
+    <dgm:pt modelId="{90C896DC-5E07-9C4E-87D4-2168471344F8}" type="pres">
+      <dgm:prSet presAssocID="{BC01169D-D2FF-5C48-919D-11656AB20488}" presName="text4" presStyleLbl="revTx" presStyleIdx="8" presStyleCnt="17">
+        <dgm:presLayoutVars>
+          <dgm:chPref val="3"/>
+        </dgm:presLayoutVars>
+      </dgm:prSet>
+      <dgm:spPr/>
+    </dgm:pt>
+    <dgm:pt modelId="{5D4F25A7-60BC-4345-9DB2-CCD61C03DD8A}" type="pres">
+      <dgm:prSet presAssocID="{BC01169D-D2FF-5C48-919D-11656AB20488}" presName="hierChild5" presStyleCnt="0"/>
+      <dgm:spPr/>
+    </dgm:pt>
+    <dgm:pt modelId="{6564B77C-9076-374A-9AD2-28B344C35FF7}" type="pres">
+      <dgm:prSet presAssocID="{2CB0B465-8F8B-DE44-B2F6-E680BDCE0B4B}" presName="Name23" presStyleLbl="parChTrans1D4" presStyleIdx="4" presStyleCnt="10"/>
+      <dgm:spPr/>
+    </dgm:pt>
+    <dgm:pt modelId="{20750C5F-F11A-594D-B981-45DDBDD1B226}" type="pres">
+      <dgm:prSet presAssocID="{B9ACEC2B-BC93-FC4D-8BE2-E08716E453FA}" presName="hierRoot4" presStyleCnt="0"/>
+      <dgm:spPr/>
+    </dgm:pt>
+    <dgm:pt modelId="{98E9C1E6-B7BB-B04E-BA7F-4FF417AF5228}" type="pres">
+      <dgm:prSet presAssocID="{B9ACEC2B-BC93-FC4D-8BE2-E08716E453FA}" presName="composite4" presStyleCnt="0"/>
+      <dgm:spPr/>
+    </dgm:pt>
+    <dgm:pt modelId="{86D7BF9D-5631-9346-9672-C476C8F74BBB}" type="pres">
+      <dgm:prSet presAssocID="{B9ACEC2B-BC93-FC4D-8BE2-E08716E453FA}" presName="image4" presStyleLbl="node4" presStyleIdx="4" presStyleCnt="10"/>
+      <dgm:spPr/>
+    </dgm:pt>
+    <dgm:pt modelId="{4B51AE17-9397-014A-B3D3-B242EF2764F8}" type="pres">
+      <dgm:prSet presAssocID="{B9ACEC2B-BC93-FC4D-8BE2-E08716E453FA}" presName="text4" presStyleLbl="revTx" presStyleIdx="9" presStyleCnt="17">
+        <dgm:presLayoutVars>
+          <dgm:chPref val="3"/>
+        </dgm:presLayoutVars>
+      </dgm:prSet>
+      <dgm:spPr/>
+    </dgm:pt>
+    <dgm:pt modelId="{875C4B36-2BFF-D04E-A59A-D5664EC28B90}" type="pres">
+      <dgm:prSet presAssocID="{B9ACEC2B-BC93-FC4D-8BE2-E08716E453FA}" presName="hierChild5" presStyleCnt="0"/>
+      <dgm:spPr/>
+    </dgm:pt>
+    <dgm:pt modelId="{13F09088-ACA7-F94D-8042-CD39CE5BBF70}" type="pres">
+      <dgm:prSet presAssocID="{8F817740-ECD0-D942-AEE7-A42E387CA0BB}" presName="Name23" presStyleLbl="parChTrans1D4" presStyleIdx="5" presStyleCnt="10"/>
+      <dgm:spPr/>
+    </dgm:pt>
+    <dgm:pt modelId="{BEC40788-AA06-5146-8A8D-E0D30075CCDA}" type="pres">
+      <dgm:prSet presAssocID="{70EA5809-8B03-1946-B234-C621CBAE9A16}" presName="hierRoot4" presStyleCnt="0"/>
+      <dgm:spPr/>
+    </dgm:pt>
+    <dgm:pt modelId="{BBD5974D-C236-2342-A0B5-2B062E42E214}" type="pres">
+      <dgm:prSet presAssocID="{70EA5809-8B03-1946-B234-C621CBAE9A16}" presName="composite4" presStyleCnt="0"/>
+      <dgm:spPr/>
+    </dgm:pt>
+    <dgm:pt modelId="{1E6B32F7-E6A2-234F-A4FF-D5ED9BD21433}" type="pres">
+      <dgm:prSet presAssocID="{70EA5809-8B03-1946-B234-C621CBAE9A16}" presName="image4" presStyleLbl="node4" presStyleIdx="5" presStyleCnt="10"/>
+      <dgm:spPr/>
+    </dgm:pt>
+    <dgm:pt modelId="{5D82A78A-0735-C745-A29A-BACDFFE821FA}" type="pres">
+      <dgm:prSet presAssocID="{70EA5809-8B03-1946-B234-C621CBAE9A16}" presName="text4" presStyleLbl="revTx" presStyleIdx="10" presStyleCnt="17">
+        <dgm:presLayoutVars>
+          <dgm:chPref val="3"/>
+        </dgm:presLayoutVars>
+      </dgm:prSet>
+      <dgm:spPr/>
+    </dgm:pt>
+    <dgm:pt modelId="{255E5599-0EB8-584B-AE11-3B1BC397A5F0}" type="pres">
+      <dgm:prSet presAssocID="{70EA5809-8B03-1946-B234-C621CBAE9A16}" presName="hierChild5" presStyleCnt="0"/>
+      <dgm:spPr/>
+    </dgm:pt>
+    <dgm:pt modelId="{6FD9D7F6-FEFD-FE46-91BE-1492C210DB33}" type="pres">
+      <dgm:prSet presAssocID="{135DDBA8-6FD2-0848-9398-637F0A4B134C}" presName="Name23" presStyleLbl="parChTrans1D4" presStyleIdx="6" presStyleCnt="10"/>
+      <dgm:spPr/>
+    </dgm:pt>
+    <dgm:pt modelId="{AF8ACF04-93C5-7C4D-8D66-E1F1092C38C6}" type="pres">
+      <dgm:prSet presAssocID="{0626067D-042E-9F4D-A8C7-5727F0E3115E}" presName="hierRoot4" presStyleCnt="0"/>
+      <dgm:spPr/>
+    </dgm:pt>
+    <dgm:pt modelId="{CBFFDC69-7FA6-6647-94BE-2A89399BF887}" type="pres">
+      <dgm:prSet presAssocID="{0626067D-042E-9F4D-A8C7-5727F0E3115E}" presName="composite4" presStyleCnt="0"/>
+      <dgm:spPr/>
+    </dgm:pt>
+    <dgm:pt modelId="{65DFD4E5-9EA8-AB45-A273-6EB73A2AFC4C}" type="pres">
+      <dgm:prSet presAssocID="{0626067D-042E-9F4D-A8C7-5727F0E3115E}" presName="image4" presStyleLbl="node4" presStyleIdx="6" presStyleCnt="10"/>
+      <dgm:spPr/>
+    </dgm:pt>
+    <dgm:pt modelId="{1C607A19-4E2A-EC40-B5A9-549981984B80}" type="pres">
+      <dgm:prSet presAssocID="{0626067D-042E-9F4D-A8C7-5727F0E3115E}" presName="text4" presStyleLbl="revTx" presStyleIdx="11" presStyleCnt="17">
+        <dgm:presLayoutVars>
+          <dgm:chPref val="3"/>
+        </dgm:presLayoutVars>
+      </dgm:prSet>
+      <dgm:spPr/>
+    </dgm:pt>
+    <dgm:pt modelId="{6FAF24DF-DAF1-A64E-9817-0184C5E11F21}" type="pres">
+      <dgm:prSet presAssocID="{0626067D-042E-9F4D-A8C7-5727F0E3115E}" presName="hierChild5" presStyleCnt="0"/>
+      <dgm:spPr/>
+    </dgm:pt>
+    <dgm:pt modelId="{EC68B2D8-38A6-424C-85F4-B8C2B91F689A}" type="pres">
+      <dgm:prSet presAssocID="{87DABFF1-D9C6-D146-A486-702CD7783570}" presName="Name23" presStyleLbl="parChTrans1D4" presStyleIdx="7" presStyleCnt="10"/>
+      <dgm:spPr/>
+    </dgm:pt>
+    <dgm:pt modelId="{D63A6390-C93C-6044-89A0-AAE25768FC04}" type="pres">
+      <dgm:prSet presAssocID="{1C5940D9-EA1F-AC43-A4E1-D9C5D3F3FCD2}" presName="hierRoot4" presStyleCnt="0"/>
+      <dgm:spPr/>
+    </dgm:pt>
+    <dgm:pt modelId="{C423235F-E2DF-E947-A6F3-98AAC327E72B}" type="pres">
+      <dgm:prSet presAssocID="{1C5940D9-EA1F-AC43-A4E1-D9C5D3F3FCD2}" presName="composite4" presStyleCnt="0"/>
+      <dgm:spPr/>
+    </dgm:pt>
+    <dgm:pt modelId="{C7F7DA06-A649-8447-AE8A-373D30513AFA}" type="pres">
+      <dgm:prSet presAssocID="{1C5940D9-EA1F-AC43-A4E1-D9C5D3F3FCD2}" presName="image4" presStyleLbl="node4" presStyleIdx="7" presStyleCnt="10"/>
+      <dgm:spPr/>
+    </dgm:pt>
+    <dgm:pt modelId="{5018A736-66FD-7E46-8CB2-83DD8EFC0AF7}" type="pres">
+      <dgm:prSet presAssocID="{1C5940D9-EA1F-AC43-A4E1-D9C5D3F3FCD2}" presName="text4" presStyleLbl="revTx" presStyleIdx="12" presStyleCnt="17">
+        <dgm:presLayoutVars>
+          <dgm:chPref val="3"/>
+        </dgm:presLayoutVars>
+      </dgm:prSet>
+      <dgm:spPr/>
+    </dgm:pt>
+    <dgm:pt modelId="{EB281B90-9DAB-554E-A04B-3D352647A104}" type="pres">
+      <dgm:prSet presAssocID="{1C5940D9-EA1F-AC43-A4E1-D9C5D3F3FCD2}" presName="hierChild5" presStyleCnt="0"/>
+      <dgm:spPr/>
+    </dgm:pt>
+    <dgm:pt modelId="{F2F71C92-66AD-8C45-A97B-60342E17B83D}" type="pres">
+      <dgm:prSet presAssocID="{8ADA4E67-D979-3D40-A4CB-1B6084A955FF}" presName="Name17" presStyleLbl="parChTrans1D3" presStyleIdx="3" presStyleCnt="4"/>
+      <dgm:spPr/>
+    </dgm:pt>
+    <dgm:pt modelId="{1F83FD03-87FE-8547-8411-09AD28FD5DAA}" type="pres">
+      <dgm:prSet presAssocID="{5695A892-2148-2C40-8179-67FF623A3480}" presName="hierRoot3" presStyleCnt="0"/>
+      <dgm:spPr/>
+    </dgm:pt>
+    <dgm:pt modelId="{BAD87956-3AD0-F240-8FE5-4C761B430CB7}" type="pres">
+      <dgm:prSet presAssocID="{5695A892-2148-2C40-8179-67FF623A3480}" presName="composite3" presStyleCnt="0"/>
+      <dgm:spPr/>
+    </dgm:pt>
+    <dgm:pt modelId="{EFCB14A1-06F5-4C40-B850-A67FC3737BA9}" type="pres">
+      <dgm:prSet presAssocID="{5695A892-2148-2C40-8179-67FF623A3480}" presName="image3" presStyleLbl="node3" presStyleIdx="3" presStyleCnt="4"/>
+      <dgm:spPr/>
+    </dgm:pt>
+    <dgm:pt modelId="{B3ABF76B-303D-334E-93C9-275EE1888D59}" type="pres">
+      <dgm:prSet presAssocID="{5695A892-2148-2C40-8179-67FF623A3480}" presName="text3" presStyleLbl="revTx" presStyleIdx="13" presStyleCnt="17">
+        <dgm:presLayoutVars>
+          <dgm:chPref val="3"/>
+        </dgm:presLayoutVars>
+      </dgm:prSet>
+      <dgm:spPr/>
+    </dgm:pt>
+    <dgm:pt modelId="{70E64CC4-2783-804A-83DD-A0845E4AD4C9}" type="pres">
+      <dgm:prSet presAssocID="{5695A892-2148-2C40-8179-67FF623A3480}" presName="hierChild4" presStyleCnt="0"/>
+      <dgm:spPr/>
+    </dgm:pt>
+    <dgm:pt modelId="{59CC09D2-6C3F-5D4B-A809-520D6BA1BB3D}" type="pres">
+      <dgm:prSet presAssocID="{5DA4FA5D-CCD5-0344-92BC-8E633A512F48}" presName="Name23" presStyleLbl="parChTrans1D4" presStyleIdx="8" presStyleCnt="10"/>
+      <dgm:spPr/>
+    </dgm:pt>
+    <dgm:pt modelId="{37303C75-8E84-D748-83C4-59F26EEC0DDA}" type="pres">
+      <dgm:prSet presAssocID="{4C1115EA-5A24-C444-AF86-154E2DE780CC}" presName="hierRoot4" presStyleCnt="0"/>
+      <dgm:spPr/>
+    </dgm:pt>
+    <dgm:pt modelId="{198BFA90-C3BB-6947-8749-07CE2321B38E}" type="pres">
+      <dgm:prSet presAssocID="{4C1115EA-5A24-C444-AF86-154E2DE780CC}" presName="composite4" presStyleCnt="0"/>
+      <dgm:spPr/>
+    </dgm:pt>
+    <dgm:pt modelId="{2C5BB00D-D5D0-E840-9466-3A5B2048DA67}" type="pres">
+      <dgm:prSet presAssocID="{4C1115EA-5A24-C444-AF86-154E2DE780CC}" presName="image4" presStyleLbl="node4" presStyleIdx="8" presStyleCnt="10"/>
+      <dgm:spPr/>
+    </dgm:pt>
+    <dgm:pt modelId="{5A465939-F2DE-744F-804F-CD8FB8FCC336}" type="pres">
+      <dgm:prSet presAssocID="{4C1115EA-5A24-C444-AF86-154E2DE780CC}" presName="text4" presStyleLbl="revTx" presStyleIdx="14" presStyleCnt="17">
+        <dgm:presLayoutVars>
+          <dgm:chPref val="3"/>
+        </dgm:presLayoutVars>
+      </dgm:prSet>
+      <dgm:spPr/>
+    </dgm:pt>
+    <dgm:pt modelId="{884CF8C5-F92C-9F44-A60E-25852BD0EB05}" type="pres">
+      <dgm:prSet presAssocID="{4C1115EA-5A24-C444-AF86-154E2DE780CC}" presName="hierChild5" presStyleCnt="0"/>
+      <dgm:spPr/>
+    </dgm:pt>
+    <dgm:pt modelId="{75BE2B14-9685-8749-8BE4-5917DD288C04}" type="pres">
+      <dgm:prSet presAssocID="{D6CD0CBE-EFD5-0943-A5E8-6DEB1B587BB9}" presName="Name23" presStyleLbl="parChTrans1D4" presStyleIdx="9" presStyleCnt="10"/>
+      <dgm:spPr/>
+    </dgm:pt>
+    <dgm:pt modelId="{C4C61132-28A5-034F-896F-2588366E73F5}" type="pres">
+      <dgm:prSet presAssocID="{FEE845C9-A928-504D-8D88-EC6E41923AF2}" presName="hierRoot4" presStyleCnt="0"/>
+      <dgm:spPr/>
+    </dgm:pt>
+    <dgm:pt modelId="{92864AFD-7F36-CC44-8CFA-78A256B4CB83}" type="pres">
+      <dgm:prSet presAssocID="{FEE845C9-A928-504D-8D88-EC6E41923AF2}" presName="composite4" presStyleCnt="0"/>
+      <dgm:spPr/>
+    </dgm:pt>
+    <dgm:pt modelId="{B4CBF811-4E90-CD44-96F8-7EC379E71DCF}" type="pres">
+      <dgm:prSet presAssocID="{FEE845C9-A928-504D-8D88-EC6E41923AF2}" presName="image4" presStyleLbl="node4" presStyleIdx="9" presStyleCnt="10"/>
+      <dgm:spPr/>
+    </dgm:pt>
+    <dgm:pt modelId="{208A6DC1-3B84-334E-B25D-064120A1407E}" type="pres">
+      <dgm:prSet presAssocID="{FEE845C9-A928-504D-8D88-EC6E41923AF2}" presName="text4" presStyleLbl="revTx" presStyleIdx="15" presStyleCnt="17">
+        <dgm:presLayoutVars>
+          <dgm:chPref val="3"/>
+        </dgm:presLayoutVars>
+      </dgm:prSet>
+      <dgm:spPr/>
+    </dgm:pt>
+    <dgm:pt modelId="{ED7B9DA1-38FD-D946-B9A7-3E83B873C056}" type="pres">
+      <dgm:prSet presAssocID="{FEE845C9-A928-504D-8D88-EC6E41923AF2}" presName="hierChild5" presStyleCnt="0"/>
+      <dgm:spPr/>
+    </dgm:pt>
+    <dgm:pt modelId="{61D013EB-C78E-1E45-9542-DAE8F93EFEB1}" type="pres">
+      <dgm:prSet presAssocID="{4CE85883-3B75-F648-81D7-A9B08ADF3E30}" presName="Name10" presStyleLbl="parChTrans1D2" presStyleIdx="1" presStyleCnt="2"/>
+      <dgm:spPr/>
+    </dgm:pt>
+    <dgm:pt modelId="{8794E2EE-4E85-CD4B-BEE0-4464AA98A7E5}" type="pres">
+      <dgm:prSet presAssocID="{893BB59A-F566-D142-AC81-B8457BEA423A}" presName="hierRoot2" presStyleCnt="0"/>
+      <dgm:spPr/>
+    </dgm:pt>
+    <dgm:pt modelId="{B430E5E1-8044-6645-938D-8DE58C8EDE81}" type="pres">
+      <dgm:prSet presAssocID="{893BB59A-F566-D142-AC81-B8457BEA423A}" presName="composite2" presStyleCnt="0"/>
+      <dgm:spPr/>
+    </dgm:pt>
+    <dgm:pt modelId="{58A0929B-46AB-C240-AB18-9EC9E06F4717}" type="pres">
+      <dgm:prSet presAssocID="{893BB59A-F566-D142-AC81-B8457BEA423A}" presName="image2" presStyleLbl="node2" presStyleIdx="1" presStyleCnt="2"/>
+      <dgm:spPr/>
+    </dgm:pt>
+    <dgm:pt modelId="{D7DA0F82-436B-3145-91D7-B9F3FA4B275A}" type="pres">
+      <dgm:prSet presAssocID="{893BB59A-F566-D142-AC81-B8457BEA423A}" presName="text2" presStyleLbl="revTx" presStyleIdx="16" presStyleCnt="17">
+        <dgm:presLayoutVars>
+          <dgm:chPref val="3"/>
+        </dgm:presLayoutVars>
+      </dgm:prSet>
+      <dgm:spPr/>
+    </dgm:pt>
+    <dgm:pt modelId="{9A1ABC25-9551-2E42-A86E-39AB27F76B91}" type="pres">
+      <dgm:prSet presAssocID="{893BB59A-F566-D142-AC81-B8457BEA423A}" presName="hierChild3" presStyleCnt="0"/>
+      <dgm:spPr/>
+    </dgm:pt>
+  </dgm:ptLst>
+  <dgm:cxnLst>
+    <dgm:cxn modelId="{F18D8502-84AD-1F42-BBCF-65A85732AEF6}" srcId="{5695A892-2148-2C40-8179-67FF623A3480}" destId="{FEE845C9-A928-504D-8D88-EC6E41923AF2}" srcOrd="1" destOrd="0" parTransId="{D6CD0CBE-EFD5-0943-A5E8-6DEB1B587BB9}" sibTransId="{1899E392-6831-994C-AC91-003FF8EF0A13}"/>
+    <dgm:cxn modelId="{37EFB504-B113-0F47-9357-846CDF50971E}" srcId="{330AD86D-F365-914B-B945-69482495A157}" destId="{F5D20272-BBE5-6548-9130-35EFE85B962B}" srcOrd="0" destOrd="0" parTransId="{93849B78-A167-F84F-B162-6510BD363C27}" sibTransId="{C1034D97-5CF2-1E48-8189-EC9790462BE9}"/>
+    <dgm:cxn modelId="{4C8C3205-180E-204B-B4A3-8E1283652D77}" type="presOf" srcId="{FC3160C4-878B-804B-99D4-3CE9B235342F}" destId="{E6348E2B-FA57-AB4F-9645-B723A64C15B5}" srcOrd="0" destOrd="0" presId="urn:microsoft.com/office/officeart/2009/layout/CirclePictureHierarchy"/>
+    <dgm:cxn modelId="{607D830B-F6BF-5146-B1F0-4B367D23FC6A}" type="presOf" srcId="{DB432DF2-E8E7-3D4B-B22D-59ED04BE1FC3}" destId="{2672E379-E707-824E-A8BC-07ED40E92177}" srcOrd="0" destOrd="0" presId="urn:microsoft.com/office/officeart/2009/layout/CirclePictureHierarchy"/>
+    <dgm:cxn modelId="{94F4AC0B-740E-CD4A-8B99-4A54E7EFD9CE}" srcId="{6FFFD4D2-2C5B-D94E-A12D-D096E2F8CCA1}" destId="{330AD86D-F365-914B-B945-69482495A157}" srcOrd="0" destOrd="0" parTransId="{1CA821DE-67F2-DF44-8ADC-C8244390B59D}" sibTransId="{66A282CC-3B5E-6844-AD68-E3964EC9C3A1}"/>
+    <dgm:cxn modelId="{8C4AA70D-98AB-E643-B5CC-232A06CCDE04}" type="presOf" srcId="{B9ACEC2B-BC93-FC4D-8BE2-E08716E453FA}" destId="{4B51AE17-9397-014A-B3D3-B242EF2764F8}" srcOrd="0" destOrd="0" presId="urn:microsoft.com/office/officeart/2009/layout/CirclePictureHierarchy"/>
+    <dgm:cxn modelId="{90FD7E11-404A-5343-8CC0-21B506A81510}" type="presOf" srcId="{1C5940D9-EA1F-AC43-A4E1-D9C5D3F3FCD2}" destId="{5018A736-66FD-7E46-8CB2-83DD8EFC0AF7}" srcOrd="0" destOrd="0" presId="urn:microsoft.com/office/officeart/2009/layout/CirclePictureHierarchy"/>
+    <dgm:cxn modelId="{887AA715-9099-0F46-B571-D96B14EC1E40}" type="presOf" srcId="{5DA4FA5D-CCD5-0344-92BC-8E633A512F48}" destId="{59CC09D2-6C3F-5D4B-A809-520D6BA1BB3D}" srcOrd="0" destOrd="0" presId="urn:microsoft.com/office/officeart/2009/layout/CirclePictureHierarchy"/>
+    <dgm:cxn modelId="{26F16A22-AFED-564D-AB52-5AAE227192CE}" type="presOf" srcId="{BC01169D-D2FF-5C48-919D-11656AB20488}" destId="{90C896DC-5E07-9C4E-87D4-2168471344F8}" srcOrd="0" destOrd="0" presId="urn:microsoft.com/office/officeart/2009/layout/CirclePictureHierarchy"/>
+    <dgm:cxn modelId="{404CBC23-3AB9-C642-85AA-0EB6A07EA276}" type="presOf" srcId="{08A0DA26-7260-8F48-BA83-D68C949BA9CC}" destId="{BB0A3D94-040C-C347-942D-C82ABD34BD04}" srcOrd="0" destOrd="0" presId="urn:microsoft.com/office/officeart/2009/layout/CirclePictureHierarchy"/>
+    <dgm:cxn modelId="{2E064A24-D1F7-034C-8AA8-65B639AD265D}" type="presOf" srcId="{83B607DC-F8E7-DC46-B327-BC9A8D174B54}" destId="{C96C014B-94C5-2C4F-AC0E-F80C097CAA54}" srcOrd="0" destOrd="0" presId="urn:microsoft.com/office/officeart/2009/layout/CirclePictureHierarchy"/>
+    <dgm:cxn modelId="{5B340529-D1D2-4340-A29D-3EABD8EE9382}" srcId="{330AD86D-F365-914B-B945-69482495A157}" destId="{893BB59A-F566-D142-AC81-B8457BEA423A}" srcOrd="1" destOrd="0" parTransId="{4CE85883-3B75-F648-81D7-A9B08ADF3E30}" sibTransId="{03CB55A5-491F-9C47-834A-C0EBFC6BC6B9}"/>
+    <dgm:cxn modelId="{DC222C29-6801-BB47-927F-9D62F906A3CB}" srcId="{F5D20272-BBE5-6548-9130-35EFE85B962B}" destId="{5695A892-2148-2C40-8179-67FF623A3480}" srcOrd="3" destOrd="0" parTransId="{8ADA4E67-D979-3D40-A4CB-1B6084A955FF}" sibTransId="{BA527E28-453E-EF43-A720-756043167119}"/>
+    <dgm:cxn modelId="{18858732-DF2A-9C47-9D0B-A0D1CFA11B48}" type="presOf" srcId="{A9D6A8B4-D4A1-9543-87F8-B95904794ED9}" destId="{D796FF64-D43A-BF46-8E52-DDE6395C823E}" srcOrd="0" destOrd="0" presId="urn:microsoft.com/office/officeart/2009/layout/CirclePictureHierarchy"/>
+    <dgm:cxn modelId="{8E021738-A788-EA40-933F-E7EDCE8B70C1}" type="presOf" srcId="{2CB0B465-8F8B-DE44-B2F6-E680BDCE0B4B}" destId="{6564B77C-9076-374A-9AD2-28B344C35FF7}" srcOrd="0" destOrd="0" presId="urn:microsoft.com/office/officeart/2009/layout/CirclePictureHierarchy"/>
+    <dgm:cxn modelId="{39144C38-1044-C246-8D3E-3887F704198E}" type="presOf" srcId="{93849B78-A167-F84F-B162-6510BD363C27}" destId="{5577D37C-3C17-D14C-A5D9-B2AF935C144D}" srcOrd="0" destOrd="0" presId="urn:microsoft.com/office/officeart/2009/layout/CirclePictureHierarchy"/>
+    <dgm:cxn modelId="{59EF283D-EE9A-484E-893A-12EE66BC7E97}" type="presOf" srcId="{135DDBA8-6FD2-0848-9398-637F0A4B134C}" destId="{6FD9D7F6-FEFD-FE46-91BE-1492C210DB33}" srcOrd="0" destOrd="0" presId="urn:microsoft.com/office/officeart/2009/layout/CirclePictureHierarchy"/>
+    <dgm:cxn modelId="{F1EDBE4A-A6EF-1344-B05E-CC069B1ACA2C}" srcId="{FC3160C4-878B-804B-99D4-3CE9B235342F}" destId="{70EA5809-8B03-1946-B234-C621CBAE9A16}" srcOrd="3" destOrd="0" parTransId="{8F817740-ECD0-D942-AEE7-A42E387CA0BB}" sibTransId="{6FF11AAE-8270-2C4A-B99F-880254EBAAE0}"/>
+    <dgm:cxn modelId="{A0DF124D-AA53-1441-80E2-018CBA52B79A}" type="presOf" srcId="{4C1115EA-5A24-C444-AF86-154E2DE780CC}" destId="{5A465939-F2DE-744F-804F-CD8FB8FCC336}" srcOrd="0" destOrd="0" presId="urn:microsoft.com/office/officeart/2009/layout/CirclePictureHierarchy"/>
+    <dgm:cxn modelId="{7E5B3C4F-5B17-FB46-AA1A-8E1A7CEF9AF0}" type="presOf" srcId="{69E35AD3-D458-664C-B092-3E3AFF413D0F}" destId="{91BA2647-6BE6-A14E-9FE6-F39F719F3C7A}" srcOrd="0" destOrd="0" presId="urn:microsoft.com/office/officeart/2009/layout/CirclePictureHierarchy"/>
+    <dgm:cxn modelId="{ED4A9E51-914A-7D43-982A-EFBB9200B9B4}" srcId="{FC3160C4-878B-804B-99D4-3CE9B235342F}" destId="{69E35AD3-D458-664C-B092-3E3AFF413D0F}" srcOrd="0" destOrd="0" parTransId="{83B607DC-F8E7-DC46-B327-BC9A8D174B54}" sibTransId="{0E514907-FF13-984E-ABA5-CE102023FBAB}"/>
+    <dgm:cxn modelId="{C210BB52-F9D4-6A4B-816E-95E1C6637640}" type="presOf" srcId="{5695A892-2148-2C40-8179-67FF623A3480}" destId="{B3ABF76B-303D-334E-93C9-275EE1888D59}" srcOrd="0" destOrd="0" presId="urn:microsoft.com/office/officeart/2009/layout/CirclePictureHierarchy"/>
+    <dgm:cxn modelId="{7F498957-0619-6547-B2AF-B2CCA3C44F4A}" type="presOf" srcId="{893BB59A-F566-D142-AC81-B8457BEA423A}" destId="{D7DA0F82-436B-3145-91D7-B9F3FA4B275A}" srcOrd="0" destOrd="0" presId="urn:microsoft.com/office/officeart/2009/layout/CirclePictureHierarchy"/>
+    <dgm:cxn modelId="{8715E657-D646-3542-A227-5C98D71F3D0C}" type="presOf" srcId="{A590FF08-7882-654E-835D-04E47BB59796}" destId="{EEA0126F-4763-2440-879C-DECE855EA139}" srcOrd="0" destOrd="0" presId="urn:microsoft.com/office/officeart/2009/layout/CirclePictureHierarchy"/>
+    <dgm:cxn modelId="{45DF3058-126B-254D-B9A1-7A32645F4BBF}" type="presOf" srcId="{70EA5809-8B03-1946-B234-C621CBAE9A16}" destId="{5D82A78A-0735-C745-A29A-BACDFFE821FA}" srcOrd="0" destOrd="0" presId="urn:microsoft.com/office/officeart/2009/layout/CirclePictureHierarchy"/>
+    <dgm:cxn modelId="{36E2FE59-5821-164E-9A50-AB7D12DDD135}" srcId="{F5D20272-BBE5-6548-9130-35EFE85B962B}" destId="{9D31E035-9F59-394E-8392-E611A689AFC9}" srcOrd="0" destOrd="0" parTransId="{DB432DF2-E8E7-3D4B-B22D-59ED04BE1FC3}" sibTransId="{DCC55981-DCB9-EC40-92B2-C4A5076C41CF}"/>
+    <dgm:cxn modelId="{6C4D3565-FD93-6A46-A6C1-DACE5227250D}" type="presOf" srcId="{8ADA4E67-D979-3D40-A4CB-1B6084A955FF}" destId="{F2F71C92-66AD-8C45-A97B-60342E17B83D}" srcOrd="0" destOrd="0" presId="urn:microsoft.com/office/officeart/2009/layout/CirclePictureHierarchy"/>
+    <dgm:cxn modelId="{51521973-3D89-844D-BEC9-FAE7C8279A96}" type="presOf" srcId="{FEE845C9-A928-504D-8D88-EC6E41923AF2}" destId="{208A6DC1-3B84-334E-B25D-064120A1407E}" srcOrd="0" destOrd="0" presId="urn:microsoft.com/office/officeart/2009/layout/CirclePictureHierarchy"/>
+    <dgm:cxn modelId="{058CC574-FA7B-7F41-9132-6D22FC65852B}" type="presOf" srcId="{B4C90377-24E2-644D-BE6E-891AAA19BA0E}" destId="{06041617-B361-F14C-93D3-AE32C9B58C96}" srcOrd="0" destOrd="0" presId="urn:microsoft.com/office/officeart/2009/layout/CirclePictureHierarchy"/>
+    <dgm:cxn modelId="{63127E75-8374-5846-8D6E-939F14D44D08}" srcId="{F5D20272-BBE5-6548-9130-35EFE85B962B}" destId="{8E11E3B7-5740-7B41-82ED-0027411BC69D}" srcOrd="1" destOrd="0" parTransId="{64B21E88-EA6F-C146-9E5A-F4A32D7E87B8}" sibTransId="{B87329A2-AB9D-CA46-A5FB-048AD670079D}"/>
+    <dgm:cxn modelId="{93F73A76-E043-814C-B9B2-8076D33B4B4A}" type="presOf" srcId="{D6CD0CBE-EFD5-0943-A5E8-6DEB1B587BB9}" destId="{75BE2B14-9685-8749-8BE4-5917DD288C04}" srcOrd="0" destOrd="0" presId="urn:microsoft.com/office/officeart/2009/layout/CirclePictureHierarchy"/>
+    <dgm:cxn modelId="{9E975879-44A7-BF47-8AB3-08DE27C09A05}" type="presOf" srcId="{330AD86D-F365-914B-B945-69482495A157}" destId="{CCEEE2D6-966A-8248-A58C-4B3105F06552}" srcOrd="0" destOrd="0" presId="urn:microsoft.com/office/officeart/2009/layout/CirclePictureHierarchy"/>
+    <dgm:cxn modelId="{AED7DB88-6AD0-9E49-B1DC-70E585367976}" type="presOf" srcId="{0626067D-042E-9F4D-A8C7-5727F0E3115E}" destId="{1C607A19-4E2A-EC40-B5A9-549981984B80}" srcOrd="0" destOrd="0" presId="urn:microsoft.com/office/officeart/2009/layout/CirclePictureHierarchy"/>
+    <dgm:cxn modelId="{EA323795-B19E-244B-ACB5-50811A34B60A}" srcId="{70EA5809-8B03-1946-B234-C621CBAE9A16}" destId="{1C5940D9-EA1F-AC43-A4E1-D9C5D3F3FCD2}" srcOrd="1" destOrd="0" parTransId="{87DABFF1-D9C6-D146-A486-702CD7783570}" sibTransId="{C0F98C4E-3375-2545-A03D-A1FA52060868}"/>
+    <dgm:cxn modelId="{E9D4E59A-F575-4C47-B8FA-062BC50C562B}" srcId="{70EA5809-8B03-1946-B234-C621CBAE9A16}" destId="{0626067D-042E-9F4D-A8C7-5727F0E3115E}" srcOrd="0" destOrd="0" parTransId="{135DDBA8-6FD2-0848-9398-637F0A4B134C}" sibTransId="{0326A6D0-C1B9-9E4F-BB72-6C3897F99A4E}"/>
+    <dgm:cxn modelId="{903966A2-0744-2C4A-A843-DA9377867044}" type="presOf" srcId="{9D31E035-9F59-394E-8392-E611A689AFC9}" destId="{09D50664-D94F-E142-B637-E3AABF1900CD}" srcOrd="0" destOrd="0" presId="urn:microsoft.com/office/officeart/2009/layout/CirclePictureHierarchy"/>
+    <dgm:cxn modelId="{B8D9B8A9-A839-234E-8E31-B50D913216BD}" srcId="{9D31E035-9F59-394E-8392-E611A689AFC9}" destId="{B4C90377-24E2-644D-BE6E-891AAA19BA0E}" srcOrd="0" destOrd="0" parTransId="{639AEADB-8709-4A44-A2C4-26F4B6B8CE33}" sibTransId="{D1A28F93-D035-4244-A45F-8919504D0F87}"/>
+    <dgm:cxn modelId="{953CDFB8-55C6-6A46-A315-F6469D6749F1}" type="presOf" srcId="{8E11E3B7-5740-7B41-82ED-0027411BC69D}" destId="{18516E44-B3BA-8B48-AF42-1E731AC7093B}" srcOrd="0" destOrd="0" presId="urn:microsoft.com/office/officeart/2009/layout/CirclePictureHierarchy"/>
+    <dgm:cxn modelId="{A5C812BB-6B59-A04B-8C51-422BD5765B9B}" type="presOf" srcId="{8F817740-ECD0-D942-AEE7-A42E387CA0BB}" destId="{13F09088-ACA7-F94D-8042-CD39CE5BBF70}" srcOrd="0" destOrd="0" presId="urn:microsoft.com/office/officeart/2009/layout/CirclePictureHierarchy"/>
+    <dgm:cxn modelId="{0F1E67C2-1C24-1144-84ED-2E092C5BFF54}" srcId="{9D31E035-9F59-394E-8392-E611A689AFC9}" destId="{A9D6A8B4-D4A1-9543-87F8-B95904794ED9}" srcOrd="1" destOrd="0" parTransId="{CA3D038C-DCDD-A244-A5A7-91CBF6466D09}" sibTransId="{9703195C-354A-2849-86DA-4F2C9715A0E2}"/>
+    <dgm:cxn modelId="{B0F262C8-18BE-2F4E-8688-E7BDA54485FB}" type="presOf" srcId="{639AEADB-8709-4A44-A2C4-26F4B6B8CE33}" destId="{3C472F20-9C48-4141-BDF3-0C5998C5CB39}" srcOrd="0" destOrd="0" presId="urn:microsoft.com/office/officeart/2009/layout/CirclePictureHierarchy"/>
+    <dgm:cxn modelId="{41E087D1-2127-6E40-8FB2-8A08BB38404C}" type="presOf" srcId="{CA3D038C-DCDD-A244-A5A7-91CBF6466D09}" destId="{661F5ABC-E7AE-B04D-85E8-365731290AD6}" srcOrd="0" destOrd="0" presId="urn:microsoft.com/office/officeart/2009/layout/CirclePictureHierarchy"/>
+    <dgm:cxn modelId="{ED825DD8-BFC4-3447-90D2-ED3F121EF8FE}" srcId="{F5D20272-BBE5-6548-9130-35EFE85B962B}" destId="{FC3160C4-878B-804B-99D4-3CE9B235342F}" srcOrd="2" destOrd="0" parTransId="{08A0DA26-7260-8F48-BA83-D68C949BA9CC}" sibTransId="{A88221B0-7D35-794C-876A-047309E41890}"/>
+    <dgm:cxn modelId="{5FDF6ADB-8B17-3F47-B386-9653B73EA8DD}" type="presOf" srcId="{4CE85883-3B75-F648-81D7-A9B08ADF3E30}" destId="{61D013EB-C78E-1E45-9542-DAE8F93EFEB1}" srcOrd="0" destOrd="0" presId="urn:microsoft.com/office/officeart/2009/layout/CirclePictureHierarchy"/>
+    <dgm:cxn modelId="{81A664DD-763B-0046-A91E-D967DF5E57CB}" srcId="{5695A892-2148-2C40-8179-67FF623A3480}" destId="{4C1115EA-5A24-C444-AF86-154E2DE780CC}" srcOrd="0" destOrd="0" parTransId="{5DA4FA5D-CCD5-0344-92BC-8E633A512F48}" sibTransId="{082C2F52-BE40-5A48-A373-1E8E8579B2C8}"/>
+    <dgm:cxn modelId="{027955DE-32EC-A143-9FF8-715CB73A2F3E}" srcId="{FC3160C4-878B-804B-99D4-3CE9B235342F}" destId="{B9ACEC2B-BC93-FC4D-8BE2-E08716E453FA}" srcOrd="2" destOrd="0" parTransId="{2CB0B465-8F8B-DE44-B2F6-E680BDCE0B4B}" sibTransId="{42526628-9DB1-0A40-896C-17E3344921A1}"/>
+    <dgm:cxn modelId="{1ECDC5E6-1C3C-234E-B324-6C541857C72E}" type="presOf" srcId="{87DABFF1-D9C6-D146-A486-702CD7783570}" destId="{EC68B2D8-38A6-424C-85F4-B8C2B91F689A}" srcOrd="0" destOrd="0" presId="urn:microsoft.com/office/officeart/2009/layout/CirclePictureHierarchy"/>
+    <dgm:cxn modelId="{B00933EE-96B1-394F-BD09-C87B72D07BC7}" srcId="{FC3160C4-878B-804B-99D4-3CE9B235342F}" destId="{BC01169D-D2FF-5C48-919D-11656AB20488}" srcOrd="1" destOrd="0" parTransId="{A590FF08-7882-654E-835D-04E47BB59796}" sibTransId="{8A54D07A-A2D9-F44A-A517-22D0E40CDA47}"/>
+    <dgm:cxn modelId="{9918B0EE-E8C1-4748-B91C-9E93B719F7D9}" type="presOf" srcId="{F5D20272-BBE5-6548-9130-35EFE85B962B}" destId="{B47D7DAC-3B3E-1B4A-AE21-0F2FA543604A}" srcOrd="0" destOrd="0" presId="urn:microsoft.com/office/officeart/2009/layout/CirclePictureHierarchy"/>
+    <dgm:cxn modelId="{375D23F1-AD61-504F-B334-4323C0F3F073}" type="presOf" srcId="{6FFFD4D2-2C5B-D94E-A12D-D096E2F8CCA1}" destId="{BE18966D-C28C-394B-866B-89E2F670A303}" srcOrd="0" destOrd="0" presId="urn:microsoft.com/office/officeart/2009/layout/CirclePictureHierarchy"/>
+    <dgm:cxn modelId="{981690FB-8F4E-8E40-BEF2-6A2866FC64C3}" type="presOf" srcId="{64B21E88-EA6F-C146-9E5A-F4A32D7E87B8}" destId="{53F2B5E7-82F5-8C45-A361-CF80389F1529}" srcOrd="0" destOrd="0" presId="urn:microsoft.com/office/officeart/2009/layout/CirclePictureHierarchy"/>
+    <dgm:cxn modelId="{5E608CA7-2576-5B4D-BB6F-CD97466A8E31}" type="presParOf" srcId="{BE18966D-C28C-394B-866B-89E2F670A303}" destId="{03AB044F-56EF-C946-8CAB-1773FE1821FA}" srcOrd="0" destOrd="0" presId="urn:microsoft.com/office/officeart/2009/layout/CirclePictureHierarchy"/>
+    <dgm:cxn modelId="{701DEDDA-5A45-3642-A136-8687160785FF}" type="presParOf" srcId="{03AB044F-56EF-C946-8CAB-1773FE1821FA}" destId="{A33F9E22-FFBD-C347-969B-935B6ACD2864}" srcOrd="0" destOrd="0" presId="urn:microsoft.com/office/officeart/2009/layout/CirclePictureHierarchy"/>
+    <dgm:cxn modelId="{434A6574-0D24-5847-84CB-28379650BDD3}" type="presParOf" srcId="{A33F9E22-FFBD-C347-969B-935B6ACD2864}" destId="{3FDD47A6-4F6E-8D40-A2B5-E1F43A676AF8}" srcOrd="0" destOrd="0" presId="urn:microsoft.com/office/officeart/2009/layout/CirclePictureHierarchy"/>
+    <dgm:cxn modelId="{1ACD3F19-3487-954B-ADE8-BC90F7AD287B}" type="presParOf" srcId="{A33F9E22-FFBD-C347-969B-935B6ACD2864}" destId="{CCEEE2D6-966A-8248-A58C-4B3105F06552}" srcOrd="1" destOrd="0" presId="urn:microsoft.com/office/officeart/2009/layout/CirclePictureHierarchy"/>
+    <dgm:cxn modelId="{172B64F2-FE03-1F45-A89B-A63582AD4250}" type="presParOf" srcId="{03AB044F-56EF-C946-8CAB-1773FE1821FA}" destId="{2D4668FF-8180-6846-8624-3C869AA8E23D}" srcOrd="1" destOrd="0" presId="urn:microsoft.com/office/officeart/2009/layout/CirclePictureHierarchy"/>
+    <dgm:cxn modelId="{D7268DFA-242F-C147-9A84-DAA0FD6F51D0}" type="presParOf" srcId="{2D4668FF-8180-6846-8624-3C869AA8E23D}" destId="{5577D37C-3C17-D14C-A5D9-B2AF935C144D}" srcOrd="0" destOrd="0" presId="urn:microsoft.com/office/officeart/2009/layout/CirclePictureHierarchy"/>
+    <dgm:cxn modelId="{B143503E-D339-D543-989A-CFB12FD25D8E}" type="presParOf" srcId="{2D4668FF-8180-6846-8624-3C869AA8E23D}" destId="{97A71D8C-ED13-6747-83AC-EF480F018CA4}" srcOrd="1" destOrd="0" presId="urn:microsoft.com/office/officeart/2009/layout/CirclePictureHierarchy"/>
+    <dgm:cxn modelId="{EF1731DE-B6B4-1148-8EA1-0401EC4D1197}" type="presParOf" srcId="{97A71D8C-ED13-6747-83AC-EF480F018CA4}" destId="{4C0FB983-B82B-BB46-A44C-2E537A2582C7}" srcOrd="0" destOrd="0" presId="urn:microsoft.com/office/officeart/2009/layout/CirclePictureHierarchy"/>
+    <dgm:cxn modelId="{8568BD18-C546-D54F-8714-A74E3698B765}" type="presParOf" srcId="{4C0FB983-B82B-BB46-A44C-2E537A2582C7}" destId="{38569D98-6699-FB47-8E44-C108D9A03940}" srcOrd="0" destOrd="0" presId="urn:microsoft.com/office/officeart/2009/layout/CirclePictureHierarchy"/>
+    <dgm:cxn modelId="{94BB4B13-6020-0746-BF89-1A99BAE08885}" type="presParOf" srcId="{4C0FB983-B82B-BB46-A44C-2E537A2582C7}" destId="{B47D7DAC-3B3E-1B4A-AE21-0F2FA543604A}" srcOrd="1" destOrd="0" presId="urn:microsoft.com/office/officeart/2009/layout/CirclePictureHierarchy"/>
+    <dgm:cxn modelId="{69394440-0BC5-C142-A03C-AEFA114C240B}" type="presParOf" srcId="{97A71D8C-ED13-6747-83AC-EF480F018CA4}" destId="{52A31D05-9266-B94C-A278-185DEECEDF98}" srcOrd="1" destOrd="0" presId="urn:microsoft.com/office/officeart/2009/layout/CirclePictureHierarchy"/>
+    <dgm:cxn modelId="{782A20F8-60C9-E94D-B0B5-67161835372A}" type="presParOf" srcId="{52A31D05-9266-B94C-A278-185DEECEDF98}" destId="{2672E379-E707-824E-A8BC-07ED40E92177}" srcOrd="0" destOrd="0" presId="urn:microsoft.com/office/officeart/2009/layout/CirclePictureHierarchy"/>
+    <dgm:cxn modelId="{F207C97C-BCBD-8243-9252-8F80A37A67D0}" type="presParOf" srcId="{52A31D05-9266-B94C-A278-185DEECEDF98}" destId="{71ABE5A0-846C-0347-B012-903DB444CADA}" srcOrd="1" destOrd="0" presId="urn:microsoft.com/office/officeart/2009/layout/CirclePictureHierarchy"/>
+    <dgm:cxn modelId="{1B58BE2D-DBDE-3C41-8344-831091AAF51C}" type="presParOf" srcId="{71ABE5A0-846C-0347-B012-903DB444CADA}" destId="{DDE06CE1-B30F-E04B-9EA4-68976851AB20}" srcOrd="0" destOrd="0" presId="urn:microsoft.com/office/officeart/2009/layout/CirclePictureHierarchy"/>
+    <dgm:cxn modelId="{74A79BB8-197C-D743-8DD8-A41219B52572}" type="presParOf" srcId="{DDE06CE1-B30F-E04B-9EA4-68976851AB20}" destId="{B1EF7F6E-A0BE-5B4D-B37E-E7F122EFC646}" srcOrd="0" destOrd="0" presId="urn:microsoft.com/office/officeart/2009/layout/CirclePictureHierarchy"/>
+    <dgm:cxn modelId="{79E42393-B45C-CE4E-96BC-0585AC7B1600}" type="presParOf" srcId="{DDE06CE1-B30F-E04B-9EA4-68976851AB20}" destId="{09D50664-D94F-E142-B637-E3AABF1900CD}" srcOrd="1" destOrd="0" presId="urn:microsoft.com/office/officeart/2009/layout/CirclePictureHierarchy"/>
+    <dgm:cxn modelId="{67F2C76E-F328-2741-9A18-708AE702AFDC}" type="presParOf" srcId="{71ABE5A0-846C-0347-B012-903DB444CADA}" destId="{87F0A6E1-264B-0543-B7F8-0C991B19859A}" srcOrd="1" destOrd="0" presId="urn:microsoft.com/office/officeart/2009/layout/CirclePictureHierarchy"/>
+    <dgm:cxn modelId="{3AB17869-87B0-3E4A-BF44-2C334DF87C7B}" type="presParOf" srcId="{87F0A6E1-264B-0543-B7F8-0C991B19859A}" destId="{3C472F20-9C48-4141-BDF3-0C5998C5CB39}" srcOrd="0" destOrd="0" presId="urn:microsoft.com/office/officeart/2009/layout/CirclePictureHierarchy"/>
+    <dgm:cxn modelId="{368DB675-0247-4441-B5AC-FDBA7B2E66BA}" type="presParOf" srcId="{87F0A6E1-264B-0543-B7F8-0C991B19859A}" destId="{35A9014C-8372-AF4C-A16D-CA4DEB69F89D}" srcOrd="1" destOrd="0" presId="urn:microsoft.com/office/officeart/2009/layout/CirclePictureHierarchy"/>
+    <dgm:cxn modelId="{FFADA807-D12E-EA48-9893-B813A2B7FCDB}" type="presParOf" srcId="{35A9014C-8372-AF4C-A16D-CA4DEB69F89D}" destId="{F2DC8FB5-BA6E-564D-BDD7-B89E5A34C489}" srcOrd="0" destOrd="0" presId="urn:microsoft.com/office/officeart/2009/layout/CirclePictureHierarchy"/>
+    <dgm:cxn modelId="{37D56B16-28F8-CA41-BC6B-9FE185AD0C14}" type="presParOf" srcId="{F2DC8FB5-BA6E-564D-BDD7-B89E5A34C489}" destId="{F2642FB8-52C2-4240-8CD3-38ADD431A3EF}" srcOrd="0" destOrd="0" presId="urn:microsoft.com/office/officeart/2009/layout/CirclePictureHierarchy"/>
+    <dgm:cxn modelId="{233B6B78-9E50-5547-BA73-B7472F3204B8}" type="presParOf" srcId="{F2DC8FB5-BA6E-564D-BDD7-B89E5A34C489}" destId="{06041617-B361-F14C-93D3-AE32C9B58C96}" srcOrd="1" destOrd="0" presId="urn:microsoft.com/office/officeart/2009/layout/CirclePictureHierarchy"/>
+    <dgm:cxn modelId="{9F799AC7-65E2-8243-92EC-C05FC856E070}" type="presParOf" srcId="{35A9014C-8372-AF4C-A16D-CA4DEB69F89D}" destId="{A63459C1-5559-5D40-A1BE-A7A095A0CA40}" srcOrd="1" destOrd="0" presId="urn:microsoft.com/office/officeart/2009/layout/CirclePictureHierarchy"/>
+    <dgm:cxn modelId="{D685F8DF-EA74-574A-8842-841C0AEF2FEA}" type="presParOf" srcId="{87F0A6E1-264B-0543-B7F8-0C991B19859A}" destId="{661F5ABC-E7AE-B04D-85E8-365731290AD6}" srcOrd="2" destOrd="0" presId="urn:microsoft.com/office/officeart/2009/layout/CirclePictureHierarchy"/>
+    <dgm:cxn modelId="{8A3FFCBC-C08D-3642-BD62-54174AC9C0C3}" type="presParOf" srcId="{87F0A6E1-264B-0543-B7F8-0C991B19859A}" destId="{043985F7-C9DD-0F4A-8B82-7AB4B6742BF7}" srcOrd="3" destOrd="0" presId="urn:microsoft.com/office/officeart/2009/layout/CirclePictureHierarchy"/>
+    <dgm:cxn modelId="{50C4484F-6BFA-5E46-A28A-95F11915B070}" type="presParOf" srcId="{043985F7-C9DD-0F4A-8B82-7AB4B6742BF7}" destId="{3356D70B-8E12-EF4F-895B-0401557A2AE2}" srcOrd="0" destOrd="0" presId="urn:microsoft.com/office/officeart/2009/layout/CirclePictureHierarchy"/>
+    <dgm:cxn modelId="{4AF73685-FE4A-1249-8975-F2E02A59D77C}" type="presParOf" srcId="{3356D70B-8E12-EF4F-895B-0401557A2AE2}" destId="{5B989FF1-A94A-C34C-A667-463A83D37572}" srcOrd="0" destOrd="0" presId="urn:microsoft.com/office/officeart/2009/layout/CirclePictureHierarchy"/>
+    <dgm:cxn modelId="{40F80B5F-F08B-7E4C-B47A-26AE5296BCA0}" type="presParOf" srcId="{3356D70B-8E12-EF4F-895B-0401557A2AE2}" destId="{D796FF64-D43A-BF46-8E52-DDE6395C823E}" srcOrd="1" destOrd="0" presId="urn:microsoft.com/office/officeart/2009/layout/CirclePictureHierarchy"/>
+    <dgm:cxn modelId="{2D9CC0CA-EFB0-114C-9DB8-E1F338E56980}" type="presParOf" srcId="{043985F7-C9DD-0F4A-8B82-7AB4B6742BF7}" destId="{A2E03145-9A10-F040-AFD7-36E3BADBC0DF}" srcOrd="1" destOrd="0" presId="urn:microsoft.com/office/officeart/2009/layout/CirclePictureHierarchy"/>
+    <dgm:cxn modelId="{97768681-0775-A841-B9BF-13E6EAB0D847}" type="presParOf" srcId="{52A31D05-9266-B94C-A278-185DEECEDF98}" destId="{53F2B5E7-82F5-8C45-A361-CF80389F1529}" srcOrd="2" destOrd="0" presId="urn:microsoft.com/office/officeart/2009/layout/CirclePictureHierarchy"/>
+    <dgm:cxn modelId="{4D170DB7-604C-414B-911B-C16379798ACD}" type="presParOf" srcId="{52A31D05-9266-B94C-A278-185DEECEDF98}" destId="{E53A49E6-88E0-1C40-89BE-2C1FCE32C922}" srcOrd="3" destOrd="0" presId="urn:microsoft.com/office/officeart/2009/layout/CirclePictureHierarchy"/>
+    <dgm:cxn modelId="{C1545B48-B74E-1F48-88CA-DE893C090F06}" type="presParOf" srcId="{E53A49E6-88E0-1C40-89BE-2C1FCE32C922}" destId="{493A55BD-1799-6140-B1D4-3977BB407F66}" srcOrd="0" destOrd="0" presId="urn:microsoft.com/office/officeart/2009/layout/CirclePictureHierarchy"/>
+    <dgm:cxn modelId="{84E84EC8-43F2-2244-8B58-C894EB1BE334}" type="presParOf" srcId="{493A55BD-1799-6140-B1D4-3977BB407F66}" destId="{D990D70D-07C6-2A49-BD65-6C17F3000574}" srcOrd="0" destOrd="0" presId="urn:microsoft.com/office/officeart/2009/layout/CirclePictureHierarchy"/>
+    <dgm:cxn modelId="{689800C0-1975-714E-B06A-6790A0E4EFFC}" type="presParOf" srcId="{493A55BD-1799-6140-B1D4-3977BB407F66}" destId="{18516E44-B3BA-8B48-AF42-1E731AC7093B}" srcOrd="1" destOrd="0" presId="urn:microsoft.com/office/officeart/2009/layout/CirclePictureHierarchy"/>
+    <dgm:cxn modelId="{3FFD73A3-F086-FE45-A61D-557B259325F6}" type="presParOf" srcId="{E53A49E6-88E0-1C40-89BE-2C1FCE32C922}" destId="{A82DAF50-AE7C-4146-83F7-C4E7B1F2D1B1}" srcOrd="1" destOrd="0" presId="urn:microsoft.com/office/officeart/2009/layout/CirclePictureHierarchy"/>
+    <dgm:cxn modelId="{FAA48A49-CC57-2B41-BE29-8C2D31B8B74E}" type="presParOf" srcId="{52A31D05-9266-B94C-A278-185DEECEDF98}" destId="{BB0A3D94-040C-C347-942D-C82ABD34BD04}" srcOrd="4" destOrd="0" presId="urn:microsoft.com/office/officeart/2009/layout/CirclePictureHierarchy"/>
+    <dgm:cxn modelId="{13F70695-9356-2F4C-A00C-04A49806E84D}" type="presParOf" srcId="{52A31D05-9266-B94C-A278-185DEECEDF98}" destId="{205F3858-0DCB-6343-BE5A-7EAB9BBFD8E8}" srcOrd="5" destOrd="0" presId="urn:microsoft.com/office/officeart/2009/layout/CirclePictureHierarchy"/>
+    <dgm:cxn modelId="{74798F42-68FD-9F4F-AF1C-391422970785}" type="presParOf" srcId="{205F3858-0DCB-6343-BE5A-7EAB9BBFD8E8}" destId="{2E70E06B-D1BC-0948-BCC5-7943AA10C3BD}" srcOrd="0" destOrd="0" presId="urn:microsoft.com/office/officeart/2009/layout/CirclePictureHierarchy"/>
+    <dgm:cxn modelId="{DF7CB2C4-C18D-B349-B4E1-6735BBC631B9}" type="presParOf" srcId="{2E70E06B-D1BC-0948-BCC5-7943AA10C3BD}" destId="{EF71A65A-D56D-2B44-9B90-69CE3747089F}" srcOrd="0" destOrd="0" presId="urn:microsoft.com/office/officeart/2009/layout/CirclePictureHierarchy"/>
+    <dgm:cxn modelId="{AEDE01B5-0D05-0347-A822-3077378238AF}" type="presParOf" srcId="{2E70E06B-D1BC-0948-BCC5-7943AA10C3BD}" destId="{E6348E2B-FA57-AB4F-9645-B723A64C15B5}" srcOrd="1" destOrd="0" presId="urn:microsoft.com/office/officeart/2009/layout/CirclePictureHierarchy"/>
+    <dgm:cxn modelId="{2C9B5FAC-E0F8-574B-99DA-1481A258B5F3}" type="presParOf" srcId="{205F3858-0DCB-6343-BE5A-7EAB9BBFD8E8}" destId="{F1CD75E9-FD46-DE45-9372-A2242E389B2A}" srcOrd="1" destOrd="0" presId="urn:microsoft.com/office/officeart/2009/layout/CirclePictureHierarchy"/>
+    <dgm:cxn modelId="{6B0F9593-6E60-6D42-82A2-15080515C5E2}" type="presParOf" srcId="{F1CD75E9-FD46-DE45-9372-A2242E389B2A}" destId="{C96C014B-94C5-2C4F-AC0E-F80C097CAA54}" srcOrd="0" destOrd="0" presId="urn:microsoft.com/office/officeart/2009/layout/CirclePictureHierarchy"/>
+    <dgm:cxn modelId="{46A41593-17F0-DA48-8727-50BCCCB572E0}" type="presParOf" srcId="{F1CD75E9-FD46-DE45-9372-A2242E389B2A}" destId="{78AB78EF-2C7F-BF4B-BEDA-400CF7A28147}" srcOrd="1" destOrd="0" presId="urn:microsoft.com/office/officeart/2009/layout/CirclePictureHierarchy"/>
+    <dgm:cxn modelId="{D681329C-1691-344C-BACB-3E9F5CCA36CA}" type="presParOf" srcId="{78AB78EF-2C7F-BF4B-BEDA-400CF7A28147}" destId="{A210314B-3C4A-164E-9487-EEDDD172FB2B}" srcOrd="0" destOrd="0" presId="urn:microsoft.com/office/officeart/2009/layout/CirclePictureHierarchy"/>
+    <dgm:cxn modelId="{80F4D230-06A7-714A-8E43-BACCDA422A04}" type="presParOf" srcId="{A210314B-3C4A-164E-9487-EEDDD172FB2B}" destId="{C2147B8F-703E-DC49-B5CA-9462BF191072}" srcOrd="0" destOrd="0" presId="urn:microsoft.com/office/officeart/2009/layout/CirclePictureHierarchy"/>
+    <dgm:cxn modelId="{5E027779-FCC5-8C4D-8907-BE5531DB6F67}" type="presParOf" srcId="{A210314B-3C4A-164E-9487-EEDDD172FB2B}" destId="{91BA2647-6BE6-A14E-9FE6-F39F719F3C7A}" srcOrd="1" destOrd="0" presId="urn:microsoft.com/office/officeart/2009/layout/CirclePictureHierarchy"/>
+    <dgm:cxn modelId="{03F6384E-EB3D-1F4A-AB52-86DC659384E7}" type="presParOf" srcId="{78AB78EF-2C7F-BF4B-BEDA-400CF7A28147}" destId="{68F7F9DF-4427-A84D-A839-F15A729EE1D3}" srcOrd="1" destOrd="0" presId="urn:microsoft.com/office/officeart/2009/layout/CirclePictureHierarchy"/>
+    <dgm:cxn modelId="{AD882EF9-82B0-1B45-8EE8-6AB2E6B0DBDE}" type="presParOf" srcId="{F1CD75E9-FD46-DE45-9372-A2242E389B2A}" destId="{EEA0126F-4763-2440-879C-DECE855EA139}" srcOrd="2" destOrd="0" presId="urn:microsoft.com/office/officeart/2009/layout/CirclePictureHierarchy"/>
+    <dgm:cxn modelId="{90A19221-1215-1F43-8968-565D48752245}" type="presParOf" srcId="{F1CD75E9-FD46-DE45-9372-A2242E389B2A}" destId="{3351D2BE-B7BB-864C-9DD4-B2635D97A7DD}" srcOrd="3" destOrd="0" presId="urn:microsoft.com/office/officeart/2009/layout/CirclePictureHierarchy"/>
+    <dgm:cxn modelId="{BFD1264B-DDA6-FE4F-A8F1-083A6B62FF9F}" type="presParOf" srcId="{3351D2BE-B7BB-864C-9DD4-B2635D97A7DD}" destId="{91564DD0-54BD-2341-9903-79C095D8077E}" srcOrd="0" destOrd="0" presId="urn:microsoft.com/office/officeart/2009/layout/CirclePictureHierarchy"/>
+    <dgm:cxn modelId="{4F4CD48F-8902-FC40-8CB0-CC189AAF011B}" type="presParOf" srcId="{91564DD0-54BD-2341-9903-79C095D8077E}" destId="{50C220B5-16CB-B244-AEA1-66AB4AB198EB}" srcOrd="0" destOrd="0" presId="urn:microsoft.com/office/officeart/2009/layout/CirclePictureHierarchy"/>
+    <dgm:cxn modelId="{92DE1035-0836-954D-90C9-972D7D1F8CA3}" type="presParOf" srcId="{91564DD0-54BD-2341-9903-79C095D8077E}" destId="{90C896DC-5E07-9C4E-87D4-2168471344F8}" srcOrd="1" destOrd="0" presId="urn:microsoft.com/office/officeart/2009/layout/CirclePictureHierarchy"/>
+    <dgm:cxn modelId="{9B496E88-3761-BF4A-8F87-F6BBFC376AEA}" type="presParOf" srcId="{3351D2BE-B7BB-864C-9DD4-B2635D97A7DD}" destId="{5D4F25A7-60BC-4345-9DB2-CCD61C03DD8A}" srcOrd="1" destOrd="0" presId="urn:microsoft.com/office/officeart/2009/layout/CirclePictureHierarchy"/>
+    <dgm:cxn modelId="{B950DC7B-D47A-464D-8606-16AB81EE2152}" type="presParOf" srcId="{F1CD75E9-FD46-DE45-9372-A2242E389B2A}" destId="{6564B77C-9076-374A-9AD2-28B344C35FF7}" srcOrd="4" destOrd="0" presId="urn:microsoft.com/office/officeart/2009/layout/CirclePictureHierarchy"/>
+    <dgm:cxn modelId="{617A3792-F8A7-D648-9EC5-DAA6C4808E2A}" type="presParOf" srcId="{F1CD75E9-FD46-DE45-9372-A2242E389B2A}" destId="{20750C5F-F11A-594D-B981-45DDBDD1B226}" srcOrd="5" destOrd="0" presId="urn:microsoft.com/office/officeart/2009/layout/CirclePictureHierarchy"/>
+    <dgm:cxn modelId="{51F08755-C94E-E549-9597-AC5EA54D3103}" type="presParOf" srcId="{20750C5F-F11A-594D-B981-45DDBDD1B226}" destId="{98E9C1E6-B7BB-B04E-BA7F-4FF417AF5228}" srcOrd="0" destOrd="0" presId="urn:microsoft.com/office/officeart/2009/layout/CirclePictureHierarchy"/>
+    <dgm:cxn modelId="{E688D88C-2979-8845-B8CC-2EC5DED790C6}" type="presParOf" srcId="{98E9C1E6-B7BB-B04E-BA7F-4FF417AF5228}" destId="{86D7BF9D-5631-9346-9672-C476C8F74BBB}" srcOrd="0" destOrd="0" presId="urn:microsoft.com/office/officeart/2009/layout/CirclePictureHierarchy"/>
+    <dgm:cxn modelId="{A517573E-16E8-CF44-AFD4-AC26FA0A6FF3}" type="presParOf" srcId="{98E9C1E6-B7BB-B04E-BA7F-4FF417AF5228}" destId="{4B51AE17-9397-014A-B3D3-B242EF2764F8}" srcOrd="1" destOrd="0" presId="urn:microsoft.com/office/officeart/2009/layout/CirclePictureHierarchy"/>
+    <dgm:cxn modelId="{CB63D4E3-9B5C-CF40-A4D5-98AA6A2A1D63}" type="presParOf" srcId="{20750C5F-F11A-594D-B981-45DDBDD1B226}" destId="{875C4B36-2BFF-D04E-A59A-D5664EC28B90}" srcOrd="1" destOrd="0" presId="urn:microsoft.com/office/officeart/2009/layout/CirclePictureHierarchy"/>
+    <dgm:cxn modelId="{3ECE6FA3-F195-2449-BBC1-EBBA8D7A64A6}" type="presParOf" srcId="{F1CD75E9-FD46-DE45-9372-A2242E389B2A}" destId="{13F09088-ACA7-F94D-8042-CD39CE5BBF70}" srcOrd="6" destOrd="0" presId="urn:microsoft.com/office/officeart/2009/layout/CirclePictureHierarchy"/>
+    <dgm:cxn modelId="{7D48D56C-605A-2845-BD8C-E79E5695287A}" type="presParOf" srcId="{F1CD75E9-FD46-DE45-9372-A2242E389B2A}" destId="{BEC40788-AA06-5146-8A8D-E0D30075CCDA}" srcOrd="7" destOrd="0" presId="urn:microsoft.com/office/officeart/2009/layout/CirclePictureHierarchy"/>
+    <dgm:cxn modelId="{F130654F-3FC8-C745-B726-EB54E9E02CE9}" type="presParOf" srcId="{BEC40788-AA06-5146-8A8D-E0D30075CCDA}" destId="{BBD5974D-C236-2342-A0B5-2B062E42E214}" srcOrd="0" destOrd="0" presId="urn:microsoft.com/office/officeart/2009/layout/CirclePictureHierarchy"/>
+    <dgm:cxn modelId="{FAD093F9-391F-5842-BF56-FB88665059C9}" type="presParOf" srcId="{BBD5974D-C236-2342-A0B5-2B062E42E214}" destId="{1E6B32F7-E6A2-234F-A4FF-D5ED9BD21433}" srcOrd="0" destOrd="0" presId="urn:microsoft.com/office/officeart/2009/layout/CirclePictureHierarchy"/>
+    <dgm:cxn modelId="{99B99BD2-1D43-1D40-B3B1-F51BF356B02C}" type="presParOf" srcId="{BBD5974D-C236-2342-A0B5-2B062E42E214}" destId="{5D82A78A-0735-C745-A29A-BACDFFE821FA}" srcOrd="1" destOrd="0" presId="urn:microsoft.com/office/officeart/2009/layout/CirclePictureHierarchy"/>
+    <dgm:cxn modelId="{2A00C6DE-68DB-224D-BD6E-C31A6E6044AC}" type="presParOf" srcId="{BEC40788-AA06-5146-8A8D-E0D30075CCDA}" destId="{255E5599-0EB8-584B-AE11-3B1BC397A5F0}" srcOrd="1" destOrd="0" presId="urn:microsoft.com/office/officeart/2009/layout/CirclePictureHierarchy"/>
+    <dgm:cxn modelId="{604E322C-6F93-EA49-9060-A85A7A2E1929}" type="presParOf" srcId="{255E5599-0EB8-584B-AE11-3B1BC397A5F0}" destId="{6FD9D7F6-FEFD-FE46-91BE-1492C210DB33}" srcOrd="0" destOrd="0" presId="urn:microsoft.com/office/officeart/2009/layout/CirclePictureHierarchy"/>
+    <dgm:cxn modelId="{BD5135AF-6FFB-0345-91ED-1705E9663056}" type="presParOf" srcId="{255E5599-0EB8-584B-AE11-3B1BC397A5F0}" destId="{AF8ACF04-93C5-7C4D-8D66-E1F1092C38C6}" srcOrd="1" destOrd="0" presId="urn:microsoft.com/office/officeart/2009/layout/CirclePictureHierarchy"/>
+    <dgm:cxn modelId="{B0A70AF5-BBBE-B64A-9074-1E42260F81FE}" type="presParOf" srcId="{AF8ACF04-93C5-7C4D-8D66-E1F1092C38C6}" destId="{CBFFDC69-7FA6-6647-94BE-2A89399BF887}" srcOrd="0" destOrd="0" presId="urn:microsoft.com/office/officeart/2009/layout/CirclePictureHierarchy"/>
+    <dgm:cxn modelId="{49181049-5DF4-E044-BC0A-72715064AF8A}" type="presParOf" srcId="{CBFFDC69-7FA6-6647-94BE-2A89399BF887}" destId="{65DFD4E5-9EA8-AB45-A273-6EB73A2AFC4C}" srcOrd="0" destOrd="0" presId="urn:microsoft.com/office/officeart/2009/layout/CirclePictureHierarchy"/>
+    <dgm:cxn modelId="{684CE71C-56CC-1948-B512-898169D2422C}" type="presParOf" srcId="{CBFFDC69-7FA6-6647-94BE-2A89399BF887}" destId="{1C607A19-4E2A-EC40-B5A9-549981984B80}" srcOrd="1" destOrd="0" presId="urn:microsoft.com/office/officeart/2009/layout/CirclePictureHierarchy"/>
+    <dgm:cxn modelId="{82277A95-D66D-A546-BD4E-24D54A964859}" type="presParOf" srcId="{AF8ACF04-93C5-7C4D-8D66-E1F1092C38C6}" destId="{6FAF24DF-DAF1-A64E-9817-0184C5E11F21}" srcOrd="1" destOrd="0" presId="urn:microsoft.com/office/officeart/2009/layout/CirclePictureHierarchy"/>
+    <dgm:cxn modelId="{63A7EE6E-6734-0A49-8827-3EB772DDFFBF}" type="presParOf" srcId="{255E5599-0EB8-584B-AE11-3B1BC397A5F0}" destId="{EC68B2D8-38A6-424C-85F4-B8C2B91F689A}" srcOrd="2" destOrd="0" presId="urn:microsoft.com/office/officeart/2009/layout/CirclePictureHierarchy"/>
+    <dgm:cxn modelId="{5B24B812-72EE-D842-B6E3-23728C54C4F5}" type="presParOf" srcId="{255E5599-0EB8-584B-AE11-3B1BC397A5F0}" destId="{D63A6390-C93C-6044-89A0-AAE25768FC04}" srcOrd="3" destOrd="0" presId="urn:microsoft.com/office/officeart/2009/layout/CirclePictureHierarchy"/>
+    <dgm:cxn modelId="{722E428C-BB4B-2C45-B119-374539D0D9F3}" type="presParOf" srcId="{D63A6390-C93C-6044-89A0-AAE25768FC04}" destId="{C423235F-E2DF-E947-A6F3-98AAC327E72B}" srcOrd="0" destOrd="0" presId="urn:microsoft.com/office/officeart/2009/layout/CirclePictureHierarchy"/>
+    <dgm:cxn modelId="{8FA46F39-A885-834E-A63E-49927CF31944}" type="presParOf" srcId="{C423235F-E2DF-E947-A6F3-98AAC327E72B}" destId="{C7F7DA06-A649-8447-AE8A-373D30513AFA}" srcOrd="0" destOrd="0" presId="urn:microsoft.com/office/officeart/2009/layout/CirclePictureHierarchy"/>
+    <dgm:cxn modelId="{F0B8C54C-3170-C84C-86F8-78906BA26508}" type="presParOf" srcId="{C423235F-E2DF-E947-A6F3-98AAC327E72B}" destId="{5018A736-66FD-7E46-8CB2-83DD8EFC0AF7}" srcOrd="1" destOrd="0" presId="urn:microsoft.com/office/officeart/2009/layout/CirclePictureHierarchy"/>
+    <dgm:cxn modelId="{BE4437BD-CE80-AC4D-9873-E705E037B429}" type="presParOf" srcId="{D63A6390-C93C-6044-89A0-AAE25768FC04}" destId="{EB281B90-9DAB-554E-A04B-3D352647A104}" srcOrd="1" destOrd="0" presId="urn:microsoft.com/office/officeart/2009/layout/CirclePictureHierarchy"/>
+    <dgm:cxn modelId="{0C620AC0-7CD3-E74B-B609-E193F5EAC80A}" type="presParOf" srcId="{52A31D05-9266-B94C-A278-185DEECEDF98}" destId="{F2F71C92-66AD-8C45-A97B-60342E17B83D}" srcOrd="6" destOrd="0" presId="urn:microsoft.com/office/officeart/2009/layout/CirclePictureHierarchy"/>
+    <dgm:cxn modelId="{51BB1E0B-2959-F64F-8BF5-1C8FFA018799}" type="presParOf" srcId="{52A31D05-9266-B94C-A278-185DEECEDF98}" destId="{1F83FD03-87FE-8547-8411-09AD28FD5DAA}" srcOrd="7" destOrd="0" presId="urn:microsoft.com/office/officeart/2009/layout/CirclePictureHierarchy"/>
+    <dgm:cxn modelId="{F3BA3D58-66C6-154F-B400-D562233335B0}" type="presParOf" srcId="{1F83FD03-87FE-8547-8411-09AD28FD5DAA}" destId="{BAD87956-3AD0-F240-8FE5-4C761B430CB7}" srcOrd="0" destOrd="0" presId="urn:microsoft.com/office/officeart/2009/layout/CirclePictureHierarchy"/>
+    <dgm:cxn modelId="{44E4BBE5-F8CC-A540-B9DD-B529B8A28339}" type="presParOf" srcId="{BAD87956-3AD0-F240-8FE5-4C761B430CB7}" destId="{EFCB14A1-06F5-4C40-B850-A67FC3737BA9}" srcOrd="0" destOrd="0" presId="urn:microsoft.com/office/officeart/2009/layout/CirclePictureHierarchy"/>
+    <dgm:cxn modelId="{D8AFA6E9-67FB-6249-B687-AD85EE07DCE0}" type="presParOf" srcId="{BAD87956-3AD0-F240-8FE5-4C761B430CB7}" destId="{B3ABF76B-303D-334E-93C9-275EE1888D59}" srcOrd="1" destOrd="0" presId="urn:microsoft.com/office/officeart/2009/layout/CirclePictureHierarchy"/>
+    <dgm:cxn modelId="{B9F9CCB0-C099-244A-B786-4CD928544527}" type="presParOf" srcId="{1F83FD03-87FE-8547-8411-09AD28FD5DAA}" destId="{70E64CC4-2783-804A-83DD-A0845E4AD4C9}" srcOrd="1" destOrd="0" presId="urn:microsoft.com/office/officeart/2009/layout/CirclePictureHierarchy"/>
+    <dgm:cxn modelId="{3335EA35-E481-9045-95B1-A47FB05BBEDB}" type="presParOf" srcId="{70E64CC4-2783-804A-83DD-A0845E4AD4C9}" destId="{59CC09D2-6C3F-5D4B-A809-520D6BA1BB3D}" srcOrd="0" destOrd="0" presId="urn:microsoft.com/office/officeart/2009/layout/CirclePictureHierarchy"/>
+    <dgm:cxn modelId="{32D4E438-698A-6449-94DB-881963A3E210}" type="presParOf" srcId="{70E64CC4-2783-804A-83DD-A0845E4AD4C9}" destId="{37303C75-8E84-D748-83C4-59F26EEC0DDA}" srcOrd="1" destOrd="0" presId="urn:microsoft.com/office/officeart/2009/layout/CirclePictureHierarchy"/>
+    <dgm:cxn modelId="{34A04591-A0CA-5143-A4D3-1B70E2EFBC2E}" type="presParOf" srcId="{37303C75-8E84-D748-83C4-59F26EEC0DDA}" destId="{198BFA90-C3BB-6947-8749-07CE2321B38E}" srcOrd="0" destOrd="0" presId="urn:microsoft.com/office/officeart/2009/layout/CirclePictureHierarchy"/>
+    <dgm:cxn modelId="{B214EB03-5707-914C-BA1C-A679A3B8BA13}" type="presParOf" srcId="{198BFA90-C3BB-6947-8749-07CE2321B38E}" destId="{2C5BB00D-D5D0-E840-9466-3A5B2048DA67}" srcOrd="0" destOrd="0" presId="urn:microsoft.com/office/officeart/2009/layout/CirclePictureHierarchy"/>
+    <dgm:cxn modelId="{04F7E9BF-10B1-5844-AB77-7FAE90B20BBB}" type="presParOf" srcId="{198BFA90-C3BB-6947-8749-07CE2321B38E}" destId="{5A465939-F2DE-744F-804F-CD8FB8FCC336}" srcOrd="1" destOrd="0" presId="urn:microsoft.com/office/officeart/2009/layout/CirclePictureHierarchy"/>
+    <dgm:cxn modelId="{E44BD8EF-EF2B-634A-B483-FD81C68A9E6D}" type="presParOf" srcId="{37303C75-8E84-D748-83C4-59F26EEC0DDA}" destId="{884CF8C5-F92C-9F44-A60E-25852BD0EB05}" srcOrd="1" destOrd="0" presId="urn:microsoft.com/office/officeart/2009/layout/CirclePictureHierarchy"/>
+    <dgm:cxn modelId="{658E5D30-32A0-F343-BE26-D7BFE0C5C9D7}" type="presParOf" srcId="{70E64CC4-2783-804A-83DD-A0845E4AD4C9}" destId="{75BE2B14-9685-8749-8BE4-5917DD288C04}" srcOrd="2" destOrd="0" presId="urn:microsoft.com/office/officeart/2009/layout/CirclePictureHierarchy"/>
+    <dgm:cxn modelId="{152332B9-7152-4048-902C-1C7B56131B79}" type="presParOf" srcId="{70E64CC4-2783-804A-83DD-A0845E4AD4C9}" destId="{C4C61132-28A5-034F-896F-2588366E73F5}" srcOrd="3" destOrd="0" presId="urn:microsoft.com/office/officeart/2009/layout/CirclePictureHierarchy"/>
+    <dgm:cxn modelId="{FBD1E2AC-B2CF-024C-A6B3-92C68F730A33}" type="presParOf" srcId="{C4C61132-28A5-034F-896F-2588366E73F5}" destId="{92864AFD-7F36-CC44-8CFA-78A256B4CB83}" srcOrd="0" destOrd="0" presId="urn:microsoft.com/office/officeart/2009/layout/CirclePictureHierarchy"/>
+    <dgm:cxn modelId="{626C160E-6029-944C-B23C-98B2F4D4C32D}" type="presParOf" srcId="{92864AFD-7F36-CC44-8CFA-78A256B4CB83}" destId="{B4CBF811-4E90-CD44-96F8-7EC379E71DCF}" srcOrd="0" destOrd="0" presId="urn:microsoft.com/office/officeart/2009/layout/CirclePictureHierarchy"/>
+    <dgm:cxn modelId="{8FF2940B-A387-5745-BF31-0C58D7DE1112}" type="presParOf" srcId="{92864AFD-7F36-CC44-8CFA-78A256B4CB83}" destId="{208A6DC1-3B84-334E-B25D-064120A1407E}" srcOrd="1" destOrd="0" presId="urn:microsoft.com/office/officeart/2009/layout/CirclePictureHierarchy"/>
+    <dgm:cxn modelId="{084B0A44-6A10-7641-8E0D-DB9349809AFA}" type="presParOf" srcId="{C4C61132-28A5-034F-896F-2588366E73F5}" destId="{ED7B9DA1-38FD-D946-B9A7-3E83B873C056}" srcOrd="1" destOrd="0" presId="urn:microsoft.com/office/officeart/2009/layout/CirclePictureHierarchy"/>
+    <dgm:cxn modelId="{0707FAB3-D971-884C-9596-518AA6A87755}" type="presParOf" srcId="{2D4668FF-8180-6846-8624-3C869AA8E23D}" destId="{61D013EB-C78E-1E45-9542-DAE8F93EFEB1}" srcOrd="2" destOrd="0" presId="urn:microsoft.com/office/officeart/2009/layout/CirclePictureHierarchy"/>
+    <dgm:cxn modelId="{85A74E41-67F2-C746-B117-32CF40A25D42}" type="presParOf" srcId="{2D4668FF-8180-6846-8624-3C869AA8E23D}" destId="{8794E2EE-4E85-CD4B-BEE0-4464AA98A7E5}" srcOrd="3" destOrd="0" presId="urn:microsoft.com/office/officeart/2009/layout/CirclePictureHierarchy"/>
+    <dgm:cxn modelId="{AE8D684B-DB4B-F94C-934A-E6BE757F3609}" type="presParOf" srcId="{8794E2EE-4E85-CD4B-BEE0-4464AA98A7E5}" destId="{B430E5E1-8044-6645-938D-8DE58C8EDE81}" srcOrd="0" destOrd="0" presId="urn:microsoft.com/office/officeart/2009/layout/CirclePictureHierarchy"/>
+    <dgm:cxn modelId="{DCAC7340-82DA-634D-9231-7DB6C97F1762}" type="presParOf" srcId="{B430E5E1-8044-6645-938D-8DE58C8EDE81}" destId="{58A0929B-46AB-C240-AB18-9EC9E06F4717}" srcOrd="0" destOrd="0" presId="urn:microsoft.com/office/officeart/2009/layout/CirclePictureHierarchy"/>
+    <dgm:cxn modelId="{4108A3E4-E84A-A141-A501-4C8941EB8866}" type="presParOf" srcId="{B430E5E1-8044-6645-938D-8DE58C8EDE81}" destId="{D7DA0F82-436B-3145-91D7-B9F3FA4B275A}" srcOrd="1" destOrd="0" presId="urn:microsoft.com/office/officeart/2009/layout/CirclePictureHierarchy"/>
+    <dgm:cxn modelId="{C6EA8835-6B9F-624F-BFF5-E9B82D31F70E}" type="presParOf" srcId="{8794E2EE-4E85-CD4B-BEE0-4464AA98A7E5}" destId="{9A1ABC25-9551-2E42-A86E-39AB27F76B91}" srcOrd="1" destOrd="0" presId="urn:microsoft.com/office/officeart/2009/layout/CirclePictureHierarchy"/>
+  </dgm:cxnLst>
+  <dgm:bg/>
+  <dgm:whole/>
+  <dgm:extLst>
+    <a:ext uri="http://schemas.microsoft.com/office/drawing/2008/diagram">
+      <dsp:dataModelExt xmlns:dsp="http://schemas.microsoft.com/office/drawing/2008/diagram" relId="rId6" minVer="http://schemas.openxmlformats.org/drawingml/2006/diagram"/>
+    </a:ext>
+  </dgm:extLst>
+</dgm:dataModel>
+</file>
+
+<file path=ppt/diagrams/drawing1.xml><?xml version="1.0" encoding="utf-8"?>
+<dsp:drawing xmlns:dgm="http://schemas.openxmlformats.org/drawingml/2006/diagram" xmlns:dsp="http://schemas.microsoft.com/office/drawing/2008/diagram" xmlns:a="http://schemas.openxmlformats.org/drawingml/2006/main">
+  <dsp:spTree>
+    <dsp:nvGrpSpPr>
+      <dsp:cNvPr id="0" name=""/>
+      <dsp:cNvGrpSpPr/>
+    </dsp:nvGrpSpPr>
+    <dsp:grpSpPr/>
+    <dsp:sp modelId="{61D013EB-C78E-1E45-9542-DAE8F93EFEB1}">
+      <dsp:nvSpPr>
+        <dsp:cNvPr id="0" name=""/>
+        <dsp:cNvSpPr/>
+      </dsp:nvSpPr>
+      <dsp:spPr>
+        <a:xfrm>
+          <a:off x="5984745" y="2293412"/>
+          <a:ext cx="748870" cy="139538"/>
+        </a:xfrm>
+        <a:custGeom>
+          <a:avLst/>
+          <a:gdLst/>
+          <a:ahLst/>
+          <a:cxnLst/>
+          <a:rect l="0" t="0" r="0" b="0"/>
+          <a:pathLst>
+            <a:path>
+              <a:moveTo>
+                <a:pt x="0" y="0"/>
+              </a:moveTo>
+              <a:lnTo>
+                <a:pt x="0" y="57864"/>
+              </a:lnTo>
+              <a:lnTo>
+                <a:pt x="748870" y="57864"/>
+              </a:lnTo>
+              <a:lnTo>
+                <a:pt x="748870" y="139538"/>
+              </a:lnTo>
+            </a:path>
+          </a:pathLst>
+        </a:custGeom>
+        <a:noFill/>
+        <a:ln w="19050" cap="flat" cmpd="sng" algn="ctr">
+          <a:solidFill>
+            <a:schemeClr val="accent1">
+              <a:shade val="60000"/>
+              <a:hueOff val="0"/>
+              <a:satOff val="0"/>
+              <a:lumOff val="0"/>
+              <a:alphaOff val="0"/>
+            </a:schemeClr>
+          </a:solidFill>
+          <a:prstDash val="solid"/>
+          <a:miter lim="800000"/>
+        </a:ln>
+        <a:effectLst/>
+      </dsp:spPr>
+      <dsp:style>
+        <a:lnRef idx="2">
+          <a:scrgbClr r="0" g="0" b="0"/>
+        </a:lnRef>
+        <a:fillRef idx="0">
+          <a:scrgbClr r="0" g="0" b="0"/>
+        </a:fillRef>
+        <a:effectRef idx="0">
+          <a:scrgbClr r="0" g="0" b="0"/>
+        </a:effectRef>
+        <a:fontRef idx="minor"/>
+      </dsp:style>
+    </dsp:sp>
+    <dsp:sp modelId="{75BE2B14-9685-8749-8BE4-5917DD288C04}">
+      <dsp:nvSpPr>
+        <dsp:cNvPr id="0" name=""/>
+        <dsp:cNvSpPr/>
+      </dsp:nvSpPr>
+      <dsp:spPr>
+        <a:xfrm>
+          <a:off x="9608539" y="3643032"/>
+          <a:ext cx="718731" cy="164654"/>
+        </a:xfrm>
+        <a:custGeom>
+          <a:avLst/>
+          <a:gdLst/>
+          <a:ahLst/>
+          <a:cxnLst/>
+          <a:rect l="0" t="0" r="0" b="0"/>
+          <a:pathLst>
+            <a:path>
+              <a:moveTo>
+                <a:pt x="0" y="0"/>
+              </a:moveTo>
+              <a:lnTo>
+                <a:pt x="0" y="82980"/>
+              </a:lnTo>
+              <a:lnTo>
+                <a:pt x="718731" y="82980"/>
+              </a:lnTo>
+              <a:lnTo>
+                <a:pt x="718731" y="164654"/>
+              </a:lnTo>
+            </a:path>
+          </a:pathLst>
+        </a:custGeom>
+        <a:noFill/>
+        <a:ln w="19050" cap="flat" cmpd="sng" algn="ctr">
+          <a:solidFill>
+            <a:schemeClr val="accent1">
+              <a:shade val="80000"/>
+              <a:hueOff val="0"/>
+              <a:satOff val="0"/>
+              <a:lumOff val="0"/>
+              <a:alphaOff val="0"/>
+            </a:schemeClr>
+          </a:solidFill>
+          <a:prstDash val="solid"/>
+          <a:miter lim="800000"/>
+        </a:ln>
+        <a:effectLst/>
+      </dsp:spPr>
+      <dsp:style>
+        <a:lnRef idx="2">
+          <a:scrgbClr r="0" g="0" b="0"/>
+        </a:lnRef>
+        <a:fillRef idx="0">
+          <a:scrgbClr r="0" g="0" b="0"/>
+        </a:fillRef>
+        <a:effectRef idx="0">
+          <a:scrgbClr r="0" g="0" b="0"/>
+        </a:effectRef>
+        <a:fontRef idx="minor"/>
+      </dsp:style>
+    </dsp:sp>
+    <dsp:sp modelId="{59CC09D2-6C3F-5D4B-A809-520D6BA1BB3D}">
+      <dsp:nvSpPr>
+        <dsp:cNvPr id="0" name=""/>
+        <dsp:cNvSpPr/>
+      </dsp:nvSpPr>
+      <dsp:spPr>
+        <a:xfrm>
+          <a:off x="8889808" y="3643032"/>
+          <a:ext cx="718731" cy="164654"/>
+        </a:xfrm>
+        <a:custGeom>
+          <a:avLst/>
+          <a:gdLst/>
+          <a:ahLst/>
+          <a:cxnLst/>
+          <a:rect l="0" t="0" r="0" b="0"/>
+          <a:pathLst>
+            <a:path>
+              <a:moveTo>
+                <a:pt x="718731" y="0"/>
+              </a:moveTo>
+              <a:lnTo>
+                <a:pt x="718731" y="82980"/>
+              </a:lnTo>
+              <a:lnTo>
+                <a:pt x="0" y="82980"/>
+              </a:lnTo>
+              <a:lnTo>
+                <a:pt x="0" y="164654"/>
+              </a:lnTo>
+            </a:path>
+          </a:pathLst>
+        </a:custGeom>
+        <a:noFill/>
+        <a:ln w="19050" cap="flat" cmpd="sng" algn="ctr">
+          <a:solidFill>
+            <a:schemeClr val="accent1">
+              <a:shade val="80000"/>
+              <a:hueOff val="0"/>
+              <a:satOff val="0"/>
+              <a:lumOff val="0"/>
+              <a:alphaOff val="0"/>
+            </a:schemeClr>
+          </a:solidFill>
+          <a:prstDash val="solid"/>
+          <a:miter lim="800000"/>
+        </a:ln>
+        <a:effectLst/>
+      </dsp:spPr>
+      <dsp:style>
+        <a:lnRef idx="2">
+          <a:scrgbClr r="0" g="0" b="0"/>
+        </a:lnRef>
+        <a:fillRef idx="0">
+          <a:scrgbClr r="0" g="0" b="0"/>
+        </a:fillRef>
+        <a:effectRef idx="0">
+          <a:scrgbClr r="0" g="0" b="0"/>
+        </a:effectRef>
+        <a:fontRef idx="minor"/>
+      </dsp:style>
+    </dsp:sp>
+    <dsp:sp modelId="{F2F71C92-66AD-8C45-A97B-60342E17B83D}">
+      <dsp:nvSpPr>
+        <dsp:cNvPr id="0" name=""/>
+        <dsp:cNvSpPr/>
+      </dsp:nvSpPr>
+      <dsp:spPr>
+        <a:xfrm>
+          <a:off x="5296153" y="2955663"/>
+          <a:ext cx="4312386" cy="164654"/>
+        </a:xfrm>
+        <a:custGeom>
+          <a:avLst/>
+          <a:gdLst/>
+          <a:ahLst/>
+          <a:cxnLst/>
+          <a:rect l="0" t="0" r="0" b="0"/>
+          <a:pathLst>
+            <a:path>
+              <a:moveTo>
+                <a:pt x="0" y="0"/>
+              </a:moveTo>
+              <a:lnTo>
+                <a:pt x="0" y="82980"/>
+              </a:lnTo>
+              <a:lnTo>
+                <a:pt x="4312386" y="82980"/>
+              </a:lnTo>
+              <a:lnTo>
+                <a:pt x="4312386" y="164654"/>
+              </a:lnTo>
+            </a:path>
+          </a:pathLst>
+        </a:custGeom>
+        <a:noFill/>
+        <a:ln w="19050" cap="flat" cmpd="sng" algn="ctr">
+          <a:solidFill>
+            <a:schemeClr val="accent1">
+              <a:shade val="80000"/>
+              <a:hueOff val="0"/>
+              <a:satOff val="0"/>
+              <a:lumOff val="0"/>
+              <a:alphaOff val="0"/>
+            </a:schemeClr>
+          </a:solidFill>
+          <a:prstDash val="solid"/>
+          <a:miter lim="800000"/>
+        </a:ln>
+        <a:effectLst/>
+      </dsp:spPr>
+      <dsp:style>
+        <a:lnRef idx="2">
+          <a:scrgbClr r="0" g="0" b="0"/>
+        </a:lnRef>
+        <a:fillRef idx="0">
+          <a:scrgbClr r="0" g="0" b="0"/>
+        </a:fillRef>
+        <a:effectRef idx="0">
+          <a:scrgbClr r="0" g="0" b="0"/>
+        </a:effectRef>
+        <a:fontRef idx="minor"/>
+      </dsp:style>
+    </dsp:sp>
+    <dsp:sp modelId="{EC68B2D8-38A6-424C-85F4-B8C2B91F689A}">
+      <dsp:nvSpPr>
+        <dsp:cNvPr id="0" name=""/>
+        <dsp:cNvSpPr/>
+      </dsp:nvSpPr>
+      <dsp:spPr>
+        <a:xfrm>
+          <a:off x="7452346" y="4330400"/>
+          <a:ext cx="718731" cy="164654"/>
+        </a:xfrm>
+        <a:custGeom>
+          <a:avLst/>
+          <a:gdLst/>
+          <a:ahLst/>
+          <a:cxnLst/>
+          <a:rect l="0" t="0" r="0" b="0"/>
+          <a:pathLst>
+            <a:path>
+              <a:moveTo>
+                <a:pt x="0" y="0"/>
+              </a:moveTo>
+              <a:lnTo>
+                <a:pt x="0" y="82980"/>
+              </a:lnTo>
+              <a:lnTo>
+                <a:pt x="718731" y="82980"/>
+              </a:lnTo>
+              <a:lnTo>
+                <a:pt x="718731" y="164654"/>
+              </a:lnTo>
+            </a:path>
+          </a:pathLst>
+        </a:custGeom>
+        <a:noFill/>
+        <a:ln w="19050" cap="flat" cmpd="sng" algn="ctr">
+          <a:solidFill>
+            <a:schemeClr val="accent1">
+              <a:shade val="80000"/>
+              <a:hueOff val="0"/>
+              <a:satOff val="0"/>
+              <a:lumOff val="0"/>
+              <a:alphaOff val="0"/>
+            </a:schemeClr>
+          </a:solidFill>
+          <a:prstDash val="solid"/>
+          <a:miter lim="800000"/>
+        </a:ln>
+        <a:effectLst/>
+      </dsp:spPr>
+      <dsp:style>
+        <a:lnRef idx="2">
+          <a:scrgbClr r="0" g="0" b="0"/>
+        </a:lnRef>
+        <a:fillRef idx="0">
+          <a:scrgbClr r="0" g="0" b="0"/>
+        </a:fillRef>
+        <a:effectRef idx="0">
+          <a:scrgbClr r="0" g="0" b="0"/>
+        </a:effectRef>
+        <a:fontRef idx="minor"/>
+      </dsp:style>
+    </dsp:sp>
+    <dsp:sp modelId="{6FD9D7F6-FEFD-FE46-91BE-1492C210DB33}">
+      <dsp:nvSpPr>
+        <dsp:cNvPr id="0" name=""/>
+        <dsp:cNvSpPr/>
+      </dsp:nvSpPr>
+      <dsp:spPr>
+        <a:xfrm>
+          <a:off x="6733615" y="4330400"/>
+          <a:ext cx="718731" cy="164654"/>
+        </a:xfrm>
+        <a:custGeom>
+          <a:avLst/>
+          <a:gdLst/>
+          <a:ahLst/>
+          <a:cxnLst/>
+          <a:rect l="0" t="0" r="0" b="0"/>
+          <a:pathLst>
+            <a:path>
+              <a:moveTo>
+                <a:pt x="718731" y="0"/>
+              </a:moveTo>
+              <a:lnTo>
+                <a:pt x="718731" y="82980"/>
+              </a:lnTo>
+              <a:lnTo>
+                <a:pt x="0" y="82980"/>
+              </a:lnTo>
+              <a:lnTo>
+                <a:pt x="0" y="164654"/>
+              </a:lnTo>
+            </a:path>
+          </a:pathLst>
+        </a:custGeom>
+        <a:noFill/>
+        <a:ln w="19050" cap="flat" cmpd="sng" algn="ctr">
+          <a:solidFill>
+            <a:schemeClr val="accent1">
+              <a:shade val="80000"/>
+              <a:hueOff val="0"/>
+              <a:satOff val="0"/>
+              <a:lumOff val="0"/>
+              <a:alphaOff val="0"/>
+            </a:schemeClr>
+          </a:solidFill>
+          <a:prstDash val="solid"/>
+          <a:miter lim="800000"/>
+        </a:ln>
+        <a:effectLst/>
+      </dsp:spPr>
+      <dsp:style>
+        <a:lnRef idx="2">
+          <a:scrgbClr r="0" g="0" b="0"/>
+        </a:lnRef>
+        <a:fillRef idx="0">
+          <a:scrgbClr r="0" g="0" b="0"/>
+        </a:fillRef>
+        <a:effectRef idx="0">
+          <a:scrgbClr r="0" g="0" b="0"/>
+        </a:effectRef>
+        <a:fontRef idx="minor"/>
+      </dsp:style>
+    </dsp:sp>
+    <dsp:sp modelId="{13F09088-ACA7-F94D-8042-CD39CE5BBF70}">
+      <dsp:nvSpPr>
+        <dsp:cNvPr id="0" name=""/>
+        <dsp:cNvSpPr/>
+      </dsp:nvSpPr>
+      <dsp:spPr>
+        <a:xfrm>
+          <a:off x="5296153" y="3643032"/>
+          <a:ext cx="2156193" cy="164654"/>
+        </a:xfrm>
+        <a:custGeom>
+          <a:avLst/>
+          <a:gdLst/>
+          <a:ahLst/>
+          <a:cxnLst/>
+          <a:rect l="0" t="0" r="0" b="0"/>
+          <a:pathLst>
+            <a:path>
+              <a:moveTo>
+                <a:pt x="0" y="0"/>
+              </a:moveTo>
+              <a:lnTo>
+                <a:pt x="0" y="82980"/>
+              </a:lnTo>
+              <a:lnTo>
+                <a:pt x="2156193" y="82980"/>
+              </a:lnTo>
+              <a:lnTo>
+                <a:pt x="2156193" y="164654"/>
+              </a:lnTo>
+            </a:path>
+          </a:pathLst>
+        </a:custGeom>
+        <a:noFill/>
+        <a:ln w="19050" cap="flat" cmpd="sng" algn="ctr">
+          <a:solidFill>
+            <a:schemeClr val="accent1">
+              <a:shade val="80000"/>
+              <a:hueOff val="0"/>
+              <a:satOff val="0"/>
+              <a:lumOff val="0"/>
+              <a:alphaOff val="0"/>
+            </a:schemeClr>
+          </a:solidFill>
+          <a:prstDash val="solid"/>
+          <a:miter lim="800000"/>
+        </a:ln>
+        <a:effectLst/>
+      </dsp:spPr>
+      <dsp:style>
+        <a:lnRef idx="2">
+          <a:scrgbClr r="0" g="0" b="0"/>
+        </a:lnRef>
+        <a:fillRef idx="0">
+          <a:scrgbClr r="0" g="0" b="0"/>
+        </a:fillRef>
+        <a:effectRef idx="0">
+          <a:scrgbClr r="0" g="0" b="0"/>
+        </a:effectRef>
+        <a:fontRef idx="minor"/>
+      </dsp:style>
+    </dsp:sp>
+    <dsp:sp modelId="{6564B77C-9076-374A-9AD2-28B344C35FF7}">
+      <dsp:nvSpPr>
+        <dsp:cNvPr id="0" name=""/>
+        <dsp:cNvSpPr/>
+      </dsp:nvSpPr>
+      <dsp:spPr>
+        <a:xfrm>
+          <a:off x="5296153" y="3643032"/>
+          <a:ext cx="718731" cy="164654"/>
+        </a:xfrm>
+        <a:custGeom>
+          <a:avLst/>
+          <a:gdLst/>
+          <a:ahLst/>
+          <a:cxnLst/>
+          <a:rect l="0" t="0" r="0" b="0"/>
+          <a:pathLst>
+            <a:path>
+              <a:moveTo>
+                <a:pt x="0" y="0"/>
+              </a:moveTo>
+              <a:lnTo>
+                <a:pt x="0" y="82980"/>
+              </a:lnTo>
+              <a:lnTo>
+                <a:pt x="718731" y="82980"/>
+              </a:lnTo>
+              <a:lnTo>
+                <a:pt x="718731" y="164654"/>
+              </a:lnTo>
+            </a:path>
+          </a:pathLst>
+        </a:custGeom>
+        <a:noFill/>
+        <a:ln w="19050" cap="flat" cmpd="sng" algn="ctr">
+          <a:solidFill>
+            <a:schemeClr val="accent1">
+              <a:shade val="80000"/>
+              <a:hueOff val="0"/>
+              <a:satOff val="0"/>
+              <a:lumOff val="0"/>
+              <a:alphaOff val="0"/>
+            </a:schemeClr>
+          </a:solidFill>
+          <a:prstDash val="solid"/>
+          <a:miter lim="800000"/>
+        </a:ln>
+        <a:effectLst/>
+      </dsp:spPr>
+      <dsp:style>
+        <a:lnRef idx="2">
+          <a:scrgbClr r="0" g="0" b="0"/>
+        </a:lnRef>
+        <a:fillRef idx="0">
+          <a:scrgbClr r="0" g="0" b="0"/>
+        </a:fillRef>
+        <a:effectRef idx="0">
+          <a:scrgbClr r="0" g="0" b="0"/>
+        </a:effectRef>
+        <a:fontRef idx="minor"/>
+      </dsp:style>
+    </dsp:sp>
+    <dsp:sp modelId="{EEA0126F-4763-2440-879C-DECE855EA139}">
+      <dsp:nvSpPr>
+        <dsp:cNvPr id="0" name=""/>
+        <dsp:cNvSpPr/>
+      </dsp:nvSpPr>
+      <dsp:spPr>
+        <a:xfrm>
+          <a:off x="4577422" y="3643032"/>
+          <a:ext cx="718731" cy="164654"/>
+        </a:xfrm>
+        <a:custGeom>
+          <a:avLst/>
+          <a:gdLst/>
+          <a:ahLst/>
+          <a:cxnLst/>
+          <a:rect l="0" t="0" r="0" b="0"/>
+          <a:pathLst>
+            <a:path>
+              <a:moveTo>
+                <a:pt x="718731" y="0"/>
+              </a:moveTo>
+              <a:lnTo>
+                <a:pt x="718731" y="82980"/>
+              </a:lnTo>
+              <a:lnTo>
+                <a:pt x="0" y="82980"/>
+              </a:lnTo>
+              <a:lnTo>
+                <a:pt x="0" y="164654"/>
+              </a:lnTo>
+            </a:path>
+          </a:pathLst>
+        </a:custGeom>
+        <a:noFill/>
+        <a:ln w="19050" cap="flat" cmpd="sng" algn="ctr">
+          <a:solidFill>
+            <a:schemeClr val="accent1">
+              <a:shade val="80000"/>
+              <a:hueOff val="0"/>
+              <a:satOff val="0"/>
+              <a:lumOff val="0"/>
+              <a:alphaOff val="0"/>
+            </a:schemeClr>
+          </a:solidFill>
+          <a:prstDash val="solid"/>
+          <a:miter lim="800000"/>
+        </a:ln>
+        <a:effectLst/>
+      </dsp:spPr>
+      <dsp:style>
+        <a:lnRef idx="2">
+          <a:scrgbClr r="0" g="0" b="0"/>
+        </a:lnRef>
+        <a:fillRef idx="0">
+          <a:scrgbClr r="0" g="0" b="0"/>
+        </a:fillRef>
+        <a:effectRef idx="0">
+          <a:scrgbClr r="0" g="0" b="0"/>
+        </a:effectRef>
+        <a:fontRef idx="minor"/>
+      </dsp:style>
+    </dsp:sp>
+    <dsp:sp modelId="{C96C014B-94C5-2C4F-AC0E-F80C097CAA54}">
+      <dsp:nvSpPr>
+        <dsp:cNvPr id="0" name=""/>
+        <dsp:cNvSpPr/>
+      </dsp:nvSpPr>
+      <dsp:spPr>
+        <a:xfrm>
+          <a:off x="3139960" y="3643032"/>
+          <a:ext cx="2156193" cy="164654"/>
+        </a:xfrm>
+        <a:custGeom>
+          <a:avLst/>
+          <a:gdLst/>
+          <a:ahLst/>
+          <a:cxnLst/>
+          <a:rect l="0" t="0" r="0" b="0"/>
+          <a:pathLst>
+            <a:path>
+              <a:moveTo>
+                <a:pt x="2156193" y="0"/>
+              </a:moveTo>
+              <a:lnTo>
+                <a:pt x="2156193" y="82980"/>
+              </a:lnTo>
+              <a:lnTo>
+                <a:pt x="0" y="82980"/>
+              </a:lnTo>
+              <a:lnTo>
+                <a:pt x="0" y="164654"/>
+              </a:lnTo>
+            </a:path>
+          </a:pathLst>
+        </a:custGeom>
+        <a:noFill/>
+        <a:ln w="19050" cap="flat" cmpd="sng" algn="ctr">
+          <a:solidFill>
+            <a:schemeClr val="accent1">
+              <a:shade val="80000"/>
+              <a:hueOff val="0"/>
+              <a:satOff val="0"/>
+              <a:lumOff val="0"/>
+              <a:alphaOff val="0"/>
+            </a:schemeClr>
+          </a:solidFill>
+          <a:prstDash val="solid"/>
+          <a:miter lim="800000"/>
+        </a:ln>
+        <a:effectLst/>
+      </dsp:spPr>
+      <dsp:style>
+        <a:lnRef idx="2">
+          <a:scrgbClr r="0" g="0" b="0"/>
+        </a:lnRef>
+        <a:fillRef idx="0">
+          <a:scrgbClr r="0" g="0" b="0"/>
+        </a:fillRef>
+        <a:effectRef idx="0">
+          <a:scrgbClr r="0" g="0" b="0"/>
+        </a:effectRef>
+        <a:fontRef idx="minor"/>
+      </dsp:style>
+    </dsp:sp>
+    <dsp:sp modelId="{BB0A3D94-040C-C347-942D-C82ABD34BD04}">
+      <dsp:nvSpPr>
+        <dsp:cNvPr id="0" name=""/>
+        <dsp:cNvSpPr/>
+      </dsp:nvSpPr>
+      <dsp:spPr>
+        <a:xfrm>
+          <a:off x="5250433" y="2955663"/>
+          <a:ext cx="91440" cy="164654"/>
+        </a:xfrm>
+        <a:custGeom>
+          <a:avLst/>
+          <a:gdLst/>
+          <a:ahLst/>
+          <a:cxnLst/>
+          <a:rect l="0" t="0" r="0" b="0"/>
+          <a:pathLst>
+            <a:path>
+              <a:moveTo>
+                <a:pt x="45720" y="0"/>
+              </a:moveTo>
+              <a:lnTo>
+                <a:pt x="45720" y="164654"/>
+              </a:lnTo>
+            </a:path>
+          </a:pathLst>
+        </a:custGeom>
+        <a:noFill/>
+        <a:ln w="19050" cap="flat" cmpd="sng" algn="ctr">
+          <a:solidFill>
+            <a:schemeClr val="accent1">
+              <a:shade val="80000"/>
+              <a:hueOff val="0"/>
+              <a:satOff val="0"/>
+              <a:lumOff val="0"/>
+              <a:alphaOff val="0"/>
+            </a:schemeClr>
+          </a:solidFill>
+          <a:prstDash val="solid"/>
+          <a:miter lim="800000"/>
+        </a:ln>
+        <a:effectLst/>
+      </dsp:spPr>
+      <dsp:style>
+        <a:lnRef idx="2">
+          <a:scrgbClr r="0" g="0" b="0"/>
+        </a:lnRef>
+        <a:fillRef idx="0">
+          <a:scrgbClr r="0" g="0" b="0"/>
+        </a:fillRef>
+        <a:effectRef idx="0">
+          <a:scrgbClr r="0" g="0" b="0"/>
+        </a:effectRef>
+        <a:fontRef idx="minor"/>
+      </dsp:style>
+    </dsp:sp>
+    <dsp:sp modelId="{53F2B5E7-82F5-8C45-A361-CF80389F1529}">
+      <dsp:nvSpPr>
+        <dsp:cNvPr id="0" name=""/>
+        <dsp:cNvSpPr/>
+      </dsp:nvSpPr>
+      <dsp:spPr>
+        <a:xfrm>
+          <a:off x="2421229" y="2955663"/>
+          <a:ext cx="2874924" cy="164654"/>
+        </a:xfrm>
+        <a:custGeom>
+          <a:avLst/>
+          <a:gdLst/>
+          <a:ahLst/>
+          <a:cxnLst/>
+          <a:rect l="0" t="0" r="0" b="0"/>
+          <a:pathLst>
+            <a:path>
+              <a:moveTo>
+                <a:pt x="2874924" y="0"/>
+              </a:moveTo>
+              <a:lnTo>
+                <a:pt x="2874924" y="82980"/>
+              </a:lnTo>
+              <a:lnTo>
+                <a:pt x="0" y="82980"/>
+              </a:lnTo>
+              <a:lnTo>
+                <a:pt x="0" y="164654"/>
+              </a:lnTo>
+            </a:path>
+          </a:pathLst>
+        </a:custGeom>
+        <a:noFill/>
+        <a:ln w="19050" cap="flat" cmpd="sng" algn="ctr">
+          <a:solidFill>
+            <a:schemeClr val="accent1">
+              <a:shade val="80000"/>
+              <a:hueOff val="0"/>
+              <a:satOff val="0"/>
+              <a:lumOff val="0"/>
+              <a:alphaOff val="0"/>
+            </a:schemeClr>
+          </a:solidFill>
+          <a:prstDash val="solid"/>
+          <a:miter lim="800000"/>
+        </a:ln>
+        <a:effectLst/>
+      </dsp:spPr>
+      <dsp:style>
+        <a:lnRef idx="2">
+          <a:scrgbClr r="0" g="0" b="0"/>
+        </a:lnRef>
+        <a:fillRef idx="0">
+          <a:scrgbClr r="0" g="0" b="0"/>
+        </a:fillRef>
+        <a:effectRef idx="0">
+          <a:scrgbClr r="0" g="0" b="0"/>
+        </a:effectRef>
+        <a:fontRef idx="minor"/>
+      </dsp:style>
+    </dsp:sp>
+    <dsp:sp modelId="{661F5ABC-E7AE-B04D-85E8-365731290AD6}">
+      <dsp:nvSpPr>
+        <dsp:cNvPr id="0" name=""/>
+        <dsp:cNvSpPr/>
+      </dsp:nvSpPr>
+      <dsp:spPr>
+        <a:xfrm>
+          <a:off x="983767" y="3643032"/>
+          <a:ext cx="718731" cy="164654"/>
+        </a:xfrm>
+        <a:custGeom>
+          <a:avLst/>
+          <a:gdLst/>
+          <a:ahLst/>
+          <a:cxnLst/>
+          <a:rect l="0" t="0" r="0" b="0"/>
+          <a:pathLst>
+            <a:path>
+              <a:moveTo>
+                <a:pt x="0" y="0"/>
+              </a:moveTo>
+              <a:lnTo>
+                <a:pt x="0" y="82980"/>
+              </a:lnTo>
+              <a:lnTo>
+                <a:pt x="718731" y="82980"/>
+              </a:lnTo>
+              <a:lnTo>
+                <a:pt x="718731" y="164654"/>
+              </a:lnTo>
+            </a:path>
+          </a:pathLst>
+        </a:custGeom>
+        <a:noFill/>
+        <a:ln w="19050" cap="flat" cmpd="sng" algn="ctr">
+          <a:solidFill>
+            <a:schemeClr val="accent1">
+              <a:shade val="80000"/>
+              <a:hueOff val="0"/>
+              <a:satOff val="0"/>
+              <a:lumOff val="0"/>
+              <a:alphaOff val="0"/>
+            </a:schemeClr>
+          </a:solidFill>
+          <a:prstDash val="solid"/>
+          <a:miter lim="800000"/>
+        </a:ln>
+        <a:effectLst/>
+      </dsp:spPr>
+      <dsp:style>
+        <a:lnRef idx="2">
+          <a:scrgbClr r="0" g="0" b="0"/>
+        </a:lnRef>
+        <a:fillRef idx="0">
+          <a:scrgbClr r="0" g="0" b="0"/>
+        </a:fillRef>
+        <a:effectRef idx="0">
+          <a:scrgbClr r="0" g="0" b="0"/>
+        </a:effectRef>
+        <a:fontRef idx="minor"/>
+      </dsp:style>
+    </dsp:sp>
+    <dsp:sp modelId="{3C472F20-9C48-4141-BDF3-0C5998C5CB39}">
+      <dsp:nvSpPr>
+        <dsp:cNvPr id="0" name=""/>
+        <dsp:cNvSpPr/>
+      </dsp:nvSpPr>
+      <dsp:spPr>
+        <a:xfrm>
+          <a:off x="265036" y="3643032"/>
+          <a:ext cx="718731" cy="164654"/>
+        </a:xfrm>
+        <a:custGeom>
+          <a:avLst/>
+          <a:gdLst/>
+          <a:ahLst/>
+          <a:cxnLst/>
+          <a:rect l="0" t="0" r="0" b="0"/>
+          <a:pathLst>
+            <a:path>
+              <a:moveTo>
+                <a:pt x="718731" y="0"/>
+              </a:moveTo>
+              <a:lnTo>
+                <a:pt x="718731" y="82980"/>
+              </a:lnTo>
+              <a:lnTo>
+                <a:pt x="0" y="82980"/>
+              </a:lnTo>
+              <a:lnTo>
+                <a:pt x="0" y="164654"/>
+              </a:lnTo>
+            </a:path>
+          </a:pathLst>
+        </a:custGeom>
+        <a:noFill/>
+        <a:ln w="19050" cap="flat" cmpd="sng" algn="ctr">
+          <a:solidFill>
+            <a:schemeClr val="accent1">
+              <a:shade val="80000"/>
+              <a:hueOff val="0"/>
+              <a:satOff val="0"/>
+              <a:lumOff val="0"/>
+              <a:alphaOff val="0"/>
+            </a:schemeClr>
+          </a:solidFill>
+          <a:prstDash val="solid"/>
+          <a:miter lim="800000"/>
+        </a:ln>
+        <a:effectLst/>
+      </dsp:spPr>
+      <dsp:style>
+        <a:lnRef idx="2">
+          <a:scrgbClr r="0" g="0" b="0"/>
+        </a:lnRef>
+        <a:fillRef idx="0">
+          <a:scrgbClr r="0" g="0" b="0"/>
+        </a:fillRef>
+        <a:effectRef idx="0">
+          <a:scrgbClr r="0" g="0" b="0"/>
+        </a:effectRef>
+        <a:fontRef idx="minor"/>
+      </dsp:style>
+    </dsp:sp>
+    <dsp:sp modelId="{2672E379-E707-824E-A8BC-07ED40E92177}">
+      <dsp:nvSpPr>
+        <dsp:cNvPr id="0" name=""/>
+        <dsp:cNvSpPr/>
+      </dsp:nvSpPr>
+      <dsp:spPr>
+        <a:xfrm>
+          <a:off x="983767" y="2955663"/>
+          <a:ext cx="4312386" cy="164654"/>
+        </a:xfrm>
+        <a:custGeom>
+          <a:avLst/>
+          <a:gdLst/>
+          <a:ahLst/>
+          <a:cxnLst/>
+          <a:rect l="0" t="0" r="0" b="0"/>
+          <a:pathLst>
+            <a:path>
+              <a:moveTo>
+                <a:pt x="4312386" y="0"/>
+              </a:moveTo>
+              <a:lnTo>
+                <a:pt x="4312386" y="82980"/>
+              </a:lnTo>
+              <a:lnTo>
+                <a:pt x="0" y="82980"/>
+              </a:lnTo>
+              <a:lnTo>
+                <a:pt x="0" y="164654"/>
+              </a:lnTo>
+            </a:path>
+          </a:pathLst>
+        </a:custGeom>
+        <a:noFill/>
+        <a:ln w="19050" cap="flat" cmpd="sng" algn="ctr">
+          <a:solidFill>
+            <a:schemeClr val="accent1">
+              <a:shade val="80000"/>
+              <a:hueOff val="0"/>
+              <a:satOff val="0"/>
+              <a:lumOff val="0"/>
+              <a:alphaOff val="0"/>
+            </a:schemeClr>
+          </a:solidFill>
+          <a:prstDash val="solid"/>
+          <a:miter lim="800000"/>
+        </a:ln>
+        <a:effectLst/>
+      </dsp:spPr>
+      <dsp:style>
+        <a:lnRef idx="2">
+          <a:scrgbClr r="0" g="0" b="0"/>
+        </a:lnRef>
+        <a:fillRef idx="0">
+          <a:scrgbClr r="0" g="0" b="0"/>
+        </a:fillRef>
+        <a:effectRef idx="0">
+          <a:scrgbClr r="0" g="0" b="0"/>
+        </a:effectRef>
+        <a:fontRef idx="minor"/>
+      </dsp:style>
+    </dsp:sp>
+    <dsp:sp modelId="{5577D37C-3C17-D14C-A5D9-B2AF935C144D}">
+      <dsp:nvSpPr>
+        <dsp:cNvPr id="0" name=""/>
+        <dsp:cNvSpPr/>
+      </dsp:nvSpPr>
+      <dsp:spPr>
+        <a:xfrm>
+          <a:off x="5296153" y="2293412"/>
+          <a:ext cx="688591" cy="139538"/>
+        </a:xfrm>
+        <a:custGeom>
+          <a:avLst/>
+          <a:gdLst/>
+          <a:ahLst/>
+          <a:cxnLst/>
+          <a:rect l="0" t="0" r="0" b="0"/>
+          <a:pathLst>
+            <a:path>
+              <a:moveTo>
+                <a:pt x="688591" y="0"/>
+              </a:moveTo>
+              <a:lnTo>
+                <a:pt x="688591" y="57864"/>
+              </a:lnTo>
+              <a:lnTo>
+                <a:pt x="0" y="57864"/>
+              </a:lnTo>
+              <a:lnTo>
+                <a:pt x="0" y="139538"/>
+              </a:lnTo>
+            </a:path>
+          </a:pathLst>
+        </a:custGeom>
+        <a:noFill/>
+        <a:ln w="19050" cap="flat" cmpd="sng" algn="ctr">
+          <a:solidFill>
+            <a:schemeClr val="accent1">
+              <a:shade val="60000"/>
+              <a:hueOff val="0"/>
+              <a:satOff val="0"/>
+              <a:lumOff val="0"/>
+              <a:alphaOff val="0"/>
+            </a:schemeClr>
+          </a:solidFill>
+          <a:prstDash val="solid"/>
+          <a:miter lim="800000"/>
+        </a:ln>
+        <a:effectLst/>
+      </dsp:spPr>
+      <dsp:style>
+        <a:lnRef idx="2">
+          <a:scrgbClr r="0" g="0" b="0"/>
+        </a:lnRef>
+        <a:fillRef idx="0">
+          <a:scrgbClr r="0" g="0" b="0"/>
+        </a:fillRef>
+        <a:effectRef idx="0">
+          <a:scrgbClr r="0" g="0" b="0"/>
+        </a:effectRef>
+        <a:fontRef idx="minor"/>
+      </dsp:style>
+    </dsp:sp>
+    <dsp:sp modelId="{3FDD47A6-4F6E-8D40-A2B5-E1F43A676AF8}">
+      <dsp:nvSpPr>
+        <dsp:cNvPr id="0" name=""/>
+        <dsp:cNvSpPr/>
+      </dsp:nvSpPr>
+      <dsp:spPr>
+        <a:xfrm>
+          <a:off x="5723388" y="1770698"/>
+          <a:ext cx="522713" cy="522713"/>
+        </a:xfrm>
+        <a:prstGeom prst="ellipse">
+          <a:avLst/>
+        </a:prstGeom>
+        <a:solidFill>
+          <a:schemeClr val="accent1">
+            <a:hueOff val="0"/>
+            <a:satOff val="0"/>
+            <a:lumOff val="0"/>
+            <a:alphaOff val="0"/>
+          </a:schemeClr>
+        </a:solidFill>
+        <a:ln w="19050" cap="flat" cmpd="sng" algn="ctr">
+          <a:solidFill>
+            <a:schemeClr val="lt1">
+              <a:hueOff val="0"/>
+              <a:satOff val="0"/>
+              <a:lumOff val="0"/>
+              <a:alphaOff val="0"/>
+            </a:schemeClr>
+          </a:solidFill>
+          <a:prstDash val="solid"/>
+          <a:miter lim="800000"/>
+        </a:ln>
+        <a:effectLst/>
+      </dsp:spPr>
+      <dsp:style>
+        <a:lnRef idx="2">
+          <a:scrgbClr r="0" g="0" b="0"/>
+        </a:lnRef>
+        <a:fillRef idx="1">
+          <a:scrgbClr r="0" g="0" b="0"/>
+        </a:fillRef>
+        <a:effectRef idx="0">
+          <a:scrgbClr r="0" g="0" b="0"/>
+        </a:effectRef>
+        <a:fontRef idx="minor">
+          <a:schemeClr val="lt1"/>
+        </a:fontRef>
+      </dsp:style>
+    </dsp:sp>
+    <dsp:sp modelId="{CCEEE2D6-966A-8248-A58C-4B3105F06552}">
+      <dsp:nvSpPr>
+        <dsp:cNvPr id="0" name=""/>
+        <dsp:cNvSpPr/>
+      </dsp:nvSpPr>
+      <dsp:spPr>
+        <a:xfrm>
+          <a:off x="6276241" y="1744275"/>
+          <a:ext cx="784070" cy="522713"/>
+        </a:xfrm>
+        <a:prstGeom prst="rect">
+          <a:avLst/>
+        </a:prstGeom>
+        <a:noFill/>
+        <a:ln>
+          <a:noFill/>
+        </a:ln>
+        <a:effectLst/>
+      </dsp:spPr>
+      <dsp:style>
+        <a:lnRef idx="0">
+          <a:scrgbClr r="0" g="0" b="0"/>
+        </a:lnRef>
+        <a:fillRef idx="0">
+          <a:scrgbClr r="0" g="0" b="0"/>
+        </a:fillRef>
+        <a:effectRef idx="0">
+          <a:scrgbClr r="0" g="0" b="0"/>
+        </a:effectRef>
+        <a:fontRef idx="minor"/>
+      </dsp:style>
+      <dsp:txBody>
+        <a:bodyPr spcFirstLastPara="0" vert="horz" wrap="square" lIns="41910" tIns="41910" rIns="41910" bIns="41910" numCol="1" spcCol="1270" anchor="ctr" anchorCtr="0">
+          <a:noAutofit/>
+        </a:bodyPr>
+        <a:lstStyle/>
+        <a:p>
+          <a:pPr marL="0" lvl="0" indent="0" algn="l" defTabSz="488950">
+            <a:lnSpc>
+              <a:spcPct val="90000"/>
+            </a:lnSpc>
+            <a:spcBef>
+              <a:spcPct val="0"/>
+            </a:spcBef>
+            <a:spcAft>
+              <a:spcPct val="35000"/>
+            </a:spcAft>
+            <a:buNone/>
+          </a:pPr>
+          <a:r>
+            <a:rPr lang="en-GB" sz="1100" kern="1200" dirty="0"/>
+            <a:t>Document</a:t>
+          </a:r>
+        </a:p>
+      </dsp:txBody>
+      <dsp:txXfrm>
+        <a:off x="6276241" y="1744275"/>
+        <a:ext cx="784070" cy="522713"/>
+      </dsp:txXfrm>
+    </dsp:sp>
+    <dsp:sp modelId="{38569D98-6699-FB47-8E44-C108D9A03940}">
+      <dsp:nvSpPr>
+        <dsp:cNvPr id="0" name=""/>
+        <dsp:cNvSpPr/>
+      </dsp:nvSpPr>
+      <dsp:spPr>
+        <a:xfrm>
+          <a:off x="5034797" y="2432950"/>
+          <a:ext cx="522713" cy="522713"/>
+        </a:xfrm>
+        <a:prstGeom prst="ellipse">
+          <a:avLst/>
+        </a:prstGeom>
+        <a:solidFill>
+          <a:schemeClr val="accent1">
+            <a:hueOff val="0"/>
+            <a:satOff val="0"/>
+            <a:lumOff val="0"/>
+            <a:alphaOff val="0"/>
+          </a:schemeClr>
+        </a:solidFill>
+        <a:ln w="19050" cap="flat" cmpd="sng" algn="ctr">
+          <a:solidFill>
+            <a:schemeClr val="lt1">
+              <a:hueOff val="0"/>
+              <a:satOff val="0"/>
+              <a:lumOff val="0"/>
+              <a:alphaOff val="0"/>
+            </a:schemeClr>
+          </a:solidFill>
+          <a:prstDash val="solid"/>
+          <a:miter lim="800000"/>
+        </a:ln>
+        <a:effectLst/>
+      </dsp:spPr>
+      <dsp:style>
+        <a:lnRef idx="2">
+          <a:scrgbClr r="0" g="0" b="0"/>
+        </a:lnRef>
+        <a:fillRef idx="1">
+          <a:scrgbClr r="0" g="0" b="0"/>
+        </a:fillRef>
+        <a:effectRef idx="0">
+          <a:scrgbClr r="0" g="0" b="0"/>
+        </a:effectRef>
+        <a:fontRef idx="minor">
+          <a:schemeClr val="lt1"/>
+        </a:fontRef>
+      </dsp:style>
+    </dsp:sp>
+    <dsp:sp modelId="{B47D7DAC-3B3E-1B4A-AE21-0F2FA543604A}">
+      <dsp:nvSpPr>
+        <dsp:cNvPr id="0" name=""/>
+        <dsp:cNvSpPr/>
+      </dsp:nvSpPr>
+      <dsp:spPr>
+        <a:xfrm>
+          <a:off x="5557510" y="2431643"/>
+          <a:ext cx="784070" cy="522713"/>
+        </a:xfrm>
+        <a:prstGeom prst="rect">
+          <a:avLst/>
+        </a:prstGeom>
+        <a:noFill/>
+        <a:ln>
+          <a:noFill/>
+        </a:ln>
+        <a:effectLst/>
+      </dsp:spPr>
+      <dsp:style>
+        <a:lnRef idx="0">
+          <a:scrgbClr r="0" g="0" b="0"/>
+        </a:lnRef>
+        <a:fillRef idx="0">
+          <a:scrgbClr r="0" g="0" b="0"/>
+        </a:fillRef>
+        <a:effectRef idx="0">
+          <a:scrgbClr r="0" g="0" b="0"/>
+        </a:effectRef>
+        <a:fontRef idx="minor"/>
+      </dsp:style>
+      <dsp:txBody>
+        <a:bodyPr spcFirstLastPara="0" vert="horz" wrap="square" lIns="41910" tIns="41910" rIns="41910" bIns="41910" numCol="1" spcCol="1270" anchor="ctr" anchorCtr="0">
+          <a:noAutofit/>
+        </a:bodyPr>
+        <a:lstStyle/>
+        <a:p>
+          <a:pPr marL="0" lvl="0" indent="0" algn="l" defTabSz="488950">
+            <a:lnSpc>
+              <a:spcPct val="90000"/>
+            </a:lnSpc>
+            <a:spcBef>
+              <a:spcPct val="0"/>
+            </a:spcBef>
+            <a:spcAft>
+              <a:spcPct val="35000"/>
+            </a:spcAft>
+            <a:buNone/>
+          </a:pPr>
+          <a:r>
+            <a:rPr lang="en-GB" sz="1100" kern="1200" dirty="0"/>
+            <a:t>HTML</a:t>
+          </a:r>
+        </a:p>
+      </dsp:txBody>
+      <dsp:txXfrm>
+        <a:off x="5557510" y="2431643"/>
+        <a:ext cx="784070" cy="522713"/>
+      </dsp:txXfrm>
+    </dsp:sp>
+    <dsp:sp modelId="{B1EF7F6E-A0BE-5B4D-B37E-E7F122EFC646}">
+      <dsp:nvSpPr>
+        <dsp:cNvPr id="0" name=""/>
+        <dsp:cNvSpPr/>
+      </dsp:nvSpPr>
+      <dsp:spPr>
+        <a:xfrm>
+          <a:off x="722411" y="3120318"/>
+          <a:ext cx="522713" cy="522713"/>
+        </a:xfrm>
+        <a:prstGeom prst="ellipse">
+          <a:avLst/>
+        </a:prstGeom>
+        <a:solidFill>
+          <a:schemeClr val="accent1">
+            <a:hueOff val="0"/>
+            <a:satOff val="0"/>
+            <a:lumOff val="0"/>
+            <a:alphaOff val="0"/>
+          </a:schemeClr>
+        </a:solidFill>
+        <a:ln w="19050" cap="flat" cmpd="sng" algn="ctr">
+          <a:solidFill>
+            <a:schemeClr val="lt1">
+              <a:hueOff val="0"/>
+              <a:satOff val="0"/>
+              <a:lumOff val="0"/>
+              <a:alphaOff val="0"/>
+            </a:schemeClr>
+          </a:solidFill>
+          <a:prstDash val="solid"/>
+          <a:miter lim="800000"/>
+        </a:ln>
+        <a:effectLst/>
+      </dsp:spPr>
+      <dsp:style>
+        <a:lnRef idx="2">
+          <a:scrgbClr r="0" g="0" b="0"/>
+        </a:lnRef>
+        <a:fillRef idx="1">
+          <a:scrgbClr r="0" g="0" b="0"/>
+        </a:fillRef>
+        <a:effectRef idx="0">
+          <a:scrgbClr r="0" g="0" b="0"/>
+        </a:effectRef>
+        <a:fontRef idx="minor">
+          <a:schemeClr val="lt1"/>
+        </a:fontRef>
+      </dsp:style>
+    </dsp:sp>
+    <dsp:sp modelId="{09D50664-D94F-E142-B637-E3AABF1900CD}">
+      <dsp:nvSpPr>
+        <dsp:cNvPr id="0" name=""/>
+        <dsp:cNvSpPr/>
+      </dsp:nvSpPr>
+      <dsp:spPr>
+        <a:xfrm>
+          <a:off x="1245124" y="3119011"/>
+          <a:ext cx="784070" cy="522713"/>
+        </a:xfrm>
+        <a:prstGeom prst="rect">
+          <a:avLst/>
+        </a:prstGeom>
+        <a:noFill/>
+        <a:ln>
+          <a:noFill/>
+        </a:ln>
+        <a:effectLst/>
+      </dsp:spPr>
+      <dsp:style>
+        <a:lnRef idx="0">
+          <a:scrgbClr r="0" g="0" b="0"/>
+        </a:lnRef>
+        <a:fillRef idx="0">
+          <a:scrgbClr r="0" g="0" b="0"/>
+        </a:fillRef>
+        <a:effectRef idx="0">
+          <a:scrgbClr r="0" g="0" b="0"/>
+        </a:effectRef>
+        <a:fontRef idx="minor"/>
+      </dsp:style>
+      <dsp:txBody>
+        <a:bodyPr spcFirstLastPara="0" vert="horz" wrap="square" lIns="41910" tIns="41910" rIns="41910" bIns="41910" numCol="1" spcCol="1270" anchor="ctr" anchorCtr="0">
+          <a:noAutofit/>
+        </a:bodyPr>
+        <a:lstStyle/>
+        <a:p>
+          <a:pPr marL="0" lvl="0" indent="0" algn="l" defTabSz="488950">
+            <a:lnSpc>
+              <a:spcPct val="90000"/>
+            </a:lnSpc>
+            <a:spcBef>
+              <a:spcPct val="0"/>
+            </a:spcBef>
+            <a:spcAft>
+              <a:spcPct val="35000"/>
+            </a:spcAft>
+            <a:buNone/>
+          </a:pPr>
+          <a:r>
+            <a:rPr lang="en-GB" sz="1100" kern="1200" dirty="0"/>
+            <a:t>head</a:t>
+          </a:r>
+        </a:p>
+      </dsp:txBody>
+      <dsp:txXfrm>
+        <a:off x="1245124" y="3119011"/>
+        <a:ext cx="784070" cy="522713"/>
+      </dsp:txXfrm>
+    </dsp:sp>
+    <dsp:sp modelId="{F2642FB8-52C2-4240-8CD3-38ADD431A3EF}">
+      <dsp:nvSpPr>
+        <dsp:cNvPr id="0" name=""/>
+        <dsp:cNvSpPr/>
+      </dsp:nvSpPr>
+      <dsp:spPr>
+        <a:xfrm>
+          <a:off x="3680" y="3807686"/>
+          <a:ext cx="522713" cy="522713"/>
+        </a:xfrm>
+        <a:prstGeom prst="ellipse">
+          <a:avLst/>
+        </a:prstGeom>
+        <a:solidFill>
+          <a:schemeClr val="accent1">
+            <a:hueOff val="0"/>
+            <a:satOff val="0"/>
+            <a:lumOff val="0"/>
+            <a:alphaOff val="0"/>
+          </a:schemeClr>
+        </a:solidFill>
+        <a:ln w="19050" cap="flat" cmpd="sng" algn="ctr">
+          <a:solidFill>
+            <a:schemeClr val="lt1">
+              <a:hueOff val="0"/>
+              <a:satOff val="0"/>
+              <a:lumOff val="0"/>
+              <a:alphaOff val="0"/>
+            </a:schemeClr>
+          </a:solidFill>
+          <a:prstDash val="solid"/>
+          <a:miter lim="800000"/>
+        </a:ln>
+        <a:effectLst/>
+      </dsp:spPr>
+      <dsp:style>
+        <a:lnRef idx="2">
+          <a:scrgbClr r="0" g="0" b="0"/>
+        </a:lnRef>
+        <a:fillRef idx="1">
+          <a:scrgbClr r="0" g="0" b="0"/>
+        </a:fillRef>
+        <a:effectRef idx="0">
+          <a:scrgbClr r="0" g="0" b="0"/>
+        </a:effectRef>
+        <a:fontRef idx="minor">
+          <a:schemeClr val="lt1"/>
+        </a:fontRef>
+      </dsp:style>
+    </dsp:sp>
+    <dsp:sp modelId="{06041617-B361-F14C-93D3-AE32C9B58C96}">
+      <dsp:nvSpPr>
+        <dsp:cNvPr id="0" name=""/>
+        <dsp:cNvSpPr/>
+      </dsp:nvSpPr>
+      <dsp:spPr>
+        <a:xfrm>
+          <a:off x="526393" y="3806380"/>
+          <a:ext cx="784070" cy="522713"/>
+        </a:xfrm>
+        <a:prstGeom prst="rect">
+          <a:avLst/>
+        </a:prstGeom>
+        <a:noFill/>
+        <a:ln>
+          <a:noFill/>
+        </a:ln>
+        <a:effectLst/>
+      </dsp:spPr>
+      <dsp:style>
+        <a:lnRef idx="0">
+          <a:scrgbClr r="0" g="0" b="0"/>
+        </a:lnRef>
+        <a:fillRef idx="0">
+          <a:scrgbClr r="0" g="0" b="0"/>
+        </a:fillRef>
+        <a:effectRef idx="0">
+          <a:scrgbClr r="0" g="0" b="0"/>
+        </a:effectRef>
+        <a:fontRef idx="minor"/>
+      </dsp:style>
+      <dsp:txBody>
+        <a:bodyPr spcFirstLastPara="0" vert="horz" wrap="square" lIns="41910" tIns="41910" rIns="41910" bIns="41910" numCol="1" spcCol="1270" anchor="ctr" anchorCtr="0">
+          <a:noAutofit/>
+        </a:bodyPr>
+        <a:lstStyle/>
+        <a:p>
+          <a:pPr marL="0" lvl="0" indent="0" algn="l" defTabSz="488950">
+            <a:lnSpc>
+              <a:spcPct val="90000"/>
+            </a:lnSpc>
+            <a:spcBef>
+              <a:spcPct val="0"/>
+            </a:spcBef>
+            <a:spcAft>
+              <a:spcPct val="35000"/>
+            </a:spcAft>
+            <a:buNone/>
+          </a:pPr>
+          <a:r>
+            <a:rPr lang="en-GB" sz="1100" kern="1200" dirty="0"/>
+            <a:t>ns</a:t>
+          </a:r>
+        </a:p>
+      </dsp:txBody>
+      <dsp:txXfrm>
+        <a:off x="526393" y="3806380"/>
+        <a:ext cx="784070" cy="522713"/>
+      </dsp:txXfrm>
+    </dsp:sp>
+    <dsp:sp modelId="{5B989FF1-A94A-C34C-A667-463A83D37572}">
+      <dsp:nvSpPr>
+        <dsp:cNvPr id="0" name=""/>
+        <dsp:cNvSpPr/>
+      </dsp:nvSpPr>
+      <dsp:spPr>
+        <a:xfrm>
+          <a:off x="1441142" y="3807686"/>
+          <a:ext cx="522713" cy="522713"/>
+        </a:xfrm>
+        <a:prstGeom prst="ellipse">
+          <a:avLst/>
+        </a:prstGeom>
+        <a:solidFill>
+          <a:schemeClr val="accent1">
+            <a:hueOff val="0"/>
+            <a:satOff val="0"/>
+            <a:lumOff val="0"/>
+            <a:alphaOff val="0"/>
+          </a:schemeClr>
+        </a:solidFill>
+        <a:ln w="19050" cap="flat" cmpd="sng" algn="ctr">
+          <a:solidFill>
+            <a:schemeClr val="lt1">
+              <a:hueOff val="0"/>
+              <a:satOff val="0"/>
+              <a:lumOff val="0"/>
+              <a:alphaOff val="0"/>
+            </a:schemeClr>
+          </a:solidFill>
+          <a:prstDash val="solid"/>
+          <a:miter lim="800000"/>
+        </a:ln>
+        <a:effectLst/>
+      </dsp:spPr>
+      <dsp:style>
+        <a:lnRef idx="2">
+          <a:scrgbClr r="0" g="0" b="0"/>
+        </a:lnRef>
+        <a:fillRef idx="1">
+          <a:scrgbClr r="0" g="0" b="0"/>
+        </a:fillRef>
+        <a:effectRef idx="0">
+          <a:scrgbClr r="0" g="0" b="0"/>
+        </a:effectRef>
+        <a:fontRef idx="minor">
+          <a:schemeClr val="lt1"/>
+        </a:fontRef>
+      </dsp:style>
+    </dsp:sp>
+    <dsp:sp modelId="{D796FF64-D43A-BF46-8E52-DDE6395C823E}">
+      <dsp:nvSpPr>
+        <dsp:cNvPr id="0" name=""/>
+        <dsp:cNvSpPr/>
+      </dsp:nvSpPr>
+      <dsp:spPr>
+        <a:xfrm>
+          <a:off x="1963855" y="3806380"/>
+          <a:ext cx="784070" cy="522713"/>
+        </a:xfrm>
+        <a:prstGeom prst="rect">
+          <a:avLst/>
+        </a:prstGeom>
+        <a:noFill/>
+        <a:ln>
+          <a:noFill/>
+        </a:ln>
+        <a:effectLst/>
+      </dsp:spPr>
+      <dsp:style>
+        <a:lnRef idx="0">
+          <a:scrgbClr r="0" g="0" b="0"/>
+        </a:lnRef>
+        <a:fillRef idx="0">
+          <a:scrgbClr r="0" g="0" b="0"/>
+        </a:fillRef>
+        <a:effectRef idx="0">
+          <a:scrgbClr r="0" g="0" b="0"/>
+        </a:effectRef>
+        <a:fontRef idx="minor"/>
+      </dsp:style>
+      <dsp:txBody>
+        <a:bodyPr spcFirstLastPara="0" vert="horz" wrap="square" lIns="41910" tIns="41910" rIns="41910" bIns="41910" numCol="1" spcCol="1270" anchor="ctr" anchorCtr="0">
+          <a:noAutofit/>
+        </a:bodyPr>
+        <a:lstStyle/>
+        <a:p>
+          <a:pPr marL="0" lvl="0" indent="0" algn="l" defTabSz="488950">
+            <a:lnSpc>
+              <a:spcPct val="90000"/>
+            </a:lnSpc>
+            <a:spcBef>
+              <a:spcPct val="0"/>
+            </a:spcBef>
+            <a:spcAft>
+              <a:spcPct val="35000"/>
+            </a:spcAft>
+            <a:buNone/>
+          </a:pPr>
+          <a:r>
+            <a:rPr lang="en-GB" sz="1100" kern="1200" dirty="0"/>
+            <a:t>title</a:t>
+          </a:r>
+        </a:p>
+      </dsp:txBody>
+      <dsp:txXfrm>
+        <a:off x="1963855" y="3806380"/>
+        <a:ext cx="784070" cy="522713"/>
+      </dsp:txXfrm>
+    </dsp:sp>
+    <dsp:sp modelId="{D990D70D-07C6-2A49-BD65-6C17F3000574}">
+      <dsp:nvSpPr>
+        <dsp:cNvPr id="0" name=""/>
+        <dsp:cNvSpPr/>
+      </dsp:nvSpPr>
+      <dsp:spPr>
+        <a:xfrm>
+          <a:off x="2159873" y="3120318"/>
+          <a:ext cx="522713" cy="522713"/>
+        </a:xfrm>
+        <a:prstGeom prst="ellipse">
+          <a:avLst/>
+        </a:prstGeom>
+        <a:solidFill>
+          <a:schemeClr val="accent1">
+            <a:hueOff val="0"/>
+            <a:satOff val="0"/>
+            <a:lumOff val="0"/>
+            <a:alphaOff val="0"/>
+          </a:schemeClr>
+        </a:solidFill>
+        <a:ln w="19050" cap="flat" cmpd="sng" algn="ctr">
+          <a:solidFill>
+            <a:schemeClr val="lt1">
+              <a:hueOff val="0"/>
+              <a:satOff val="0"/>
+              <a:lumOff val="0"/>
+              <a:alphaOff val="0"/>
+            </a:schemeClr>
+          </a:solidFill>
+          <a:prstDash val="solid"/>
+          <a:miter lim="800000"/>
+        </a:ln>
+        <a:effectLst/>
+      </dsp:spPr>
+      <dsp:style>
+        <a:lnRef idx="2">
+          <a:scrgbClr r="0" g="0" b="0"/>
+        </a:lnRef>
+        <a:fillRef idx="1">
+          <a:scrgbClr r="0" g="0" b="0"/>
+        </a:fillRef>
+        <a:effectRef idx="0">
+          <a:scrgbClr r="0" g="0" b="0"/>
+        </a:effectRef>
+        <a:fontRef idx="minor">
+          <a:schemeClr val="lt1"/>
+        </a:fontRef>
+      </dsp:style>
+    </dsp:sp>
+    <dsp:sp modelId="{18516E44-B3BA-8B48-AF42-1E731AC7093B}">
+      <dsp:nvSpPr>
+        <dsp:cNvPr id="0" name=""/>
+        <dsp:cNvSpPr/>
+      </dsp:nvSpPr>
+      <dsp:spPr>
+        <a:xfrm>
+          <a:off x="2682586" y="3119011"/>
+          <a:ext cx="784070" cy="522713"/>
+        </a:xfrm>
+        <a:prstGeom prst="rect">
+          <a:avLst/>
+        </a:prstGeom>
+        <a:noFill/>
+        <a:ln>
+          <a:noFill/>
+        </a:ln>
+        <a:effectLst/>
+      </dsp:spPr>
+      <dsp:style>
+        <a:lnRef idx="0">
+          <a:scrgbClr r="0" g="0" b="0"/>
+        </a:lnRef>
+        <a:fillRef idx="0">
+          <a:scrgbClr r="0" g="0" b="0"/>
+        </a:fillRef>
+        <a:effectRef idx="0">
+          <a:scrgbClr r="0" g="0" b="0"/>
+        </a:effectRef>
+        <a:fontRef idx="minor"/>
+      </dsp:style>
+      <dsp:txBody>
+        <a:bodyPr spcFirstLastPara="0" vert="horz" wrap="square" lIns="41910" tIns="41910" rIns="41910" bIns="41910" numCol="1" spcCol="1270" anchor="ctr" anchorCtr="0">
+          <a:noAutofit/>
+        </a:bodyPr>
+        <a:lstStyle/>
+        <a:p>
+          <a:pPr marL="0" lvl="0" indent="0" algn="l" defTabSz="488950">
+            <a:lnSpc>
+              <a:spcPct val="90000"/>
+            </a:lnSpc>
+            <a:spcBef>
+              <a:spcPct val="0"/>
+            </a:spcBef>
+            <a:spcAft>
+              <a:spcPct val="35000"/>
+            </a:spcAft>
+            <a:buNone/>
+          </a:pPr>
+          <a:r>
+            <a:rPr lang="en-GB" sz="1100" kern="1200" dirty="0"/>
+            <a:t>ns</a:t>
+          </a:r>
+        </a:p>
+      </dsp:txBody>
+      <dsp:txXfrm>
+        <a:off x="2682586" y="3119011"/>
+        <a:ext cx="784070" cy="522713"/>
+      </dsp:txXfrm>
+    </dsp:sp>
+    <dsp:sp modelId="{EF71A65A-D56D-2B44-9B90-69CE3747089F}">
+      <dsp:nvSpPr>
+        <dsp:cNvPr id="0" name=""/>
+        <dsp:cNvSpPr/>
+      </dsp:nvSpPr>
+      <dsp:spPr>
+        <a:xfrm>
+          <a:off x="5034797" y="3120318"/>
+          <a:ext cx="522713" cy="522713"/>
+        </a:xfrm>
+        <a:prstGeom prst="ellipse">
+          <a:avLst/>
+        </a:prstGeom>
+        <a:solidFill>
+          <a:schemeClr val="accent1">
+            <a:hueOff val="0"/>
+            <a:satOff val="0"/>
+            <a:lumOff val="0"/>
+            <a:alphaOff val="0"/>
+          </a:schemeClr>
+        </a:solidFill>
+        <a:ln w="19050" cap="flat" cmpd="sng" algn="ctr">
+          <a:solidFill>
+            <a:schemeClr val="lt1">
+              <a:hueOff val="0"/>
+              <a:satOff val="0"/>
+              <a:lumOff val="0"/>
+              <a:alphaOff val="0"/>
+            </a:schemeClr>
+          </a:solidFill>
+          <a:prstDash val="solid"/>
+          <a:miter lim="800000"/>
+        </a:ln>
+        <a:effectLst/>
+      </dsp:spPr>
+      <dsp:style>
+        <a:lnRef idx="2">
+          <a:scrgbClr r="0" g="0" b="0"/>
+        </a:lnRef>
+        <a:fillRef idx="1">
+          <a:scrgbClr r="0" g="0" b="0"/>
+        </a:fillRef>
+        <a:effectRef idx="0">
+          <a:scrgbClr r="0" g="0" b="0"/>
+        </a:effectRef>
+        <a:fontRef idx="minor">
+          <a:schemeClr val="lt1"/>
+        </a:fontRef>
+      </dsp:style>
+    </dsp:sp>
+    <dsp:sp modelId="{E6348E2B-FA57-AB4F-9645-B723A64C15B5}">
+      <dsp:nvSpPr>
+        <dsp:cNvPr id="0" name=""/>
+        <dsp:cNvSpPr/>
+      </dsp:nvSpPr>
+      <dsp:spPr>
+        <a:xfrm>
+          <a:off x="5557510" y="3119011"/>
+          <a:ext cx="784070" cy="522713"/>
+        </a:xfrm>
+        <a:prstGeom prst="rect">
+          <a:avLst/>
+        </a:prstGeom>
+        <a:noFill/>
+        <a:ln>
+          <a:noFill/>
+        </a:ln>
+        <a:effectLst/>
+      </dsp:spPr>
+      <dsp:style>
+        <a:lnRef idx="0">
+          <a:scrgbClr r="0" g="0" b="0"/>
+        </a:lnRef>
+        <a:fillRef idx="0">
+          <a:scrgbClr r="0" g="0" b="0"/>
+        </a:fillRef>
+        <a:effectRef idx="0">
+          <a:scrgbClr r="0" g="0" b="0"/>
+        </a:effectRef>
+        <a:fontRef idx="minor"/>
+      </dsp:style>
+      <dsp:txBody>
+        <a:bodyPr spcFirstLastPara="0" vert="horz" wrap="square" lIns="41910" tIns="41910" rIns="41910" bIns="41910" numCol="1" spcCol="1270" anchor="ctr" anchorCtr="0">
+          <a:noAutofit/>
+        </a:bodyPr>
+        <a:lstStyle/>
+        <a:p>
+          <a:pPr marL="0" lvl="0" indent="0" algn="l" defTabSz="488950">
+            <a:lnSpc>
+              <a:spcPct val="90000"/>
+            </a:lnSpc>
+            <a:spcBef>
+              <a:spcPct val="0"/>
+            </a:spcBef>
+            <a:spcAft>
+              <a:spcPct val="35000"/>
+            </a:spcAft>
+            <a:buNone/>
+          </a:pPr>
+          <a:r>
+            <a:rPr lang="en-GB" sz="1100" kern="1200" dirty="0"/>
+            <a:t>body</a:t>
+          </a:r>
+        </a:p>
+      </dsp:txBody>
+      <dsp:txXfrm>
+        <a:off x="5557510" y="3119011"/>
+        <a:ext cx="784070" cy="522713"/>
+      </dsp:txXfrm>
+    </dsp:sp>
+    <dsp:sp modelId="{C2147B8F-703E-DC49-B5CA-9462BF191072}">
+      <dsp:nvSpPr>
+        <dsp:cNvPr id="0" name=""/>
+        <dsp:cNvSpPr/>
+      </dsp:nvSpPr>
+      <dsp:spPr>
+        <a:xfrm>
+          <a:off x="2878604" y="3807686"/>
+          <a:ext cx="522713" cy="522713"/>
+        </a:xfrm>
+        <a:prstGeom prst="ellipse">
+          <a:avLst/>
+        </a:prstGeom>
+        <a:solidFill>
+          <a:schemeClr val="accent1">
+            <a:hueOff val="0"/>
+            <a:satOff val="0"/>
+            <a:lumOff val="0"/>
+            <a:alphaOff val="0"/>
+          </a:schemeClr>
+        </a:solidFill>
+        <a:ln w="19050" cap="flat" cmpd="sng" algn="ctr">
+          <a:solidFill>
+            <a:schemeClr val="lt1">
+              <a:hueOff val="0"/>
+              <a:satOff val="0"/>
+              <a:lumOff val="0"/>
+              <a:alphaOff val="0"/>
+            </a:schemeClr>
+          </a:solidFill>
+          <a:prstDash val="solid"/>
+          <a:miter lim="800000"/>
+        </a:ln>
+        <a:effectLst/>
+      </dsp:spPr>
+      <dsp:style>
+        <a:lnRef idx="2">
+          <a:scrgbClr r="0" g="0" b="0"/>
+        </a:lnRef>
+        <a:fillRef idx="1">
+          <a:scrgbClr r="0" g="0" b="0"/>
+        </a:fillRef>
+        <a:effectRef idx="0">
+          <a:scrgbClr r="0" g="0" b="0"/>
+        </a:effectRef>
+        <a:fontRef idx="minor">
+          <a:schemeClr val="lt1"/>
+        </a:fontRef>
+      </dsp:style>
+    </dsp:sp>
+    <dsp:sp modelId="{91BA2647-6BE6-A14E-9FE6-F39F719F3C7A}">
+      <dsp:nvSpPr>
+        <dsp:cNvPr id="0" name=""/>
+        <dsp:cNvSpPr/>
+      </dsp:nvSpPr>
+      <dsp:spPr>
+        <a:xfrm>
+          <a:off x="3401317" y="3806380"/>
+          <a:ext cx="784070" cy="522713"/>
+        </a:xfrm>
+        <a:prstGeom prst="rect">
+          <a:avLst/>
+        </a:prstGeom>
+        <a:noFill/>
+        <a:ln>
+          <a:noFill/>
+        </a:ln>
+        <a:effectLst/>
+      </dsp:spPr>
+      <dsp:style>
+        <a:lnRef idx="0">
+          <a:scrgbClr r="0" g="0" b="0"/>
+        </a:lnRef>
+        <a:fillRef idx="0">
+          <a:scrgbClr r="0" g="0" b="0"/>
+        </a:fillRef>
+        <a:effectRef idx="0">
+          <a:scrgbClr r="0" g="0" b="0"/>
+        </a:effectRef>
+        <a:fontRef idx="minor"/>
+      </dsp:style>
+      <dsp:txBody>
+        <a:bodyPr spcFirstLastPara="0" vert="horz" wrap="square" lIns="41910" tIns="41910" rIns="41910" bIns="41910" numCol="1" spcCol="1270" anchor="ctr" anchorCtr="0">
+          <a:noAutofit/>
+        </a:bodyPr>
+        <a:lstStyle/>
+        <a:p>
+          <a:pPr marL="0" lvl="0" indent="0" algn="l" defTabSz="488950">
+            <a:lnSpc>
+              <a:spcPct val="90000"/>
+            </a:lnSpc>
+            <a:spcBef>
+              <a:spcPct val="0"/>
+            </a:spcBef>
+            <a:spcAft>
+              <a:spcPct val="35000"/>
+            </a:spcAft>
+            <a:buNone/>
+          </a:pPr>
+          <a:r>
+            <a:rPr lang="en-GB" sz="1100" kern="1200" dirty="0"/>
+            <a:t>ns</a:t>
+          </a:r>
+        </a:p>
+      </dsp:txBody>
+      <dsp:txXfrm>
+        <a:off x="3401317" y="3806380"/>
+        <a:ext cx="784070" cy="522713"/>
+      </dsp:txXfrm>
+    </dsp:sp>
+    <dsp:sp modelId="{50C220B5-16CB-B244-AEA1-66AB4AB198EB}">
+      <dsp:nvSpPr>
+        <dsp:cNvPr id="0" name=""/>
+        <dsp:cNvSpPr/>
+      </dsp:nvSpPr>
+      <dsp:spPr>
+        <a:xfrm>
+          <a:off x="4316066" y="3807686"/>
+          <a:ext cx="522713" cy="522713"/>
+        </a:xfrm>
+        <a:prstGeom prst="ellipse">
+          <a:avLst/>
+        </a:prstGeom>
+        <a:solidFill>
+          <a:schemeClr val="accent1">
+            <a:hueOff val="0"/>
+            <a:satOff val="0"/>
+            <a:lumOff val="0"/>
+            <a:alphaOff val="0"/>
+          </a:schemeClr>
+        </a:solidFill>
+        <a:ln w="19050" cap="flat" cmpd="sng" algn="ctr">
+          <a:solidFill>
+            <a:schemeClr val="lt1">
+              <a:hueOff val="0"/>
+              <a:satOff val="0"/>
+              <a:lumOff val="0"/>
+              <a:alphaOff val="0"/>
+            </a:schemeClr>
+          </a:solidFill>
+          <a:prstDash val="solid"/>
+          <a:miter lim="800000"/>
+        </a:ln>
+        <a:effectLst/>
+      </dsp:spPr>
+      <dsp:style>
+        <a:lnRef idx="2">
+          <a:scrgbClr r="0" g="0" b="0"/>
+        </a:lnRef>
+        <a:fillRef idx="1">
+          <a:scrgbClr r="0" g="0" b="0"/>
+        </a:fillRef>
+        <a:effectRef idx="0">
+          <a:scrgbClr r="0" g="0" b="0"/>
+        </a:effectRef>
+        <a:fontRef idx="minor">
+          <a:schemeClr val="lt1"/>
+        </a:fontRef>
+      </dsp:style>
+    </dsp:sp>
+    <dsp:sp modelId="{90C896DC-5E07-9C4E-87D4-2168471344F8}">
+      <dsp:nvSpPr>
+        <dsp:cNvPr id="0" name=""/>
+        <dsp:cNvSpPr/>
+      </dsp:nvSpPr>
+      <dsp:spPr>
+        <a:xfrm>
+          <a:off x="4838779" y="3806380"/>
+          <a:ext cx="784070" cy="522713"/>
+        </a:xfrm>
+        <a:prstGeom prst="rect">
+          <a:avLst/>
+        </a:prstGeom>
+        <a:noFill/>
+        <a:ln>
+          <a:noFill/>
+        </a:ln>
+        <a:effectLst/>
+      </dsp:spPr>
+      <dsp:style>
+        <a:lnRef idx="0">
+          <a:scrgbClr r="0" g="0" b="0"/>
+        </a:lnRef>
+        <a:fillRef idx="0">
+          <a:scrgbClr r="0" g="0" b="0"/>
+        </a:fillRef>
+        <a:effectRef idx="0">
+          <a:scrgbClr r="0" g="0" b="0"/>
+        </a:effectRef>
+        <a:fontRef idx="minor"/>
+      </dsp:style>
+      <dsp:txBody>
+        <a:bodyPr spcFirstLastPara="0" vert="horz" wrap="square" lIns="41910" tIns="41910" rIns="41910" bIns="41910" numCol="1" spcCol="1270" anchor="ctr" anchorCtr="0">
+          <a:noAutofit/>
+        </a:bodyPr>
+        <a:lstStyle/>
+        <a:p>
+          <a:pPr marL="0" lvl="0" indent="0" algn="l" defTabSz="488950">
+            <a:lnSpc>
+              <a:spcPct val="90000"/>
+            </a:lnSpc>
+            <a:spcBef>
+              <a:spcPct val="0"/>
+            </a:spcBef>
+            <a:spcAft>
+              <a:spcPct val="35000"/>
+            </a:spcAft>
+            <a:buNone/>
+          </a:pPr>
+          <a:r>
+            <a:rPr lang="en-GB" sz="1100" kern="1200" dirty="0"/>
+            <a:t>h1</a:t>
+          </a:r>
+        </a:p>
+      </dsp:txBody>
+      <dsp:txXfrm>
+        <a:off x="4838779" y="3806380"/>
+        <a:ext cx="784070" cy="522713"/>
+      </dsp:txXfrm>
+    </dsp:sp>
+    <dsp:sp modelId="{86D7BF9D-5631-9346-9672-C476C8F74BBB}">
+      <dsp:nvSpPr>
+        <dsp:cNvPr id="0" name=""/>
+        <dsp:cNvSpPr/>
+      </dsp:nvSpPr>
+      <dsp:spPr>
+        <a:xfrm>
+          <a:off x="5753528" y="3807686"/>
+          <a:ext cx="522713" cy="522713"/>
+        </a:xfrm>
+        <a:prstGeom prst="ellipse">
+          <a:avLst/>
+        </a:prstGeom>
+        <a:solidFill>
+          <a:schemeClr val="accent1">
+            <a:hueOff val="0"/>
+            <a:satOff val="0"/>
+            <a:lumOff val="0"/>
+            <a:alphaOff val="0"/>
+          </a:schemeClr>
+        </a:solidFill>
+        <a:ln w="19050" cap="flat" cmpd="sng" algn="ctr">
+          <a:solidFill>
+            <a:schemeClr val="lt1">
+              <a:hueOff val="0"/>
+              <a:satOff val="0"/>
+              <a:lumOff val="0"/>
+              <a:alphaOff val="0"/>
+            </a:schemeClr>
+          </a:solidFill>
+          <a:prstDash val="solid"/>
+          <a:miter lim="800000"/>
+        </a:ln>
+        <a:effectLst/>
+      </dsp:spPr>
+      <dsp:style>
+        <a:lnRef idx="2">
+          <a:scrgbClr r="0" g="0" b="0"/>
+        </a:lnRef>
+        <a:fillRef idx="1">
+          <a:scrgbClr r="0" g="0" b="0"/>
+        </a:fillRef>
+        <a:effectRef idx="0">
+          <a:scrgbClr r="0" g="0" b="0"/>
+        </a:effectRef>
+        <a:fontRef idx="minor">
+          <a:schemeClr val="lt1"/>
+        </a:fontRef>
+      </dsp:style>
+    </dsp:sp>
+    <dsp:sp modelId="{4B51AE17-9397-014A-B3D3-B242EF2764F8}">
+      <dsp:nvSpPr>
+        <dsp:cNvPr id="0" name=""/>
+        <dsp:cNvSpPr/>
+      </dsp:nvSpPr>
+      <dsp:spPr>
+        <a:xfrm>
+          <a:off x="6276241" y="3806380"/>
+          <a:ext cx="784070" cy="522713"/>
+        </a:xfrm>
+        <a:prstGeom prst="rect">
+          <a:avLst/>
+        </a:prstGeom>
+        <a:noFill/>
+        <a:ln>
+          <a:noFill/>
+        </a:ln>
+        <a:effectLst/>
+      </dsp:spPr>
+      <dsp:style>
+        <a:lnRef idx="0">
+          <a:scrgbClr r="0" g="0" b="0"/>
+        </a:lnRef>
+        <a:fillRef idx="0">
+          <a:scrgbClr r="0" g="0" b="0"/>
+        </a:fillRef>
+        <a:effectRef idx="0">
+          <a:scrgbClr r="0" g="0" b="0"/>
+        </a:effectRef>
+        <a:fontRef idx="minor"/>
+      </dsp:style>
+      <dsp:txBody>
+        <a:bodyPr spcFirstLastPara="0" vert="horz" wrap="square" lIns="41910" tIns="41910" rIns="41910" bIns="41910" numCol="1" spcCol="1270" anchor="ctr" anchorCtr="0">
+          <a:noAutofit/>
+        </a:bodyPr>
+        <a:lstStyle/>
+        <a:p>
+          <a:pPr marL="0" lvl="0" indent="0" algn="l" defTabSz="488950">
+            <a:lnSpc>
+              <a:spcPct val="90000"/>
+            </a:lnSpc>
+            <a:spcBef>
+              <a:spcPct val="0"/>
+            </a:spcBef>
+            <a:spcAft>
+              <a:spcPct val="35000"/>
+            </a:spcAft>
+            <a:buNone/>
+          </a:pPr>
+          <a:r>
+            <a:rPr lang="en-GB" sz="1100" kern="1200" dirty="0"/>
+            <a:t>ns</a:t>
+          </a:r>
+        </a:p>
+      </dsp:txBody>
+      <dsp:txXfrm>
+        <a:off x="6276241" y="3806380"/>
+        <a:ext cx="784070" cy="522713"/>
+      </dsp:txXfrm>
+    </dsp:sp>
+    <dsp:sp modelId="{1E6B32F7-E6A2-234F-A4FF-D5ED9BD21433}">
+      <dsp:nvSpPr>
+        <dsp:cNvPr id="0" name=""/>
+        <dsp:cNvSpPr/>
+      </dsp:nvSpPr>
+      <dsp:spPr>
+        <a:xfrm>
+          <a:off x="7190990" y="3807686"/>
+          <a:ext cx="522713" cy="522713"/>
+        </a:xfrm>
+        <a:prstGeom prst="ellipse">
+          <a:avLst/>
+        </a:prstGeom>
+        <a:solidFill>
+          <a:schemeClr val="accent1">
+            <a:hueOff val="0"/>
+            <a:satOff val="0"/>
+            <a:lumOff val="0"/>
+            <a:alphaOff val="0"/>
+          </a:schemeClr>
+        </a:solidFill>
+        <a:ln w="19050" cap="flat" cmpd="sng" algn="ctr">
+          <a:solidFill>
+            <a:schemeClr val="lt1">
+              <a:hueOff val="0"/>
+              <a:satOff val="0"/>
+              <a:lumOff val="0"/>
+              <a:alphaOff val="0"/>
+            </a:schemeClr>
+          </a:solidFill>
+          <a:prstDash val="solid"/>
+          <a:miter lim="800000"/>
+        </a:ln>
+        <a:effectLst/>
+      </dsp:spPr>
+      <dsp:style>
+        <a:lnRef idx="2">
+          <a:scrgbClr r="0" g="0" b="0"/>
+        </a:lnRef>
+        <a:fillRef idx="1">
+          <a:scrgbClr r="0" g="0" b="0"/>
+        </a:fillRef>
+        <a:effectRef idx="0">
+          <a:scrgbClr r="0" g="0" b="0"/>
+        </a:effectRef>
+        <a:fontRef idx="minor">
+          <a:schemeClr val="lt1"/>
+        </a:fontRef>
+      </dsp:style>
+    </dsp:sp>
+    <dsp:sp modelId="{5D82A78A-0735-C745-A29A-BACDFFE821FA}">
+      <dsp:nvSpPr>
+        <dsp:cNvPr id="0" name=""/>
+        <dsp:cNvSpPr/>
+      </dsp:nvSpPr>
+      <dsp:spPr>
+        <a:xfrm>
+          <a:off x="7713703" y="3806380"/>
+          <a:ext cx="784070" cy="522713"/>
+        </a:xfrm>
+        <a:prstGeom prst="rect">
+          <a:avLst/>
+        </a:prstGeom>
+        <a:noFill/>
+        <a:ln>
+          <a:noFill/>
+        </a:ln>
+        <a:effectLst/>
+      </dsp:spPr>
+      <dsp:style>
+        <a:lnRef idx="0">
+          <a:scrgbClr r="0" g="0" b="0"/>
+        </a:lnRef>
+        <a:fillRef idx="0">
+          <a:scrgbClr r="0" g="0" b="0"/>
+        </a:fillRef>
+        <a:effectRef idx="0">
+          <a:scrgbClr r="0" g="0" b="0"/>
+        </a:effectRef>
+        <a:fontRef idx="minor"/>
+      </dsp:style>
+      <dsp:txBody>
+        <a:bodyPr spcFirstLastPara="0" vert="horz" wrap="square" lIns="41910" tIns="41910" rIns="41910" bIns="41910" numCol="1" spcCol="1270" anchor="ctr" anchorCtr="0">
+          <a:noAutofit/>
+        </a:bodyPr>
+        <a:lstStyle/>
+        <a:p>
+          <a:pPr marL="0" lvl="0" indent="0" algn="l" defTabSz="488950">
+            <a:lnSpc>
+              <a:spcPct val="90000"/>
+            </a:lnSpc>
+            <a:spcBef>
+              <a:spcPct val="0"/>
+            </a:spcBef>
+            <a:spcAft>
+              <a:spcPct val="35000"/>
+            </a:spcAft>
+            <a:buNone/>
+          </a:pPr>
+          <a:r>
+            <a:rPr lang="en-GB" sz="1100" kern="1200" dirty="0"/>
+            <a:t>div</a:t>
+          </a:r>
+        </a:p>
+      </dsp:txBody>
+      <dsp:txXfrm>
+        <a:off x="7713703" y="3806380"/>
+        <a:ext cx="784070" cy="522713"/>
+      </dsp:txXfrm>
+    </dsp:sp>
+    <dsp:sp modelId="{65DFD4E5-9EA8-AB45-A273-6EB73A2AFC4C}">
+      <dsp:nvSpPr>
+        <dsp:cNvPr id="0" name=""/>
+        <dsp:cNvSpPr/>
+      </dsp:nvSpPr>
+      <dsp:spPr>
+        <a:xfrm>
+          <a:off x="6472259" y="4495055"/>
+          <a:ext cx="522713" cy="522713"/>
+        </a:xfrm>
+        <a:prstGeom prst="ellipse">
+          <a:avLst/>
+        </a:prstGeom>
+        <a:solidFill>
+          <a:schemeClr val="accent1">
+            <a:hueOff val="0"/>
+            <a:satOff val="0"/>
+            <a:lumOff val="0"/>
+            <a:alphaOff val="0"/>
+          </a:schemeClr>
+        </a:solidFill>
+        <a:ln w="19050" cap="flat" cmpd="sng" algn="ctr">
+          <a:solidFill>
+            <a:schemeClr val="lt1">
+              <a:hueOff val="0"/>
+              <a:satOff val="0"/>
+              <a:lumOff val="0"/>
+              <a:alphaOff val="0"/>
+            </a:schemeClr>
+          </a:solidFill>
+          <a:prstDash val="solid"/>
+          <a:miter lim="800000"/>
+        </a:ln>
+        <a:effectLst/>
+      </dsp:spPr>
+      <dsp:style>
+        <a:lnRef idx="2">
+          <a:scrgbClr r="0" g="0" b="0"/>
+        </a:lnRef>
+        <a:fillRef idx="1">
+          <a:scrgbClr r="0" g="0" b="0"/>
+        </a:fillRef>
+        <a:effectRef idx="0">
+          <a:scrgbClr r="0" g="0" b="0"/>
+        </a:effectRef>
+        <a:fontRef idx="minor">
+          <a:schemeClr val="lt1"/>
+        </a:fontRef>
+      </dsp:style>
+    </dsp:sp>
+    <dsp:sp modelId="{1C607A19-4E2A-EC40-B5A9-549981984B80}">
+      <dsp:nvSpPr>
+        <dsp:cNvPr id="0" name=""/>
+        <dsp:cNvSpPr/>
+      </dsp:nvSpPr>
+      <dsp:spPr>
+        <a:xfrm>
+          <a:off x="6994972" y="4493748"/>
+          <a:ext cx="784070" cy="522713"/>
+        </a:xfrm>
+        <a:prstGeom prst="rect">
+          <a:avLst/>
+        </a:prstGeom>
+        <a:noFill/>
+        <a:ln>
+          <a:noFill/>
+        </a:ln>
+        <a:effectLst/>
+      </dsp:spPr>
+      <dsp:style>
+        <a:lnRef idx="0">
+          <a:scrgbClr r="0" g="0" b="0"/>
+        </a:lnRef>
+        <a:fillRef idx="0">
+          <a:scrgbClr r="0" g="0" b="0"/>
+        </a:fillRef>
+        <a:effectRef idx="0">
+          <a:scrgbClr r="0" g="0" b="0"/>
+        </a:effectRef>
+        <a:fontRef idx="minor"/>
+      </dsp:style>
+      <dsp:txBody>
+        <a:bodyPr spcFirstLastPara="0" vert="horz" wrap="square" lIns="41910" tIns="41910" rIns="41910" bIns="41910" numCol="1" spcCol="1270" anchor="ctr" anchorCtr="0">
+          <a:noAutofit/>
+        </a:bodyPr>
+        <a:lstStyle/>
+        <a:p>
+          <a:pPr marL="0" lvl="0" indent="0" algn="l" defTabSz="488950">
+            <a:lnSpc>
+              <a:spcPct val="90000"/>
+            </a:lnSpc>
+            <a:spcBef>
+              <a:spcPct val="0"/>
+            </a:spcBef>
+            <a:spcAft>
+              <a:spcPct val="35000"/>
+            </a:spcAft>
+            <a:buNone/>
+          </a:pPr>
+          <a:r>
+            <a:rPr lang="en-GB" sz="1100" kern="1200" dirty="0"/>
+            <a:t>ns</a:t>
+          </a:r>
+        </a:p>
+      </dsp:txBody>
+      <dsp:txXfrm>
+        <a:off x="6994972" y="4493748"/>
+        <a:ext cx="784070" cy="522713"/>
+      </dsp:txXfrm>
+    </dsp:sp>
+    <dsp:sp modelId="{C7F7DA06-A649-8447-AE8A-373D30513AFA}">
+      <dsp:nvSpPr>
+        <dsp:cNvPr id="0" name=""/>
+        <dsp:cNvSpPr/>
+      </dsp:nvSpPr>
+      <dsp:spPr>
+        <a:xfrm>
+          <a:off x="7909721" y="4495055"/>
+          <a:ext cx="522713" cy="522713"/>
+        </a:xfrm>
+        <a:prstGeom prst="ellipse">
+          <a:avLst/>
+        </a:prstGeom>
+        <a:solidFill>
+          <a:schemeClr val="accent1">
+            <a:hueOff val="0"/>
+            <a:satOff val="0"/>
+            <a:lumOff val="0"/>
+            <a:alphaOff val="0"/>
+          </a:schemeClr>
+        </a:solidFill>
+        <a:ln w="19050" cap="flat" cmpd="sng" algn="ctr">
+          <a:solidFill>
+            <a:schemeClr val="lt1">
+              <a:hueOff val="0"/>
+              <a:satOff val="0"/>
+              <a:lumOff val="0"/>
+              <a:alphaOff val="0"/>
+            </a:schemeClr>
+          </a:solidFill>
+          <a:prstDash val="solid"/>
+          <a:miter lim="800000"/>
+        </a:ln>
+        <a:effectLst/>
+      </dsp:spPr>
+      <dsp:style>
+        <a:lnRef idx="2">
+          <a:scrgbClr r="0" g="0" b="0"/>
+        </a:lnRef>
+        <a:fillRef idx="1">
+          <a:scrgbClr r="0" g="0" b="0"/>
+        </a:fillRef>
+        <a:effectRef idx="0">
+          <a:scrgbClr r="0" g="0" b="0"/>
+        </a:effectRef>
+        <a:fontRef idx="minor">
+          <a:schemeClr val="lt1"/>
+        </a:fontRef>
+      </dsp:style>
+    </dsp:sp>
+    <dsp:sp modelId="{5018A736-66FD-7E46-8CB2-83DD8EFC0AF7}">
+      <dsp:nvSpPr>
+        <dsp:cNvPr id="0" name=""/>
+        <dsp:cNvSpPr/>
+      </dsp:nvSpPr>
+      <dsp:spPr>
+        <a:xfrm>
+          <a:off x="8432434" y="4493748"/>
+          <a:ext cx="784070" cy="522713"/>
+        </a:xfrm>
+        <a:prstGeom prst="rect">
+          <a:avLst/>
+        </a:prstGeom>
+        <a:noFill/>
+        <a:ln>
+          <a:noFill/>
+        </a:ln>
+        <a:effectLst/>
+      </dsp:spPr>
+      <dsp:style>
+        <a:lnRef idx="0">
+          <a:scrgbClr r="0" g="0" b="0"/>
+        </a:lnRef>
+        <a:fillRef idx="0">
+          <a:scrgbClr r="0" g="0" b="0"/>
+        </a:fillRef>
+        <a:effectRef idx="0">
+          <a:scrgbClr r="0" g="0" b="0"/>
+        </a:effectRef>
+        <a:fontRef idx="minor"/>
+      </dsp:style>
+      <dsp:txBody>
+        <a:bodyPr spcFirstLastPara="0" vert="horz" wrap="square" lIns="41910" tIns="41910" rIns="41910" bIns="41910" numCol="1" spcCol="1270" anchor="ctr" anchorCtr="0">
+          <a:noAutofit/>
+        </a:bodyPr>
+        <a:lstStyle/>
+        <a:p>
+          <a:pPr marL="0" lvl="0" indent="0" algn="l" defTabSz="488950">
+            <a:lnSpc>
+              <a:spcPct val="90000"/>
+            </a:lnSpc>
+            <a:spcBef>
+              <a:spcPct val="0"/>
+            </a:spcBef>
+            <a:spcAft>
+              <a:spcPct val="35000"/>
+            </a:spcAft>
+            <a:buNone/>
+          </a:pPr>
+          <a:r>
+            <a:rPr lang="en-GB" sz="1100" kern="1200" dirty="0"/>
+            <a:t>p</a:t>
+          </a:r>
+        </a:p>
+      </dsp:txBody>
+      <dsp:txXfrm>
+        <a:off x="8432434" y="4493748"/>
+        <a:ext cx="784070" cy="522713"/>
+      </dsp:txXfrm>
+    </dsp:sp>
+    <dsp:sp modelId="{EFCB14A1-06F5-4C40-B850-A67FC3737BA9}">
+      <dsp:nvSpPr>
+        <dsp:cNvPr id="0" name=""/>
+        <dsp:cNvSpPr/>
+      </dsp:nvSpPr>
+      <dsp:spPr>
+        <a:xfrm>
+          <a:off x="9347183" y="3120318"/>
+          <a:ext cx="522713" cy="522713"/>
+        </a:xfrm>
+        <a:prstGeom prst="ellipse">
+          <a:avLst/>
+        </a:prstGeom>
+        <a:solidFill>
+          <a:schemeClr val="accent1">
+            <a:hueOff val="0"/>
+            <a:satOff val="0"/>
+            <a:lumOff val="0"/>
+            <a:alphaOff val="0"/>
+          </a:schemeClr>
+        </a:solidFill>
+        <a:ln w="19050" cap="flat" cmpd="sng" algn="ctr">
+          <a:solidFill>
+            <a:schemeClr val="lt1">
+              <a:hueOff val="0"/>
+              <a:satOff val="0"/>
+              <a:lumOff val="0"/>
+              <a:alphaOff val="0"/>
+            </a:schemeClr>
+          </a:solidFill>
+          <a:prstDash val="solid"/>
+          <a:miter lim="800000"/>
+        </a:ln>
+        <a:effectLst/>
+      </dsp:spPr>
+      <dsp:style>
+        <a:lnRef idx="2">
+          <a:scrgbClr r="0" g="0" b="0"/>
+        </a:lnRef>
+        <a:fillRef idx="1">
+          <a:scrgbClr r="0" g="0" b="0"/>
+        </a:fillRef>
+        <a:effectRef idx="0">
+          <a:scrgbClr r="0" g="0" b="0"/>
+        </a:effectRef>
+        <a:fontRef idx="minor">
+          <a:schemeClr val="lt1"/>
+        </a:fontRef>
+      </dsp:style>
+    </dsp:sp>
+    <dsp:sp modelId="{B3ABF76B-303D-334E-93C9-275EE1888D59}">
+      <dsp:nvSpPr>
+        <dsp:cNvPr id="0" name=""/>
+        <dsp:cNvSpPr/>
+      </dsp:nvSpPr>
+      <dsp:spPr>
+        <a:xfrm>
+          <a:off x="9869896" y="3119011"/>
+          <a:ext cx="784070" cy="522713"/>
+        </a:xfrm>
+        <a:prstGeom prst="rect">
+          <a:avLst/>
+        </a:prstGeom>
+        <a:noFill/>
+        <a:ln>
+          <a:noFill/>
+        </a:ln>
+        <a:effectLst/>
+      </dsp:spPr>
+      <dsp:style>
+        <a:lnRef idx="0">
+          <a:scrgbClr r="0" g="0" b="0"/>
+        </a:lnRef>
+        <a:fillRef idx="0">
+          <a:scrgbClr r="0" g="0" b="0"/>
+        </a:fillRef>
+        <a:effectRef idx="0">
+          <a:scrgbClr r="0" g="0" b="0"/>
+        </a:effectRef>
+        <a:fontRef idx="minor"/>
+      </dsp:style>
+      <dsp:txBody>
+        <a:bodyPr spcFirstLastPara="0" vert="horz" wrap="square" lIns="41910" tIns="41910" rIns="41910" bIns="41910" numCol="1" spcCol="1270" anchor="ctr" anchorCtr="0">
+          <a:noAutofit/>
+        </a:bodyPr>
+        <a:lstStyle/>
+        <a:p>
+          <a:pPr marL="0" lvl="0" indent="0" algn="l" defTabSz="488950">
+            <a:lnSpc>
+              <a:spcPct val="90000"/>
+            </a:lnSpc>
+            <a:spcBef>
+              <a:spcPct val="0"/>
+            </a:spcBef>
+            <a:spcAft>
+              <a:spcPct val="35000"/>
+            </a:spcAft>
+            <a:buNone/>
+          </a:pPr>
+          <a:r>
+            <a:rPr lang="en-GB" sz="1100" kern="1200" dirty="0"/>
+            <a:t>Footer</a:t>
+          </a:r>
+        </a:p>
+      </dsp:txBody>
+      <dsp:txXfrm>
+        <a:off x="9869896" y="3119011"/>
+        <a:ext cx="784070" cy="522713"/>
+      </dsp:txXfrm>
+    </dsp:sp>
+    <dsp:sp modelId="{2C5BB00D-D5D0-E840-9466-3A5B2048DA67}">
+      <dsp:nvSpPr>
+        <dsp:cNvPr id="0" name=""/>
+        <dsp:cNvSpPr/>
+      </dsp:nvSpPr>
+      <dsp:spPr>
+        <a:xfrm>
+          <a:off x="8628452" y="3807686"/>
+          <a:ext cx="522713" cy="522713"/>
+        </a:xfrm>
+        <a:prstGeom prst="ellipse">
+          <a:avLst/>
+        </a:prstGeom>
+        <a:solidFill>
+          <a:schemeClr val="accent1">
+            <a:hueOff val="0"/>
+            <a:satOff val="0"/>
+            <a:lumOff val="0"/>
+            <a:alphaOff val="0"/>
+          </a:schemeClr>
+        </a:solidFill>
+        <a:ln w="19050" cap="flat" cmpd="sng" algn="ctr">
+          <a:solidFill>
+            <a:schemeClr val="lt1">
+              <a:hueOff val="0"/>
+              <a:satOff val="0"/>
+              <a:lumOff val="0"/>
+              <a:alphaOff val="0"/>
+            </a:schemeClr>
+          </a:solidFill>
+          <a:prstDash val="solid"/>
+          <a:miter lim="800000"/>
+        </a:ln>
+        <a:effectLst/>
+      </dsp:spPr>
+      <dsp:style>
+        <a:lnRef idx="2">
+          <a:scrgbClr r="0" g="0" b="0"/>
+        </a:lnRef>
+        <a:fillRef idx="1">
+          <a:scrgbClr r="0" g="0" b="0"/>
+        </a:fillRef>
+        <a:effectRef idx="0">
+          <a:scrgbClr r="0" g="0" b="0"/>
+        </a:effectRef>
+        <a:fontRef idx="minor">
+          <a:schemeClr val="lt1"/>
+        </a:fontRef>
+      </dsp:style>
+    </dsp:sp>
+    <dsp:sp modelId="{5A465939-F2DE-744F-804F-CD8FB8FCC336}">
+      <dsp:nvSpPr>
+        <dsp:cNvPr id="0" name=""/>
+        <dsp:cNvSpPr/>
+      </dsp:nvSpPr>
+      <dsp:spPr>
+        <a:xfrm>
+          <a:off x="9151165" y="3806380"/>
+          <a:ext cx="784070" cy="522713"/>
+        </a:xfrm>
+        <a:prstGeom prst="rect">
+          <a:avLst/>
+        </a:prstGeom>
+        <a:noFill/>
+        <a:ln>
+          <a:noFill/>
+        </a:ln>
+        <a:effectLst/>
+      </dsp:spPr>
+      <dsp:style>
+        <a:lnRef idx="0">
+          <a:scrgbClr r="0" g="0" b="0"/>
+        </a:lnRef>
+        <a:fillRef idx="0">
+          <a:scrgbClr r="0" g="0" b="0"/>
+        </a:fillRef>
+        <a:effectRef idx="0">
+          <a:scrgbClr r="0" g="0" b="0"/>
+        </a:effectRef>
+        <a:fontRef idx="minor"/>
+      </dsp:style>
+      <dsp:txBody>
+        <a:bodyPr spcFirstLastPara="0" vert="horz" wrap="square" lIns="41910" tIns="41910" rIns="41910" bIns="41910" numCol="1" spcCol="1270" anchor="ctr" anchorCtr="0">
+          <a:noAutofit/>
+        </a:bodyPr>
+        <a:lstStyle/>
+        <a:p>
+          <a:pPr marL="0" lvl="0" indent="0" algn="l" defTabSz="488950">
+            <a:lnSpc>
+              <a:spcPct val="90000"/>
+            </a:lnSpc>
+            <a:spcBef>
+              <a:spcPct val="0"/>
+            </a:spcBef>
+            <a:spcAft>
+              <a:spcPct val="35000"/>
+            </a:spcAft>
+            <a:buNone/>
+          </a:pPr>
+          <a:r>
+            <a:rPr lang="en-GB" sz="1100" kern="1200" dirty="0"/>
+            <a:t>ns</a:t>
+          </a:r>
+        </a:p>
+      </dsp:txBody>
+      <dsp:txXfrm>
+        <a:off x="9151165" y="3806380"/>
+        <a:ext cx="784070" cy="522713"/>
+      </dsp:txXfrm>
+    </dsp:sp>
+    <dsp:sp modelId="{B4CBF811-4E90-CD44-96F8-7EC379E71DCF}">
+      <dsp:nvSpPr>
+        <dsp:cNvPr id="0" name=""/>
+        <dsp:cNvSpPr/>
+      </dsp:nvSpPr>
+      <dsp:spPr>
+        <a:xfrm>
+          <a:off x="10065914" y="3807686"/>
+          <a:ext cx="522713" cy="522713"/>
+        </a:xfrm>
+        <a:prstGeom prst="ellipse">
+          <a:avLst/>
+        </a:prstGeom>
+        <a:solidFill>
+          <a:schemeClr val="accent1">
+            <a:hueOff val="0"/>
+            <a:satOff val="0"/>
+            <a:lumOff val="0"/>
+            <a:alphaOff val="0"/>
+          </a:schemeClr>
+        </a:solidFill>
+        <a:ln w="19050" cap="flat" cmpd="sng" algn="ctr">
+          <a:solidFill>
+            <a:schemeClr val="lt1">
+              <a:hueOff val="0"/>
+              <a:satOff val="0"/>
+              <a:lumOff val="0"/>
+              <a:alphaOff val="0"/>
+            </a:schemeClr>
+          </a:solidFill>
+          <a:prstDash val="solid"/>
+          <a:miter lim="800000"/>
+        </a:ln>
+        <a:effectLst/>
+      </dsp:spPr>
+      <dsp:style>
+        <a:lnRef idx="2">
+          <a:scrgbClr r="0" g="0" b="0"/>
+        </a:lnRef>
+        <a:fillRef idx="1">
+          <a:scrgbClr r="0" g="0" b="0"/>
+        </a:fillRef>
+        <a:effectRef idx="0">
+          <a:scrgbClr r="0" g="0" b="0"/>
+        </a:effectRef>
+        <a:fontRef idx="minor">
+          <a:schemeClr val="lt1"/>
+        </a:fontRef>
+      </dsp:style>
+    </dsp:sp>
+    <dsp:sp modelId="{208A6DC1-3B84-334E-B25D-064120A1407E}">
+      <dsp:nvSpPr>
+        <dsp:cNvPr id="0" name=""/>
+        <dsp:cNvSpPr/>
+      </dsp:nvSpPr>
+      <dsp:spPr>
+        <a:xfrm>
+          <a:off x="10588627" y="3806380"/>
+          <a:ext cx="784070" cy="522713"/>
+        </a:xfrm>
+        <a:prstGeom prst="rect">
+          <a:avLst/>
+        </a:prstGeom>
+        <a:noFill/>
+        <a:ln>
+          <a:noFill/>
+        </a:ln>
+        <a:effectLst/>
+      </dsp:spPr>
+      <dsp:style>
+        <a:lnRef idx="0">
+          <a:scrgbClr r="0" g="0" b="0"/>
+        </a:lnRef>
+        <a:fillRef idx="0">
+          <a:scrgbClr r="0" g="0" b="0"/>
+        </a:fillRef>
+        <a:effectRef idx="0">
+          <a:scrgbClr r="0" g="0" b="0"/>
+        </a:effectRef>
+        <a:fontRef idx="minor"/>
+      </dsp:style>
+      <dsp:txBody>
+        <a:bodyPr spcFirstLastPara="0" vert="horz" wrap="square" lIns="41910" tIns="41910" rIns="41910" bIns="41910" numCol="1" spcCol="1270" anchor="ctr" anchorCtr="0">
+          <a:noAutofit/>
+        </a:bodyPr>
+        <a:lstStyle/>
+        <a:p>
+          <a:pPr marL="0" lvl="0" indent="0" algn="l" defTabSz="488950">
+            <a:lnSpc>
+              <a:spcPct val="90000"/>
+            </a:lnSpc>
+            <a:spcBef>
+              <a:spcPct val="0"/>
+            </a:spcBef>
+            <a:spcAft>
+              <a:spcPct val="35000"/>
+            </a:spcAft>
+            <a:buNone/>
+          </a:pPr>
+          <a:r>
+            <a:rPr lang="en-GB" sz="1100" kern="1200" dirty="0"/>
+            <a:t>p</a:t>
+          </a:r>
+        </a:p>
+      </dsp:txBody>
+      <dsp:txXfrm>
+        <a:off x="10588627" y="3806380"/>
+        <a:ext cx="784070" cy="522713"/>
+      </dsp:txXfrm>
+    </dsp:sp>
+    <dsp:sp modelId="{58A0929B-46AB-C240-AB18-9EC9E06F4717}">
+      <dsp:nvSpPr>
+        <dsp:cNvPr id="0" name=""/>
+        <dsp:cNvSpPr/>
+      </dsp:nvSpPr>
+      <dsp:spPr>
+        <a:xfrm>
+          <a:off x="6472259" y="2432950"/>
+          <a:ext cx="522713" cy="522713"/>
+        </a:xfrm>
+        <a:prstGeom prst="ellipse">
+          <a:avLst/>
+        </a:prstGeom>
+        <a:solidFill>
+          <a:schemeClr val="accent1">
+            <a:hueOff val="0"/>
+            <a:satOff val="0"/>
+            <a:lumOff val="0"/>
+            <a:alphaOff val="0"/>
+          </a:schemeClr>
+        </a:solidFill>
+        <a:ln w="19050" cap="flat" cmpd="sng" algn="ctr">
+          <a:solidFill>
+            <a:schemeClr val="lt1">
+              <a:hueOff val="0"/>
+              <a:satOff val="0"/>
+              <a:lumOff val="0"/>
+              <a:alphaOff val="0"/>
+            </a:schemeClr>
+          </a:solidFill>
+          <a:prstDash val="solid"/>
+          <a:miter lim="800000"/>
+        </a:ln>
+        <a:effectLst/>
+      </dsp:spPr>
+      <dsp:style>
+        <a:lnRef idx="2">
+          <a:scrgbClr r="0" g="0" b="0"/>
+        </a:lnRef>
+        <a:fillRef idx="1">
+          <a:scrgbClr r="0" g="0" b="0"/>
+        </a:fillRef>
+        <a:effectRef idx="0">
+          <a:scrgbClr r="0" g="0" b="0"/>
+        </a:effectRef>
+        <a:fontRef idx="minor">
+          <a:schemeClr val="lt1"/>
+        </a:fontRef>
+      </dsp:style>
+    </dsp:sp>
+    <dsp:sp modelId="{D7DA0F82-436B-3145-91D7-B9F3FA4B275A}">
+      <dsp:nvSpPr>
+        <dsp:cNvPr id="0" name=""/>
+        <dsp:cNvSpPr/>
+      </dsp:nvSpPr>
+      <dsp:spPr>
+        <a:xfrm>
+          <a:off x="6994972" y="2431643"/>
+          <a:ext cx="784070" cy="522713"/>
+        </a:xfrm>
+        <a:prstGeom prst="rect">
+          <a:avLst/>
+        </a:prstGeom>
+        <a:noFill/>
+        <a:ln>
+          <a:noFill/>
+        </a:ln>
+        <a:effectLst/>
+      </dsp:spPr>
+      <dsp:style>
+        <a:lnRef idx="0">
+          <a:scrgbClr r="0" g="0" b="0"/>
+        </a:lnRef>
+        <a:fillRef idx="0">
+          <a:scrgbClr r="0" g="0" b="0"/>
+        </a:fillRef>
+        <a:effectRef idx="0">
+          <a:scrgbClr r="0" g="0" b="0"/>
+        </a:effectRef>
+        <a:fontRef idx="minor"/>
+      </dsp:style>
+      <dsp:txBody>
+        <a:bodyPr spcFirstLastPara="0" vert="horz" wrap="square" lIns="41910" tIns="41910" rIns="41910" bIns="41910" numCol="1" spcCol="1270" anchor="ctr" anchorCtr="0">
+          <a:noAutofit/>
+        </a:bodyPr>
+        <a:lstStyle/>
+        <a:p>
+          <a:pPr marL="0" lvl="0" indent="0" algn="l" defTabSz="488950">
+            <a:lnSpc>
+              <a:spcPct val="90000"/>
+            </a:lnSpc>
+            <a:spcBef>
+              <a:spcPct val="0"/>
+            </a:spcBef>
+            <a:spcAft>
+              <a:spcPct val="35000"/>
+            </a:spcAft>
+            <a:buNone/>
+          </a:pPr>
+          <a:r>
+            <a:rPr lang="en-GB" sz="1100" kern="1200" dirty="0"/>
+            <a:t>ns</a:t>
+          </a:r>
+        </a:p>
+      </dsp:txBody>
+      <dsp:txXfrm>
+        <a:off x="6994972" y="2431643"/>
+        <a:ext cx="784070" cy="522713"/>
+      </dsp:txXfrm>
+    </dsp:sp>
+  </dsp:spTree>
+</dsp:drawing>
+</file>
+
+<file path=ppt/diagrams/layout1.xml><?xml version="1.0" encoding="utf-8"?>
+<dgm:layoutDef xmlns:dgm="http://schemas.openxmlformats.org/drawingml/2006/diagram" xmlns:a="http://schemas.openxmlformats.org/drawingml/2006/main" uniqueId="urn:microsoft.com/office/officeart/2009/layout/CirclePictureHierarchy">
+  <dgm:title val=""/>
+  <dgm:desc val=""/>
+  <dgm:catLst>
+    <dgm:cat type="hierarchy" pri="1750"/>
+    <dgm:cat type="picture" pri="23000"/>
+    <dgm:cat type="pictureconvert" pri="23000"/>
+  </dgm:catLst>
+  <dgm:sampData>
+    <dgm:dataModel>
+      <dgm:ptLst>
+        <dgm:pt modelId="0" type="doc"/>
+        <dgm:pt modelId="1">
+          <dgm:prSet phldr="1"/>
+        </dgm:pt>
+        <dgm:pt modelId="2">
+          <dgm:prSet phldr="1"/>
+        </dgm:pt>
+        <dgm:pt modelId="21">
+          <dgm:prSet phldr="1"/>
+        </dgm:pt>
+        <dgm:pt modelId="22">
+          <dgm:prSet phldr="1"/>
+        </dgm:pt>
+        <dgm:pt modelId="3">
+          <dgm:prSet phldr="1"/>
+        </dgm:pt>
+        <dgm:pt modelId="31">
+          <dgm:prSet phldr="1"/>
+        </dgm:pt>
+      </dgm:ptLst>
+      <dgm:cxnLst>
+        <dgm:cxn modelId="4" srcId="0" destId="1" srcOrd="0" destOrd="0"/>
+        <dgm:cxn modelId="5" srcId="1" destId="2" srcOrd="0" destOrd="0"/>
+        <dgm:cxn modelId="6" srcId="1" destId="3" srcOrd="1" destOrd="0"/>
+        <dgm:cxn modelId="23" srcId="2" destId="21" srcOrd="0" destOrd="0"/>
+        <dgm:cxn modelId="24" srcId="2" destId="22" srcOrd="1" destOrd="0"/>
+        <dgm:cxn modelId="33" srcId="3" destId="31" srcOrd="0" destOrd="0"/>
+      </dgm:cxnLst>
+      <dgm:bg/>
+      <dgm:whole/>
+    </dgm:dataModel>
+  </dgm:sampData>
+  <dgm:styleData>
+    <dgm:dataModel>
+      <dgm:ptLst>
+        <dgm:pt modelId="0" type="doc"/>
+        <dgm:pt modelId="1"/>
+        <dgm:pt modelId="11"/>
+        <dgm:pt modelId="12"/>
+      </dgm:ptLst>
+      <dgm:cxnLst>
+        <dgm:cxn modelId="2" srcId="0" destId="1" srcOrd="0" destOrd="0"/>
+        <dgm:cxn modelId="13" srcId="1" destId="11" srcOrd="0" destOrd="0"/>
+        <dgm:cxn modelId="14" srcId="1" destId="12" srcOrd="1" destOrd="0"/>
+      </dgm:cxnLst>
+      <dgm:bg/>
+      <dgm:whole/>
+    </dgm:dataModel>
+  </dgm:styleData>
+  <dgm:clrData>
+    <dgm:dataModel>
+      <dgm:ptLst>
+        <dgm:pt modelId="0" type="doc"/>
+        <dgm:pt modelId="1"/>
+        <dgm:pt modelId="2"/>
+        <dgm:pt modelId="21"/>
+        <dgm:pt modelId="211"/>
+        <dgm:pt modelId="3"/>
+        <dgm:pt modelId="31"/>
+        <dgm:pt modelId="311"/>
+      </dgm:ptLst>
+      <dgm:cxnLst>
+        <dgm:cxn modelId="4" srcId="0" destId="1" srcOrd="0" destOrd="0"/>
+        <dgm:cxn modelId="5" srcId="1" destId="2" srcOrd="0" destOrd="0"/>
+        <dgm:cxn modelId="6" srcId="1" destId="3" srcOrd="1" destOrd="0"/>
+        <dgm:cxn modelId="23" srcId="2" destId="21" srcOrd="0" destOrd="0"/>
+        <dgm:cxn modelId="24" srcId="21" destId="211" srcOrd="0" destOrd="0"/>
+        <dgm:cxn modelId="33" srcId="3" destId="31" srcOrd="0" destOrd="0"/>
+        <dgm:cxn modelId="34" srcId="31" destId="311" srcOrd="0" destOrd="0"/>
+      </dgm:cxnLst>
+      <dgm:bg/>
+      <dgm:whole/>
+    </dgm:dataModel>
+  </dgm:clrData>
+  <dgm:layoutNode name="hierChild1">
+    <dgm:varLst>
+      <dgm:chPref val="1"/>
+      <dgm:dir/>
+      <dgm:animOne val="branch"/>
+      <dgm:animLvl val="lvl"/>
+      <dgm:resizeHandles/>
+    </dgm:varLst>
+    <dgm:choose name="Name0">
+      <dgm:if name="Name1" func="var" arg="dir" op="equ" val="norm">
+        <dgm:alg type="hierChild">
+          <dgm:param type="linDir" val="fromL"/>
+        </dgm:alg>
+      </dgm:if>
+      <dgm:else name="Name2">
+        <dgm:alg type="hierChild">
+          <dgm:param type="linDir" val="fromR"/>
+        </dgm:alg>
+      </dgm:else>
+    </dgm:choose>
+    <dgm:shape xmlns:r="http://schemas.openxmlformats.org/officeDocument/2006/relationships" r:blip="">
+      <dgm:adjLst/>
+    </dgm:shape>
+    <dgm:presOf/>
+    <dgm:constrLst>
+      <dgm:constr type="primFontSz" for="des" ptType="node" op="equ" val="65"/>
+      <dgm:constr type="w" for="des" forName="composite" refType="w"/>
+      <dgm:constr type="h" for="des" forName="composite" refType="w" refFor="des" refForName="composite" fact="0.5"/>
+      <dgm:constr type="w" for="des" forName="composite2" refType="w" refFor="des" refForName="composite"/>
+      <dgm:constr type="h" for="des" forName="composite2" refType="h" refFor="des" refForName="composite"/>
+      <dgm:constr type="w" for="des" forName="composite3" refType="w" refFor="des" refForName="composite"/>
+      <dgm:constr type="h" for="des" forName="composite3" refType="h" refFor="des" refForName="composite"/>
+      <dgm:constr type="w" for="des" forName="composite4" refType="w" refFor="des" refForName="composite"/>
+      <dgm:constr type="h" for="des" forName="composite4" refType="h" refFor="des" refForName="composite"/>
+      <dgm:constr type="w" for="des" forName="composite5" refType="w" refFor="des" refForName="composite"/>
+      <dgm:constr type="h" for="des" forName="composite5" refType="h" refFor="des" refForName="composite"/>
+      <dgm:constr type="sibSp" refType="w" refFor="des" refForName="composite" fact="0.1"/>
+      <dgm:constr type="sibSp" for="des" forName="hierChild2" refType="sibSp"/>
+      <dgm:constr type="sibSp" for="des" forName="hierChild3" refType="sibSp"/>
+      <dgm:constr type="sibSp" for="des" forName="hierChild4" refType="sibSp"/>
+      <dgm:constr type="sibSp" for="des" forName="hierChild5" refType="sibSp"/>
+      <dgm:constr type="sibSp" for="des" forName="hierChild6" refType="sibSp"/>
+      <dgm:constr type="sp" for="des" forName="hierRoot1" refType="h" refFor="des" refForName="composite" fact="0.25"/>
+      <dgm:constr type="sp" for="des" forName="hierRoot2" refType="sp" refFor="des" refForName="hierRoot1"/>
+      <dgm:constr type="sp" for="des" forName="hierRoot3" refType="sp" refFor="des" refForName="hierRoot1"/>
+      <dgm:constr type="sp" for="des" forName="hierRoot4" refType="sp" refFor="des" refForName="hierRoot1"/>
+      <dgm:constr type="sp" for="des" forName="hierRoot5" refType="sp" refFor="des" refForName="hierRoot1"/>
+    </dgm:constrLst>
+    <dgm:ruleLst/>
+    <dgm:forEach name="Name3" axis="ch">
+      <dgm:forEach name="Name4" axis="self" ptType="node">
+        <dgm:layoutNode name="hierRoot1">
+          <dgm:alg type="hierRoot"/>
+          <dgm:shape xmlns:r="http://schemas.openxmlformats.org/officeDocument/2006/relationships" r:blip="">
+            <dgm:adjLst/>
+          </dgm:shape>
+          <dgm:presOf/>
+          <dgm:constrLst>
+            <dgm:constr type="bendDist" for="des" ptType="parTrans" refType="sp" fact="0.5"/>
+          </dgm:constrLst>
+          <dgm:ruleLst/>
+          <dgm:layoutNode name="composite">
+            <dgm:alg type="composite"/>
+            <dgm:shape xmlns:r="http://schemas.openxmlformats.org/officeDocument/2006/relationships" r:blip="">
+              <dgm:adjLst/>
+            </dgm:shape>
+            <dgm:presOf/>
+            <dgm:constrLst>
+              <dgm:constr type="h" for="ch" forName="image" refType="h" fact="0.8"/>
+              <dgm:constr type="w" for="ch" forName="image" refType="h" refFor="ch" refForName="image"/>
+              <dgm:constr type="t" for="ch" forName="image" refType="h" fact="0.1"/>
+              <dgm:constr type="l" for="ch" forName="image"/>
+              <dgm:constr type="w" for="ch" forName="text" refType="w" fact="0.6"/>
+              <dgm:constr type="h" for="ch" forName="text" refType="h" fact="0.8"/>
+              <dgm:constr type="t" for="ch" forName="text" refType="w" fact="0.04"/>
+              <dgm:constr type="l" for="ch" forName="text" refType="w" fact="0.4"/>
+            </dgm:constrLst>
+            <dgm:ruleLst/>
+            <dgm:layoutNode name="image" styleLbl="node0">
+              <dgm:alg type="sp"/>
+              <dgm:shape xmlns:r="http://schemas.openxmlformats.org/officeDocument/2006/relationships" type="ellipse" r:blip="" blipPhldr="1">
+                <dgm:adjLst/>
+              </dgm:shape>
+              <dgm:presOf/>
+              <dgm:constrLst/>
+              <dgm:ruleLst/>
+            </dgm:layoutNode>
+            <dgm:layoutNode name="text" styleLbl="revTx">
+              <dgm:varLst>
+                <dgm:chPref val="3"/>
+              </dgm:varLst>
+              <dgm:alg type="tx">
+                <dgm:param type="parTxLTRAlign" val="l"/>
+                <dgm:param type="parTxRTLAlign" val="r"/>
+              </dgm:alg>
+              <dgm:shape xmlns:r="http://schemas.openxmlformats.org/officeDocument/2006/relationships" type="rect" r:blip="">
+                <dgm:adjLst/>
+              </dgm:shape>
+              <dgm:presOf axis="self"/>
+              <dgm:constrLst>
+                <dgm:constr type="tMarg" refType="primFontSz" fact="0.3"/>
+                <dgm:constr type="bMarg" refType="primFontSz" fact="0.3"/>
+                <dgm:constr type="lMarg" refType="primFontSz" fact="0.3"/>
+                <dgm:constr type="rMarg" refType="primFontSz" fact="0.3"/>
+              </dgm:constrLst>
+              <dgm:ruleLst>
+                <dgm:rule type="primFontSz" val="5" fact="NaN" max="NaN"/>
+              </dgm:ruleLst>
+            </dgm:layoutNode>
+          </dgm:layoutNode>
+          <dgm:layoutNode name="hierChild2">
+            <dgm:choose name="Name5">
+              <dgm:if name="Name6" func="var" arg="dir" op="equ" val="norm">
+                <dgm:alg type="hierChild">
+                  <dgm:param type="linDir" val="fromL"/>
+                </dgm:alg>
+              </dgm:if>
+              <dgm:else name="Name7">
+                <dgm:alg type="hierChild">
+                  <dgm:param type="linDir" val="fromR"/>
+                </dgm:alg>
+              </dgm:else>
+            </dgm:choose>
+            <dgm:shape xmlns:r="http://schemas.openxmlformats.org/officeDocument/2006/relationships" r:blip="">
+              <dgm:adjLst/>
+            </dgm:shape>
+            <dgm:presOf/>
+            <dgm:constrLst/>
+            <dgm:ruleLst/>
+            <dgm:forEach name="Name8" axis="ch">
+              <dgm:forEach name="Name9" axis="self" ptType="parTrans" cnt="1">
+                <dgm:layoutNode name="Name10">
+                  <dgm:alg type="conn">
+                    <dgm:param type="dim" val="1D"/>
+                    <dgm:param type="endSty" val="noArr"/>
+                    <dgm:param type="connRout" val="bend"/>
+                    <dgm:param type="bendPt" val="end"/>
+                    <dgm:param type="begPts" val="bCtr"/>
+                    <dgm:param type="endPts" val="tCtr"/>
+                    <dgm:param type="srcNode" val="image"/>
+                    <dgm:param type="dstNode" val="image2"/>
+                  </dgm:alg>
+                  <dgm:shape xmlns:r="http://schemas.openxmlformats.org/officeDocument/2006/relationships" type="conn" r:blip="" zOrderOff="-999">
+                    <dgm:adjLst/>
+                  </dgm:shape>
+                  <dgm:presOf axis="self"/>
+                  <dgm:constrLst>
+                    <dgm:constr type="begPad"/>
+                    <dgm:constr type="endPad"/>
+                  </dgm:constrLst>
+                  <dgm:ruleLst/>
+                </dgm:layoutNode>
+              </dgm:forEach>
+              <dgm:forEach name="Name11" axis="self" ptType="node">
+                <dgm:layoutNode name="hierRoot2">
+                  <dgm:alg type="hierRoot"/>
+                  <dgm:shape xmlns:r="http://schemas.openxmlformats.org/officeDocument/2006/relationships" r:blip="">
+                    <dgm:adjLst/>
+                  </dgm:shape>
+                  <dgm:presOf/>
+                  <dgm:constrLst>
+                    <dgm:constr type="bendDist" for="des" ptType="parTrans" refType="sp" fact="0.5"/>
+                  </dgm:constrLst>
+                  <dgm:ruleLst/>
+                  <dgm:layoutNode name="composite2">
+                    <dgm:alg type="composite"/>
+                    <dgm:shape xmlns:r="http://schemas.openxmlformats.org/officeDocument/2006/relationships" r:blip="">
+                      <dgm:adjLst/>
+                    </dgm:shape>
+                    <dgm:presOf/>
+                    <dgm:constrLst>
+                      <dgm:constr type="h" for="ch" forName="image2" refType="h" fact="0.8"/>
+                      <dgm:constr type="w" for="ch" forName="image2" refType="h" refFor="ch" refForName="image2"/>
+                      <dgm:constr type="t" for="ch" forName="image2" refType="h" fact="0.1"/>
+                      <dgm:constr type="l" for="ch" forName="image2"/>
+                      <dgm:constr type="w" for="ch" forName="text2" refType="w" fact="0.6"/>
+                      <dgm:constr type="h" for="ch" forName="text2" refType="h" fact="0.8"/>
+                      <dgm:constr type="t" for="ch" forName="text2" refType="w" fact="0.04"/>
+                      <dgm:constr type="l" for="ch" forName="text2" refType="w" fact="0.4"/>
+                    </dgm:constrLst>
+                    <dgm:ruleLst/>
+                    <dgm:layoutNode name="image2">
+                      <dgm:alg type="sp"/>
+                      <dgm:shape xmlns:r="http://schemas.openxmlformats.org/officeDocument/2006/relationships" type="ellipse" r:blip="" blipPhldr="1">
+                        <dgm:adjLst/>
+                      </dgm:shape>
+                      <dgm:presOf/>
+                      <dgm:constrLst/>
+                      <dgm:ruleLst/>
+                    </dgm:layoutNode>
+                    <dgm:layoutNode name="text2" styleLbl="revTx">
+                      <dgm:varLst>
+                        <dgm:chPref val="3"/>
+                      </dgm:varLst>
+                      <dgm:alg type="tx">
+                        <dgm:param type="parTxLTRAlign" val="l"/>
+                        <dgm:param type="parTxRTLAlign" val="r"/>
+                      </dgm:alg>
+                      <dgm:shape xmlns:r="http://schemas.openxmlformats.org/officeDocument/2006/relationships" type="rect" r:blip="">
+                        <dgm:adjLst/>
+                      </dgm:shape>
+                      <dgm:presOf axis="self"/>
+                      <dgm:constrLst>
+                        <dgm:constr type="tMarg" refType="primFontSz" fact="0.3"/>
+                        <dgm:constr type="bMarg" refType="primFontSz" fact="0.3"/>
+                        <dgm:constr type="lMarg" refType="primFontSz" fact="0.3"/>
+                        <dgm:constr type="rMarg" refType="primFontSz" fact="0.3"/>
+                      </dgm:constrLst>
+                      <dgm:ruleLst>
+                        <dgm:rule type="primFontSz" val="5" fact="NaN" max="NaN"/>
+                      </dgm:ruleLst>
+                    </dgm:layoutNode>
+                  </dgm:layoutNode>
+                  <dgm:layoutNode name="hierChild3">
+                    <dgm:choose name="Name12">
+                      <dgm:if name="Name13" func="var" arg="dir" op="equ" val="norm">
+                        <dgm:alg type="hierChild">
+                          <dgm:param type="linDir" val="fromL"/>
+                        </dgm:alg>
+                      </dgm:if>
+                      <dgm:else name="Name14">
+                        <dgm:alg type="hierChild">
+                          <dgm:param type="linDir" val="fromR"/>
+                        </dgm:alg>
+                      </dgm:else>
+                    </dgm:choose>
+                    <dgm:shape xmlns:r="http://schemas.openxmlformats.org/officeDocument/2006/relationships" r:blip="">
+                      <dgm:adjLst/>
+                    </dgm:shape>
+                    <dgm:presOf/>
+                    <dgm:constrLst/>
+                    <dgm:ruleLst/>
+                    <dgm:forEach name="Name15" axis="ch">
+                      <dgm:forEach name="Name16" axis="self" ptType="parTrans" cnt="1">
+                        <dgm:layoutNode name="Name17">
+                          <dgm:alg type="conn">
+                            <dgm:param type="dim" val="1D"/>
+                            <dgm:param type="endSty" val="noArr"/>
+                            <dgm:param type="connRout" val="bend"/>
+                            <dgm:param type="bendPt" val="end"/>
+                            <dgm:param type="begPts" val="bCtr"/>
+                            <dgm:param type="endPts" val="tCtr"/>
+                            <dgm:param type="srcNode" val="image2"/>
+                            <dgm:param type="dstNode" val="image3"/>
+                          </dgm:alg>
+                          <dgm:shape xmlns:r="http://schemas.openxmlformats.org/officeDocument/2006/relationships" type="conn" r:blip="" zOrderOff="-999">
+                            <dgm:adjLst/>
+                          </dgm:shape>
+                          <dgm:presOf axis="self"/>
+                          <dgm:constrLst>
+                            <dgm:constr type="begPad"/>
+                            <dgm:constr type="endPad"/>
+                          </dgm:constrLst>
+                          <dgm:ruleLst/>
+                        </dgm:layoutNode>
+                      </dgm:forEach>
+                      <dgm:forEach name="Name18" axis="self" ptType="node">
+                        <dgm:layoutNode name="hierRoot3">
+                          <dgm:alg type="hierRoot"/>
+                          <dgm:shape xmlns:r="http://schemas.openxmlformats.org/officeDocument/2006/relationships" r:blip="">
+                            <dgm:adjLst/>
+                          </dgm:shape>
+                          <dgm:presOf/>
+                          <dgm:constrLst>
+                            <dgm:constr type="bendDist" for="des" ptType="parTrans" refType="sp" fact="0.5"/>
+                          </dgm:constrLst>
+                          <dgm:ruleLst/>
+                          <dgm:layoutNode name="composite3">
+                            <dgm:alg type="composite"/>
+                            <dgm:shape xmlns:r="http://schemas.openxmlformats.org/officeDocument/2006/relationships" r:blip="">
+                              <dgm:adjLst/>
+                            </dgm:shape>
+                            <dgm:presOf/>
+                            <dgm:constrLst>
+                              <dgm:constr type="h" for="ch" forName="image3" refType="h" fact="0.8"/>
+                              <dgm:constr type="w" for="ch" forName="image3" refType="h" refFor="ch" refForName="image3"/>
+                              <dgm:constr type="t" for="ch" forName="image3" refType="h" fact="0.1"/>
+                              <dgm:constr type="l" for="ch" forName="image3"/>
+                              <dgm:constr type="w" for="ch" forName="text3" refType="w" fact="0.6"/>
+                              <dgm:constr type="h" for="ch" forName="text3" refType="h" fact="0.8"/>
+                              <dgm:constr type="t" for="ch" forName="text3" refType="w" fact="0.04"/>
+                              <dgm:constr type="l" for="ch" forName="text3" refType="w" fact="0.4"/>
+                            </dgm:constrLst>
+                            <dgm:ruleLst/>
+                            <dgm:layoutNode name="image3">
+                              <dgm:alg type="sp"/>
+                              <dgm:shape xmlns:r="http://schemas.openxmlformats.org/officeDocument/2006/relationships" type="ellipse" r:blip="" blipPhldr="1">
+                                <dgm:adjLst/>
+                              </dgm:shape>
+                              <dgm:presOf/>
+                              <dgm:constrLst/>
+                              <dgm:ruleLst/>
+                            </dgm:layoutNode>
+                            <dgm:layoutNode name="text3" styleLbl="revTx">
+                              <dgm:varLst>
+                                <dgm:chPref val="3"/>
+                              </dgm:varLst>
+                              <dgm:alg type="tx">
+                                <dgm:param type="parTxLTRAlign" val="l"/>
+                                <dgm:param type="parTxRTLAlign" val="r"/>
+                              </dgm:alg>
+                              <dgm:shape xmlns:r="http://schemas.openxmlformats.org/officeDocument/2006/relationships" type="rect" r:blip="">
+                                <dgm:adjLst/>
+                              </dgm:shape>
+                              <dgm:presOf axis="self"/>
+                              <dgm:constrLst>
+                                <dgm:constr type="tMarg" refType="primFontSz" fact="0.3"/>
+                                <dgm:constr type="bMarg" refType="primFontSz" fact="0.3"/>
+                                <dgm:constr type="lMarg" refType="primFontSz" fact="0.3"/>
+                                <dgm:constr type="rMarg" refType="primFontSz" fact="0.3"/>
+                              </dgm:constrLst>
+                              <dgm:ruleLst>
+                                <dgm:rule type="primFontSz" val="5" fact="NaN" max="NaN"/>
+                              </dgm:ruleLst>
+                            </dgm:layoutNode>
+                          </dgm:layoutNode>
+                          <dgm:layoutNode name="hierChild4">
+                            <dgm:choose name="Name19">
+                              <dgm:if name="Name20" func="var" arg="dir" op="equ" val="norm">
+                                <dgm:alg type="hierChild">
+                                  <dgm:param type="linDir" val="fromL"/>
+                                </dgm:alg>
+                              </dgm:if>
+                              <dgm:else name="Name21">
+                                <dgm:alg type="hierChild">
+                                  <dgm:param type="linDir" val="fromR"/>
+                                </dgm:alg>
+                              </dgm:else>
+                            </dgm:choose>
+                            <dgm:shape xmlns:r="http://schemas.openxmlformats.org/officeDocument/2006/relationships" r:blip="">
+                              <dgm:adjLst/>
+                            </dgm:shape>
+                            <dgm:presOf/>
+                            <dgm:constrLst/>
+                            <dgm:ruleLst/>
+                            <dgm:forEach name="repeat" axis="ch">
+                              <dgm:forEach name="Name22" axis="self" ptType="parTrans" cnt="1">
+                                <dgm:layoutNode name="Name23">
+                                  <dgm:choose name="Name24">
+                                    <dgm:if name="Name25" axis="self" func="depth" op="lte" val="4">
+                                      <dgm:alg type="conn">
+                                        <dgm:param type="dim" val="1D"/>
+                                        <dgm:param type="endSty" val="noArr"/>
+                                        <dgm:param type="connRout" val="bend"/>
+                                        <dgm:param type="bendPt" val="end"/>
+                                        <dgm:param type="begPts" val="bCtr"/>
+                                        <dgm:param type="endPts" val="tCtr"/>
+                                        <dgm:param type="srcNode" val="image3"/>
+                                        <dgm:param type="dstNode" val="image4"/>
+                                      </dgm:alg>
+                                    </dgm:if>
+                                    <dgm:else name="Name26">
+                                      <dgm:alg type="conn">
+                                        <dgm:param type="dim" val="1D"/>
+                                        <dgm:param type="endSty" val="noArr"/>
+                                        <dgm:param type="connRout" val="bend"/>
+                                        <dgm:param type="bendPt" val="end"/>
+                                        <dgm:param type="begPts" val="bCtr"/>
+                                        <dgm:param type="endPts" val="tCtr"/>
+                                        <dgm:param type="srcNode" val="image4"/>
+                                        <dgm:param type="dstNode" val="image4"/>
+                                      </dgm:alg>
+                                    </dgm:else>
+                                  </dgm:choose>
+                                  <dgm:shape xmlns:r="http://schemas.openxmlformats.org/officeDocument/2006/relationships" type="conn" r:blip="" zOrderOff="-999">
+                                    <dgm:adjLst/>
+                                  </dgm:shape>
+                                  <dgm:presOf axis="self"/>
+                                  <dgm:constrLst>
+                                    <dgm:constr type="begPad"/>
+                                    <dgm:constr type="endPad"/>
+                                  </dgm:constrLst>
+                                  <dgm:ruleLst/>
+                                </dgm:layoutNode>
+                              </dgm:forEach>
+                              <dgm:forEach name="Name27" axis="self" ptType="node">
+                                <dgm:layoutNode name="hierRoot4">
+                                  <dgm:alg type="hierRoot"/>
+                                  <dgm:shape xmlns:r="http://schemas.openxmlformats.org/officeDocument/2006/relationships" r:blip="">
+                                    <dgm:adjLst/>
+                                  </dgm:shape>
+                                  <dgm:presOf/>
+                                  <dgm:constrLst>
+                                    <dgm:constr type="bendDist" for="des" ptType="parTrans" refType="sp" fact="0.5"/>
+                                  </dgm:constrLst>
+                                  <dgm:ruleLst/>
+                                  <dgm:layoutNode name="composite4">
+                                    <dgm:alg type="composite"/>
+                                    <dgm:shape xmlns:r="http://schemas.openxmlformats.org/officeDocument/2006/relationships" r:blip="">
+                                      <dgm:adjLst/>
+                                    </dgm:shape>
+                                    <dgm:presOf/>
+                                    <dgm:constrLst>
+                                      <dgm:constr type="h" for="ch" forName="image4" refType="h" fact="0.8"/>
+                                      <dgm:constr type="w" for="ch" forName="image4" refType="h" refFor="ch" refForName="image4"/>
+                                      <dgm:constr type="t" for="ch" forName="image4" refType="h" fact="0.1"/>
+                                      <dgm:constr type="l" for="ch" forName="image4"/>
+                                      <dgm:constr type="w" for="ch" forName="text4" refType="w" fact="0.6"/>
+                                      <dgm:constr type="h" for="ch" forName="text4" refType="h" fact="0.8"/>
+                                      <dgm:constr type="t" for="ch" forName="text4" refType="w" fact="0.04"/>
+                                      <dgm:constr type="l" for="ch" forName="text4" refType="w" fact="0.4"/>
+                                    </dgm:constrLst>
+                                    <dgm:ruleLst/>
+                                    <dgm:layoutNode name="image4">
+                                      <dgm:alg type="sp"/>
+                                      <dgm:shape xmlns:r="http://schemas.openxmlformats.org/officeDocument/2006/relationships" type="ellipse" r:blip="" blipPhldr="1">
+                                        <dgm:adjLst/>
+                                      </dgm:shape>
+                                      <dgm:presOf/>
+                                      <dgm:constrLst/>
+                                      <dgm:ruleLst/>
+                                    </dgm:layoutNode>
+                                    <dgm:layoutNode name="text4" styleLbl="revTx">
+                                      <dgm:varLst>
+                                        <dgm:chPref val="3"/>
+                                      </dgm:varLst>
+                                      <dgm:alg type="tx">
+                                        <dgm:param type="parTxLTRAlign" val="l"/>
+                                        <dgm:param type="parTxRTLAlign" val="r"/>
+                                      </dgm:alg>
+                                      <dgm:shape xmlns:r="http://schemas.openxmlformats.org/officeDocument/2006/relationships" type="rect" r:blip="">
+                                        <dgm:adjLst/>
+                                      </dgm:shape>
+                                      <dgm:presOf axis="self"/>
+                                      <dgm:constrLst>
+                                        <dgm:constr type="tMarg" refType="primFontSz" fact="0.3"/>
+                                        <dgm:constr type="bMarg" refType="primFontSz" fact="0.3"/>
+                                        <dgm:constr type="lMarg" refType="primFontSz" fact="0.3"/>
+                                        <dgm:constr type="rMarg" refType="primFontSz" fact="0.3"/>
+                                      </dgm:constrLst>
+                                      <dgm:ruleLst>
+                                        <dgm:rule type="primFontSz" val="5" fact="NaN" max="NaN"/>
+                                      </dgm:ruleLst>
+                                    </dgm:layoutNode>
+                                  </dgm:layoutNode>
+                                  <dgm:layoutNode name="hierChild5">
+                                    <dgm:choose name="Name28">
+                                      <dgm:if name="Name29" func="var" arg="dir" op="equ" val="norm">
+                                        <dgm:alg type="hierChild">
+                                          <dgm:param type="linDir" val="fromL"/>
+                                        </dgm:alg>
+                                      </dgm:if>
+                                      <dgm:else name="Name30">
+                                        <dgm:alg type="hierChild">
+                                          <dgm:param type="linDir" val="fromR"/>
+                                        </dgm:alg>
+                                      </dgm:else>
+                                    </dgm:choose>
+                                    <dgm:shape xmlns:r="http://schemas.openxmlformats.org/officeDocument/2006/relationships" r:blip="">
+                                      <dgm:adjLst/>
+                                    </dgm:shape>
+                                    <dgm:presOf/>
+                                    <dgm:constrLst/>
+                                    <dgm:ruleLst/>
+                                    <dgm:forEach name="Name31" ref="repeat"/>
+                                  </dgm:layoutNode>
+                                </dgm:layoutNode>
+                              </dgm:forEach>
+                            </dgm:forEach>
+                          </dgm:layoutNode>
+                        </dgm:layoutNode>
+                      </dgm:forEach>
+                    </dgm:forEach>
+                  </dgm:layoutNode>
+                </dgm:layoutNode>
+              </dgm:forEach>
+            </dgm:forEach>
+          </dgm:layoutNode>
+        </dgm:layoutNode>
+      </dgm:forEach>
+    </dgm:forEach>
+  </dgm:layoutNode>
+</dgm:layoutDef>
+</file>
+
+<file path=ppt/diagrams/quickStyle1.xml><?xml version="1.0" encoding="utf-8"?>
+<dgm:styleDef xmlns:dgm="http://schemas.openxmlformats.org/drawingml/2006/diagram" xmlns:a="http://schemas.openxmlformats.org/drawingml/2006/main" uniqueId="urn:microsoft.com/office/officeart/2005/8/quickstyle/simple1">
+  <dgm:title val=""/>
+  <dgm:desc val=""/>
+  <dgm:catLst>
+    <dgm:cat type="simple" pri="10100"/>
+  </dgm:catLst>
+  <dgm:scene3d>
+    <a:camera prst="orthographicFront"/>
+    <a:lightRig rig="threePt" dir="t"/>
+  </dgm:scene3d>
+  <dgm:styleLbl name="node0">
+    <dgm:scene3d>
+      <a:camera prst="orthographicFront"/>
+      <a:lightRig rig="threePt" dir="t"/>
+    </dgm:scene3d>
+    <dgm:sp3d/>
+    <dgm:txPr/>
+    <dgm:style>
+      <a:lnRef idx="2">
+        <a:scrgbClr r="0" g="0" b="0"/>
+      </a:lnRef>
+      <a:fillRef idx="1">
+        <a:scrgbClr r="0" g="0" b="0"/>
+      </a:fillRef>
+      <a:effectRef idx="0">
+        <a:scrgbClr r="0" g="0" b="0"/>
+      </a:effectRef>
+      <a:fontRef idx="minor">
+        <a:schemeClr val="lt1"/>
+      </a:fontRef>
+    </dgm:style>
+  </dgm:styleLbl>
+  <dgm:styleLbl name="lnNode1">
+    <dgm:scene3d>
+      <a:camera prst="orthographicFront"/>
+      <a:lightRig rig="threePt" dir="t"/>
+    </dgm:scene3d>
+    <dgm:sp3d/>
+    <dgm:txPr/>
+    <dgm:style>
+      <a:lnRef idx="2">
+        <a:scrgbClr r="0" g="0" b="0"/>
+      </a:lnRef>
+      <a:fillRef idx="1">
+        <a:scrgbClr r="0" g="0" b="0"/>
+      </a:fillRef>
+      <a:effectRef idx="0">
+        <a:scrgbClr r="0" g="0" b="0"/>
+      </a:effectRef>
+      <a:fontRef idx="minor">
+        <a:schemeClr val="lt1"/>
+      </a:fontRef>
+    </dgm:style>
+  </dgm:styleLbl>
+  <dgm:styleLbl name="vennNode1">
+    <dgm:scene3d>
+      <a:camera prst="orthographicFront"/>
+      <a:lightRig rig="threePt" dir="t"/>
+    </dgm:scene3d>
+    <dgm:sp3d/>
+    <dgm:txPr/>
+    <dgm:style>
+      <a:lnRef idx="2">
+        <a:scrgbClr r="0" g="0" b="0"/>
+      </a:lnRef>
+      <a:fillRef idx="1">
+        <a:scrgbClr r="0" g="0" b="0"/>
+      </a:fillRef>
+      <a:effectRef idx="0">
+        <a:scrgbClr r="0" g="0" b="0"/>
+      </a:effectRef>
+      <a:fontRef idx="minor">
+        <a:schemeClr val="tx1"/>
+      </a:fontRef>
+    </dgm:style>
+  </dgm:styleLbl>
+  <dgm:styleLbl name="alignNode1">
+    <dgm:scene3d>
+      <a:camera prst="orthographicFront"/>
+      <a:lightRig rig="threePt" dir="t"/>
+    </dgm:scene3d>
+    <dgm:sp3d/>
+    <dgm:txPr/>
+    <dgm:style>
+      <a:lnRef idx="2">
+        <a:scrgbClr r="0" g="0" b="0"/>
+      </a:lnRef>
+      <a:fillRef idx="1">
+        <a:scrgbClr r="0" g="0" b="0"/>
+      </a:fillRef>
+      <a:effectRef idx="0">
+        <a:scrgbClr r="0" g="0" b="0"/>
+      </a:effectRef>
+      <a:fontRef idx="minor">
+        <a:schemeClr val="lt1"/>
+      </a:fontRef>
+    </dgm:style>
+  </dgm:styleLbl>
+  <dgm:styleLbl name="node1">
+    <dgm:scene3d>
+      <a:camera prst="orthographicFront"/>
+      <a:lightRig rig="threePt" dir="t"/>
+    </dgm:scene3d>
+    <dgm:sp3d/>
+    <dgm:txPr/>
+    <dgm:style>
+      <a:lnRef idx="2">
+        <a:scrgbClr r="0" g="0" b="0"/>
+      </a:lnRef>
+      <a:fillRef idx="1">
+        <a:scrgbClr r="0" g="0" b="0"/>
+      </a:fillRef>
+      <a:effectRef idx="0">
+        <a:scrgbClr r="0" g="0" b="0"/>
+      </a:effectRef>
+      <a:fontRef idx="minor">
+        <a:schemeClr val="lt1"/>
+      </a:fontRef>
+    </dgm:style>
+  </dgm:styleLbl>
+  <dgm:styleLbl name="node2">
+    <dgm:scene3d>
+      <a:camera prst="orthographicFront"/>
+      <a:lightRig rig="threePt" dir="t"/>
+    </dgm:scene3d>
+    <dgm:sp3d/>
+    <dgm:txPr/>
+    <dgm:style>
+      <a:lnRef idx="2">
+        <a:scrgbClr r="0" g="0" b="0"/>
+      </a:lnRef>
+      <a:fillRef idx="1">
+        <a:scrgbClr r="0" g="0" b="0"/>
+      </a:fillRef>
+      <a:effectRef idx="0">
+        <a:scrgbClr r="0" g="0" b="0"/>
+      </a:effectRef>
+      <a:fontRef idx="minor">
+        <a:schemeClr val="lt1"/>
+      </a:fontRef>
+    </dgm:style>
+  </dgm:styleLbl>
+  <dgm:styleLbl name="node3">
+    <dgm:scene3d>
+      <a:camera prst="orthographicFront"/>
+      <a:lightRig rig="threePt" dir="t"/>
+    </dgm:scene3d>
+    <dgm:sp3d/>
+    <dgm:txPr/>
+    <dgm:style>
+      <a:lnRef idx="2">
+        <a:scrgbClr r="0" g="0" b="0"/>
+      </a:lnRef>
+      <a:fillRef idx="1">
+        <a:scrgbClr r="0" g="0" b="0"/>
+      </a:fillRef>
+      <a:effectRef idx="0">
+        <a:scrgbClr r="0" g="0" b="0"/>
+      </a:effectRef>
+      <a:fontRef idx="minor">
+        <a:schemeClr val="lt1"/>
+      </a:fontRef>
+    </dgm:style>
+  </dgm:styleLbl>
+  <dgm:styleLbl name="node4">
+    <dgm:scene3d>
+      <a:camera prst="orthographicFront"/>
+      <a:lightRig rig="threePt" dir="t"/>
+    </dgm:scene3d>
+    <dgm:sp3d/>
+    <dgm:txPr/>
+    <dgm:style>
+      <a:lnRef idx="2">
+        <a:scrgbClr r="0" g="0" b="0"/>
+      </a:lnRef>
+      <a:fillRef idx="1">
+        <a:scrgbClr r="0" g="0" b="0"/>
+      </a:fillRef>
+      <a:effectRef idx="0">
+        <a:scrgbClr r="0" g="0" b="0"/>
+      </a:effectRef>
+      <a:fontRef idx="minor">
+        <a:schemeClr val="lt1"/>
+      </a:fontRef>
+    </dgm:style>
+  </dgm:styleLbl>
+  <dgm:styleLbl name="fgImgPlace1">
+    <dgm:scene3d>
+      <a:camera prst="orthographicFront"/>
+      <a:lightRig rig="threePt" dir="t"/>
+    </dgm:scene3d>
+    <dgm:sp3d/>
+    <dgm:txPr/>
+    <dgm:style>
+      <a:lnRef idx="2">
+        <a:scrgbClr r="0" g="0" b="0"/>
+      </a:lnRef>
+      <a:fillRef idx="1">
+        <a:scrgbClr r="0" g="0" b="0"/>
+      </a:fillRef>
+      <a:effectRef idx="0">
+        <a:scrgbClr r="0" g="0" b="0"/>
+      </a:effectRef>
+      <a:fontRef idx="minor"/>
+    </dgm:style>
+  </dgm:styleLbl>
+  <dgm:styleLbl name="alignImgPlace1">
+    <dgm:scene3d>
+      <a:camera prst="orthographicFront"/>
+      <a:lightRig rig="threePt" dir="t"/>
+    </dgm:scene3d>
+    <dgm:sp3d/>
+    <dgm:txPr/>
+    <dgm:style>
+      <a:lnRef idx="2">
+        <a:scrgbClr r="0" g="0" b="0"/>
+      </a:lnRef>
+      <a:fillRef idx="1">
+        <a:scrgbClr r="0" g="0" b="0"/>
+      </a:fillRef>
+      <a:effectRef idx="0">
+        <a:scrgbClr r="0" g="0" b="0"/>
+      </a:effectRef>
+      <a:fontRef idx="minor"/>
+    </dgm:style>
+  </dgm:styleLbl>
+  <dgm:styleLbl name="bgImgPlace1">
+    <dgm:scene3d>
+      <a:camera prst="orthographicFront"/>
+      <a:lightRig rig="threePt" dir="t"/>
+    </dgm:scene3d>
+    <dgm:sp3d/>
+    <dgm:txPr/>
+    <dgm:style>
+      <a:lnRef idx="2">
+        <a:scrgbClr r="0" g="0" b="0"/>
+      </a:lnRef>
+      <a:fillRef idx="1">
+        <a:scrgbClr r="0" g="0" b="0"/>
+      </a:fillRef>
+      <a:effectRef idx="0">
+        <a:scrgbClr r="0" g="0" b="0"/>
+      </a:effectRef>
+      <a:fontRef idx="minor"/>
+    </dgm:style>
+  </dgm:styleLbl>
+  <dgm:styleLbl name="sibTrans2D1">
+    <dgm:scene3d>
+      <a:camera prst="orthographicFront"/>
+      <a:lightRig rig="threePt" dir="t"/>
+    </dgm:scene3d>
+    <dgm:sp3d/>
+    <dgm:txPr/>
+    <dgm:style>
+      <a:lnRef idx="0">
+        <a:scrgbClr r="0" g="0" b="0"/>
+      </a:lnRef>
+      <a:fillRef idx="1">
+        <a:scrgbClr r="0" g="0" b="0"/>
+      </a:fillRef>
+      <a:effectRef idx="0">
+        <a:scrgbClr r="0" g="0" b="0"/>
+      </a:effectRef>
+      <a:fontRef idx="minor">
+        <a:schemeClr val="lt1"/>
+      </a:fontRef>
+    </dgm:style>
+  </dgm:styleLbl>
+  <dgm:styleLbl name="fgSibTrans2D1">
+    <dgm:scene3d>
+      <a:camera prst="orthographicFront"/>
+      <a:lightRig rig="threePt" dir="t"/>
+    </dgm:scene3d>
+    <dgm:sp3d/>
+    <dgm:txPr/>
+    <dgm:style>
+      <a:lnRef idx="0">
+        <a:scrgbClr r="0" g="0" b="0"/>
+      </a:lnRef>
+      <a:fillRef idx="1">
+        <a:scrgbClr r="0" g="0" b="0"/>
+      </a:fillRef>
+      <a:effectRef idx="0">
+        <a:scrgbClr r="0" g="0" b="0"/>
+      </a:effectRef>
+      <a:fontRef idx="minor">
+        <a:schemeClr val="lt1"/>
+      </a:fontRef>
+    </dgm:style>
+  </dgm:styleLbl>
+  <dgm:styleLbl name="bgSibTrans2D1">
+    <dgm:scene3d>
+      <a:camera prst="orthographicFront"/>
+      <a:lightRig rig="threePt" dir="t"/>
+    </dgm:scene3d>
+    <dgm:sp3d/>
+    <dgm:txPr/>
+    <dgm:style>
+      <a:lnRef idx="0">
+        <a:scrgbClr r="0" g="0" b="0"/>
+      </a:lnRef>
+      <a:fillRef idx="1">
+        <a:scrgbClr r="0" g="0" b="0"/>
+      </a:fillRef>
+      <a:effectRef idx="0">
+        <a:scrgbClr r="0" g="0" b="0"/>
+      </a:effectRef>
+      <a:fontRef idx="minor">
+        <a:schemeClr val="lt1"/>
+      </a:fontRef>
+    </dgm:style>
+  </dgm:styleLbl>
+  <dgm:styleLbl name="sibTrans1D1">
+    <dgm:scene3d>
+      <a:camera prst="orthographicFront"/>
+      <a:lightRig rig="threePt" dir="t"/>
+    </dgm:scene3d>
+    <dgm:sp3d/>
+    <dgm:txPr/>
+    <dgm:style>
+      <a:lnRef idx="1">
+        <a:scrgbClr r="0" g="0" b="0"/>
+      </a:lnRef>
+      <a:fillRef idx="0">
+        <a:scrgbClr r="0" g="0" b="0"/>
+      </a:fillRef>
+      <a:effectRef idx="0">
+        <a:scrgbClr r="0" g="0" b="0"/>
+      </a:effectRef>
+      <a:fontRef idx="minor"/>
+    </dgm:style>
+  </dgm:styleLbl>
+  <dgm:styleLbl name="callout">
+    <dgm:scene3d>
+      <a:camera prst="orthographicFront"/>
+      <a:lightRig rig="threePt" dir="t"/>
+    </dgm:scene3d>
+    <dgm:sp3d/>
+    <dgm:txPr/>
+    <dgm:style>
+      <a:lnRef idx="2">
+        <a:scrgbClr r="0" g="0" b="0"/>
+      </a:lnRef>
+      <a:fillRef idx="1">
+        <a:scrgbClr r="0" g="0" b="0"/>
+      </a:fillRef>
+      <a:effectRef idx="0">
+        <a:scrgbClr r="0" g="0" b="0"/>
+      </a:effectRef>
+      <a:fontRef idx="minor"/>
+    </dgm:style>
+  </dgm:styleLbl>
+  <dgm:styleLbl name="asst0">
+    <dgm:scene3d>
+      <a:camera prst="orthographicFront"/>
+      <a:lightRig rig="threePt" dir="t"/>
+    </dgm:scene3d>
+    <dgm:sp3d/>
+    <dgm:txPr/>
+    <dgm:style>
+      <a:lnRef idx="2">
+        <a:scrgbClr r="0" g="0" b="0"/>
+      </a:lnRef>
+      <a:fillRef idx="1">
+        <a:scrgbClr r="0" g="0" b="0"/>
+      </a:fillRef>
+      <a:effectRef idx="0">
+        <a:scrgbClr r="0" g="0" b="0"/>
+      </a:effectRef>
+      <a:fontRef idx="minor">
+        <a:schemeClr val="lt1"/>
+      </a:fontRef>
+    </dgm:style>
+  </dgm:styleLbl>
+  <dgm:styleLbl name="asst1">
+    <dgm:scene3d>
+      <a:camera prst="orthographicFront"/>
+      <a:lightRig rig="threePt" dir="t"/>
+    </dgm:scene3d>
+    <dgm:sp3d/>
+    <dgm:txPr/>
+    <dgm:style>
+      <a:lnRef idx="2">
+        <a:scrgbClr r="0" g="0" b="0"/>
+      </a:lnRef>
+      <a:fillRef idx="1">
+        <a:scrgbClr r="0" g="0" b="0"/>
+      </a:fillRef>
+      <a:effectRef idx="0">
+        <a:scrgbClr r="0" g="0" b="0"/>
+      </a:effectRef>
+      <a:fontRef idx="minor">
+        <a:schemeClr val="lt1"/>
+      </a:fontRef>
+    </dgm:style>
+  </dgm:styleLbl>
+  <dgm:styleLbl name="asst2">
+    <dgm:scene3d>
+      <a:camera prst="orthographicFront"/>
+      <a:lightRig rig="threePt" dir="t"/>
+    </dgm:scene3d>
+    <dgm:sp3d/>
+    <dgm:txPr/>
+    <dgm:style>
+      <a:lnRef idx="2">
+        <a:scrgbClr r="0" g="0" b="0"/>
+      </a:lnRef>
+      <a:fillRef idx="1">
+        <a:scrgbClr r="0" g="0" b="0"/>
+      </a:fillRef>
+      <a:effectRef idx="0">
+        <a:scrgbClr r="0" g="0" b="0"/>
+      </a:effectRef>
+      <a:fontRef idx="minor">
+        <a:schemeClr val="lt1"/>
+      </a:fontRef>
+    </dgm:style>
+  </dgm:styleLbl>
+  <dgm:styleLbl name="asst3">
+    <dgm:scene3d>
+      <a:camera prst="orthographicFront"/>
+      <a:lightRig rig="threePt" dir="t"/>
+    </dgm:scene3d>
+    <dgm:sp3d/>
+    <dgm:txPr/>
+    <dgm:style>
+      <a:lnRef idx="2">
+        <a:scrgbClr r="0" g="0" b="0"/>
+      </a:lnRef>
+      <a:fillRef idx="1">
+        <a:scrgbClr r="0" g="0" b="0"/>
+      </a:fillRef>
+      <a:effectRef idx="0">
+        <a:scrgbClr r="0" g="0" b="0"/>
+      </a:effectRef>
+      <a:fontRef idx="minor">
+        <a:schemeClr val="lt1"/>
+      </a:fontRef>
+    </dgm:style>
+  </dgm:styleLbl>
+  <dgm:styleLbl name="asst4">
+    <dgm:scene3d>
+      <a:camera prst="orthographicFront"/>
+      <a:lightRig rig="threePt" dir="t"/>
+    </dgm:scene3d>
+    <dgm:sp3d/>
+    <dgm:txPr/>
+    <dgm:style>
+      <a:lnRef idx="2">
+        <a:scrgbClr r="0" g="0" b="0"/>
+      </a:lnRef>
+      <a:fillRef idx="1">
+        <a:scrgbClr r="0" g="0" b="0"/>
+      </a:fillRef>
+      <a:effectRef idx="0">
+        <a:scrgbClr r="0" g="0" b="0"/>
+      </a:effectRef>
+      <a:fontRef idx="minor">
+        <a:schemeClr val="lt1"/>
+      </a:fontRef>
+    </dgm:style>
+  </dgm:styleLbl>
+  <dgm:styleLbl name="parChTrans2D1">
+    <dgm:scene3d>
+      <a:camera prst="orthographicFront"/>
+      <a:lightRig rig="threePt" dir="t"/>
+    </dgm:scene3d>
+    <dgm:sp3d/>
+    <dgm:txPr/>
+    <dgm:style>
+      <a:lnRef idx="2">
+        <a:scrgbClr r="0" g="0" b="0"/>
+      </a:lnRef>
+      <a:fillRef idx="1">
+        <a:scrgbClr r="0" g="0" b="0"/>
+      </a:fillRef>
+      <a:effectRef idx="0">
+        <a:scrgbClr r="0" g="0" b="0"/>
+      </a:effectRef>
+      <a:fontRef idx="minor">
+        <a:schemeClr val="lt1"/>
+      </a:fontRef>
+    </dgm:style>
+  </dgm:styleLbl>
+  <dgm:styleLbl name="parChTrans2D2">
+    <dgm:scene3d>
+      <a:camera prst="orthographicFront"/>
+      <a:lightRig rig="threePt" dir="t"/>
+    </dgm:scene3d>
+    <dgm:sp3d/>
+    <dgm:txPr/>
+    <dgm:style>
+      <a:lnRef idx="2">
+        <a:scrgbClr r="0" g="0" b="0"/>
+      </a:lnRef>
+      <a:fillRef idx="1">
+        <a:scrgbClr r="0" g="0" b="0"/>
+      </a:fillRef>
+      <a:effectRef idx="0">
+        <a:scrgbClr r="0" g="0" b="0"/>
+      </a:effectRef>
+      <a:fontRef idx="minor">
+        <a:schemeClr val="lt1"/>
+      </a:fontRef>
+    </dgm:style>
+  </dgm:styleLbl>
+  <dgm:styleLbl name="parChTrans2D3">
+    <dgm:scene3d>
+      <a:camera prst="orthographicFront"/>
+      <a:lightRig rig="threePt" dir="t"/>
+    </dgm:scene3d>
+    <dgm:sp3d/>
+    <dgm:txPr/>
+    <dgm:style>
+      <a:lnRef idx="2">
+        <a:scrgbClr r="0" g="0" b="0"/>
+      </a:lnRef>
+      <a:fillRef idx="1">
+        <a:scrgbClr r="0" g="0" b="0"/>
+      </a:fillRef>
+      <a:effectRef idx="0">
+        <a:scrgbClr r="0" g="0" b="0"/>
+      </a:effectRef>
+      <a:fontRef idx="minor">
+        <a:schemeClr val="lt1"/>
+      </a:fontRef>
+    </dgm:style>
+  </dgm:styleLbl>
+  <dgm:styleLbl name="parChTrans2D4">
+    <dgm:scene3d>
+      <a:camera prst="orthographicFront"/>
+      <a:lightRig rig="threePt" dir="t"/>
+    </dgm:scene3d>
+    <dgm:sp3d/>
+    <dgm:txPr/>
+    <dgm:style>
+      <a:lnRef idx="2">
+        <a:scrgbClr r="0" g="0" b="0"/>
+      </a:lnRef>
+      <a:fillRef idx="1">
+        <a:scrgbClr r="0" g="0" b="0"/>
+      </a:fillRef>
+      <a:effectRef idx="0">
+        <a:scrgbClr r="0" g="0" b="0"/>
+      </a:effectRef>
+      <a:fontRef idx="minor">
+        <a:schemeClr val="lt1"/>
+      </a:fontRef>
+    </dgm:style>
+  </dgm:styleLbl>
+  <dgm:styleLbl name="parChTrans1D1">
+    <dgm:scene3d>
+      <a:camera prst="orthographicFront"/>
+      <a:lightRig rig="threePt" dir="t"/>
+    </dgm:scene3d>
+    <dgm:sp3d/>
+    <dgm:txPr/>
+    <dgm:style>
+      <a:lnRef idx="2">
+        <a:scrgbClr r="0" g="0" b="0"/>
+      </a:lnRef>
+      <a:fillRef idx="0">
+        <a:scrgbClr r="0" g="0" b="0"/>
+      </a:fillRef>
+      <a:effectRef idx="0">
+        <a:scrgbClr r="0" g="0" b="0"/>
+      </a:effectRef>
+      <a:fontRef idx="minor"/>
+    </dgm:style>
+  </dgm:styleLbl>
+  <dgm:styleLbl name="parChTrans1D2">
+    <dgm:scene3d>
+      <a:camera prst="orthographicFront"/>
+      <a:lightRig rig="threePt" dir="t"/>
+    </dgm:scene3d>
+    <dgm:sp3d/>
+    <dgm:txPr/>
+    <dgm:style>
+      <a:lnRef idx="2">
+        <a:scrgbClr r="0" g="0" b="0"/>
+      </a:lnRef>
+      <a:fillRef idx="0">
+        <a:scrgbClr r="0" g="0" b="0"/>
+      </a:fillRef>
+      <a:effectRef idx="0">
+        <a:scrgbClr r="0" g="0" b="0"/>
+      </a:effectRef>
+      <a:fontRef idx="minor"/>
+    </dgm:style>
+  </dgm:styleLbl>
+  <dgm:styleLbl name="parChTrans1D3">
+    <dgm:scene3d>
+      <a:camera prst="orthographicFront"/>
+      <a:lightRig rig="threePt" dir="t"/>
+    </dgm:scene3d>
+    <dgm:sp3d/>
+    <dgm:txPr/>
+    <dgm:style>
+      <a:lnRef idx="2">
+        <a:scrgbClr r="0" g="0" b="0"/>
+      </a:lnRef>
+      <a:fillRef idx="0">
+        <a:scrgbClr r="0" g="0" b="0"/>
+      </a:fillRef>
+      <a:effectRef idx="0">
+        <a:scrgbClr r="0" g="0" b="0"/>
+      </a:effectRef>
+      <a:fontRef idx="minor"/>
+    </dgm:style>
+  </dgm:styleLbl>
+  <dgm:styleLbl name="parChTrans1D4">
+    <dgm:scene3d>
+      <a:camera prst="orthographicFront"/>
+      <a:lightRig rig="threePt" dir="t"/>
+    </dgm:scene3d>
+    <dgm:sp3d/>
+    <dgm:txPr/>
+    <dgm:style>
+      <a:lnRef idx="2">
+        <a:scrgbClr r="0" g="0" b="0"/>
+      </a:lnRef>
+      <a:fillRef idx="0">
+        <a:scrgbClr r="0" g="0" b="0"/>
+      </a:fillRef>
+      <a:effectRef idx="0">
+        <a:scrgbClr r="0" g="0" b="0"/>
+      </a:effectRef>
+      <a:fontRef idx="minor"/>
+    </dgm:style>
+  </dgm:styleLbl>
+  <dgm:styleLbl name="fgAcc1">
+    <dgm:scene3d>
+      <a:camera prst="orthographicFront"/>
+      <a:lightRig rig="threePt" dir="t"/>
+    </dgm:scene3d>
+    <dgm:sp3d/>
+    <dgm:txPr/>
+    <dgm:style>
+      <a:lnRef idx="2">
+        <a:scrgbClr r="0" g="0" b="0"/>
+      </a:lnRef>
+      <a:fillRef idx="1">
+        <a:scrgbClr r="0" g="0" b="0"/>
+      </a:fillRef>
+      <a:effectRef idx="0">
+        <a:scrgbClr r="0" g="0" b="0"/>
+      </a:effectRef>
+      <a:fontRef idx="minor"/>
+    </dgm:style>
+  </dgm:styleLbl>
+  <dgm:styleLbl name="conFgAcc1">
+    <dgm:scene3d>
+      <a:camera prst="orthographicFront"/>
+      <a:lightRig rig="threePt" dir="t"/>
+    </dgm:scene3d>
+    <dgm:sp3d/>
+    <dgm:txPr/>
+    <dgm:style>
+      <a:lnRef idx="2">
+        <a:scrgbClr r="0" g="0" b="0"/>
+      </a:lnRef>
+      <a:fillRef idx="1">
+        <a:scrgbClr r="0" g="0" b="0"/>
+      </a:fillRef>
+      <a:effectRef idx="0">
+        <a:scrgbClr r="0" g="0" b="0"/>
+      </a:effectRef>
+      <a:fontRef idx="minor"/>
+    </dgm:style>
+  </dgm:styleLbl>
+  <dgm:styleLbl name="alignAcc1">
+    <dgm:scene3d>
+      <a:camera prst="orthographicFront"/>
+      <a:lightRig rig="threePt" dir="t"/>
+    </dgm:scene3d>
+    <dgm:sp3d/>
+    <dgm:txPr/>
+    <dgm:style>
+      <a:lnRef idx="2">
+        <a:scrgbClr r="0" g="0" b="0"/>
+      </a:lnRef>
+      <a:fillRef idx="1">
+        <a:scrgbClr r="0" g="0" b="0"/>
+      </a:fillRef>
+      <a:effectRef idx="0">
+        <a:scrgbClr r="0" g="0" b="0"/>
+      </a:effectRef>
+      <a:fontRef idx="minor"/>
+    </dgm:style>
+  </dgm:styleLbl>
+  <dgm:styleLbl name="trAlignAcc1">
+    <dgm:scene3d>
+      <a:camera prst="orthographicFront"/>
+      <a:lightRig rig="threePt" dir="t"/>
+    </dgm:scene3d>
+    <dgm:sp3d/>
+    <dgm:txPr/>
+    <dgm:style>
+      <a:lnRef idx="1">
+        <a:scrgbClr r="0" g="0" b="0"/>
+      </a:lnRef>
+      <a:fillRef idx="1">
+        <a:scrgbClr r="0" g="0" b="0"/>
+      </a:fillRef>
+      <a:effectRef idx="0">
+        <a:scrgbClr r="0" g="0" b="0"/>
+      </a:effectRef>
+      <a:fontRef idx="minor"/>
+    </dgm:style>
+  </dgm:styleLbl>
+  <dgm:styleLbl name="bgAcc1">
+    <dgm:scene3d>
+      <a:camera prst="orthographicFront"/>
+      <a:lightRig rig="threePt" dir="t"/>
+    </dgm:scene3d>
+    <dgm:sp3d/>
+    <dgm:txPr/>
+    <dgm:style>
+      <a:lnRef idx="2">
+        <a:scrgbClr r="0" g="0" b="0"/>
+      </a:lnRef>
+      <a:fillRef idx="1">
+        <a:scrgbClr r="0" g="0" b="0"/>
+      </a:fillRef>
+      <a:effectRef idx="0">
+        <a:scrgbClr r="0" g="0" b="0"/>
+      </a:effectRef>
+      <a:fontRef idx="minor"/>
+    </dgm:style>
+  </dgm:styleLbl>
+  <dgm:styleLbl name="solidFgAcc1">
+    <dgm:scene3d>
+      <a:camera prst="orthographicFront"/>
+      <a:lightRig rig="threePt" dir="t"/>
+    </dgm:scene3d>
+    <dgm:sp3d/>
+    <dgm:txPr/>
+    <dgm:style>
+      <a:lnRef idx="2">
+        <a:scrgbClr r="0" g="0" b="0"/>
+      </a:lnRef>
+      <a:fillRef idx="1">
+        <a:scrgbClr r="0" g="0" b="0"/>
+      </a:fillRef>
+      <a:effectRef idx="0">
+        <a:scrgbClr r="0" g="0" b="0"/>
+      </a:effectRef>
+      <a:fontRef idx="minor"/>
+    </dgm:style>
+  </dgm:styleLbl>
+  <dgm:styleLbl name="solidAlignAcc1">
+    <dgm:scene3d>
+      <a:camera prst="orthographicFront"/>
+      <a:lightRig rig="threePt" dir="t"/>
+    </dgm:scene3d>
+    <dgm:sp3d/>
+    <dgm:txPr/>
+    <dgm:style>
+      <a:lnRef idx="2">
+        <a:scrgbClr r="0" g="0" b="0"/>
+      </a:lnRef>
+      <a:fillRef idx="1">
+        <a:scrgbClr r="0" g="0" b="0"/>
+      </a:fillRef>
+      <a:effectRef idx="0">
+        <a:scrgbClr r="0" g="0" b="0"/>
+      </a:effectRef>
+      <a:fontRef idx="minor"/>
+    </dgm:style>
+  </dgm:styleLbl>
+  <dgm:styleLbl name="solidBgAcc1">
+    <dgm:scene3d>
+      <a:camera prst="orthographicFront"/>
+      <a:lightRig rig="threePt" dir="t"/>
+    </dgm:scene3d>
+    <dgm:sp3d/>
+    <dgm:txPr/>
+    <dgm:style>
+      <a:lnRef idx="2">
+        <a:scrgbClr r="0" g="0" b="0"/>
+      </a:lnRef>
+      <a:fillRef idx="1">
+        <a:scrgbClr r="0" g="0" b="0"/>
+      </a:fillRef>
+      <a:effectRef idx="0">
+        <a:scrgbClr r="0" g="0" b="0"/>
+      </a:effectRef>
+      <a:fontRef idx="minor"/>
+    </dgm:style>
+  </dgm:styleLbl>
+  <dgm:styleLbl name="fgAccFollowNode1">
+    <dgm:scene3d>
+      <a:camera prst="orthographicFront"/>
+      <a:lightRig rig="threePt" dir="t"/>
+    </dgm:scene3d>
+    <dgm:sp3d/>
+    <dgm:txPr/>
+    <dgm:style>
+      <a:lnRef idx="2">
+        <a:scrgbClr r="0" g="0" b="0"/>
+      </a:lnRef>
+      <a:fillRef idx="1">
+        <a:scrgbClr r="0" g="0" b="0"/>
+      </a:fillRef>
+      <a:effectRef idx="0">
+        <a:scrgbClr r="0" g="0" b="0"/>
+      </a:effectRef>
+      <a:fontRef idx="minor"/>
+    </dgm:style>
+  </dgm:styleLbl>
+  <dgm:styleLbl name="alignAccFollowNode1">
+    <dgm:scene3d>
+      <a:camera prst="orthographicFront"/>
+      <a:lightRig rig="threePt" dir="t"/>
+    </dgm:scene3d>
+    <dgm:sp3d/>
+    <dgm:txPr/>
+    <dgm:style>
+      <a:lnRef idx="2">
+        <a:scrgbClr r="0" g="0" b="0"/>
+      </a:lnRef>
+      <a:fillRef idx="1">
+        <a:scrgbClr r="0" g="0" b="0"/>
+      </a:fillRef>
+      <a:effectRef idx="0">
+        <a:scrgbClr r="0" g="0" b="0"/>
+      </a:effectRef>
+      <a:fontRef idx="minor"/>
+    </dgm:style>
+  </dgm:styleLbl>
+  <dgm:styleLbl name="bgAccFollowNode1">
+    <dgm:scene3d>
+      <a:camera prst="orthographicFront"/>
+      <a:lightRig rig="threePt" dir="t"/>
+    </dgm:scene3d>
+    <dgm:sp3d/>
+    <dgm:txPr/>
+    <dgm:style>
+      <a:lnRef idx="2">
+        <a:scrgbClr r="0" g="0" b="0"/>
+      </a:lnRef>
+      <a:fillRef idx="1">
+        <a:scrgbClr r="0" g="0" b="0"/>
+      </a:fillRef>
+      <a:effectRef idx="0">
+        <a:scrgbClr r="0" g="0" b="0"/>
+      </a:effectRef>
+      <a:fontRef idx="minor"/>
+    </dgm:style>
+  </dgm:styleLbl>
+  <dgm:styleLbl name="fgAcc0">
+    <dgm:scene3d>
+      <a:camera prst="orthographicFront"/>
+      <a:lightRig rig="threePt" dir="t"/>
+    </dgm:scene3d>
+    <dgm:sp3d/>
+    <dgm:txPr/>
+    <dgm:style>
+      <a:lnRef idx="2">
+        <a:scrgbClr r="0" g="0" b="0"/>
+      </a:lnRef>
+      <a:fillRef idx="1">
+        <a:scrgbClr r="0" g="0" b="0"/>
+      </a:fillRef>
+      <a:effectRef idx="0">
+        <a:scrgbClr r="0" g="0" b="0"/>
+      </a:effectRef>
+      <a:fontRef idx="minor"/>
+    </dgm:style>
+  </dgm:styleLbl>
+  <dgm:styleLbl name="fgAcc2">
+    <dgm:scene3d>
+      <a:camera prst="orthographicFront"/>
+      <a:lightRig rig="threePt" dir="t"/>
+    </dgm:scene3d>
+    <dgm:sp3d/>
+    <dgm:txPr/>
+    <dgm:style>
+      <a:lnRef idx="2">
+        <a:scrgbClr r="0" g="0" b="0"/>
+      </a:lnRef>
+      <a:fillRef idx="1">
+        <a:scrgbClr r="0" g="0" b="0"/>
+      </a:fillRef>
+      <a:effectRef idx="0">
+        <a:scrgbClr r="0" g="0" b="0"/>
+      </a:effectRef>
+      <a:fontRef idx="minor"/>
+    </dgm:style>
+  </dgm:styleLbl>
+  <dgm:styleLbl name="fgAcc3">
+    <dgm:scene3d>
+      <a:camera prst="orthographicFront"/>
+      <a:lightRig rig="threePt" dir="t"/>
+    </dgm:scene3d>
+    <dgm:sp3d/>
+    <dgm:txPr/>
+    <dgm:style>
+      <a:lnRef idx="2">
+        <a:scrgbClr r="0" g="0" b="0"/>
+      </a:lnRef>
+      <a:fillRef idx="1">
+        <a:scrgbClr r="0" g="0" b="0"/>
+      </a:fillRef>
+      <a:effectRef idx="0">
+        <a:scrgbClr r="0" g="0" b="0"/>
+      </a:effectRef>
+      <a:fontRef idx="minor"/>
+    </dgm:style>
+  </dgm:styleLbl>
+  <dgm:styleLbl name="fgAcc4">
+    <dgm:scene3d>
+      <a:camera prst="orthographicFront"/>
+      <a:lightRig rig="threePt" dir="t"/>
+    </dgm:scene3d>
+    <dgm:sp3d/>
+    <dgm:txPr/>
+    <dgm:style>
+      <a:lnRef idx="2">
+        <a:scrgbClr r="0" g="0" b="0"/>
+      </a:lnRef>
+      <a:fillRef idx="1">
+        <a:scrgbClr r="0" g="0" b="0"/>
+      </a:fillRef>
+      <a:effectRef idx="0">
+        <a:scrgbClr r="0" g="0" b="0"/>
+      </a:effectRef>
+      <a:fontRef idx="minor"/>
+    </dgm:style>
+  </dgm:styleLbl>
+  <dgm:styleLbl name="bgShp">
+    <dgm:scene3d>
+      <a:camera prst="orthographicFront"/>
+      <a:lightRig rig="threePt" dir="t"/>
+    </dgm:scene3d>
+    <dgm:sp3d/>
+    <dgm:txPr/>
+    <dgm:style>
+      <a:lnRef idx="0">
+        <a:scrgbClr r="0" g="0" b="0"/>
+      </a:lnRef>
+      <a:fillRef idx="1">
+        <a:scrgbClr r="0" g="0" b="0"/>
+      </a:fillRef>
+      <a:effectRef idx="0">
+        <a:scrgbClr r="0" g="0" b="0"/>
+      </a:effectRef>
+      <a:fontRef idx="minor"/>
+    </dgm:style>
+  </dgm:styleLbl>
+  <dgm:styleLbl name="dkBgShp">
+    <dgm:scene3d>
+      <a:camera prst="orthographicFront"/>
+      <a:lightRig rig="threePt" dir="t"/>
+    </dgm:scene3d>
+    <dgm:sp3d/>
+    <dgm:txPr/>
+    <dgm:style>
+      <a:lnRef idx="0">
+        <a:scrgbClr r="0" g="0" b="0"/>
+      </a:lnRef>
+      <a:fillRef idx="1">
+        <a:scrgbClr r="0" g="0" b="0"/>
+      </a:fillRef>
+      <a:effectRef idx="0">
+        <a:scrgbClr r="0" g="0" b="0"/>
+      </a:effectRef>
+      <a:fontRef idx="minor"/>
+    </dgm:style>
+  </dgm:styleLbl>
+  <dgm:styleLbl name="trBgShp">
+    <dgm:scene3d>
+      <a:camera prst="orthographicFront"/>
+      <a:lightRig rig="threePt" dir="t"/>
+    </dgm:scene3d>
+    <dgm:sp3d/>
+    <dgm:txPr/>
+    <dgm:style>
+      <a:lnRef idx="0">
+        <a:scrgbClr r="0" g="0" b="0"/>
+      </a:lnRef>
+      <a:fillRef idx="1">
+        <a:scrgbClr r="0" g="0" b="0"/>
+      </a:fillRef>
+      <a:effectRef idx="0">
+        <a:scrgbClr r="0" g="0" b="0"/>
+      </a:effectRef>
+      <a:fontRef idx="minor"/>
+    </dgm:style>
+  </dgm:styleLbl>
+  <dgm:styleLbl name="fgShp">
+    <dgm:scene3d>
+      <a:camera prst="orthographicFront"/>
+      <a:lightRig rig="threePt" dir="t"/>
+    </dgm:scene3d>
+    <dgm:sp3d/>
+    <dgm:txPr/>
+    <dgm:style>
+      <a:lnRef idx="2">
+        <a:scrgbClr r="0" g="0" b="0"/>
+      </a:lnRef>
+      <a:fillRef idx="1">
+        <a:scrgbClr r="0" g="0" b="0"/>
+      </a:fillRef>
+      <a:effectRef idx="0">
+        <a:scrgbClr r="0" g="0" b="0"/>
+      </a:effectRef>
+      <a:fontRef idx="minor"/>
+    </dgm:style>
+  </dgm:styleLbl>
+  <dgm:styleLbl name="revTx">
+    <dgm:scene3d>
+      <a:camera prst="orthographicFront"/>
+      <a:lightRig rig="threePt" dir="t"/>
+    </dgm:scene3d>
+    <dgm:sp3d/>
+    <dgm:txPr/>
+    <dgm:style>
+      <a:lnRef idx="0">
+        <a:scrgbClr r="0" g="0" b="0"/>
+      </a:lnRef>
+      <a:fillRef idx="0">
+        <a:scrgbClr r="0" g="0" b="0"/>
+      </a:fillRef>
+      <a:effectRef idx="0">
+        <a:scrgbClr r="0" g="0" b="0"/>
+      </a:effectRef>
+      <a:fontRef idx="minor"/>
+    </dgm:style>
+  </dgm:styleLbl>
+</dgm:styleDef>
+</file>
+
 <file path=ppt/slideLayouts/slideLayout1.xml><?xml version="1.0" encoding="utf-8"?>
 <p:sldLayout xmlns:a="http://schemas.openxmlformats.org/drawingml/2006/main" xmlns:r="http://schemas.openxmlformats.org/officeDocument/2006/relationships" xmlns:p="http://schemas.openxmlformats.org/presentationml/2006/main" type="title" preserve="1">
   <p:cSld name="Title Slide">
@@ -271,7 +6760,7 @@
           <a:p>
             <a:fld id="{2EB1900A-CF1B-B843-834D-920A07F18114}" type="datetimeFigureOut">
               <a:rPr lang="en-US" smtClean="0"/>
-              <a:t>10/7/25</a:t>
+              <a:t>10/13/25</a:t>
             </a:fld>
             <a:endParaRPr lang="en-US"/>
           </a:p>
@@ -471,7 +6960,7 @@
           <a:p>
             <a:fld id="{2EB1900A-CF1B-B843-834D-920A07F18114}" type="datetimeFigureOut">
               <a:rPr lang="en-US" smtClean="0"/>
-              <a:t>10/7/25</a:t>
+              <a:t>10/13/25</a:t>
             </a:fld>
             <a:endParaRPr lang="en-US"/>
           </a:p>
@@ -681,7 +7170,7 @@
           <a:p>
             <a:fld id="{2EB1900A-CF1B-B843-834D-920A07F18114}" type="datetimeFigureOut">
               <a:rPr lang="en-US" smtClean="0"/>
-              <a:t>10/7/25</a:t>
+              <a:t>10/13/25</a:t>
             </a:fld>
             <a:endParaRPr lang="en-US"/>
           </a:p>
@@ -881,7 +7370,7 @@
           <a:p>
             <a:fld id="{2EB1900A-CF1B-B843-834D-920A07F18114}" type="datetimeFigureOut">
               <a:rPr lang="en-US" smtClean="0"/>
-              <a:t>10/7/25</a:t>
+              <a:t>10/13/25</a:t>
             </a:fld>
             <a:endParaRPr lang="en-US"/>
           </a:p>
@@ -1157,7 +7646,7 @@
           <a:p>
             <a:fld id="{2EB1900A-CF1B-B843-834D-920A07F18114}" type="datetimeFigureOut">
               <a:rPr lang="en-US" smtClean="0"/>
-              <a:t>10/7/25</a:t>
+              <a:t>10/13/25</a:t>
             </a:fld>
             <a:endParaRPr lang="en-US"/>
           </a:p>
@@ -1425,7 +7914,7 @@
           <a:p>
             <a:fld id="{2EB1900A-CF1B-B843-834D-920A07F18114}" type="datetimeFigureOut">
               <a:rPr lang="en-US" smtClean="0"/>
-              <a:t>10/7/25</a:t>
+              <a:t>10/13/25</a:t>
             </a:fld>
             <a:endParaRPr lang="en-US"/>
           </a:p>
@@ -1840,7 +8329,7 @@
           <a:p>
             <a:fld id="{2EB1900A-CF1B-B843-834D-920A07F18114}" type="datetimeFigureOut">
               <a:rPr lang="en-US" smtClean="0"/>
-              <a:t>10/7/25</a:t>
+              <a:t>10/13/25</a:t>
             </a:fld>
             <a:endParaRPr lang="en-US"/>
           </a:p>
@@ -1982,7 +8471,7 @@
           <a:p>
             <a:fld id="{2EB1900A-CF1B-B843-834D-920A07F18114}" type="datetimeFigureOut">
               <a:rPr lang="en-US" smtClean="0"/>
-              <a:t>10/7/25</a:t>
+              <a:t>10/13/25</a:t>
             </a:fld>
             <a:endParaRPr lang="en-US"/>
           </a:p>
@@ -2095,7 +8584,7 @@
           <a:p>
             <a:fld id="{2EB1900A-CF1B-B843-834D-920A07F18114}" type="datetimeFigureOut">
               <a:rPr lang="en-US" smtClean="0"/>
-              <a:t>10/7/25</a:t>
+              <a:t>10/13/25</a:t>
             </a:fld>
             <a:endParaRPr lang="en-US"/>
           </a:p>
@@ -2408,7 +8897,7 @@
           <a:p>
             <a:fld id="{2EB1900A-CF1B-B843-834D-920A07F18114}" type="datetimeFigureOut">
               <a:rPr lang="en-US" smtClean="0"/>
-              <a:t>10/7/25</a:t>
+              <a:t>10/13/25</a:t>
             </a:fld>
             <a:endParaRPr lang="en-US"/>
           </a:p>
@@ -2697,7 +9186,7 @@
           <a:p>
             <a:fld id="{2EB1900A-CF1B-B843-834D-920A07F18114}" type="datetimeFigureOut">
               <a:rPr lang="en-US" smtClean="0"/>
-              <a:t>10/7/25</a:t>
+              <a:t>10/13/25</a:t>
             </a:fld>
             <a:endParaRPr lang="en-US"/>
           </a:p>
@@ -2940,7 +9429,7 @@
           <a:p>
             <a:fld id="{2EB1900A-CF1B-B843-834D-920A07F18114}" type="datetimeFigureOut">
               <a:rPr lang="en-US" smtClean="0"/>
-              <a:t>10/7/25</a:t>
+              <a:t>10/13/25</a:t>
             </a:fld>
             <a:endParaRPr lang="en-US"/>
           </a:p>
@@ -4721,22 +11210,46 @@
                 <a:latin typeface="Arial" panose="020B0604020202020204" pitchFamily="34" charset="0"/>
                 <a:cs typeface="Arial" panose="020B0604020202020204" pitchFamily="34" charset="0"/>
               </a:rPr>
-              <a:t> </a:t>
-            </a:r>
-            <a:r>
-              <a:rPr lang="en-US" sz="2400">
-                <a:latin typeface="Arial" panose="020B0604020202020204" pitchFamily="34" charset="0"/>
-                <a:cs typeface="Arial" panose="020B0604020202020204" pitchFamily="34" charset="0"/>
-              </a:rPr>
-              <a:t>style using DOM Method</a:t>
-            </a:r>
-            <a:r>
+              <a:t> style using DOM Methods</a:t>
+            </a:r>
+            <a:br>
               <a:rPr lang="en-US" sz="2400" dirty="0">
                 <a:latin typeface="Arial" panose="020B0604020202020204" pitchFamily="34" charset="0"/>
                 <a:cs typeface="Arial" panose="020B0604020202020204" pitchFamily="34" charset="0"/>
               </a:rPr>
-              <a:t>s</a:t>
-            </a:r>
+            </a:br>
+            <a:r>
+              <a:rPr lang="en-US" sz="2400" dirty="0">
+                <a:latin typeface="Arial" panose="020B0604020202020204" pitchFamily="34" charset="0"/>
+                <a:cs typeface="Arial" panose="020B0604020202020204" pitchFamily="34" charset="0"/>
+              </a:rPr>
+              <a:t>5. </a:t>
+            </a:r>
+            <a:r>
+              <a:rPr lang="en-US" sz="2400" dirty="0" err="1">
+                <a:latin typeface="Arial" panose="020B0604020202020204" pitchFamily="34" charset="0"/>
+                <a:cs typeface="Arial" panose="020B0604020202020204" pitchFamily="34" charset="0"/>
+              </a:rPr>
+              <a:t>innerHTML</a:t>
+            </a:r>
+            <a:r>
+              <a:rPr lang="en-US" sz="2400" dirty="0">
+                <a:latin typeface="Arial" panose="020B0604020202020204" pitchFamily="34" charset="0"/>
+                <a:cs typeface="Arial" panose="020B0604020202020204" pitchFamily="34" charset="0"/>
+              </a:rPr>
+              <a:t> vs </a:t>
+            </a:r>
+            <a:r>
+              <a:rPr lang="en-US" sz="2400" dirty="0" err="1">
+                <a:latin typeface="Arial" panose="020B0604020202020204" pitchFamily="34" charset="0"/>
+                <a:cs typeface="Arial" panose="020B0604020202020204" pitchFamily="34" charset="0"/>
+              </a:rPr>
+              <a:t>innerText</a:t>
+            </a:r>
+            <a:endParaRPr lang="en-US" sz="2400" dirty="0">
+              <a:latin typeface="Arial" panose="020B0604020202020204" pitchFamily="34" charset="0"/>
+              <a:cs typeface="Arial" panose="020B0604020202020204" pitchFamily="34" charset="0"/>
+            </a:endParaRPr>
           </a:p>
         </p:txBody>
       </p:sp>
@@ -4744,6 +11257,393 @@
     <p:extLst>
       <p:ext uri="{BB962C8B-B14F-4D97-AF65-F5344CB8AC3E}">
         <p14:creationId xmlns:p14="http://schemas.microsoft.com/office/powerpoint/2010/main" val="576525293"/>
+      </p:ext>
+    </p:extLst>
+  </p:cSld>
+  <p:clrMapOvr>
+    <a:masterClrMapping/>
+  </p:clrMapOvr>
+</p:sld>
+</file>
+
+<file path=ppt/slides/slide12.xml><?xml version="1.0" encoding="utf-8"?>
+<p:sld xmlns:a="http://schemas.openxmlformats.org/drawingml/2006/main" xmlns:r="http://schemas.openxmlformats.org/officeDocument/2006/relationships" xmlns:p="http://schemas.openxmlformats.org/presentationml/2006/main">
+  <p:cSld>
+    <p:spTree>
+      <p:nvGrpSpPr>
+        <p:cNvPr id="1" name=""/>
+        <p:cNvGrpSpPr/>
+        <p:nvPr/>
+      </p:nvGrpSpPr>
+      <p:grpSpPr>
+        <a:xfrm>
+          <a:off x="0" y="0"/>
+          <a:ext cx="0" cy="0"/>
+          <a:chOff x="0" y="0"/>
+          <a:chExt cx="0" cy="0"/>
+        </a:xfrm>
+      </p:grpSpPr>
+      <p:sp>
+        <p:nvSpPr>
+          <p:cNvPr id="2" name="Title 1">
+            <a:extLst>
+              <a:ext uri="{FF2B5EF4-FFF2-40B4-BE49-F238E27FC236}">
+                <a16:creationId xmlns:a16="http://schemas.microsoft.com/office/drawing/2014/main" id="{E2AC151C-638F-79A2-1DA9-6225614F7076}"/>
+              </a:ext>
+            </a:extLst>
+          </p:cNvPr>
+          <p:cNvSpPr>
+            <a:spLocks noGrp="1"/>
+          </p:cNvSpPr>
+          <p:nvPr>
+            <p:ph type="title"/>
+          </p:nvPr>
+        </p:nvSpPr>
+        <p:spPr/>
+        <p:txBody>
+          <a:bodyPr/>
+          <a:lstStyle/>
+          <a:p>
+            <a:r>
+              <a:rPr lang="en-US" dirty="0"/>
+              <a:t>Traverse DOM Tree </a:t>
+            </a:r>
+          </a:p>
+        </p:txBody>
+      </p:sp>
+      <p:sp>
+        <p:nvSpPr>
+          <p:cNvPr id="3" name="Content Placeholder 2">
+            <a:extLst>
+              <a:ext uri="{FF2B5EF4-FFF2-40B4-BE49-F238E27FC236}">
+                <a16:creationId xmlns:a16="http://schemas.microsoft.com/office/drawing/2014/main" id="{7B0A05C8-D94A-1919-A783-6D57B5ABD91B}"/>
+              </a:ext>
+            </a:extLst>
+          </p:cNvPr>
+          <p:cNvSpPr>
+            <a:spLocks noGrp="1"/>
+          </p:cNvSpPr>
+          <p:nvPr>
+            <p:ph idx="1"/>
+          </p:nvPr>
+        </p:nvSpPr>
+        <p:spPr>
+          <a:xfrm>
+            <a:off x="838200" y="1825625"/>
+            <a:ext cx="2918254" cy="4351338"/>
+          </a:xfrm>
+        </p:spPr>
+        <p:txBody>
+          <a:bodyPr/>
+          <a:lstStyle/>
+          <a:p>
+            <a:r>
+              <a:rPr lang="en-US" dirty="0" err="1"/>
+              <a:t>rootNode</a:t>
+            </a:r>
+            <a:r>
+              <a:rPr lang="en-US" dirty="0"/>
+              <a:t>()</a:t>
+            </a:r>
+          </a:p>
+          <a:p>
+            <a:r>
+              <a:rPr lang="en-US" dirty="0" err="1"/>
+              <a:t>parentNode</a:t>
+            </a:r>
+            <a:r>
+              <a:rPr lang="en-US" dirty="0"/>
+              <a:t>()</a:t>
+            </a:r>
+          </a:p>
+          <a:p>
+            <a:r>
+              <a:rPr lang="en-US" dirty="0" err="1"/>
+              <a:t>childNode</a:t>
+            </a:r>
+            <a:r>
+              <a:rPr lang="en-US" dirty="0"/>
+              <a:t>()</a:t>
+            </a:r>
+          </a:p>
+          <a:p>
+            <a:r>
+              <a:rPr lang="en-US" dirty="0" err="1"/>
+              <a:t>siblingNodes</a:t>
+            </a:r>
+            <a:r>
+              <a:rPr lang="en-US" dirty="0"/>
+              <a:t>()</a:t>
+            </a:r>
+          </a:p>
+          <a:p>
+            <a:endParaRPr lang="en-US" dirty="0"/>
+          </a:p>
+        </p:txBody>
+      </p:sp>
+    </p:spTree>
+    <p:extLst>
+      <p:ext uri="{BB962C8B-B14F-4D97-AF65-F5344CB8AC3E}">
+        <p14:creationId xmlns:p14="http://schemas.microsoft.com/office/powerpoint/2010/main" val="1885141393"/>
+      </p:ext>
+    </p:extLst>
+  </p:cSld>
+  <p:clrMapOvr>
+    <a:masterClrMapping/>
+  </p:clrMapOvr>
+</p:sld>
+</file>
+
+<file path=ppt/slides/slide13.xml><?xml version="1.0" encoding="utf-8"?>
+<p:sld xmlns:a="http://schemas.openxmlformats.org/drawingml/2006/main" xmlns:r="http://schemas.openxmlformats.org/officeDocument/2006/relationships" xmlns:p="http://schemas.openxmlformats.org/presentationml/2006/main">
+  <p:cSld>
+    <p:spTree>
+      <p:nvGrpSpPr>
+        <p:cNvPr id="1" name=""/>
+        <p:cNvGrpSpPr/>
+        <p:nvPr/>
+      </p:nvGrpSpPr>
+      <p:grpSpPr>
+        <a:xfrm>
+          <a:off x="0" y="0"/>
+          <a:ext cx="0" cy="0"/>
+          <a:chOff x="0" y="0"/>
+          <a:chExt cx="0" cy="0"/>
+        </a:xfrm>
+      </p:grpSpPr>
+      <p:graphicFrame>
+        <p:nvGraphicFramePr>
+          <p:cNvPr id="6" name="Content Placeholder 5">
+            <a:extLst>
+              <a:ext uri="{FF2B5EF4-FFF2-40B4-BE49-F238E27FC236}">
+                <a16:creationId xmlns:a16="http://schemas.microsoft.com/office/drawing/2014/main" id="{8CAA0AC7-3173-D77C-14EA-1C0ACAE7ECB1}"/>
+              </a:ext>
+            </a:extLst>
+          </p:cNvPr>
+          <p:cNvGraphicFramePr>
+            <a:graphicFrameLocks noGrp="1"/>
+          </p:cNvGraphicFramePr>
+          <p:nvPr>
+            <p:ph idx="1"/>
+            <p:extLst>
+              <p:ext uri="{D42A27DB-BD31-4B8C-83A1-F6EECF244321}">
+                <p14:modId xmlns:p14="http://schemas.microsoft.com/office/powerpoint/2010/main" val="2822650603"/>
+              </p:ext>
+            </p:extLst>
+          </p:nvPr>
+        </p:nvGraphicFramePr>
+        <p:xfrm>
+          <a:off x="237068" y="0"/>
+          <a:ext cx="11376378" cy="6762044"/>
+        </p:xfrm>
+        <a:graphic>
+          <a:graphicData uri="http://schemas.openxmlformats.org/drawingml/2006/diagram">
+            <dgm:relIds xmlns:dgm="http://schemas.openxmlformats.org/drawingml/2006/diagram" xmlns:r="http://schemas.openxmlformats.org/officeDocument/2006/relationships" r:dm="rId2" r:lo="rId3" r:qs="rId4" r:cs="rId5"/>
+          </a:graphicData>
+        </a:graphic>
+      </p:graphicFrame>
+    </p:spTree>
+    <p:extLst>
+      <p:ext uri="{BB962C8B-B14F-4D97-AF65-F5344CB8AC3E}">
+        <p14:creationId xmlns:p14="http://schemas.microsoft.com/office/powerpoint/2010/main" val="2541817011"/>
+      </p:ext>
+    </p:extLst>
+  </p:cSld>
+  <p:clrMapOvr>
+    <a:masterClrMapping/>
+  </p:clrMapOvr>
+</p:sld>
+</file>
+
+<file path=ppt/slides/slide14.xml><?xml version="1.0" encoding="utf-8"?>
+<p:sld xmlns:a="http://schemas.openxmlformats.org/drawingml/2006/main" xmlns:r="http://schemas.openxmlformats.org/officeDocument/2006/relationships" xmlns:p="http://schemas.openxmlformats.org/presentationml/2006/main">
+  <p:cSld>
+    <p:spTree>
+      <p:nvGrpSpPr>
+        <p:cNvPr id="1" name="">
+          <a:extLst>
+            <a:ext uri="{FF2B5EF4-FFF2-40B4-BE49-F238E27FC236}">
+              <a16:creationId xmlns:a16="http://schemas.microsoft.com/office/drawing/2014/main" id="{FF6FE1CA-9B31-8689-55C6-C9B4A2383F2B}"/>
+            </a:ext>
+          </a:extLst>
+        </p:cNvPr>
+        <p:cNvGrpSpPr/>
+        <p:nvPr/>
+      </p:nvGrpSpPr>
+      <p:grpSpPr>
+        <a:xfrm>
+          <a:off x="0" y="0"/>
+          <a:ext cx="0" cy="0"/>
+          <a:chOff x="0" y="0"/>
+          <a:chExt cx="0" cy="0"/>
+        </a:xfrm>
+      </p:grpSpPr>
+      <p:sp>
+        <p:nvSpPr>
+          <p:cNvPr id="2" name="Title 1">
+            <a:extLst>
+              <a:ext uri="{FF2B5EF4-FFF2-40B4-BE49-F238E27FC236}">
+                <a16:creationId xmlns:a16="http://schemas.microsoft.com/office/drawing/2014/main" id="{2D5F1942-B6B5-DFF7-4F4A-2A918DA4C17F}"/>
+              </a:ext>
+            </a:extLst>
+          </p:cNvPr>
+          <p:cNvSpPr>
+            <a:spLocks noGrp="1"/>
+          </p:cNvSpPr>
+          <p:nvPr>
+            <p:ph type="title"/>
+          </p:nvPr>
+        </p:nvSpPr>
+        <p:spPr/>
+        <p:txBody>
+          <a:bodyPr/>
+          <a:lstStyle/>
+          <a:p>
+            <a:r>
+              <a:rPr lang="en-US" dirty="0"/>
+              <a:t>DOM Methods</a:t>
+            </a:r>
+          </a:p>
+        </p:txBody>
+      </p:sp>
+      <p:sp>
+        <p:nvSpPr>
+          <p:cNvPr id="3" name="Content Placeholder 2">
+            <a:extLst>
+              <a:ext uri="{FF2B5EF4-FFF2-40B4-BE49-F238E27FC236}">
+                <a16:creationId xmlns:a16="http://schemas.microsoft.com/office/drawing/2014/main" id="{D142AD04-1B81-71C6-069F-7F8C5181D7AF}"/>
+              </a:ext>
+            </a:extLst>
+          </p:cNvPr>
+          <p:cNvSpPr>
+            <a:spLocks noGrp="1"/>
+          </p:cNvSpPr>
+          <p:nvPr>
+            <p:ph idx="1"/>
+          </p:nvPr>
+        </p:nvSpPr>
+        <p:spPr>
+          <a:xfrm>
+            <a:off x="838199" y="1825625"/>
+            <a:ext cx="4325471" cy="4351338"/>
+          </a:xfrm>
+        </p:spPr>
+        <p:txBody>
+          <a:bodyPr/>
+          <a:lstStyle/>
+          <a:p>
+            <a:r>
+              <a:rPr lang="en-US" dirty="0" err="1"/>
+              <a:t>classList</a:t>
+            </a:r>
+            <a:endParaRPr lang="en-US" dirty="0"/>
+          </a:p>
+          <a:p>
+            <a:r>
+              <a:rPr lang="en-US" dirty="0"/>
+              <a:t>Add and remove classes</a:t>
+            </a:r>
+          </a:p>
+          <a:p>
+            <a:r>
+              <a:rPr lang="en-US" dirty="0" err="1"/>
+              <a:t>innerHTML</a:t>
+            </a:r>
+            <a:endParaRPr lang="en-US" dirty="0"/>
+          </a:p>
+          <a:p>
+            <a:r>
+              <a:rPr lang="en-US"/>
+              <a:t>DOM Event</a:t>
+            </a:r>
+            <a:endParaRPr lang="en-US" dirty="0"/>
+          </a:p>
+        </p:txBody>
+      </p:sp>
+    </p:spTree>
+    <p:extLst>
+      <p:ext uri="{BB962C8B-B14F-4D97-AF65-F5344CB8AC3E}">
+        <p14:creationId xmlns:p14="http://schemas.microsoft.com/office/powerpoint/2010/main" val="2467894357"/>
+      </p:ext>
+    </p:extLst>
+  </p:cSld>
+  <p:clrMapOvr>
+    <a:masterClrMapping/>
+  </p:clrMapOvr>
+</p:sld>
+</file>
+
+<file path=ppt/slides/slide15.xml><?xml version="1.0" encoding="utf-8"?>
+<p:sld xmlns:a="http://schemas.openxmlformats.org/drawingml/2006/main" xmlns:r="http://schemas.openxmlformats.org/officeDocument/2006/relationships" xmlns:p="http://schemas.openxmlformats.org/presentationml/2006/main">
+  <p:cSld>
+    <p:spTree>
+      <p:nvGrpSpPr>
+        <p:cNvPr id="1" name=""/>
+        <p:cNvGrpSpPr/>
+        <p:nvPr/>
+      </p:nvGrpSpPr>
+      <p:grpSpPr>
+        <a:xfrm>
+          <a:off x="0" y="0"/>
+          <a:ext cx="0" cy="0"/>
+          <a:chOff x="0" y="0"/>
+          <a:chExt cx="0" cy="0"/>
+        </a:xfrm>
+      </p:grpSpPr>
+      <p:sp>
+        <p:nvSpPr>
+          <p:cNvPr id="2" name="Title 1">
+            <a:extLst>
+              <a:ext uri="{FF2B5EF4-FFF2-40B4-BE49-F238E27FC236}">
+                <a16:creationId xmlns:a16="http://schemas.microsoft.com/office/drawing/2014/main" id="{D36F8FE9-290A-B0A6-F37E-336E9A907D83}"/>
+              </a:ext>
+            </a:extLst>
+          </p:cNvPr>
+          <p:cNvSpPr>
+            <a:spLocks noGrp="1"/>
+          </p:cNvSpPr>
+          <p:nvPr>
+            <p:ph type="title"/>
+          </p:nvPr>
+        </p:nvSpPr>
+        <p:spPr/>
+        <p:txBody>
+          <a:bodyPr/>
+          <a:lstStyle/>
+          <a:p>
+            <a:endParaRPr lang="en-US"/>
+          </a:p>
+        </p:txBody>
+      </p:sp>
+      <p:sp>
+        <p:nvSpPr>
+          <p:cNvPr id="3" name="Content Placeholder 2">
+            <a:extLst>
+              <a:ext uri="{FF2B5EF4-FFF2-40B4-BE49-F238E27FC236}">
+                <a16:creationId xmlns:a16="http://schemas.microsoft.com/office/drawing/2014/main" id="{5D222851-0719-EAFD-4E26-167FEE56B965}"/>
+              </a:ext>
+            </a:extLst>
+          </p:cNvPr>
+          <p:cNvSpPr>
+            <a:spLocks noGrp="1"/>
+          </p:cNvSpPr>
+          <p:nvPr>
+            <p:ph idx="1"/>
+          </p:nvPr>
+        </p:nvSpPr>
+        <p:spPr/>
+        <p:txBody>
+          <a:bodyPr/>
+          <a:lstStyle/>
+          <a:p>
+            <a:endParaRPr lang="en-US"/>
+          </a:p>
+        </p:txBody>
+      </p:sp>
+    </p:spTree>
+    <p:extLst>
+      <p:ext uri="{BB962C8B-B14F-4D97-AF65-F5344CB8AC3E}">
+        <p14:creationId xmlns:p14="http://schemas.microsoft.com/office/powerpoint/2010/main" val="4127306338"/>
       </p:ext>
     </p:extLst>
   </p:cSld>

--- a/JS/JavaScript.pptx
+++ b/JS/JavaScript.pptx
@@ -20,6 +20,7 @@
     <p:sldId id="268" r:id="rId14"/>
     <p:sldId id="270" r:id="rId15"/>
     <p:sldId id="269" r:id="rId16"/>
+    <p:sldId id="271" r:id="rId17"/>
   </p:sldIdLst>
   <p:sldSz cx="12192000" cy="6858000"/>
   <p:notesSz cx="6858000" cy="9144000"/>
@@ -6760,7 +6761,7 @@
           <a:p>
             <a:fld id="{2EB1900A-CF1B-B843-834D-920A07F18114}" type="datetimeFigureOut">
               <a:rPr lang="en-US" smtClean="0"/>
-              <a:t>10/13/25</a:t>
+              <a:t>10/27/25</a:t>
             </a:fld>
             <a:endParaRPr lang="en-US"/>
           </a:p>
@@ -6960,7 +6961,7 @@
           <a:p>
             <a:fld id="{2EB1900A-CF1B-B843-834D-920A07F18114}" type="datetimeFigureOut">
               <a:rPr lang="en-US" smtClean="0"/>
-              <a:t>10/13/25</a:t>
+              <a:t>10/27/25</a:t>
             </a:fld>
             <a:endParaRPr lang="en-US"/>
           </a:p>
@@ -7170,7 +7171,7 @@
           <a:p>
             <a:fld id="{2EB1900A-CF1B-B843-834D-920A07F18114}" type="datetimeFigureOut">
               <a:rPr lang="en-US" smtClean="0"/>
-              <a:t>10/13/25</a:t>
+              <a:t>10/27/25</a:t>
             </a:fld>
             <a:endParaRPr lang="en-US"/>
           </a:p>
@@ -7370,7 +7371,7 @@
           <a:p>
             <a:fld id="{2EB1900A-CF1B-B843-834D-920A07F18114}" type="datetimeFigureOut">
               <a:rPr lang="en-US" smtClean="0"/>
-              <a:t>10/13/25</a:t>
+              <a:t>10/27/25</a:t>
             </a:fld>
             <a:endParaRPr lang="en-US"/>
           </a:p>
@@ -7646,7 +7647,7 @@
           <a:p>
             <a:fld id="{2EB1900A-CF1B-B843-834D-920A07F18114}" type="datetimeFigureOut">
               <a:rPr lang="en-US" smtClean="0"/>
-              <a:t>10/13/25</a:t>
+              <a:t>10/27/25</a:t>
             </a:fld>
             <a:endParaRPr lang="en-US"/>
           </a:p>
@@ -7914,7 +7915,7 @@
           <a:p>
             <a:fld id="{2EB1900A-CF1B-B843-834D-920A07F18114}" type="datetimeFigureOut">
               <a:rPr lang="en-US" smtClean="0"/>
-              <a:t>10/13/25</a:t>
+              <a:t>10/27/25</a:t>
             </a:fld>
             <a:endParaRPr lang="en-US"/>
           </a:p>
@@ -8329,7 +8330,7 @@
           <a:p>
             <a:fld id="{2EB1900A-CF1B-B843-834D-920A07F18114}" type="datetimeFigureOut">
               <a:rPr lang="en-US" smtClean="0"/>
-              <a:t>10/13/25</a:t>
+              <a:t>10/27/25</a:t>
             </a:fld>
             <a:endParaRPr lang="en-US"/>
           </a:p>
@@ -8471,7 +8472,7 @@
           <a:p>
             <a:fld id="{2EB1900A-CF1B-B843-834D-920A07F18114}" type="datetimeFigureOut">
               <a:rPr lang="en-US" smtClean="0"/>
-              <a:t>10/13/25</a:t>
+              <a:t>10/27/25</a:t>
             </a:fld>
             <a:endParaRPr lang="en-US"/>
           </a:p>
@@ -8584,7 +8585,7 @@
           <a:p>
             <a:fld id="{2EB1900A-CF1B-B843-834D-920A07F18114}" type="datetimeFigureOut">
               <a:rPr lang="en-US" smtClean="0"/>
-              <a:t>10/13/25</a:t>
+              <a:t>10/27/25</a:t>
             </a:fld>
             <a:endParaRPr lang="en-US"/>
           </a:p>
@@ -8897,7 +8898,7 @@
           <a:p>
             <a:fld id="{2EB1900A-CF1B-B843-834D-920A07F18114}" type="datetimeFigureOut">
               <a:rPr lang="en-US" smtClean="0"/>
-              <a:t>10/13/25</a:t>
+              <a:t>10/27/25</a:t>
             </a:fld>
             <a:endParaRPr lang="en-US"/>
           </a:p>
@@ -9186,7 +9187,7 @@
           <a:p>
             <a:fld id="{2EB1900A-CF1B-B843-834D-920A07F18114}" type="datetimeFigureOut">
               <a:rPr lang="en-US" smtClean="0"/>
-              <a:t>10/13/25</a:t>
+              <a:t>10/27/25</a:t>
             </a:fld>
             <a:endParaRPr lang="en-US"/>
           </a:p>
@@ -9429,7 +9430,7 @@
           <a:p>
             <a:fld id="{2EB1900A-CF1B-B843-834D-920A07F18114}" type="datetimeFigureOut">
               <a:rPr lang="en-US" smtClean="0"/>
-              <a:t>10/13/25</a:t>
+              <a:t>10/27/25</a:t>
             </a:fld>
             <a:endParaRPr lang="en-US"/>
           </a:p>
@@ -11592,10 +11593,92 @@
       </p:grpSpPr>
       <p:sp>
         <p:nvSpPr>
+          <p:cNvPr id="3" name="Content Placeholder 2">
+            <a:extLst>
+              <a:ext uri="{FF2B5EF4-FFF2-40B4-BE49-F238E27FC236}">
+                <a16:creationId xmlns:a16="http://schemas.microsoft.com/office/drawing/2014/main" id="{5D222851-0719-EAFD-4E26-167FEE56B965}"/>
+              </a:ext>
+            </a:extLst>
+          </p:cNvPr>
+          <p:cNvSpPr>
+            <a:spLocks noGrp="1"/>
+          </p:cNvSpPr>
+          <p:nvPr>
+            <p:ph idx="1"/>
+          </p:nvPr>
+        </p:nvSpPr>
+        <p:spPr>
+          <a:xfrm>
+            <a:off x="838200" y="322728"/>
+            <a:ext cx="10515600" cy="6207163"/>
+          </a:xfrm>
+        </p:spPr>
+        <p:txBody>
+          <a:bodyPr/>
+          <a:lstStyle/>
+          <a:p>
+            <a:r>
+              <a:rPr lang="en-US" dirty="0"/>
+              <a:t>Event Bubbling </a:t>
+            </a:r>
+          </a:p>
+          <a:p>
+            <a:r>
+              <a:rPr lang="en-US" dirty="0"/>
+              <a:t>Event Capturing</a:t>
+            </a:r>
+          </a:p>
+          <a:p>
+            <a:r>
+              <a:rPr lang="en-US" dirty="0" err="1"/>
+              <a:t>Propogation</a:t>
+            </a:r>
+            <a:endParaRPr lang="en-US" dirty="0"/>
+          </a:p>
+          <a:p>
+            <a:r>
+              <a:rPr lang="en-US" dirty="0"/>
+              <a:t>Event delegation</a:t>
+            </a:r>
+          </a:p>
+        </p:txBody>
+      </p:sp>
+    </p:spTree>
+    <p:extLst>
+      <p:ext uri="{BB962C8B-B14F-4D97-AF65-F5344CB8AC3E}">
+        <p14:creationId xmlns:p14="http://schemas.microsoft.com/office/powerpoint/2010/main" val="4127306338"/>
+      </p:ext>
+    </p:extLst>
+  </p:cSld>
+  <p:clrMapOvr>
+    <a:masterClrMapping/>
+  </p:clrMapOvr>
+</p:sld>
+</file>
+
+<file path=ppt/slides/slide16.xml><?xml version="1.0" encoding="utf-8"?>
+<p:sld xmlns:a="http://schemas.openxmlformats.org/drawingml/2006/main" xmlns:r="http://schemas.openxmlformats.org/officeDocument/2006/relationships" xmlns:p="http://schemas.openxmlformats.org/presentationml/2006/main">
+  <p:cSld>
+    <p:spTree>
+      <p:nvGrpSpPr>
+        <p:cNvPr id="1" name=""/>
+        <p:cNvGrpSpPr/>
+        <p:nvPr/>
+      </p:nvGrpSpPr>
+      <p:grpSpPr>
+        <a:xfrm>
+          <a:off x="0" y="0"/>
+          <a:ext cx="0" cy="0"/>
+          <a:chOff x="0" y="0"/>
+          <a:chExt cx="0" cy="0"/>
+        </a:xfrm>
+      </p:grpSpPr>
+      <p:sp>
+        <p:nvSpPr>
           <p:cNvPr id="2" name="Title 1">
             <a:extLst>
               <a:ext uri="{FF2B5EF4-FFF2-40B4-BE49-F238E27FC236}">
-                <a16:creationId xmlns:a16="http://schemas.microsoft.com/office/drawing/2014/main" id="{D36F8FE9-290A-B0A6-F37E-336E9A907D83}"/>
+                <a16:creationId xmlns:a16="http://schemas.microsoft.com/office/drawing/2014/main" id="{7EB5C137-AB4B-C09F-92C0-70EAB6E4735C}"/>
               </a:ext>
             </a:extLst>
           </p:cNvPr>
@@ -11611,7 +11694,10 @@
           <a:bodyPr/>
           <a:lstStyle/>
           <a:p>
-            <a:endParaRPr lang="en-US"/>
+            <a:r>
+              <a:rPr lang="en-US" dirty="0"/>
+              <a:t>Async JavaScript</a:t>
+            </a:r>
           </a:p>
         </p:txBody>
       </p:sp>
@@ -11620,7 +11706,7 @@
           <p:cNvPr id="3" name="Content Placeholder 2">
             <a:extLst>
               <a:ext uri="{FF2B5EF4-FFF2-40B4-BE49-F238E27FC236}">
-                <a16:creationId xmlns:a16="http://schemas.microsoft.com/office/drawing/2014/main" id="{5D222851-0719-EAFD-4E26-167FEE56B965}"/>
+                <a16:creationId xmlns:a16="http://schemas.microsoft.com/office/drawing/2014/main" id="{B7774DB5-04EF-A9F5-440F-686996588003}"/>
               </a:ext>
             </a:extLst>
           </p:cNvPr>
@@ -11636,14 +11722,31 @@
           <a:bodyPr/>
           <a:lstStyle/>
           <a:p>
-            <a:endParaRPr lang="en-US"/>
+            <a:r>
+              <a:rPr lang="en-US" dirty="0"/>
+              <a:t>Asynchronous JavaScript</a:t>
+            </a:r>
+          </a:p>
+          <a:p>
+            <a:r>
+              <a:rPr lang="en-US" dirty="0" err="1"/>
+              <a:t>setTimeout</a:t>
+            </a:r>
+            <a:endParaRPr lang="en-US" dirty="0"/>
+          </a:p>
+          <a:p>
+            <a:r>
+              <a:rPr lang="en-US"/>
+              <a:t>setInterval</a:t>
+            </a:r>
+            <a:endParaRPr lang="en-US" dirty="0"/>
           </a:p>
         </p:txBody>
       </p:sp>
     </p:spTree>
     <p:extLst>
       <p:ext uri="{BB962C8B-B14F-4D97-AF65-F5344CB8AC3E}">
-        <p14:creationId xmlns:p14="http://schemas.microsoft.com/office/powerpoint/2010/main" val="4127306338"/>
+        <p14:creationId xmlns:p14="http://schemas.microsoft.com/office/powerpoint/2010/main" val="326935865"/>
       </p:ext>
     </p:extLst>
   </p:cSld>

--- a/JS/JavaScript.pptx
+++ b/JS/JavaScript.pptx
@@ -6761,7 +6761,7 @@
           <a:p>
             <a:fld id="{2EB1900A-CF1B-B843-834D-920A07F18114}" type="datetimeFigureOut">
               <a:rPr lang="en-US" smtClean="0"/>
-              <a:t>10/27/25</a:t>
+              <a:t>10/28/25</a:t>
             </a:fld>
             <a:endParaRPr lang="en-US"/>
           </a:p>
@@ -6961,7 +6961,7 @@
           <a:p>
             <a:fld id="{2EB1900A-CF1B-B843-834D-920A07F18114}" type="datetimeFigureOut">
               <a:rPr lang="en-US" smtClean="0"/>
-              <a:t>10/27/25</a:t>
+              <a:t>10/28/25</a:t>
             </a:fld>
             <a:endParaRPr lang="en-US"/>
           </a:p>
@@ -7171,7 +7171,7 @@
           <a:p>
             <a:fld id="{2EB1900A-CF1B-B843-834D-920A07F18114}" type="datetimeFigureOut">
               <a:rPr lang="en-US" smtClean="0"/>
-              <a:t>10/27/25</a:t>
+              <a:t>10/28/25</a:t>
             </a:fld>
             <a:endParaRPr lang="en-US"/>
           </a:p>
@@ -7371,7 +7371,7 @@
           <a:p>
             <a:fld id="{2EB1900A-CF1B-B843-834D-920A07F18114}" type="datetimeFigureOut">
               <a:rPr lang="en-US" smtClean="0"/>
-              <a:t>10/27/25</a:t>
+              <a:t>10/28/25</a:t>
             </a:fld>
             <a:endParaRPr lang="en-US"/>
           </a:p>
@@ -7647,7 +7647,7 @@
           <a:p>
             <a:fld id="{2EB1900A-CF1B-B843-834D-920A07F18114}" type="datetimeFigureOut">
               <a:rPr lang="en-US" smtClean="0"/>
-              <a:t>10/27/25</a:t>
+              <a:t>10/28/25</a:t>
             </a:fld>
             <a:endParaRPr lang="en-US"/>
           </a:p>
@@ -7915,7 +7915,7 @@
           <a:p>
             <a:fld id="{2EB1900A-CF1B-B843-834D-920A07F18114}" type="datetimeFigureOut">
               <a:rPr lang="en-US" smtClean="0"/>
-              <a:t>10/27/25</a:t>
+              <a:t>10/28/25</a:t>
             </a:fld>
             <a:endParaRPr lang="en-US"/>
           </a:p>
@@ -8330,7 +8330,7 @@
           <a:p>
             <a:fld id="{2EB1900A-CF1B-B843-834D-920A07F18114}" type="datetimeFigureOut">
               <a:rPr lang="en-US" smtClean="0"/>
-              <a:t>10/27/25</a:t>
+              <a:t>10/28/25</a:t>
             </a:fld>
             <a:endParaRPr lang="en-US"/>
           </a:p>
@@ -8472,7 +8472,7 @@
           <a:p>
             <a:fld id="{2EB1900A-CF1B-B843-834D-920A07F18114}" type="datetimeFigureOut">
               <a:rPr lang="en-US" smtClean="0"/>
-              <a:t>10/27/25</a:t>
+              <a:t>10/28/25</a:t>
             </a:fld>
             <a:endParaRPr lang="en-US"/>
           </a:p>
@@ -8585,7 +8585,7 @@
           <a:p>
             <a:fld id="{2EB1900A-CF1B-B843-834D-920A07F18114}" type="datetimeFigureOut">
               <a:rPr lang="en-US" smtClean="0"/>
-              <a:t>10/27/25</a:t>
+              <a:t>10/28/25</a:t>
             </a:fld>
             <a:endParaRPr lang="en-US"/>
           </a:p>
@@ -8898,7 +8898,7 @@
           <a:p>
             <a:fld id="{2EB1900A-CF1B-B843-834D-920A07F18114}" type="datetimeFigureOut">
               <a:rPr lang="en-US" smtClean="0"/>
-              <a:t>10/27/25</a:t>
+              <a:t>10/28/25</a:t>
             </a:fld>
             <a:endParaRPr lang="en-US"/>
           </a:p>
@@ -9187,7 +9187,7 @@
           <a:p>
             <a:fld id="{2EB1900A-CF1B-B843-834D-920A07F18114}" type="datetimeFigureOut">
               <a:rPr lang="en-US" smtClean="0"/>
-              <a:t>10/27/25</a:t>
+              <a:t>10/28/25</a:t>
             </a:fld>
             <a:endParaRPr lang="en-US"/>
           </a:p>
@@ -9430,7 +9430,7 @@
           <a:p>
             <a:fld id="{2EB1900A-CF1B-B843-834D-920A07F18114}" type="datetimeFigureOut">
               <a:rPr lang="en-US" smtClean="0"/>
-              <a:t>10/27/25</a:t>
+              <a:t>10/28/25</a:t>
             </a:fld>
             <a:endParaRPr lang="en-US"/>
           </a:p>
@@ -11736,8 +11736,27 @@
           </a:p>
           <a:p>
             <a:r>
+              <a:rPr lang="en-US" dirty="0" err="1"/>
+              <a:t>setInterval</a:t>
+            </a:r>
+            <a:endParaRPr lang="en-US" dirty="0"/>
+          </a:p>
+          <a:p>
+            <a:r>
+              <a:rPr lang="en-US" dirty="0"/>
+              <a:t>Callback</a:t>
+            </a:r>
+          </a:p>
+          <a:p>
+            <a:r>
+              <a:rPr lang="en-US" dirty="0"/>
+              <a:t>Callback Hell and Pyramid of DOM</a:t>
+            </a:r>
+          </a:p>
+          <a:p>
+            <a:r>
               <a:rPr lang="en-US"/>
-              <a:t>setInterval</a:t>
+              <a:t>Promises in JS</a:t>
             </a:r>
             <a:endParaRPr lang="en-US" dirty="0"/>
           </a:p>
